--- a/powerpoint/一人に一台食券機の時代.pptx
+++ b/powerpoint/一人に一台食券機の時代.pptx
@@ -6,11 +6,10 @@
   </p:sldMasterIdLst>
   <p:sldIdLst>
     <p:sldId id="256" r:id="rId2"/>
-    <p:sldId id="257" r:id="rId3"/>
-    <p:sldId id="258" r:id="rId4"/>
-    <p:sldId id="260" r:id="rId5"/>
-    <p:sldId id="262" r:id="rId6"/>
-    <p:sldId id="263" r:id="rId7"/>
+    <p:sldId id="264" r:id="rId3"/>
+    <p:sldId id="266" r:id="rId4"/>
+    <p:sldId id="267" r:id="rId5"/>
+    <p:sldId id="265" r:id="rId6"/>
   </p:sldIdLst>
   <p:sldSz cx="12192000" cy="6858000"/>
   <p:notesSz cx="6858000" cy="9144000"/>
@@ -109,7 +108,2768 @@
       </a:defRPr>
     </a:lvl9pPr>
   </p:defaultTextStyle>
+  <p:extLst>
+    <p:ext uri="{EFAFB233-063F-42B5-8137-9DF3F51BA10A}">
+      <p15:sldGuideLst xmlns:p15="http://schemas.microsoft.com/office/powerpoint/2012/main"/>
+    </p:ext>
+  </p:extLst>
 </p:presentation>
+</file>
+
+<file path=ppt/diagrams/colors1.xml><?xml version="1.0" encoding="utf-8"?>
+<dgm:colorsDef xmlns:dgm="http://schemas.openxmlformats.org/drawingml/2006/diagram" xmlns:a="http://schemas.openxmlformats.org/drawingml/2006/main" uniqueId="urn:microsoft.com/office/officeart/2005/8/colors/accent1_2">
+  <dgm:title val=""/>
+  <dgm:desc val=""/>
+  <dgm:catLst>
+    <dgm:cat type="accent1" pri="11200"/>
+  </dgm:catLst>
+  <dgm:styleLbl name="node0">
+    <dgm:fillClrLst meth="repeat">
+      <a:schemeClr val="accent1"/>
+    </dgm:fillClrLst>
+    <dgm:linClrLst meth="repeat">
+      <a:schemeClr val="lt1"/>
+    </dgm:linClrLst>
+    <dgm:effectClrLst/>
+    <dgm:txLinClrLst/>
+    <dgm:txFillClrLst/>
+    <dgm:txEffectClrLst/>
+  </dgm:styleLbl>
+  <dgm:styleLbl name="alignNode1">
+    <dgm:fillClrLst meth="repeat">
+      <a:schemeClr val="accent1"/>
+    </dgm:fillClrLst>
+    <dgm:linClrLst meth="repeat">
+      <a:schemeClr val="accent1"/>
+    </dgm:linClrLst>
+    <dgm:effectClrLst/>
+    <dgm:txLinClrLst/>
+    <dgm:txFillClrLst/>
+    <dgm:txEffectClrLst/>
+  </dgm:styleLbl>
+  <dgm:styleLbl name="node1">
+    <dgm:fillClrLst meth="repeat">
+      <a:schemeClr val="accent1"/>
+    </dgm:fillClrLst>
+    <dgm:linClrLst meth="repeat">
+      <a:schemeClr val="lt1"/>
+    </dgm:linClrLst>
+    <dgm:effectClrLst/>
+    <dgm:txLinClrLst/>
+    <dgm:txFillClrLst/>
+    <dgm:txEffectClrLst/>
+  </dgm:styleLbl>
+  <dgm:styleLbl name="lnNode1">
+    <dgm:fillClrLst meth="repeat">
+      <a:schemeClr val="accent1"/>
+    </dgm:fillClrLst>
+    <dgm:linClrLst meth="repeat">
+      <a:schemeClr val="lt1"/>
+    </dgm:linClrLst>
+    <dgm:effectClrLst/>
+    <dgm:txLinClrLst/>
+    <dgm:txFillClrLst/>
+    <dgm:txEffectClrLst/>
+  </dgm:styleLbl>
+  <dgm:styleLbl name="vennNode1">
+    <dgm:fillClrLst meth="repeat">
+      <a:schemeClr val="accent1">
+        <a:alpha val="50000"/>
+      </a:schemeClr>
+    </dgm:fillClrLst>
+    <dgm:linClrLst meth="repeat">
+      <a:schemeClr val="lt1"/>
+    </dgm:linClrLst>
+    <dgm:effectClrLst/>
+    <dgm:txLinClrLst/>
+    <dgm:txFillClrLst/>
+    <dgm:txEffectClrLst/>
+  </dgm:styleLbl>
+  <dgm:styleLbl name="node2">
+    <dgm:fillClrLst meth="repeat">
+      <a:schemeClr val="accent1"/>
+    </dgm:fillClrLst>
+    <dgm:linClrLst meth="repeat">
+      <a:schemeClr val="lt1"/>
+    </dgm:linClrLst>
+    <dgm:effectClrLst/>
+    <dgm:txLinClrLst/>
+    <dgm:txFillClrLst/>
+    <dgm:txEffectClrLst/>
+  </dgm:styleLbl>
+  <dgm:styleLbl name="node3">
+    <dgm:fillClrLst meth="repeat">
+      <a:schemeClr val="accent1"/>
+    </dgm:fillClrLst>
+    <dgm:linClrLst meth="repeat">
+      <a:schemeClr val="lt1"/>
+    </dgm:linClrLst>
+    <dgm:effectClrLst/>
+    <dgm:txLinClrLst/>
+    <dgm:txFillClrLst/>
+    <dgm:txEffectClrLst/>
+  </dgm:styleLbl>
+  <dgm:styleLbl name="node4">
+    <dgm:fillClrLst meth="repeat">
+      <a:schemeClr val="accent1"/>
+    </dgm:fillClrLst>
+    <dgm:linClrLst meth="repeat">
+      <a:schemeClr val="lt1"/>
+    </dgm:linClrLst>
+    <dgm:effectClrLst/>
+    <dgm:txLinClrLst/>
+    <dgm:txFillClrLst/>
+    <dgm:txEffectClrLst/>
+  </dgm:styleLbl>
+  <dgm:styleLbl name="fgImgPlace1">
+    <dgm:fillClrLst meth="repeat">
+      <a:schemeClr val="accent1">
+        <a:tint val="50000"/>
+      </a:schemeClr>
+    </dgm:fillClrLst>
+    <dgm:linClrLst meth="repeat">
+      <a:schemeClr val="lt1"/>
+    </dgm:linClrLst>
+    <dgm:effectClrLst/>
+    <dgm:txLinClrLst/>
+    <dgm:txFillClrLst meth="repeat">
+      <a:schemeClr val="lt1"/>
+    </dgm:txFillClrLst>
+    <dgm:txEffectClrLst/>
+  </dgm:styleLbl>
+  <dgm:styleLbl name="alignImgPlace1">
+    <dgm:fillClrLst meth="repeat">
+      <a:schemeClr val="accent1">
+        <a:tint val="50000"/>
+      </a:schemeClr>
+    </dgm:fillClrLst>
+    <dgm:linClrLst meth="repeat">
+      <a:schemeClr val="lt1"/>
+    </dgm:linClrLst>
+    <dgm:effectClrLst/>
+    <dgm:txLinClrLst/>
+    <dgm:txFillClrLst meth="repeat">
+      <a:schemeClr val="lt1"/>
+    </dgm:txFillClrLst>
+    <dgm:txEffectClrLst/>
+  </dgm:styleLbl>
+  <dgm:styleLbl name="bgImgPlace1">
+    <dgm:fillClrLst meth="repeat">
+      <a:schemeClr val="accent1">
+        <a:tint val="50000"/>
+      </a:schemeClr>
+    </dgm:fillClrLst>
+    <dgm:linClrLst meth="repeat">
+      <a:schemeClr val="lt1"/>
+    </dgm:linClrLst>
+    <dgm:effectClrLst/>
+    <dgm:txLinClrLst/>
+    <dgm:txFillClrLst meth="repeat">
+      <a:schemeClr val="lt1"/>
+    </dgm:txFillClrLst>
+    <dgm:txEffectClrLst/>
+  </dgm:styleLbl>
+  <dgm:styleLbl name="sibTrans2D1">
+    <dgm:fillClrLst meth="repeat">
+      <a:schemeClr val="accent1">
+        <a:tint val="60000"/>
+      </a:schemeClr>
+    </dgm:fillClrLst>
+    <dgm:linClrLst meth="repeat">
+      <a:schemeClr val="accent1">
+        <a:tint val="60000"/>
+      </a:schemeClr>
+    </dgm:linClrLst>
+    <dgm:effectClrLst/>
+    <dgm:txLinClrLst/>
+    <dgm:txFillClrLst/>
+    <dgm:txEffectClrLst/>
+  </dgm:styleLbl>
+  <dgm:styleLbl name="fgSibTrans2D1">
+    <dgm:fillClrLst meth="repeat">
+      <a:schemeClr val="accent1">
+        <a:tint val="60000"/>
+      </a:schemeClr>
+    </dgm:fillClrLst>
+    <dgm:linClrLst meth="repeat">
+      <a:schemeClr val="accent1">
+        <a:tint val="60000"/>
+      </a:schemeClr>
+    </dgm:linClrLst>
+    <dgm:effectClrLst/>
+    <dgm:txLinClrLst/>
+    <dgm:txFillClrLst/>
+    <dgm:txEffectClrLst/>
+  </dgm:styleLbl>
+  <dgm:styleLbl name="bgSibTrans2D1">
+    <dgm:fillClrLst meth="repeat">
+      <a:schemeClr val="accent1">
+        <a:tint val="60000"/>
+      </a:schemeClr>
+    </dgm:fillClrLst>
+    <dgm:linClrLst meth="repeat">
+      <a:schemeClr val="accent1">
+        <a:tint val="60000"/>
+      </a:schemeClr>
+    </dgm:linClrLst>
+    <dgm:effectClrLst/>
+    <dgm:txLinClrLst/>
+    <dgm:txFillClrLst/>
+    <dgm:txEffectClrLst/>
+  </dgm:styleLbl>
+  <dgm:styleLbl name="sibTrans1D1">
+    <dgm:fillClrLst meth="repeat">
+      <a:schemeClr val="accent1"/>
+    </dgm:fillClrLst>
+    <dgm:linClrLst meth="repeat">
+      <a:schemeClr val="accent1"/>
+    </dgm:linClrLst>
+    <dgm:effectClrLst/>
+    <dgm:txLinClrLst/>
+    <dgm:txFillClrLst meth="repeat">
+      <a:schemeClr val="tx1"/>
+    </dgm:txFillClrLst>
+    <dgm:txEffectClrLst/>
+  </dgm:styleLbl>
+  <dgm:styleLbl name="callout">
+    <dgm:fillClrLst meth="repeat">
+      <a:schemeClr val="accent1"/>
+    </dgm:fillClrLst>
+    <dgm:linClrLst meth="repeat">
+      <a:schemeClr val="accent1">
+        <a:tint val="50000"/>
+      </a:schemeClr>
+    </dgm:linClrLst>
+    <dgm:effectClrLst/>
+    <dgm:txLinClrLst/>
+    <dgm:txFillClrLst meth="repeat">
+      <a:schemeClr val="tx1"/>
+    </dgm:txFillClrLst>
+    <dgm:txEffectClrLst/>
+  </dgm:styleLbl>
+  <dgm:styleLbl name="asst0">
+    <dgm:fillClrLst meth="repeat">
+      <a:schemeClr val="accent1"/>
+    </dgm:fillClrLst>
+    <dgm:linClrLst meth="repeat">
+      <a:schemeClr val="lt1"/>
+    </dgm:linClrLst>
+    <dgm:effectClrLst/>
+    <dgm:txLinClrLst/>
+    <dgm:txFillClrLst/>
+    <dgm:txEffectClrLst/>
+  </dgm:styleLbl>
+  <dgm:styleLbl name="asst1">
+    <dgm:fillClrLst meth="repeat">
+      <a:schemeClr val="accent1"/>
+    </dgm:fillClrLst>
+    <dgm:linClrLst meth="repeat">
+      <a:schemeClr val="lt1"/>
+    </dgm:linClrLst>
+    <dgm:effectClrLst/>
+    <dgm:txLinClrLst/>
+    <dgm:txFillClrLst/>
+    <dgm:txEffectClrLst/>
+  </dgm:styleLbl>
+  <dgm:styleLbl name="asst2">
+    <dgm:fillClrLst meth="repeat">
+      <a:schemeClr val="accent1"/>
+    </dgm:fillClrLst>
+    <dgm:linClrLst meth="repeat">
+      <a:schemeClr val="lt1"/>
+    </dgm:linClrLst>
+    <dgm:effectClrLst/>
+    <dgm:txLinClrLst/>
+    <dgm:txFillClrLst/>
+    <dgm:txEffectClrLst/>
+  </dgm:styleLbl>
+  <dgm:styleLbl name="asst3">
+    <dgm:fillClrLst meth="repeat">
+      <a:schemeClr val="accent1"/>
+    </dgm:fillClrLst>
+    <dgm:linClrLst meth="repeat">
+      <a:schemeClr val="lt1"/>
+    </dgm:linClrLst>
+    <dgm:effectClrLst/>
+    <dgm:txLinClrLst/>
+    <dgm:txFillClrLst/>
+    <dgm:txEffectClrLst/>
+  </dgm:styleLbl>
+  <dgm:styleLbl name="asst4">
+    <dgm:fillClrLst meth="repeat">
+      <a:schemeClr val="accent1"/>
+    </dgm:fillClrLst>
+    <dgm:linClrLst meth="repeat">
+      <a:schemeClr val="lt1"/>
+    </dgm:linClrLst>
+    <dgm:effectClrLst/>
+    <dgm:txLinClrLst/>
+    <dgm:txFillClrLst/>
+    <dgm:txEffectClrLst/>
+  </dgm:styleLbl>
+  <dgm:styleLbl name="parChTrans2D1">
+    <dgm:fillClrLst meth="repeat">
+      <a:schemeClr val="accent1">
+        <a:tint val="60000"/>
+      </a:schemeClr>
+    </dgm:fillClrLst>
+    <dgm:linClrLst meth="repeat">
+      <a:schemeClr val="accent1">
+        <a:tint val="60000"/>
+      </a:schemeClr>
+    </dgm:linClrLst>
+    <dgm:effectClrLst/>
+    <dgm:txLinClrLst/>
+    <dgm:txFillClrLst meth="repeat">
+      <a:schemeClr val="lt1"/>
+    </dgm:txFillClrLst>
+    <dgm:txEffectClrLst/>
+  </dgm:styleLbl>
+  <dgm:styleLbl name="parChTrans2D2">
+    <dgm:fillClrLst meth="repeat">
+      <a:schemeClr val="accent1"/>
+    </dgm:fillClrLst>
+    <dgm:linClrLst meth="repeat">
+      <a:schemeClr val="accent1"/>
+    </dgm:linClrLst>
+    <dgm:effectClrLst/>
+    <dgm:txLinClrLst/>
+    <dgm:txFillClrLst meth="repeat">
+      <a:schemeClr val="lt1"/>
+    </dgm:txFillClrLst>
+    <dgm:txEffectClrLst/>
+  </dgm:styleLbl>
+  <dgm:styleLbl name="parChTrans2D3">
+    <dgm:fillClrLst meth="repeat">
+      <a:schemeClr val="accent1"/>
+    </dgm:fillClrLst>
+    <dgm:linClrLst meth="repeat">
+      <a:schemeClr val="accent1"/>
+    </dgm:linClrLst>
+    <dgm:effectClrLst/>
+    <dgm:txLinClrLst/>
+    <dgm:txFillClrLst meth="repeat">
+      <a:schemeClr val="lt1"/>
+    </dgm:txFillClrLst>
+    <dgm:txEffectClrLst/>
+  </dgm:styleLbl>
+  <dgm:styleLbl name="parChTrans2D4">
+    <dgm:fillClrLst meth="repeat">
+      <a:schemeClr val="accent1"/>
+    </dgm:fillClrLst>
+    <dgm:linClrLst meth="repeat">
+      <a:schemeClr val="accent1"/>
+    </dgm:linClrLst>
+    <dgm:effectClrLst/>
+    <dgm:txLinClrLst/>
+    <dgm:txFillClrLst meth="repeat">
+      <a:schemeClr val="lt1"/>
+    </dgm:txFillClrLst>
+    <dgm:txEffectClrLst/>
+  </dgm:styleLbl>
+  <dgm:styleLbl name="parChTrans1D1">
+    <dgm:fillClrLst meth="repeat">
+      <a:schemeClr val="accent1"/>
+    </dgm:fillClrLst>
+    <dgm:linClrLst meth="repeat">
+      <a:schemeClr val="accent1">
+        <a:shade val="60000"/>
+      </a:schemeClr>
+    </dgm:linClrLst>
+    <dgm:effectClrLst/>
+    <dgm:txLinClrLst/>
+    <dgm:txFillClrLst meth="repeat">
+      <a:schemeClr val="tx1"/>
+    </dgm:txFillClrLst>
+    <dgm:txEffectClrLst/>
+  </dgm:styleLbl>
+  <dgm:styleLbl name="parChTrans1D2">
+    <dgm:fillClrLst meth="repeat">
+      <a:schemeClr val="accent1"/>
+    </dgm:fillClrLst>
+    <dgm:linClrLst meth="repeat">
+      <a:schemeClr val="accent1">
+        <a:shade val="60000"/>
+      </a:schemeClr>
+    </dgm:linClrLst>
+    <dgm:effectClrLst/>
+    <dgm:txLinClrLst/>
+    <dgm:txFillClrLst meth="repeat">
+      <a:schemeClr val="tx1"/>
+    </dgm:txFillClrLst>
+    <dgm:txEffectClrLst/>
+  </dgm:styleLbl>
+  <dgm:styleLbl name="parChTrans1D3">
+    <dgm:fillClrLst meth="repeat">
+      <a:schemeClr val="accent1"/>
+    </dgm:fillClrLst>
+    <dgm:linClrLst meth="repeat">
+      <a:schemeClr val="accent1">
+        <a:shade val="80000"/>
+      </a:schemeClr>
+    </dgm:linClrLst>
+    <dgm:effectClrLst/>
+    <dgm:txLinClrLst/>
+    <dgm:txFillClrLst meth="repeat">
+      <a:schemeClr val="tx1"/>
+    </dgm:txFillClrLst>
+    <dgm:txEffectClrLst/>
+  </dgm:styleLbl>
+  <dgm:styleLbl name="parChTrans1D4">
+    <dgm:fillClrLst meth="repeat">
+      <a:schemeClr val="accent1"/>
+    </dgm:fillClrLst>
+    <dgm:linClrLst meth="repeat">
+      <a:schemeClr val="accent1">
+        <a:shade val="80000"/>
+      </a:schemeClr>
+    </dgm:linClrLst>
+    <dgm:effectClrLst/>
+    <dgm:txLinClrLst/>
+    <dgm:txFillClrLst meth="repeat">
+      <a:schemeClr val="tx1"/>
+    </dgm:txFillClrLst>
+    <dgm:txEffectClrLst/>
+  </dgm:styleLbl>
+  <dgm:styleLbl name="fgAcc1">
+    <dgm:fillClrLst meth="repeat">
+      <a:schemeClr val="lt1">
+        <a:alpha val="90000"/>
+      </a:schemeClr>
+    </dgm:fillClrLst>
+    <dgm:linClrLst meth="repeat">
+      <a:schemeClr val="accent1"/>
+    </dgm:linClrLst>
+    <dgm:effectClrLst/>
+    <dgm:txLinClrLst/>
+    <dgm:txFillClrLst meth="repeat">
+      <a:schemeClr val="dk1"/>
+    </dgm:txFillClrLst>
+    <dgm:txEffectClrLst/>
+  </dgm:styleLbl>
+  <dgm:styleLbl name="conFgAcc1">
+    <dgm:fillClrLst meth="repeat">
+      <a:schemeClr val="lt1">
+        <a:alpha val="90000"/>
+      </a:schemeClr>
+    </dgm:fillClrLst>
+    <dgm:linClrLst meth="repeat">
+      <a:schemeClr val="accent1"/>
+    </dgm:linClrLst>
+    <dgm:effectClrLst/>
+    <dgm:txLinClrLst/>
+    <dgm:txFillClrLst meth="repeat">
+      <a:schemeClr val="dk1"/>
+    </dgm:txFillClrLst>
+    <dgm:txEffectClrLst/>
+  </dgm:styleLbl>
+  <dgm:styleLbl name="alignAcc1">
+    <dgm:fillClrLst meth="repeat">
+      <a:schemeClr val="lt1">
+        <a:alpha val="90000"/>
+      </a:schemeClr>
+    </dgm:fillClrLst>
+    <dgm:linClrLst meth="repeat">
+      <a:schemeClr val="accent1"/>
+    </dgm:linClrLst>
+    <dgm:effectClrLst/>
+    <dgm:txLinClrLst/>
+    <dgm:txFillClrLst meth="repeat">
+      <a:schemeClr val="dk1"/>
+    </dgm:txFillClrLst>
+    <dgm:txEffectClrLst/>
+  </dgm:styleLbl>
+  <dgm:styleLbl name="trAlignAcc1">
+    <dgm:fillClrLst meth="repeat">
+      <a:schemeClr val="lt1">
+        <a:alpha val="40000"/>
+      </a:schemeClr>
+    </dgm:fillClrLst>
+    <dgm:linClrLst meth="repeat">
+      <a:schemeClr val="accent1"/>
+    </dgm:linClrLst>
+    <dgm:effectClrLst/>
+    <dgm:txLinClrLst/>
+    <dgm:txFillClrLst meth="repeat">
+      <a:schemeClr val="dk1"/>
+    </dgm:txFillClrLst>
+    <dgm:txEffectClrLst/>
+  </dgm:styleLbl>
+  <dgm:styleLbl name="bgAcc1">
+    <dgm:fillClrLst meth="repeat">
+      <a:schemeClr val="lt1">
+        <a:alpha val="90000"/>
+      </a:schemeClr>
+    </dgm:fillClrLst>
+    <dgm:linClrLst meth="repeat">
+      <a:schemeClr val="accent1"/>
+    </dgm:linClrLst>
+    <dgm:effectClrLst/>
+    <dgm:txLinClrLst/>
+    <dgm:txFillClrLst meth="repeat">
+      <a:schemeClr val="dk1"/>
+    </dgm:txFillClrLst>
+    <dgm:txEffectClrLst/>
+  </dgm:styleLbl>
+  <dgm:styleLbl name="solidFgAcc1">
+    <dgm:fillClrLst meth="repeat">
+      <a:schemeClr val="lt1"/>
+    </dgm:fillClrLst>
+    <dgm:linClrLst meth="repeat">
+      <a:schemeClr val="accent1"/>
+    </dgm:linClrLst>
+    <dgm:effectClrLst/>
+    <dgm:txLinClrLst/>
+    <dgm:txFillClrLst meth="repeat">
+      <a:schemeClr val="dk1"/>
+    </dgm:txFillClrLst>
+    <dgm:txEffectClrLst/>
+  </dgm:styleLbl>
+  <dgm:styleLbl name="solidAlignAcc1">
+    <dgm:fillClrLst meth="repeat">
+      <a:schemeClr val="lt1"/>
+    </dgm:fillClrLst>
+    <dgm:linClrLst meth="repeat">
+      <a:schemeClr val="accent1"/>
+    </dgm:linClrLst>
+    <dgm:effectClrLst/>
+    <dgm:txLinClrLst/>
+    <dgm:txFillClrLst meth="repeat">
+      <a:schemeClr val="dk1"/>
+    </dgm:txFillClrLst>
+    <dgm:txEffectClrLst/>
+  </dgm:styleLbl>
+  <dgm:styleLbl name="solidBgAcc1">
+    <dgm:fillClrLst meth="repeat">
+      <a:schemeClr val="lt1"/>
+    </dgm:fillClrLst>
+    <dgm:linClrLst meth="repeat">
+      <a:schemeClr val="accent1"/>
+    </dgm:linClrLst>
+    <dgm:effectClrLst/>
+    <dgm:txLinClrLst/>
+    <dgm:txFillClrLst meth="repeat">
+      <a:schemeClr val="dk1"/>
+    </dgm:txFillClrLst>
+    <dgm:txEffectClrLst/>
+  </dgm:styleLbl>
+  <dgm:styleLbl name="fgAccFollowNode1">
+    <dgm:fillClrLst meth="repeat">
+      <a:schemeClr val="accent1">
+        <a:alpha val="90000"/>
+        <a:tint val="40000"/>
+      </a:schemeClr>
+    </dgm:fillClrLst>
+    <dgm:linClrLst meth="repeat">
+      <a:schemeClr val="accent1">
+        <a:alpha val="90000"/>
+        <a:tint val="40000"/>
+      </a:schemeClr>
+    </dgm:linClrLst>
+    <dgm:effectClrLst/>
+    <dgm:txLinClrLst/>
+    <dgm:txFillClrLst meth="repeat">
+      <a:schemeClr val="dk1"/>
+    </dgm:txFillClrLst>
+    <dgm:txEffectClrLst/>
+  </dgm:styleLbl>
+  <dgm:styleLbl name="alignAccFollowNode1">
+    <dgm:fillClrLst meth="repeat">
+      <a:schemeClr val="accent1">
+        <a:alpha val="90000"/>
+        <a:tint val="40000"/>
+      </a:schemeClr>
+    </dgm:fillClrLst>
+    <dgm:linClrLst meth="repeat">
+      <a:schemeClr val="accent1">
+        <a:alpha val="90000"/>
+        <a:tint val="40000"/>
+      </a:schemeClr>
+    </dgm:linClrLst>
+    <dgm:effectClrLst/>
+    <dgm:txLinClrLst/>
+    <dgm:txFillClrLst meth="repeat">
+      <a:schemeClr val="dk1"/>
+    </dgm:txFillClrLst>
+    <dgm:txEffectClrLst/>
+  </dgm:styleLbl>
+  <dgm:styleLbl name="bgAccFollowNode1">
+    <dgm:fillClrLst meth="repeat">
+      <a:schemeClr val="accent1">
+        <a:alpha val="90000"/>
+        <a:tint val="40000"/>
+      </a:schemeClr>
+    </dgm:fillClrLst>
+    <dgm:linClrLst meth="repeat">
+      <a:schemeClr val="accent1">
+        <a:alpha val="90000"/>
+        <a:tint val="40000"/>
+      </a:schemeClr>
+    </dgm:linClrLst>
+    <dgm:effectClrLst/>
+    <dgm:txLinClrLst/>
+    <dgm:txFillClrLst meth="repeat">
+      <a:schemeClr val="dk1"/>
+    </dgm:txFillClrLst>
+    <dgm:txEffectClrLst/>
+  </dgm:styleLbl>
+  <dgm:styleLbl name="fgAcc0">
+    <dgm:fillClrLst meth="repeat">
+      <a:schemeClr val="lt1">
+        <a:alpha val="90000"/>
+      </a:schemeClr>
+    </dgm:fillClrLst>
+    <dgm:linClrLst meth="repeat">
+      <a:schemeClr val="accent1"/>
+    </dgm:linClrLst>
+    <dgm:effectClrLst/>
+    <dgm:txLinClrLst/>
+    <dgm:txFillClrLst meth="repeat">
+      <a:schemeClr val="dk1"/>
+    </dgm:txFillClrLst>
+    <dgm:txEffectClrLst/>
+  </dgm:styleLbl>
+  <dgm:styleLbl name="fgAcc2">
+    <dgm:fillClrLst meth="repeat">
+      <a:schemeClr val="lt1">
+        <a:alpha val="90000"/>
+      </a:schemeClr>
+    </dgm:fillClrLst>
+    <dgm:linClrLst meth="repeat">
+      <a:schemeClr val="accent1"/>
+    </dgm:linClrLst>
+    <dgm:effectClrLst/>
+    <dgm:txLinClrLst/>
+    <dgm:txFillClrLst meth="repeat">
+      <a:schemeClr val="dk1"/>
+    </dgm:txFillClrLst>
+    <dgm:txEffectClrLst/>
+  </dgm:styleLbl>
+  <dgm:styleLbl name="fgAcc3">
+    <dgm:fillClrLst meth="repeat">
+      <a:schemeClr val="lt1">
+        <a:alpha val="90000"/>
+      </a:schemeClr>
+    </dgm:fillClrLst>
+    <dgm:linClrLst meth="repeat">
+      <a:schemeClr val="accent1"/>
+    </dgm:linClrLst>
+    <dgm:effectClrLst/>
+    <dgm:txLinClrLst/>
+    <dgm:txFillClrLst meth="repeat">
+      <a:schemeClr val="dk1"/>
+    </dgm:txFillClrLst>
+    <dgm:txEffectClrLst/>
+  </dgm:styleLbl>
+  <dgm:styleLbl name="fgAcc4">
+    <dgm:fillClrLst meth="repeat">
+      <a:schemeClr val="lt1">
+        <a:alpha val="90000"/>
+      </a:schemeClr>
+    </dgm:fillClrLst>
+    <dgm:linClrLst meth="repeat">
+      <a:schemeClr val="accent1"/>
+    </dgm:linClrLst>
+    <dgm:effectClrLst/>
+    <dgm:txLinClrLst/>
+    <dgm:txFillClrLst meth="repeat">
+      <a:schemeClr val="dk1"/>
+    </dgm:txFillClrLst>
+    <dgm:txEffectClrLst/>
+  </dgm:styleLbl>
+  <dgm:styleLbl name="bgShp">
+    <dgm:fillClrLst meth="repeat">
+      <a:schemeClr val="accent1">
+        <a:tint val="40000"/>
+      </a:schemeClr>
+    </dgm:fillClrLst>
+    <dgm:linClrLst meth="repeat">
+      <a:schemeClr val="accent1"/>
+    </dgm:linClrLst>
+    <dgm:effectClrLst/>
+    <dgm:txLinClrLst/>
+    <dgm:txFillClrLst meth="repeat">
+      <a:schemeClr val="dk1"/>
+    </dgm:txFillClrLst>
+    <dgm:txEffectClrLst/>
+  </dgm:styleLbl>
+  <dgm:styleLbl name="dkBgShp">
+    <dgm:fillClrLst meth="repeat">
+      <a:schemeClr val="accent1">
+        <a:shade val="80000"/>
+      </a:schemeClr>
+    </dgm:fillClrLst>
+    <dgm:linClrLst meth="repeat">
+      <a:schemeClr val="accent1"/>
+    </dgm:linClrLst>
+    <dgm:effectClrLst/>
+    <dgm:txLinClrLst/>
+    <dgm:txFillClrLst meth="repeat">
+      <a:schemeClr val="lt1"/>
+    </dgm:txFillClrLst>
+    <dgm:txEffectClrLst/>
+  </dgm:styleLbl>
+  <dgm:styleLbl name="trBgShp">
+    <dgm:fillClrLst meth="repeat">
+      <a:schemeClr val="accent1">
+        <a:tint val="50000"/>
+        <a:alpha val="40000"/>
+      </a:schemeClr>
+    </dgm:fillClrLst>
+    <dgm:linClrLst meth="repeat">
+      <a:schemeClr val="accent1"/>
+    </dgm:linClrLst>
+    <dgm:effectClrLst/>
+    <dgm:txLinClrLst/>
+    <dgm:txFillClrLst meth="repeat">
+      <a:schemeClr val="lt1"/>
+    </dgm:txFillClrLst>
+    <dgm:txEffectClrLst/>
+  </dgm:styleLbl>
+  <dgm:styleLbl name="fgShp">
+    <dgm:fillClrLst meth="repeat">
+      <a:schemeClr val="accent1">
+        <a:tint val="60000"/>
+      </a:schemeClr>
+    </dgm:fillClrLst>
+    <dgm:linClrLst meth="repeat">
+      <a:schemeClr val="lt1"/>
+    </dgm:linClrLst>
+    <dgm:effectClrLst/>
+    <dgm:txLinClrLst/>
+    <dgm:txFillClrLst meth="repeat">
+      <a:schemeClr val="dk1"/>
+    </dgm:txFillClrLst>
+    <dgm:txEffectClrLst/>
+  </dgm:styleLbl>
+  <dgm:styleLbl name="revTx">
+    <dgm:fillClrLst meth="repeat">
+      <a:schemeClr val="lt1">
+        <a:alpha val="0"/>
+      </a:schemeClr>
+    </dgm:fillClrLst>
+    <dgm:linClrLst meth="repeat">
+      <a:schemeClr val="dk1">
+        <a:alpha val="0"/>
+      </a:schemeClr>
+    </dgm:linClrLst>
+    <dgm:effectClrLst/>
+    <dgm:txLinClrLst/>
+    <dgm:txFillClrLst meth="repeat">
+      <a:schemeClr val="tx1"/>
+    </dgm:txFillClrLst>
+    <dgm:txEffectClrLst/>
+  </dgm:styleLbl>
+</dgm:colorsDef>
+</file>
+
+<file path=ppt/diagrams/data1.xml><?xml version="1.0" encoding="utf-8"?>
+<dgm:dataModel xmlns:dgm="http://schemas.openxmlformats.org/drawingml/2006/diagram" xmlns:a="http://schemas.openxmlformats.org/drawingml/2006/main">
+  <dgm:ptLst>
+    <dgm:pt modelId="{8A63285A-BF62-4364-9C4C-FB0A4AF4A3E3}" type="doc">
+      <dgm:prSet loTypeId="urn:microsoft.com/office/officeart/2008/layout/BendingPictureCaptionList" loCatId="picture" qsTypeId="urn:microsoft.com/office/officeart/2005/8/quickstyle/simple1" qsCatId="simple" csTypeId="urn:microsoft.com/office/officeart/2005/8/colors/accent1_2" csCatId="accent1" phldr="1"/>
+      <dgm:spPr/>
+      <dgm:t>
+        <a:bodyPr/>
+        <a:lstStyle/>
+        <a:p>
+          <a:endParaRPr lang="en-US"/>
+        </a:p>
+      </dgm:t>
+    </dgm:pt>
+    <dgm:pt modelId="{FF3EE480-0436-417A-BFFF-CCC82935B69A}">
+      <dgm:prSet phldrT="[テキスト]" phldr="1"/>
+      <dgm:spPr/>
+      <dgm:t>
+        <a:bodyPr/>
+        <a:lstStyle/>
+        <a:p>
+          <a:endParaRPr lang="en-US"/>
+        </a:p>
+      </dgm:t>
+    </dgm:pt>
+    <dgm:pt modelId="{15897C37-AE06-4D15-88DF-E899D8A84FBB}" type="parTrans" cxnId="{638726AD-48C2-4823-8166-131BE9431E0F}">
+      <dgm:prSet/>
+      <dgm:spPr/>
+      <dgm:t>
+        <a:bodyPr/>
+        <a:lstStyle/>
+        <a:p>
+          <a:endParaRPr lang="en-US"/>
+        </a:p>
+      </dgm:t>
+    </dgm:pt>
+    <dgm:pt modelId="{F63C5A67-A206-4B1A-906D-7AD387804C6A}" type="sibTrans" cxnId="{638726AD-48C2-4823-8166-131BE9431E0F}">
+      <dgm:prSet/>
+      <dgm:spPr/>
+      <dgm:t>
+        <a:bodyPr/>
+        <a:lstStyle/>
+        <a:p>
+          <a:endParaRPr lang="en-US"/>
+        </a:p>
+      </dgm:t>
+    </dgm:pt>
+    <dgm:pt modelId="{22A118CB-C24F-46D7-A811-42C99F1C5CE4}">
+      <dgm:prSet phldrT="[テキスト]" phldr="1"/>
+      <dgm:spPr/>
+      <dgm:t>
+        <a:bodyPr/>
+        <a:lstStyle/>
+        <a:p>
+          <a:endParaRPr lang="en-US" dirty="0"/>
+        </a:p>
+      </dgm:t>
+    </dgm:pt>
+    <dgm:pt modelId="{784C1843-B3A7-494A-8DFA-551373FA3EAC}" type="parTrans" cxnId="{CD1D0F56-0349-4919-822E-B4AB54BDB14F}">
+      <dgm:prSet/>
+      <dgm:spPr/>
+      <dgm:t>
+        <a:bodyPr/>
+        <a:lstStyle/>
+        <a:p>
+          <a:endParaRPr lang="en-US"/>
+        </a:p>
+      </dgm:t>
+    </dgm:pt>
+    <dgm:pt modelId="{59102780-6AD9-42D6-8028-F39EB13D6637}" type="sibTrans" cxnId="{CD1D0F56-0349-4919-822E-B4AB54BDB14F}">
+      <dgm:prSet/>
+      <dgm:spPr/>
+      <dgm:t>
+        <a:bodyPr/>
+        <a:lstStyle/>
+        <a:p>
+          <a:endParaRPr lang="en-US"/>
+        </a:p>
+      </dgm:t>
+    </dgm:pt>
+    <dgm:pt modelId="{DACF93AB-D7E6-47A4-8375-1F6B5A7F661B}">
+      <dgm:prSet phldrT="[テキスト]" phldr="1"/>
+      <dgm:spPr/>
+      <dgm:t>
+        <a:bodyPr/>
+        <a:lstStyle/>
+        <a:p>
+          <a:endParaRPr lang="en-US" dirty="0"/>
+        </a:p>
+      </dgm:t>
+    </dgm:pt>
+    <dgm:pt modelId="{386EF8DC-F73E-42D6-9AF5-4E2085547E5B}" type="parTrans" cxnId="{548AA761-F3CB-48D4-801D-A1444BE86767}">
+      <dgm:prSet/>
+      <dgm:spPr/>
+      <dgm:t>
+        <a:bodyPr/>
+        <a:lstStyle/>
+        <a:p>
+          <a:endParaRPr lang="en-US"/>
+        </a:p>
+      </dgm:t>
+    </dgm:pt>
+    <dgm:pt modelId="{6381DAA3-97BB-4BFE-B95C-4FBB68A90629}" type="sibTrans" cxnId="{548AA761-F3CB-48D4-801D-A1444BE86767}">
+      <dgm:prSet/>
+      <dgm:spPr/>
+      <dgm:t>
+        <a:bodyPr/>
+        <a:lstStyle/>
+        <a:p>
+          <a:endParaRPr lang="en-US"/>
+        </a:p>
+      </dgm:t>
+    </dgm:pt>
+    <dgm:pt modelId="{A72C02CC-DE0D-4D5D-8DAC-CCB9F517411A}">
+      <dgm:prSet phldrT="[テキスト]"/>
+      <dgm:spPr/>
+      <dgm:t>
+        <a:bodyPr/>
+        <a:lstStyle/>
+        <a:p>
+          <a:endParaRPr lang="en-US" dirty="0"/>
+        </a:p>
+      </dgm:t>
+    </dgm:pt>
+    <dgm:pt modelId="{B18FA0E1-19CE-4968-94DE-1ADF004F9FBD}" type="parTrans" cxnId="{E1B8D468-6DA3-477E-B90C-B8A8FFF4F75D}">
+      <dgm:prSet/>
+      <dgm:spPr/>
+      <dgm:t>
+        <a:bodyPr/>
+        <a:lstStyle/>
+        <a:p>
+          <a:endParaRPr lang="en-US"/>
+        </a:p>
+      </dgm:t>
+    </dgm:pt>
+    <dgm:pt modelId="{50641702-8FCB-4BF1-8EC3-17CC0B7C1AA7}" type="sibTrans" cxnId="{E1B8D468-6DA3-477E-B90C-B8A8FFF4F75D}">
+      <dgm:prSet/>
+      <dgm:spPr/>
+      <dgm:t>
+        <a:bodyPr/>
+        <a:lstStyle/>
+        <a:p>
+          <a:endParaRPr lang="en-US"/>
+        </a:p>
+      </dgm:t>
+    </dgm:pt>
+    <dgm:pt modelId="{E43B8EF6-9A91-4187-81C8-600BC72FECD8}" type="pres">
+      <dgm:prSet presAssocID="{8A63285A-BF62-4364-9C4C-FB0A4AF4A3E3}" presName="Name0" presStyleCnt="0">
+        <dgm:presLayoutVars>
+          <dgm:dir/>
+          <dgm:resizeHandles val="exact"/>
+        </dgm:presLayoutVars>
+      </dgm:prSet>
+      <dgm:spPr/>
+    </dgm:pt>
+    <dgm:pt modelId="{3FCD748A-2DAA-4D9E-A614-FDD78ED66C75}" type="pres">
+      <dgm:prSet presAssocID="{FF3EE480-0436-417A-BFFF-CCC82935B69A}" presName="composite" presStyleCnt="0"/>
+      <dgm:spPr/>
+    </dgm:pt>
+    <dgm:pt modelId="{3AECC125-6CF3-4337-BA3E-36A095235CF3}" type="pres">
+      <dgm:prSet presAssocID="{FF3EE480-0436-417A-BFFF-CCC82935B69A}" presName="rect1" presStyleLbl="bgImgPlace1" presStyleIdx="0" presStyleCnt="4"/>
+      <dgm:spPr/>
+    </dgm:pt>
+    <dgm:pt modelId="{7513831F-9CDA-4770-B148-0647BDF53280}" type="pres">
+      <dgm:prSet presAssocID="{FF3EE480-0436-417A-BFFF-CCC82935B69A}" presName="wedgeRectCallout1" presStyleLbl="node1" presStyleIdx="0" presStyleCnt="4">
+        <dgm:presLayoutVars>
+          <dgm:bulletEnabled val="1"/>
+        </dgm:presLayoutVars>
+      </dgm:prSet>
+      <dgm:spPr/>
+    </dgm:pt>
+    <dgm:pt modelId="{0EF04246-FE1B-4106-839E-7CF0E6BC730E}" type="pres">
+      <dgm:prSet presAssocID="{F63C5A67-A206-4B1A-906D-7AD387804C6A}" presName="sibTrans" presStyleCnt="0"/>
+      <dgm:spPr/>
+    </dgm:pt>
+    <dgm:pt modelId="{AE5885CE-EA2D-4325-B5BC-89360D0A9ED3}" type="pres">
+      <dgm:prSet presAssocID="{22A118CB-C24F-46D7-A811-42C99F1C5CE4}" presName="composite" presStyleCnt="0"/>
+      <dgm:spPr/>
+    </dgm:pt>
+    <dgm:pt modelId="{3EB2F182-58AC-4C43-A723-769ECFB21B6E}" type="pres">
+      <dgm:prSet presAssocID="{22A118CB-C24F-46D7-A811-42C99F1C5CE4}" presName="rect1" presStyleLbl="bgImgPlace1" presStyleIdx="1" presStyleCnt="4"/>
+      <dgm:spPr/>
+    </dgm:pt>
+    <dgm:pt modelId="{E4EDD396-E1FC-41B7-8E2F-169C2AD0F26D}" type="pres">
+      <dgm:prSet presAssocID="{22A118CB-C24F-46D7-A811-42C99F1C5CE4}" presName="wedgeRectCallout1" presStyleLbl="node1" presStyleIdx="1" presStyleCnt="4">
+        <dgm:presLayoutVars>
+          <dgm:bulletEnabled val="1"/>
+        </dgm:presLayoutVars>
+      </dgm:prSet>
+      <dgm:spPr/>
+    </dgm:pt>
+    <dgm:pt modelId="{E4F9382D-E94C-4ACA-B657-14B0B0FCB012}" type="pres">
+      <dgm:prSet presAssocID="{59102780-6AD9-42D6-8028-F39EB13D6637}" presName="sibTrans" presStyleCnt="0"/>
+      <dgm:spPr/>
+    </dgm:pt>
+    <dgm:pt modelId="{B474FD84-BCB2-4C7B-AF55-299D0F313BDF}" type="pres">
+      <dgm:prSet presAssocID="{DACF93AB-D7E6-47A4-8375-1F6B5A7F661B}" presName="composite" presStyleCnt="0"/>
+      <dgm:spPr/>
+    </dgm:pt>
+    <dgm:pt modelId="{02A576A9-0482-4F26-B7EE-EF04312E599E}" type="pres">
+      <dgm:prSet presAssocID="{DACF93AB-D7E6-47A4-8375-1F6B5A7F661B}" presName="rect1" presStyleLbl="bgImgPlace1" presStyleIdx="2" presStyleCnt="4" custLinFactNeighborX="939" custLinFactNeighborY="-900"/>
+      <dgm:spPr/>
+    </dgm:pt>
+    <dgm:pt modelId="{6068DEC3-7E96-4D2E-95E5-2A15E19E8DE3}" type="pres">
+      <dgm:prSet presAssocID="{DACF93AB-D7E6-47A4-8375-1F6B5A7F661B}" presName="wedgeRectCallout1" presStyleLbl="node1" presStyleIdx="2" presStyleCnt="4">
+        <dgm:presLayoutVars>
+          <dgm:bulletEnabled val="1"/>
+        </dgm:presLayoutVars>
+      </dgm:prSet>
+      <dgm:spPr/>
+    </dgm:pt>
+    <dgm:pt modelId="{6B57E8AA-21FC-41A0-ABF1-179C35CF1A22}" type="pres">
+      <dgm:prSet presAssocID="{6381DAA3-97BB-4BFE-B95C-4FBB68A90629}" presName="sibTrans" presStyleCnt="0"/>
+      <dgm:spPr/>
+    </dgm:pt>
+    <dgm:pt modelId="{017971C8-B602-41D2-83B1-0AAE6FE158E1}" type="pres">
+      <dgm:prSet presAssocID="{A72C02CC-DE0D-4D5D-8DAC-CCB9F517411A}" presName="composite" presStyleCnt="0"/>
+      <dgm:spPr/>
+    </dgm:pt>
+    <dgm:pt modelId="{FA8D90E4-904C-4B14-ACB7-26B5E9ACD148}" type="pres">
+      <dgm:prSet presAssocID="{A72C02CC-DE0D-4D5D-8DAC-CCB9F517411A}" presName="rect1" presStyleLbl="bgImgPlace1" presStyleIdx="3" presStyleCnt="4"/>
+      <dgm:spPr/>
+    </dgm:pt>
+    <dgm:pt modelId="{7A12A243-8F1D-4F44-9B58-3D980FA4EDEE}" type="pres">
+      <dgm:prSet presAssocID="{A72C02CC-DE0D-4D5D-8DAC-CCB9F517411A}" presName="wedgeRectCallout1" presStyleLbl="node1" presStyleIdx="3" presStyleCnt="4">
+        <dgm:presLayoutVars>
+          <dgm:bulletEnabled val="1"/>
+        </dgm:presLayoutVars>
+      </dgm:prSet>
+      <dgm:spPr/>
+    </dgm:pt>
+  </dgm:ptLst>
+  <dgm:cxnLst>
+    <dgm:cxn modelId="{548AA761-F3CB-48D4-801D-A1444BE86767}" srcId="{8A63285A-BF62-4364-9C4C-FB0A4AF4A3E3}" destId="{DACF93AB-D7E6-47A4-8375-1F6B5A7F661B}" srcOrd="2" destOrd="0" parTransId="{386EF8DC-F73E-42D6-9AF5-4E2085547E5B}" sibTransId="{6381DAA3-97BB-4BFE-B95C-4FBB68A90629}"/>
+    <dgm:cxn modelId="{E1B8D468-6DA3-477E-B90C-B8A8FFF4F75D}" srcId="{8A63285A-BF62-4364-9C4C-FB0A4AF4A3E3}" destId="{A72C02CC-DE0D-4D5D-8DAC-CCB9F517411A}" srcOrd="3" destOrd="0" parTransId="{B18FA0E1-19CE-4968-94DE-1ADF004F9FBD}" sibTransId="{50641702-8FCB-4BF1-8EC3-17CC0B7C1AA7}"/>
+    <dgm:cxn modelId="{BC2DFE48-A781-4056-9444-60D91626281A}" type="presOf" srcId="{22A118CB-C24F-46D7-A811-42C99F1C5CE4}" destId="{E4EDD396-E1FC-41B7-8E2F-169C2AD0F26D}" srcOrd="0" destOrd="0" presId="urn:microsoft.com/office/officeart/2008/layout/BendingPictureCaptionList"/>
+    <dgm:cxn modelId="{CD1D0F56-0349-4919-822E-B4AB54BDB14F}" srcId="{8A63285A-BF62-4364-9C4C-FB0A4AF4A3E3}" destId="{22A118CB-C24F-46D7-A811-42C99F1C5CE4}" srcOrd="1" destOrd="0" parTransId="{784C1843-B3A7-494A-8DFA-551373FA3EAC}" sibTransId="{59102780-6AD9-42D6-8028-F39EB13D6637}"/>
+    <dgm:cxn modelId="{87B19984-90E5-4D18-83DE-E740AC8A01AF}" type="presOf" srcId="{8A63285A-BF62-4364-9C4C-FB0A4AF4A3E3}" destId="{E43B8EF6-9A91-4187-81C8-600BC72FECD8}" srcOrd="0" destOrd="0" presId="urn:microsoft.com/office/officeart/2008/layout/BendingPictureCaptionList"/>
+    <dgm:cxn modelId="{931C2295-360E-4FB4-B5F7-E15BD43F5976}" type="presOf" srcId="{A72C02CC-DE0D-4D5D-8DAC-CCB9F517411A}" destId="{7A12A243-8F1D-4F44-9B58-3D980FA4EDEE}" srcOrd="0" destOrd="0" presId="urn:microsoft.com/office/officeart/2008/layout/BendingPictureCaptionList"/>
+    <dgm:cxn modelId="{638726AD-48C2-4823-8166-131BE9431E0F}" srcId="{8A63285A-BF62-4364-9C4C-FB0A4AF4A3E3}" destId="{FF3EE480-0436-417A-BFFF-CCC82935B69A}" srcOrd="0" destOrd="0" parTransId="{15897C37-AE06-4D15-88DF-E899D8A84FBB}" sibTransId="{F63C5A67-A206-4B1A-906D-7AD387804C6A}"/>
+    <dgm:cxn modelId="{92023DF0-5090-4EB1-B3DF-D1168C5877A5}" type="presOf" srcId="{FF3EE480-0436-417A-BFFF-CCC82935B69A}" destId="{7513831F-9CDA-4770-B148-0647BDF53280}" srcOrd="0" destOrd="0" presId="urn:microsoft.com/office/officeart/2008/layout/BendingPictureCaptionList"/>
+    <dgm:cxn modelId="{10909FFA-77F2-4E60-AE8F-1690687497C3}" type="presOf" srcId="{DACF93AB-D7E6-47A4-8375-1F6B5A7F661B}" destId="{6068DEC3-7E96-4D2E-95E5-2A15E19E8DE3}" srcOrd="0" destOrd="0" presId="urn:microsoft.com/office/officeart/2008/layout/BendingPictureCaptionList"/>
+    <dgm:cxn modelId="{BAA85C3B-6F92-4B75-9A33-6C51F43DA939}" type="presParOf" srcId="{E43B8EF6-9A91-4187-81C8-600BC72FECD8}" destId="{3FCD748A-2DAA-4D9E-A614-FDD78ED66C75}" srcOrd="0" destOrd="0" presId="urn:microsoft.com/office/officeart/2008/layout/BendingPictureCaptionList"/>
+    <dgm:cxn modelId="{0E74793A-B05D-4C16-82EC-485D1A9A14F0}" type="presParOf" srcId="{3FCD748A-2DAA-4D9E-A614-FDD78ED66C75}" destId="{3AECC125-6CF3-4337-BA3E-36A095235CF3}" srcOrd="0" destOrd="0" presId="urn:microsoft.com/office/officeart/2008/layout/BendingPictureCaptionList"/>
+    <dgm:cxn modelId="{80ED2480-51B2-46A2-BC91-FF7826A29099}" type="presParOf" srcId="{3FCD748A-2DAA-4D9E-A614-FDD78ED66C75}" destId="{7513831F-9CDA-4770-B148-0647BDF53280}" srcOrd="1" destOrd="0" presId="urn:microsoft.com/office/officeart/2008/layout/BendingPictureCaptionList"/>
+    <dgm:cxn modelId="{A1F5140D-8BDC-4B38-A016-707D6C5968BE}" type="presParOf" srcId="{E43B8EF6-9A91-4187-81C8-600BC72FECD8}" destId="{0EF04246-FE1B-4106-839E-7CF0E6BC730E}" srcOrd="1" destOrd="0" presId="urn:microsoft.com/office/officeart/2008/layout/BendingPictureCaptionList"/>
+    <dgm:cxn modelId="{8159932C-9C8E-4883-8D5D-8A9FA43D4580}" type="presParOf" srcId="{E43B8EF6-9A91-4187-81C8-600BC72FECD8}" destId="{AE5885CE-EA2D-4325-B5BC-89360D0A9ED3}" srcOrd="2" destOrd="0" presId="urn:microsoft.com/office/officeart/2008/layout/BendingPictureCaptionList"/>
+    <dgm:cxn modelId="{3B44BE03-E800-44B1-8A58-8E6FB34661E1}" type="presParOf" srcId="{AE5885CE-EA2D-4325-B5BC-89360D0A9ED3}" destId="{3EB2F182-58AC-4C43-A723-769ECFB21B6E}" srcOrd="0" destOrd="0" presId="urn:microsoft.com/office/officeart/2008/layout/BendingPictureCaptionList"/>
+    <dgm:cxn modelId="{A84830BA-EEF7-46DB-A826-5427D3958B99}" type="presParOf" srcId="{AE5885CE-EA2D-4325-B5BC-89360D0A9ED3}" destId="{E4EDD396-E1FC-41B7-8E2F-169C2AD0F26D}" srcOrd="1" destOrd="0" presId="urn:microsoft.com/office/officeart/2008/layout/BendingPictureCaptionList"/>
+    <dgm:cxn modelId="{FF89D8EB-B6E4-458B-B81F-6A2E0C5AF9CE}" type="presParOf" srcId="{E43B8EF6-9A91-4187-81C8-600BC72FECD8}" destId="{E4F9382D-E94C-4ACA-B657-14B0B0FCB012}" srcOrd="3" destOrd="0" presId="urn:microsoft.com/office/officeart/2008/layout/BendingPictureCaptionList"/>
+    <dgm:cxn modelId="{90456B0E-3A50-4140-8C51-ED2F1CEE1758}" type="presParOf" srcId="{E43B8EF6-9A91-4187-81C8-600BC72FECD8}" destId="{B474FD84-BCB2-4C7B-AF55-299D0F313BDF}" srcOrd="4" destOrd="0" presId="urn:microsoft.com/office/officeart/2008/layout/BendingPictureCaptionList"/>
+    <dgm:cxn modelId="{68F80ED2-1080-4400-8CAE-33EDEE7AB809}" type="presParOf" srcId="{B474FD84-BCB2-4C7B-AF55-299D0F313BDF}" destId="{02A576A9-0482-4F26-B7EE-EF04312E599E}" srcOrd="0" destOrd="0" presId="urn:microsoft.com/office/officeart/2008/layout/BendingPictureCaptionList"/>
+    <dgm:cxn modelId="{5E7106B1-E1DD-47D4-9243-7A60136E8A0B}" type="presParOf" srcId="{B474FD84-BCB2-4C7B-AF55-299D0F313BDF}" destId="{6068DEC3-7E96-4D2E-95E5-2A15E19E8DE3}" srcOrd="1" destOrd="0" presId="urn:microsoft.com/office/officeart/2008/layout/BendingPictureCaptionList"/>
+    <dgm:cxn modelId="{E0143138-A1A4-409C-A0BD-805C20BD8148}" type="presParOf" srcId="{E43B8EF6-9A91-4187-81C8-600BC72FECD8}" destId="{6B57E8AA-21FC-41A0-ABF1-179C35CF1A22}" srcOrd="5" destOrd="0" presId="urn:microsoft.com/office/officeart/2008/layout/BendingPictureCaptionList"/>
+    <dgm:cxn modelId="{E6C148D4-66B3-47BE-830A-C2F3DFC9B4E4}" type="presParOf" srcId="{E43B8EF6-9A91-4187-81C8-600BC72FECD8}" destId="{017971C8-B602-41D2-83B1-0AAE6FE158E1}" srcOrd="6" destOrd="0" presId="urn:microsoft.com/office/officeart/2008/layout/BendingPictureCaptionList"/>
+    <dgm:cxn modelId="{6955B8DD-3E80-4837-9586-50F372078E37}" type="presParOf" srcId="{017971C8-B602-41D2-83B1-0AAE6FE158E1}" destId="{FA8D90E4-904C-4B14-ACB7-26B5E9ACD148}" srcOrd="0" destOrd="0" presId="urn:microsoft.com/office/officeart/2008/layout/BendingPictureCaptionList"/>
+    <dgm:cxn modelId="{5CECD0F1-EC01-4144-9ECB-347DA97E0C7A}" type="presParOf" srcId="{017971C8-B602-41D2-83B1-0AAE6FE158E1}" destId="{7A12A243-8F1D-4F44-9B58-3D980FA4EDEE}" srcOrd="1" destOrd="0" presId="urn:microsoft.com/office/officeart/2008/layout/BendingPictureCaptionList"/>
+  </dgm:cxnLst>
+  <dgm:bg/>
+  <dgm:whole/>
+  <dgm:extLst>
+    <a:ext uri="http://schemas.microsoft.com/office/drawing/2008/diagram">
+      <dsp:dataModelExt xmlns:dsp="http://schemas.microsoft.com/office/drawing/2008/diagram" relId="rId6" minVer="http://schemas.openxmlformats.org/drawingml/2006/diagram"/>
+    </a:ext>
+  </dgm:extLst>
+</dgm:dataModel>
+</file>
+
+<file path=ppt/diagrams/drawing1.xml><?xml version="1.0" encoding="utf-8"?>
+<dsp:drawing xmlns:dgm="http://schemas.openxmlformats.org/drawingml/2006/diagram" xmlns:dsp="http://schemas.microsoft.com/office/drawing/2008/diagram" xmlns:a="http://schemas.openxmlformats.org/drawingml/2006/main">
+  <dsp:spTree>
+    <dsp:nvGrpSpPr>
+      <dsp:cNvPr id="0" name=""/>
+      <dsp:cNvGrpSpPr/>
+    </dsp:nvGrpSpPr>
+    <dsp:grpSpPr/>
+    <dsp:sp modelId="{3AECC125-6CF3-4337-BA3E-36A095235CF3}">
+      <dsp:nvSpPr>
+        <dsp:cNvPr id="0" name=""/>
+        <dsp:cNvSpPr/>
+      </dsp:nvSpPr>
+      <dsp:spPr>
+        <a:xfrm>
+          <a:off x="3571" y="1506340"/>
+          <a:ext cx="2833687" cy="2266949"/>
+        </a:xfrm>
+        <a:prstGeom prst="rect">
+          <a:avLst/>
+        </a:prstGeom>
+        <a:solidFill>
+          <a:schemeClr val="accent1">
+            <a:tint val="50000"/>
+            <a:hueOff val="0"/>
+            <a:satOff val="0"/>
+            <a:lumOff val="0"/>
+            <a:alphaOff val="0"/>
+          </a:schemeClr>
+        </a:solidFill>
+        <a:ln w="15875" cap="rnd" cmpd="sng" algn="ctr">
+          <a:solidFill>
+            <a:schemeClr val="lt1">
+              <a:hueOff val="0"/>
+              <a:satOff val="0"/>
+              <a:lumOff val="0"/>
+              <a:alphaOff val="0"/>
+            </a:schemeClr>
+          </a:solidFill>
+          <a:prstDash val="solid"/>
+        </a:ln>
+        <a:effectLst/>
+      </dsp:spPr>
+      <dsp:style>
+        <a:lnRef idx="2">
+          <a:scrgbClr r="0" g="0" b="0"/>
+        </a:lnRef>
+        <a:fillRef idx="1">
+          <a:scrgbClr r="0" g="0" b="0"/>
+        </a:fillRef>
+        <a:effectRef idx="0">
+          <a:scrgbClr r="0" g="0" b="0"/>
+        </a:effectRef>
+        <a:fontRef idx="minor"/>
+      </dsp:style>
+    </dsp:sp>
+    <dsp:sp modelId="{7513831F-9CDA-4770-B148-0647BDF53280}">
+      <dsp:nvSpPr>
+        <dsp:cNvPr id="0" name=""/>
+        <dsp:cNvSpPr/>
+      </dsp:nvSpPr>
+      <dsp:spPr>
+        <a:xfrm>
+          <a:off x="258603" y="3546595"/>
+          <a:ext cx="2521981" cy="793432"/>
+        </a:xfrm>
+        <a:prstGeom prst="wedgeRectCallout">
+          <a:avLst>
+            <a:gd name="adj1" fmla="val 20250"/>
+            <a:gd name="adj2" fmla="val -60700"/>
+          </a:avLst>
+        </a:prstGeom>
+        <a:solidFill>
+          <a:schemeClr val="accent1">
+            <a:hueOff val="0"/>
+            <a:satOff val="0"/>
+            <a:lumOff val="0"/>
+            <a:alphaOff val="0"/>
+          </a:schemeClr>
+        </a:solidFill>
+        <a:ln w="15875" cap="rnd" cmpd="sng" algn="ctr">
+          <a:solidFill>
+            <a:schemeClr val="lt1">
+              <a:hueOff val="0"/>
+              <a:satOff val="0"/>
+              <a:lumOff val="0"/>
+              <a:alphaOff val="0"/>
+            </a:schemeClr>
+          </a:solidFill>
+          <a:prstDash val="solid"/>
+        </a:ln>
+        <a:effectLst/>
+      </dsp:spPr>
+      <dsp:style>
+        <a:lnRef idx="2">
+          <a:scrgbClr r="0" g="0" b="0"/>
+        </a:lnRef>
+        <a:fillRef idx="1">
+          <a:scrgbClr r="0" g="0" b="0"/>
+        </a:fillRef>
+        <a:effectRef idx="0">
+          <a:scrgbClr r="0" g="0" b="0"/>
+        </a:effectRef>
+        <a:fontRef idx="minor">
+          <a:schemeClr val="lt1"/>
+        </a:fontRef>
+      </dsp:style>
+      <dsp:txBody>
+        <a:bodyPr spcFirstLastPara="0" vert="horz" wrap="square" lIns="133350" tIns="133350" rIns="133350" bIns="133350" numCol="1" spcCol="1270" anchor="ctr" anchorCtr="0">
+          <a:noAutofit/>
+        </a:bodyPr>
+        <a:lstStyle/>
+        <a:p>
+          <a:pPr marL="0" lvl="0" indent="0" algn="ctr" defTabSz="1555750">
+            <a:lnSpc>
+              <a:spcPct val="90000"/>
+            </a:lnSpc>
+            <a:spcBef>
+              <a:spcPct val="0"/>
+            </a:spcBef>
+            <a:spcAft>
+              <a:spcPct val="35000"/>
+            </a:spcAft>
+            <a:buNone/>
+          </a:pPr>
+          <a:endParaRPr lang="en-US" sz="3500" kern="1200"/>
+        </a:p>
+      </dsp:txBody>
+      <dsp:txXfrm>
+        <a:off x="258603" y="3546595"/>
+        <a:ext cx="2521981" cy="793432"/>
+      </dsp:txXfrm>
+    </dsp:sp>
+    <dsp:sp modelId="{3EB2F182-58AC-4C43-A723-769ECFB21B6E}">
+      <dsp:nvSpPr>
+        <dsp:cNvPr id="0" name=""/>
+        <dsp:cNvSpPr/>
+      </dsp:nvSpPr>
+      <dsp:spPr>
+        <a:xfrm>
+          <a:off x="3120628" y="1506340"/>
+          <a:ext cx="2833687" cy="2266949"/>
+        </a:xfrm>
+        <a:prstGeom prst="rect">
+          <a:avLst/>
+        </a:prstGeom>
+        <a:solidFill>
+          <a:schemeClr val="accent1">
+            <a:tint val="50000"/>
+            <a:hueOff val="0"/>
+            <a:satOff val="0"/>
+            <a:lumOff val="0"/>
+            <a:alphaOff val="0"/>
+          </a:schemeClr>
+        </a:solidFill>
+        <a:ln w="15875" cap="rnd" cmpd="sng" algn="ctr">
+          <a:solidFill>
+            <a:schemeClr val="lt1">
+              <a:hueOff val="0"/>
+              <a:satOff val="0"/>
+              <a:lumOff val="0"/>
+              <a:alphaOff val="0"/>
+            </a:schemeClr>
+          </a:solidFill>
+          <a:prstDash val="solid"/>
+        </a:ln>
+        <a:effectLst/>
+      </dsp:spPr>
+      <dsp:style>
+        <a:lnRef idx="2">
+          <a:scrgbClr r="0" g="0" b="0"/>
+        </a:lnRef>
+        <a:fillRef idx="1">
+          <a:scrgbClr r="0" g="0" b="0"/>
+        </a:fillRef>
+        <a:effectRef idx="0">
+          <a:scrgbClr r="0" g="0" b="0"/>
+        </a:effectRef>
+        <a:fontRef idx="minor"/>
+      </dsp:style>
+    </dsp:sp>
+    <dsp:sp modelId="{E4EDD396-E1FC-41B7-8E2F-169C2AD0F26D}">
+      <dsp:nvSpPr>
+        <dsp:cNvPr id="0" name=""/>
+        <dsp:cNvSpPr/>
+      </dsp:nvSpPr>
+      <dsp:spPr>
+        <a:xfrm>
+          <a:off x="3375659" y="3546595"/>
+          <a:ext cx="2521981" cy="793432"/>
+        </a:xfrm>
+        <a:prstGeom prst="wedgeRectCallout">
+          <a:avLst>
+            <a:gd name="adj1" fmla="val 20250"/>
+            <a:gd name="adj2" fmla="val -60700"/>
+          </a:avLst>
+        </a:prstGeom>
+        <a:solidFill>
+          <a:schemeClr val="accent1">
+            <a:hueOff val="0"/>
+            <a:satOff val="0"/>
+            <a:lumOff val="0"/>
+            <a:alphaOff val="0"/>
+          </a:schemeClr>
+        </a:solidFill>
+        <a:ln w="15875" cap="rnd" cmpd="sng" algn="ctr">
+          <a:solidFill>
+            <a:schemeClr val="lt1">
+              <a:hueOff val="0"/>
+              <a:satOff val="0"/>
+              <a:lumOff val="0"/>
+              <a:alphaOff val="0"/>
+            </a:schemeClr>
+          </a:solidFill>
+          <a:prstDash val="solid"/>
+        </a:ln>
+        <a:effectLst/>
+      </dsp:spPr>
+      <dsp:style>
+        <a:lnRef idx="2">
+          <a:scrgbClr r="0" g="0" b="0"/>
+        </a:lnRef>
+        <a:fillRef idx="1">
+          <a:scrgbClr r="0" g="0" b="0"/>
+        </a:fillRef>
+        <a:effectRef idx="0">
+          <a:scrgbClr r="0" g="0" b="0"/>
+        </a:effectRef>
+        <a:fontRef idx="minor">
+          <a:schemeClr val="lt1"/>
+        </a:fontRef>
+      </dsp:style>
+      <dsp:txBody>
+        <a:bodyPr spcFirstLastPara="0" vert="horz" wrap="square" lIns="133350" tIns="133350" rIns="133350" bIns="133350" numCol="1" spcCol="1270" anchor="ctr" anchorCtr="0">
+          <a:noAutofit/>
+        </a:bodyPr>
+        <a:lstStyle/>
+        <a:p>
+          <a:pPr marL="0" lvl="0" indent="0" algn="ctr" defTabSz="1555750">
+            <a:lnSpc>
+              <a:spcPct val="90000"/>
+            </a:lnSpc>
+            <a:spcBef>
+              <a:spcPct val="0"/>
+            </a:spcBef>
+            <a:spcAft>
+              <a:spcPct val="35000"/>
+            </a:spcAft>
+            <a:buNone/>
+          </a:pPr>
+          <a:endParaRPr lang="en-US" sz="3500" kern="1200" dirty="0"/>
+        </a:p>
+      </dsp:txBody>
+      <dsp:txXfrm>
+        <a:off x="3375659" y="3546595"/>
+        <a:ext cx="2521981" cy="793432"/>
+      </dsp:txXfrm>
+    </dsp:sp>
+    <dsp:sp modelId="{02A576A9-0482-4F26-B7EE-EF04312E599E}">
+      <dsp:nvSpPr>
+        <dsp:cNvPr id="0" name=""/>
+        <dsp:cNvSpPr/>
+      </dsp:nvSpPr>
+      <dsp:spPr>
+        <a:xfrm>
+          <a:off x="6264292" y="1485938"/>
+          <a:ext cx="2833687" cy="2266949"/>
+        </a:xfrm>
+        <a:prstGeom prst="rect">
+          <a:avLst/>
+        </a:prstGeom>
+        <a:solidFill>
+          <a:schemeClr val="accent1">
+            <a:tint val="50000"/>
+            <a:hueOff val="0"/>
+            <a:satOff val="0"/>
+            <a:lumOff val="0"/>
+            <a:alphaOff val="0"/>
+          </a:schemeClr>
+        </a:solidFill>
+        <a:ln w="15875" cap="rnd" cmpd="sng" algn="ctr">
+          <a:solidFill>
+            <a:schemeClr val="lt1">
+              <a:hueOff val="0"/>
+              <a:satOff val="0"/>
+              <a:lumOff val="0"/>
+              <a:alphaOff val="0"/>
+            </a:schemeClr>
+          </a:solidFill>
+          <a:prstDash val="solid"/>
+        </a:ln>
+        <a:effectLst/>
+      </dsp:spPr>
+      <dsp:style>
+        <a:lnRef idx="2">
+          <a:scrgbClr r="0" g="0" b="0"/>
+        </a:lnRef>
+        <a:fillRef idx="1">
+          <a:scrgbClr r="0" g="0" b="0"/>
+        </a:fillRef>
+        <a:effectRef idx="0">
+          <a:scrgbClr r="0" g="0" b="0"/>
+        </a:effectRef>
+        <a:fontRef idx="minor"/>
+      </dsp:style>
+    </dsp:sp>
+    <dsp:sp modelId="{6068DEC3-7E96-4D2E-95E5-2A15E19E8DE3}">
+      <dsp:nvSpPr>
+        <dsp:cNvPr id="0" name=""/>
+        <dsp:cNvSpPr/>
+      </dsp:nvSpPr>
+      <dsp:spPr>
+        <a:xfrm>
+          <a:off x="6492716" y="3546595"/>
+          <a:ext cx="2521981" cy="793432"/>
+        </a:xfrm>
+        <a:prstGeom prst="wedgeRectCallout">
+          <a:avLst>
+            <a:gd name="adj1" fmla="val 20250"/>
+            <a:gd name="adj2" fmla="val -60700"/>
+          </a:avLst>
+        </a:prstGeom>
+        <a:solidFill>
+          <a:schemeClr val="accent1">
+            <a:hueOff val="0"/>
+            <a:satOff val="0"/>
+            <a:lumOff val="0"/>
+            <a:alphaOff val="0"/>
+          </a:schemeClr>
+        </a:solidFill>
+        <a:ln w="15875" cap="rnd" cmpd="sng" algn="ctr">
+          <a:solidFill>
+            <a:schemeClr val="lt1">
+              <a:hueOff val="0"/>
+              <a:satOff val="0"/>
+              <a:lumOff val="0"/>
+              <a:alphaOff val="0"/>
+            </a:schemeClr>
+          </a:solidFill>
+          <a:prstDash val="solid"/>
+        </a:ln>
+        <a:effectLst/>
+      </dsp:spPr>
+      <dsp:style>
+        <a:lnRef idx="2">
+          <a:scrgbClr r="0" g="0" b="0"/>
+        </a:lnRef>
+        <a:fillRef idx="1">
+          <a:scrgbClr r="0" g="0" b="0"/>
+        </a:fillRef>
+        <a:effectRef idx="0">
+          <a:scrgbClr r="0" g="0" b="0"/>
+        </a:effectRef>
+        <a:fontRef idx="minor">
+          <a:schemeClr val="lt1"/>
+        </a:fontRef>
+      </dsp:style>
+      <dsp:txBody>
+        <a:bodyPr spcFirstLastPara="0" vert="horz" wrap="square" lIns="133350" tIns="133350" rIns="133350" bIns="133350" numCol="1" spcCol="1270" anchor="ctr" anchorCtr="0">
+          <a:noAutofit/>
+        </a:bodyPr>
+        <a:lstStyle/>
+        <a:p>
+          <a:pPr marL="0" lvl="0" indent="0" algn="ctr" defTabSz="1555750">
+            <a:lnSpc>
+              <a:spcPct val="90000"/>
+            </a:lnSpc>
+            <a:spcBef>
+              <a:spcPct val="0"/>
+            </a:spcBef>
+            <a:spcAft>
+              <a:spcPct val="35000"/>
+            </a:spcAft>
+            <a:buNone/>
+          </a:pPr>
+          <a:endParaRPr lang="en-US" sz="3500" kern="1200" dirty="0"/>
+        </a:p>
+      </dsp:txBody>
+      <dsp:txXfrm>
+        <a:off x="6492716" y="3546595"/>
+        <a:ext cx="2521981" cy="793432"/>
+      </dsp:txXfrm>
+    </dsp:sp>
+    <dsp:sp modelId="{FA8D90E4-904C-4B14-ACB7-26B5E9ACD148}">
+      <dsp:nvSpPr>
+        <dsp:cNvPr id="0" name=""/>
+        <dsp:cNvSpPr/>
+      </dsp:nvSpPr>
+      <dsp:spPr>
+        <a:xfrm>
+          <a:off x="9354740" y="1506340"/>
+          <a:ext cx="2833687" cy="2266949"/>
+        </a:xfrm>
+        <a:prstGeom prst="rect">
+          <a:avLst/>
+        </a:prstGeom>
+        <a:solidFill>
+          <a:schemeClr val="accent1">
+            <a:tint val="50000"/>
+            <a:hueOff val="0"/>
+            <a:satOff val="0"/>
+            <a:lumOff val="0"/>
+            <a:alphaOff val="0"/>
+          </a:schemeClr>
+        </a:solidFill>
+        <a:ln w="15875" cap="rnd" cmpd="sng" algn="ctr">
+          <a:solidFill>
+            <a:schemeClr val="lt1">
+              <a:hueOff val="0"/>
+              <a:satOff val="0"/>
+              <a:lumOff val="0"/>
+              <a:alphaOff val="0"/>
+            </a:schemeClr>
+          </a:solidFill>
+          <a:prstDash val="solid"/>
+        </a:ln>
+        <a:effectLst/>
+      </dsp:spPr>
+      <dsp:style>
+        <a:lnRef idx="2">
+          <a:scrgbClr r="0" g="0" b="0"/>
+        </a:lnRef>
+        <a:fillRef idx="1">
+          <a:scrgbClr r="0" g="0" b="0"/>
+        </a:fillRef>
+        <a:effectRef idx="0">
+          <a:scrgbClr r="0" g="0" b="0"/>
+        </a:effectRef>
+        <a:fontRef idx="minor"/>
+      </dsp:style>
+    </dsp:sp>
+    <dsp:sp modelId="{7A12A243-8F1D-4F44-9B58-3D980FA4EDEE}">
+      <dsp:nvSpPr>
+        <dsp:cNvPr id="0" name=""/>
+        <dsp:cNvSpPr/>
+      </dsp:nvSpPr>
+      <dsp:spPr>
+        <a:xfrm>
+          <a:off x="9609772" y="3546595"/>
+          <a:ext cx="2521981" cy="793432"/>
+        </a:xfrm>
+        <a:prstGeom prst="wedgeRectCallout">
+          <a:avLst>
+            <a:gd name="adj1" fmla="val 20250"/>
+            <a:gd name="adj2" fmla="val -60700"/>
+          </a:avLst>
+        </a:prstGeom>
+        <a:solidFill>
+          <a:schemeClr val="accent1">
+            <a:hueOff val="0"/>
+            <a:satOff val="0"/>
+            <a:lumOff val="0"/>
+            <a:alphaOff val="0"/>
+          </a:schemeClr>
+        </a:solidFill>
+        <a:ln w="15875" cap="rnd" cmpd="sng" algn="ctr">
+          <a:solidFill>
+            <a:schemeClr val="lt1">
+              <a:hueOff val="0"/>
+              <a:satOff val="0"/>
+              <a:lumOff val="0"/>
+              <a:alphaOff val="0"/>
+            </a:schemeClr>
+          </a:solidFill>
+          <a:prstDash val="solid"/>
+        </a:ln>
+        <a:effectLst/>
+      </dsp:spPr>
+      <dsp:style>
+        <a:lnRef idx="2">
+          <a:scrgbClr r="0" g="0" b="0"/>
+        </a:lnRef>
+        <a:fillRef idx="1">
+          <a:scrgbClr r="0" g="0" b="0"/>
+        </a:fillRef>
+        <a:effectRef idx="0">
+          <a:scrgbClr r="0" g="0" b="0"/>
+        </a:effectRef>
+        <a:fontRef idx="minor">
+          <a:schemeClr val="lt1"/>
+        </a:fontRef>
+      </dsp:style>
+      <dsp:txBody>
+        <a:bodyPr spcFirstLastPara="0" vert="horz" wrap="square" lIns="144780" tIns="144780" rIns="144780" bIns="144780" numCol="1" spcCol="1270" anchor="ctr" anchorCtr="0">
+          <a:noAutofit/>
+        </a:bodyPr>
+        <a:lstStyle/>
+        <a:p>
+          <a:pPr marL="0" lvl="0" indent="0" algn="ctr" defTabSz="1689100">
+            <a:lnSpc>
+              <a:spcPct val="90000"/>
+            </a:lnSpc>
+            <a:spcBef>
+              <a:spcPct val="0"/>
+            </a:spcBef>
+            <a:spcAft>
+              <a:spcPct val="35000"/>
+            </a:spcAft>
+            <a:buNone/>
+          </a:pPr>
+          <a:endParaRPr lang="en-US" sz="3800" kern="1200" dirty="0"/>
+        </a:p>
+      </dsp:txBody>
+      <dsp:txXfrm>
+        <a:off x="9609772" y="3546595"/>
+        <a:ext cx="2521981" cy="793432"/>
+      </dsp:txXfrm>
+    </dsp:sp>
+  </dsp:spTree>
+</dsp:drawing>
+</file>
+
+<file path=ppt/diagrams/layout1.xml><?xml version="1.0" encoding="utf-8"?>
+<dgm:layoutDef xmlns:dgm="http://schemas.openxmlformats.org/drawingml/2006/diagram" xmlns:a="http://schemas.openxmlformats.org/drawingml/2006/main" uniqueId="urn:microsoft.com/office/officeart/2008/layout/BendingPictureCaptionList">
+  <dgm:title val=""/>
+  <dgm:desc val=""/>
+  <dgm:catLst>
+    <dgm:cat type="picture" pri="9000"/>
+    <dgm:cat type="pictureconvert" pri="9000"/>
+  </dgm:catLst>
+  <dgm:sampData>
+    <dgm:dataModel>
+      <dgm:ptLst>
+        <dgm:pt modelId="0" type="doc"/>
+        <dgm:pt modelId="10">
+          <dgm:prSet phldr="1"/>
+        </dgm:pt>
+        <dgm:pt modelId="20">
+          <dgm:prSet phldr="1"/>
+        </dgm:pt>
+        <dgm:pt modelId="30">
+          <dgm:prSet phldr="1"/>
+        </dgm:pt>
+      </dgm:ptLst>
+      <dgm:cxnLst>
+        <dgm:cxn modelId="60" srcId="0" destId="10" srcOrd="0" destOrd="0"/>
+        <dgm:cxn modelId="70" srcId="0" destId="20" srcOrd="1" destOrd="0"/>
+        <dgm:cxn modelId="80" srcId="0" destId="30" srcOrd="2" destOrd="0"/>
+      </dgm:cxnLst>
+      <dgm:bg/>
+      <dgm:whole/>
+    </dgm:dataModel>
+  </dgm:sampData>
+  <dgm:styleData>
+    <dgm:dataModel>
+      <dgm:ptLst>
+        <dgm:pt modelId="0" type="doc"/>
+        <dgm:pt modelId="10">
+          <dgm:prSet phldr="1"/>
+        </dgm:pt>
+        <dgm:pt modelId="20">
+          <dgm:prSet phldr="1"/>
+        </dgm:pt>
+      </dgm:ptLst>
+      <dgm:cxnLst>
+        <dgm:cxn modelId="60" srcId="0" destId="10" srcOrd="0" destOrd="0"/>
+        <dgm:cxn modelId="70" srcId="0" destId="20" srcOrd="1" destOrd="0"/>
+      </dgm:cxnLst>
+      <dgm:bg/>
+      <dgm:whole/>
+    </dgm:dataModel>
+  </dgm:styleData>
+  <dgm:clrData>
+    <dgm:dataModel>
+      <dgm:ptLst>
+        <dgm:pt modelId="0" type="doc"/>
+        <dgm:pt modelId="10">
+          <dgm:prSet phldr="1"/>
+        </dgm:pt>
+        <dgm:pt modelId="20">
+          <dgm:prSet phldr="1"/>
+        </dgm:pt>
+        <dgm:pt modelId="30">
+          <dgm:prSet phldr="1"/>
+        </dgm:pt>
+        <dgm:pt modelId="40">
+          <dgm:prSet phldr="1"/>
+        </dgm:pt>
+      </dgm:ptLst>
+      <dgm:cxnLst>
+        <dgm:cxn modelId="60" srcId="0" destId="10" srcOrd="0" destOrd="0"/>
+        <dgm:cxn modelId="70" srcId="0" destId="20" srcOrd="1" destOrd="0"/>
+        <dgm:cxn modelId="80" srcId="0" destId="30" srcOrd="2" destOrd="0"/>
+        <dgm:cxn modelId="90" srcId="0" destId="40" srcOrd="3" destOrd="0"/>
+      </dgm:cxnLst>
+      <dgm:bg/>
+      <dgm:whole/>
+    </dgm:dataModel>
+  </dgm:clrData>
+  <dgm:layoutNode name="Name0">
+    <dgm:varLst>
+      <dgm:dir/>
+      <dgm:resizeHandles val="exact"/>
+    </dgm:varLst>
+    <dgm:choose name="Name1">
+      <dgm:if name="Name2" func="var" arg="dir" op="equ" val="norm">
+        <dgm:alg type="snake">
+          <dgm:param type="off" val="ctr"/>
+        </dgm:alg>
+      </dgm:if>
+      <dgm:else name="Name3">
+        <dgm:alg type="snake">
+          <dgm:param type="off" val="ctr"/>
+          <dgm:param type="grDir" val="tR"/>
+        </dgm:alg>
+      </dgm:else>
+    </dgm:choose>
+    <dgm:shape xmlns:r="http://schemas.openxmlformats.org/officeDocument/2006/relationships" r:blip="">
+      <dgm:adjLst/>
+    </dgm:shape>
+    <dgm:constrLst>
+      <dgm:constr type="primFontSz" for="des" ptType="node" op="equ" val="65"/>
+      <dgm:constr type="w" for="ch" forName="composite" refType="w"/>
+      <dgm:constr type="h" for="ch" forName="composite" refType="w" fact="1.11"/>
+      <dgm:constr type="sp" refType="w" refFor="ch" refForName="composite" op="equ" fact="0.1"/>
+      <dgm:constr type="w" for="ch" forName="sibTrans" refType="w" refFor="ch" refForName="composite" op="equ" fact="0.1"/>
+      <dgm:constr type="h" for="ch" forName="sibTrans" refType="w" refFor="ch" refForName="sibTrans" op="equ"/>
+    </dgm:constrLst>
+    <dgm:forEach name="nodesForEach" axis="ch" ptType="node">
+      <dgm:layoutNode name="composite">
+        <dgm:alg type="composite">
+          <dgm:param type="ar" val="1"/>
+        </dgm:alg>
+        <dgm:shape xmlns:r="http://schemas.openxmlformats.org/officeDocument/2006/relationships" r:blip="">
+          <dgm:adjLst/>
+        </dgm:shape>
+        <dgm:choose name="Name4">
+          <dgm:if name="Name5" func="var" arg="dir" op="equ" val="norm">
+            <dgm:constrLst>
+              <dgm:constr type="l" for="ch" forName="rect1" refType="w" fact="0"/>
+              <dgm:constr type="t" for="ch" forName="rect1" refType="h" fact="0"/>
+              <dgm:constr type="w" for="ch" forName="rect1" refType="w"/>
+              <dgm:constr type="h" for="ch" forName="rect1" refType="h" fact="0.8"/>
+              <dgm:constr type="l" for="ch" forName="wedgeRectCallout1" refType="w" fact="0.09"/>
+              <dgm:constr type="t" for="ch" forName="wedgeRectCallout1" refType="h" fact="0.72"/>
+              <dgm:constr type="w" for="ch" forName="wedgeRectCallout1" refType="w" fact="0.89"/>
+              <dgm:constr type="h" for="ch" forName="wedgeRectCallout1" refType="h" fact="0.28"/>
+            </dgm:constrLst>
+          </dgm:if>
+          <dgm:else name="Name6">
+            <dgm:constrLst>
+              <dgm:constr type="l" for="ch" forName="rect1" refType="w" fact="0"/>
+              <dgm:constr type="t" for="ch" forName="rect1" refType="h" fact="0"/>
+              <dgm:constr type="w" for="ch" forName="rect1" refType="w"/>
+              <dgm:constr type="h" for="ch" forName="rect1" refType="h" fact="0.8"/>
+              <dgm:constr type="l" for="ch" forName="wedgeRectCallout1" refType="w" fact="0.02"/>
+              <dgm:constr type="t" for="ch" forName="wedgeRectCallout1" refType="h" fact="0.72"/>
+              <dgm:constr type="w" for="ch" forName="wedgeRectCallout1" refType="w" fact="0.89"/>
+              <dgm:constr type="h" for="ch" forName="wedgeRectCallout1" refType="h" fact="0.28"/>
+            </dgm:constrLst>
+          </dgm:else>
+        </dgm:choose>
+        <dgm:layoutNode name="rect1" styleLbl="bgImgPlace1">
+          <dgm:alg type="sp"/>
+          <dgm:shape xmlns:r="http://schemas.openxmlformats.org/officeDocument/2006/relationships" type="rect" r:blip="" blipPhldr="1">
+            <dgm:adjLst/>
+          </dgm:shape>
+          <dgm:presOf/>
+        </dgm:layoutNode>
+        <dgm:layoutNode name="wedgeRectCallout1" styleLbl="node1">
+          <dgm:varLst>
+            <dgm:bulletEnabled val="1"/>
+          </dgm:varLst>
+          <dgm:alg type="tx"/>
+          <dgm:choose name="Name7">
+            <dgm:if name="Name8" func="var" arg="dir" op="equ" val="norm">
+              <dgm:shape xmlns:r="http://schemas.openxmlformats.org/officeDocument/2006/relationships" type="wedgeRectCallout" r:blip="">
+                <dgm:adjLst>
+                  <dgm:adj idx="1" val="0.2025"/>
+                  <dgm:adj idx="2" val="-0.607"/>
+                </dgm:adjLst>
+              </dgm:shape>
+            </dgm:if>
+            <dgm:else name="Name9">
+              <dgm:shape xmlns:r="http://schemas.openxmlformats.org/officeDocument/2006/relationships" type="wedgeRectCallout" r:blip="">
+                <dgm:adjLst>
+                  <dgm:adj idx="1" val="-0.2025"/>
+                  <dgm:adj idx="2" val="-0.607"/>
+                </dgm:adjLst>
+              </dgm:shape>
+            </dgm:else>
+          </dgm:choose>
+          <dgm:presOf axis="desOrSelf" ptType="node"/>
+          <dgm:constrLst>
+            <dgm:constr type="lMarg" refType="primFontSz" fact="0.3"/>
+            <dgm:constr type="rMarg" refType="primFontSz" fact="0.3"/>
+            <dgm:constr type="tMarg" refType="primFontSz" fact="0.3"/>
+            <dgm:constr type="bMarg" refType="primFontSz" fact="0.3"/>
+          </dgm:constrLst>
+          <dgm:ruleLst>
+            <dgm:rule type="primFontSz" val="5" fact="NaN" max="NaN"/>
+          </dgm:ruleLst>
+        </dgm:layoutNode>
+      </dgm:layoutNode>
+      <dgm:forEach name="sibTransForEach" axis="followSib" ptType="sibTrans" cnt="1">
+        <dgm:layoutNode name="sibTrans">
+          <dgm:alg type="sp"/>
+          <dgm:shape xmlns:r="http://schemas.openxmlformats.org/officeDocument/2006/relationships" r:blip="">
+            <dgm:adjLst/>
+          </dgm:shape>
+        </dgm:layoutNode>
+      </dgm:forEach>
+    </dgm:forEach>
+  </dgm:layoutNode>
+</dgm:layoutDef>
+</file>
+
+<file path=ppt/diagrams/quickStyle1.xml><?xml version="1.0" encoding="utf-8"?>
+<dgm:styleDef xmlns:dgm="http://schemas.openxmlformats.org/drawingml/2006/diagram" xmlns:a="http://schemas.openxmlformats.org/drawingml/2006/main" uniqueId="urn:microsoft.com/office/officeart/2005/8/quickstyle/simple1">
+  <dgm:title val=""/>
+  <dgm:desc val=""/>
+  <dgm:catLst>
+    <dgm:cat type="simple" pri="10100"/>
+  </dgm:catLst>
+  <dgm:scene3d>
+    <a:camera prst="orthographicFront"/>
+    <a:lightRig rig="threePt" dir="t"/>
+  </dgm:scene3d>
+  <dgm:styleLbl name="node0">
+    <dgm:scene3d>
+      <a:camera prst="orthographicFront"/>
+      <a:lightRig rig="threePt" dir="t"/>
+    </dgm:scene3d>
+    <dgm:sp3d/>
+    <dgm:txPr/>
+    <dgm:style>
+      <a:lnRef idx="2">
+        <a:scrgbClr r="0" g="0" b="0"/>
+      </a:lnRef>
+      <a:fillRef idx="1">
+        <a:scrgbClr r="0" g="0" b="0"/>
+      </a:fillRef>
+      <a:effectRef idx="0">
+        <a:scrgbClr r="0" g="0" b="0"/>
+      </a:effectRef>
+      <a:fontRef idx="minor">
+        <a:schemeClr val="lt1"/>
+      </a:fontRef>
+    </dgm:style>
+  </dgm:styleLbl>
+  <dgm:styleLbl name="lnNode1">
+    <dgm:scene3d>
+      <a:camera prst="orthographicFront"/>
+      <a:lightRig rig="threePt" dir="t"/>
+    </dgm:scene3d>
+    <dgm:sp3d/>
+    <dgm:txPr/>
+    <dgm:style>
+      <a:lnRef idx="2">
+        <a:scrgbClr r="0" g="0" b="0"/>
+      </a:lnRef>
+      <a:fillRef idx="1">
+        <a:scrgbClr r="0" g="0" b="0"/>
+      </a:fillRef>
+      <a:effectRef idx="0">
+        <a:scrgbClr r="0" g="0" b="0"/>
+      </a:effectRef>
+      <a:fontRef idx="minor">
+        <a:schemeClr val="lt1"/>
+      </a:fontRef>
+    </dgm:style>
+  </dgm:styleLbl>
+  <dgm:styleLbl name="vennNode1">
+    <dgm:scene3d>
+      <a:camera prst="orthographicFront"/>
+      <a:lightRig rig="threePt" dir="t"/>
+    </dgm:scene3d>
+    <dgm:sp3d/>
+    <dgm:txPr/>
+    <dgm:style>
+      <a:lnRef idx="2">
+        <a:scrgbClr r="0" g="0" b="0"/>
+      </a:lnRef>
+      <a:fillRef idx="1">
+        <a:scrgbClr r="0" g="0" b="0"/>
+      </a:fillRef>
+      <a:effectRef idx="0">
+        <a:scrgbClr r="0" g="0" b="0"/>
+      </a:effectRef>
+      <a:fontRef idx="minor">
+        <a:schemeClr val="tx1"/>
+      </a:fontRef>
+    </dgm:style>
+  </dgm:styleLbl>
+  <dgm:styleLbl name="alignNode1">
+    <dgm:scene3d>
+      <a:camera prst="orthographicFront"/>
+      <a:lightRig rig="threePt" dir="t"/>
+    </dgm:scene3d>
+    <dgm:sp3d/>
+    <dgm:txPr/>
+    <dgm:style>
+      <a:lnRef idx="2">
+        <a:scrgbClr r="0" g="0" b="0"/>
+      </a:lnRef>
+      <a:fillRef idx="1">
+        <a:scrgbClr r="0" g="0" b="0"/>
+      </a:fillRef>
+      <a:effectRef idx="0">
+        <a:scrgbClr r="0" g="0" b="0"/>
+      </a:effectRef>
+      <a:fontRef idx="minor">
+        <a:schemeClr val="lt1"/>
+      </a:fontRef>
+    </dgm:style>
+  </dgm:styleLbl>
+  <dgm:styleLbl name="node1">
+    <dgm:scene3d>
+      <a:camera prst="orthographicFront"/>
+      <a:lightRig rig="threePt" dir="t"/>
+    </dgm:scene3d>
+    <dgm:sp3d/>
+    <dgm:txPr/>
+    <dgm:style>
+      <a:lnRef idx="2">
+        <a:scrgbClr r="0" g="0" b="0"/>
+      </a:lnRef>
+      <a:fillRef idx="1">
+        <a:scrgbClr r="0" g="0" b="0"/>
+      </a:fillRef>
+      <a:effectRef idx="0">
+        <a:scrgbClr r="0" g="0" b="0"/>
+      </a:effectRef>
+      <a:fontRef idx="minor">
+        <a:schemeClr val="lt1"/>
+      </a:fontRef>
+    </dgm:style>
+  </dgm:styleLbl>
+  <dgm:styleLbl name="node2">
+    <dgm:scene3d>
+      <a:camera prst="orthographicFront"/>
+      <a:lightRig rig="threePt" dir="t"/>
+    </dgm:scene3d>
+    <dgm:sp3d/>
+    <dgm:txPr/>
+    <dgm:style>
+      <a:lnRef idx="2">
+        <a:scrgbClr r="0" g="0" b="0"/>
+      </a:lnRef>
+      <a:fillRef idx="1">
+        <a:scrgbClr r="0" g="0" b="0"/>
+      </a:fillRef>
+      <a:effectRef idx="0">
+        <a:scrgbClr r="0" g="0" b="0"/>
+      </a:effectRef>
+      <a:fontRef idx="minor">
+        <a:schemeClr val="lt1"/>
+      </a:fontRef>
+    </dgm:style>
+  </dgm:styleLbl>
+  <dgm:styleLbl name="node3">
+    <dgm:scene3d>
+      <a:camera prst="orthographicFront"/>
+      <a:lightRig rig="threePt" dir="t"/>
+    </dgm:scene3d>
+    <dgm:sp3d/>
+    <dgm:txPr/>
+    <dgm:style>
+      <a:lnRef idx="2">
+        <a:scrgbClr r="0" g="0" b="0"/>
+      </a:lnRef>
+      <a:fillRef idx="1">
+        <a:scrgbClr r="0" g="0" b="0"/>
+      </a:fillRef>
+      <a:effectRef idx="0">
+        <a:scrgbClr r="0" g="0" b="0"/>
+      </a:effectRef>
+      <a:fontRef idx="minor">
+        <a:schemeClr val="lt1"/>
+      </a:fontRef>
+    </dgm:style>
+  </dgm:styleLbl>
+  <dgm:styleLbl name="node4">
+    <dgm:scene3d>
+      <a:camera prst="orthographicFront"/>
+      <a:lightRig rig="threePt" dir="t"/>
+    </dgm:scene3d>
+    <dgm:sp3d/>
+    <dgm:txPr/>
+    <dgm:style>
+      <a:lnRef idx="2">
+        <a:scrgbClr r="0" g="0" b="0"/>
+      </a:lnRef>
+      <a:fillRef idx="1">
+        <a:scrgbClr r="0" g="0" b="0"/>
+      </a:fillRef>
+      <a:effectRef idx="0">
+        <a:scrgbClr r="0" g="0" b="0"/>
+      </a:effectRef>
+      <a:fontRef idx="minor">
+        <a:schemeClr val="lt1"/>
+      </a:fontRef>
+    </dgm:style>
+  </dgm:styleLbl>
+  <dgm:styleLbl name="fgImgPlace1">
+    <dgm:scene3d>
+      <a:camera prst="orthographicFront"/>
+      <a:lightRig rig="threePt" dir="t"/>
+    </dgm:scene3d>
+    <dgm:sp3d/>
+    <dgm:txPr/>
+    <dgm:style>
+      <a:lnRef idx="2">
+        <a:scrgbClr r="0" g="0" b="0"/>
+      </a:lnRef>
+      <a:fillRef idx="1">
+        <a:scrgbClr r="0" g="0" b="0"/>
+      </a:fillRef>
+      <a:effectRef idx="0">
+        <a:scrgbClr r="0" g="0" b="0"/>
+      </a:effectRef>
+      <a:fontRef idx="minor"/>
+    </dgm:style>
+  </dgm:styleLbl>
+  <dgm:styleLbl name="alignImgPlace1">
+    <dgm:scene3d>
+      <a:camera prst="orthographicFront"/>
+      <a:lightRig rig="threePt" dir="t"/>
+    </dgm:scene3d>
+    <dgm:sp3d/>
+    <dgm:txPr/>
+    <dgm:style>
+      <a:lnRef idx="2">
+        <a:scrgbClr r="0" g="0" b="0"/>
+      </a:lnRef>
+      <a:fillRef idx="1">
+        <a:scrgbClr r="0" g="0" b="0"/>
+      </a:fillRef>
+      <a:effectRef idx="0">
+        <a:scrgbClr r="0" g="0" b="0"/>
+      </a:effectRef>
+      <a:fontRef idx="minor"/>
+    </dgm:style>
+  </dgm:styleLbl>
+  <dgm:styleLbl name="bgImgPlace1">
+    <dgm:scene3d>
+      <a:camera prst="orthographicFront"/>
+      <a:lightRig rig="threePt" dir="t"/>
+    </dgm:scene3d>
+    <dgm:sp3d/>
+    <dgm:txPr/>
+    <dgm:style>
+      <a:lnRef idx="2">
+        <a:scrgbClr r="0" g="0" b="0"/>
+      </a:lnRef>
+      <a:fillRef idx="1">
+        <a:scrgbClr r="0" g="0" b="0"/>
+      </a:fillRef>
+      <a:effectRef idx="0">
+        <a:scrgbClr r="0" g="0" b="0"/>
+      </a:effectRef>
+      <a:fontRef idx="minor"/>
+    </dgm:style>
+  </dgm:styleLbl>
+  <dgm:styleLbl name="sibTrans2D1">
+    <dgm:scene3d>
+      <a:camera prst="orthographicFront"/>
+      <a:lightRig rig="threePt" dir="t"/>
+    </dgm:scene3d>
+    <dgm:sp3d/>
+    <dgm:txPr/>
+    <dgm:style>
+      <a:lnRef idx="0">
+        <a:scrgbClr r="0" g="0" b="0"/>
+      </a:lnRef>
+      <a:fillRef idx="1">
+        <a:scrgbClr r="0" g="0" b="0"/>
+      </a:fillRef>
+      <a:effectRef idx="0">
+        <a:scrgbClr r="0" g="0" b="0"/>
+      </a:effectRef>
+      <a:fontRef idx="minor">
+        <a:schemeClr val="lt1"/>
+      </a:fontRef>
+    </dgm:style>
+  </dgm:styleLbl>
+  <dgm:styleLbl name="fgSibTrans2D1">
+    <dgm:scene3d>
+      <a:camera prst="orthographicFront"/>
+      <a:lightRig rig="threePt" dir="t"/>
+    </dgm:scene3d>
+    <dgm:sp3d/>
+    <dgm:txPr/>
+    <dgm:style>
+      <a:lnRef idx="0">
+        <a:scrgbClr r="0" g="0" b="0"/>
+      </a:lnRef>
+      <a:fillRef idx="1">
+        <a:scrgbClr r="0" g="0" b="0"/>
+      </a:fillRef>
+      <a:effectRef idx="0">
+        <a:scrgbClr r="0" g="0" b="0"/>
+      </a:effectRef>
+      <a:fontRef idx="minor">
+        <a:schemeClr val="lt1"/>
+      </a:fontRef>
+    </dgm:style>
+  </dgm:styleLbl>
+  <dgm:styleLbl name="bgSibTrans2D1">
+    <dgm:scene3d>
+      <a:camera prst="orthographicFront"/>
+      <a:lightRig rig="threePt" dir="t"/>
+    </dgm:scene3d>
+    <dgm:sp3d/>
+    <dgm:txPr/>
+    <dgm:style>
+      <a:lnRef idx="0">
+        <a:scrgbClr r="0" g="0" b="0"/>
+      </a:lnRef>
+      <a:fillRef idx="1">
+        <a:scrgbClr r="0" g="0" b="0"/>
+      </a:fillRef>
+      <a:effectRef idx="0">
+        <a:scrgbClr r="0" g="0" b="0"/>
+      </a:effectRef>
+      <a:fontRef idx="minor">
+        <a:schemeClr val="lt1"/>
+      </a:fontRef>
+    </dgm:style>
+  </dgm:styleLbl>
+  <dgm:styleLbl name="sibTrans1D1">
+    <dgm:scene3d>
+      <a:camera prst="orthographicFront"/>
+      <a:lightRig rig="threePt" dir="t"/>
+    </dgm:scene3d>
+    <dgm:sp3d/>
+    <dgm:txPr/>
+    <dgm:style>
+      <a:lnRef idx="1">
+        <a:scrgbClr r="0" g="0" b="0"/>
+      </a:lnRef>
+      <a:fillRef idx="0">
+        <a:scrgbClr r="0" g="0" b="0"/>
+      </a:fillRef>
+      <a:effectRef idx="0">
+        <a:scrgbClr r="0" g="0" b="0"/>
+      </a:effectRef>
+      <a:fontRef idx="minor"/>
+    </dgm:style>
+  </dgm:styleLbl>
+  <dgm:styleLbl name="callout">
+    <dgm:scene3d>
+      <a:camera prst="orthographicFront"/>
+      <a:lightRig rig="threePt" dir="t"/>
+    </dgm:scene3d>
+    <dgm:sp3d/>
+    <dgm:txPr/>
+    <dgm:style>
+      <a:lnRef idx="2">
+        <a:scrgbClr r="0" g="0" b="0"/>
+      </a:lnRef>
+      <a:fillRef idx="1">
+        <a:scrgbClr r="0" g="0" b="0"/>
+      </a:fillRef>
+      <a:effectRef idx="0">
+        <a:scrgbClr r="0" g="0" b="0"/>
+      </a:effectRef>
+      <a:fontRef idx="minor"/>
+    </dgm:style>
+  </dgm:styleLbl>
+  <dgm:styleLbl name="asst0">
+    <dgm:scene3d>
+      <a:camera prst="orthographicFront"/>
+      <a:lightRig rig="threePt" dir="t"/>
+    </dgm:scene3d>
+    <dgm:sp3d/>
+    <dgm:txPr/>
+    <dgm:style>
+      <a:lnRef idx="2">
+        <a:scrgbClr r="0" g="0" b="0"/>
+      </a:lnRef>
+      <a:fillRef idx="1">
+        <a:scrgbClr r="0" g="0" b="0"/>
+      </a:fillRef>
+      <a:effectRef idx="0">
+        <a:scrgbClr r="0" g="0" b="0"/>
+      </a:effectRef>
+      <a:fontRef idx="minor">
+        <a:schemeClr val="lt1"/>
+      </a:fontRef>
+    </dgm:style>
+  </dgm:styleLbl>
+  <dgm:styleLbl name="asst1">
+    <dgm:scene3d>
+      <a:camera prst="orthographicFront"/>
+      <a:lightRig rig="threePt" dir="t"/>
+    </dgm:scene3d>
+    <dgm:sp3d/>
+    <dgm:txPr/>
+    <dgm:style>
+      <a:lnRef idx="2">
+        <a:scrgbClr r="0" g="0" b="0"/>
+      </a:lnRef>
+      <a:fillRef idx="1">
+        <a:scrgbClr r="0" g="0" b="0"/>
+      </a:fillRef>
+      <a:effectRef idx="0">
+        <a:scrgbClr r="0" g="0" b="0"/>
+      </a:effectRef>
+      <a:fontRef idx="minor">
+        <a:schemeClr val="lt1"/>
+      </a:fontRef>
+    </dgm:style>
+  </dgm:styleLbl>
+  <dgm:styleLbl name="asst2">
+    <dgm:scene3d>
+      <a:camera prst="orthographicFront"/>
+      <a:lightRig rig="threePt" dir="t"/>
+    </dgm:scene3d>
+    <dgm:sp3d/>
+    <dgm:txPr/>
+    <dgm:style>
+      <a:lnRef idx="2">
+        <a:scrgbClr r="0" g="0" b="0"/>
+      </a:lnRef>
+      <a:fillRef idx="1">
+        <a:scrgbClr r="0" g="0" b="0"/>
+      </a:fillRef>
+      <a:effectRef idx="0">
+        <a:scrgbClr r="0" g="0" b="0"/>
+      </a:effectRef>
+      <a:fontRef idx="minor">
+        <a:schemeClr val="lt1"/>
+      </a:fontRef>
+    </dgm:style>
+  </dgm:styleLbl>
+  <dgm:styleLbl name="asst3">
+    <dgm:scene3d>
+      <a:camera prst="orthographicFront"/>
+      <a:lightRig rig="threePt" dir="t"/>
+    </dgm:scene3d>
+    <dgm:sp3d/>
+    <dgm:txPr/>
+    <dgm:style>
+      <a:lnRef idx="2">
+        <a:scrgbClr r="0" g="0" b="0"/>
+      </a:lnRef>
+      <a:fillRef idx="1">
+        <a:scrgbClr r="0" g="0" b="0"/>
+      </a:fillRef>
+      <a:effectRef idx="0">
+        <a:scrgbClr r="0" g="0" b="0"/>
+      </a:effectRef>
+      <a:fontRef idx="minor">
+        <a:schemeClr val="lt1"/>
+      </a:fontRef>
+    </dgm:style>
+  </dgm:styleLbl>
+  <dgm:styleLbl name="asst4">
+    <dgm:scene3d>
+      <a:camera prst="orthographicFront"/>
+      <a:lightRig rig="threePt" dir="t"/>
+    </dgm:scene3d>
+    <dgm:sp3d/>
+    <dgm:txPr/>
+    <dgm:style>
+      <a:lnRef idx="2">
+        <a:scrgbClr r="0" g="0" b="0"/>
+      </a:lnRef>
+      <a:fillRef idx="1">
+        <a:scrgbClr r="0" g="0" b="0"/>
+      </a:fillRef>
+      <a:effectRef idx="0">
+        <a:scrgbClr r="0" g="0" b="0"/>
+      </a:effectRef>
+      <a:fontRef idx="minor">
+        <a:schemeClr val="lt1"/>
+      </a:fontRef>
+    </dgm:style>
+  </dgm:styleLbl>
+  <dgm:styleLbl name="parChTrans2D1">
+    <dgm:scene3d>
+      <a:camera prst="orthographicFront"/>
+      <a:lightRig rig="threePt" dir="t"/>
+    </dgm:scene3d>
+    <dgm:sp3d/>
+    <dgm:txPr/>
+    <dgm:style>
+      <a:lnRef idx="2">
+        <a:scrgbClr r="0" g="0" b="0"/>
+      </a:lnRef>
+      <a:fillRef idx="1">
+        <a:scrgbClr r="0" g="0" b="0"/>
+      </a:fillRef>
+      <a:effectRef idx="0">
+        <a:scrgbClr r="0" g="0" b="0"/>
+      </a:effectRef>
+      <a:fontRef idx="minor">
+        <a:schemeClr val="lt1"/>
+      </a:fontRef>
+    </dgm:style>
+  </dgm:styleLbl>
+  <dgm:styleLbl name="parChTrans2D2">
+    <dgm:scene3d>
+      <a:camera prst="orthographicFront"/>
+      <a:lightRig rig="threePt" dir="t"/>
+    </dgm:scene3d>
+    <dgm:sp3d/>
+    <dgm:txPr/>
+    <dgm:style>
+      <a:lnRef idx="2">
+        <a:scrgbClr r="0" g="0" b="0"/>
+      </a:lnRef>
+      <a:fillRef idx="1">
+        <a:scrgbClr r="0" g="0" b="0"/>
+      </a:fillRef>
+      <a:effectRef idx="0">
+        <a:scrgbClr r="0" g="0" b="0"/>
+      </a:effectRef>
+      <a:fontRef idx="minor">
+        <a:schemeClr val="lt1"/>
+      </a:fontRef>
+    </dgm:style>
+  </dgm:styleLbl>
+  <dgm:styleLbl name="parChTrans2D3">
+    <dgm:scene3d>
+      <a:camera prst="orthographicFront"/>
+      <a:lightRig rig="threePt" dir="t"/>
+    </dgm:scene3d>
+    <dgm:sp3d/>
+    <dgm:txPr/>
+    <dgm:style>
+      <a:lnRef idx="2">
+        <a:scrgbClr r="0" g="0" b="0"/>
+      </a:lnRef>
+      <a:fillRef idx="1">
+        <a:scrgbClr r="0" g="0" b="0"/>
+      </a:fillRef>
+      <a:effectRef idx="0">
+        <a:scrgbClr r="0" g="0" b="0"/>
+      </a:effectRef>
+      <a:fontRef idx="minor">
+        <a:schemeClr val="lt1"/>
+      </a:fontRef>
+    </dgm:style>
+  </dgm:styleLbl>
+  <dgm:styleLbl name="parChTrans2D4">
+    <dgm:scene3d>
+      <a:camera prst="orthographicFront"/>
+      <a:lightRig rig="threePt" dir="t"/>
+    </dgm:scene3d>
+    <dgm:sp3d/>
+    <dgm:txPr/>
+    <dgm:style>
+      <a:lnRef idx="2">
+        <a:scrgbClr r="0" g="0" b="0"/>
+      </a:lnRef>
+      <a:fillRef idx="1">
+        <a:scrgbClr r="0" g="0" b="0"/>
+      </a:fillRef>
+      <a:effectRef idx="0">
+        <a:scrgbClr r="0" g="0" b="0"/>
+      </a:effectRef>
+      <a:fontRef idx="minor">
+        <a:schemeClr val="lt1"/>
+      </a:fontRef>
+    </dgm:style>
+  </dgm:styleLbl>
+  <dgm:styleLbl name="parChTrans1D1">
+    <dgm:scene3d>
+      <a:camera prst="orthographicFront"/>
+      <a:lightRig rig="threePt" dir="t"/>
+    </dgm:scene3d>
+    <dgm:sp3d/>
+    <dgm:txPr/>
+    <dgm:style>
+      <a:lnRef idx="2">
+        <a:scrgbClr r="0" g="0" b="0"/>
+      </a:lnRef>
+      <a:fillRef idx="0">
+        <a:scrgbClr r="0" g="0" b="0"/>
+      </a:fillRef>
+      <a:effectRef idx="0">
+        <a:scrgbClr r="0" g="0" b="0"/>
+      </a:effectRef>
+      <a:fontRef idx="minor"/>
+    </dgm:style>
+  </dgm:styleLbl>
+  <dgm:styleLbl name="parChTrans1D2">
+    <dgm:scene3d>
+      <a:camera prst="orthographicFront"/>
+      <a:lightRig rig="threePt" dir="t"/>
+    </dgm:scene3d>
+    <dgm:sp3d/>
+    <dgm:txPr/>
+    <dgm:style>
+      <a:lnRef idx="2">
+        <a:scrgbClr r="0" g="0" b="0"/>
+      </a:lnRef>
+      <a:fillRef idx="0">
+        <a:scrgbClr r="0" g="0" b="0"/>
+      </a:fillRef>
+      <a:effectRef idx="0">
+        <a:scrgbClr r="0" g="0" b="0"/>
+      </a:effectRef>
+      <a:fontRef idx="minor"/>
+    </dgm:style>
+  </dgm:styleLbl>
+  <dgm:styleLbl name="parChTrans1D3">
+    <dgm:scene3d>
+      <a:camera prst="orthographicFront"/>
+      <a:lightRig rig="threePt" dir="t"/>
+    </dgm:scene3d>
+    <dgm:sp3d/>
+    <dgm:txPr/>
+    <dgm:style>
+      <a:lnRef idx="2">
+        <a:scrgbClr r="0" g="0" b="0"/>
+      </a:lnRef>
+      <a:fillRef idx="0">
+        <a:scrgbClr r="0" g="0" b="0"/>
+      </a:fillRef>
+      <a:effectRef idx="0">
+        <a:scrgbClr r="0" g="0" b="0"/>
+      </a:effectRef>
+      <a:fontRef idx="minor"/>
+    </dgm:style>
+  </dgm:styleLbl>
+  <dgm:styleLbl name="parChTrans1D4">
+    <dgm:scene3d>
+      <a:camera prst="orthographicFront"/>
+      <a:lightRig rig="threePt" dir="t"/>
+    </dgm:scene3d>
+    <dgm:sp3d/>
+    <dgm:txPr/>
+    <dgm:style>
+      <a:lnRef idx="2">
+        <a:scrgbClr r="0" g="0" b="0"/>
+      </a:lnRef>
+      <a:fillRef idx="0">
+        <a:scrgbClr r="0" g="0" b="0"/>
+      </a:fillRef>
+      <a:effectRef idx="0">
+        <a:scrgbClr r="0" g="0" b="0"/>
+      </a:effectRef>
+      <a:fontRef idx="minor"/>
+    </dgm:style>
+  </dgm:styleLbl>
+  <dgm:styleLbl name="fgAcc1">
+    <dgm:scene3d>
+      <a:camera prst="orthographicFront"/>
+      <a:lightRig rig="threePt" dir="t"/>
+    </dgm:scene3d>
+    <dgm:sp3d/>
+    <dgm:txPr/>
+    <dgm:style>
+      <a:lnRef idx="2">
+        <a:scrgbClr r="0" g="0" b="0"/>
+      </a:lnRef>
+      <a:fillRef idx="1">
+        <a:scrgbClr r="0" g="0" b="0"/>
+      </a:fillRef>
+      <a:effectRef idx="0">
+        <a:scrgbClr r="0" g="0" b="0"/>
+      </a:effectRef>
+      <a:fontRef idx="minor"/>
+    </dgm:style>
+  </dgm:styleLbl>
+  <dgm:styleLbl name="conFgAcc1">
+    <dgm:scene3d>
+      <a:camera prst="orthographicFront"/>
+      <a:lightRig rig="threePt" dir="t"/>
+    </dgm:scene3d>
+    <dgm:sp3d/>
+    <dgm:txPr/>
+    <dgm:style>
+      <a:lnRef idx="2">
+        <a:scrgbClr r="0" g="0" b="0"/>
+      </a:lnRef>
+      <a:fillRef idx="1">
+        <a:scrgbClr r="0" g="0" b="0"/>
+      </a:fillRef>
+      <a:effectRef idx="0">
+        <a:scrgbClr r="0" g="0" b="0"/>
+      </a:effectRef>
+      <a:fontRef idx="minor"/>
+    </dgm:style>
+  </dgm:styleLbl>
+  <dgm:styleLbl name="alignAcc1">
+    <dgm:scene3d>
+      <a:camera prst="orthographicFront"/>
+      <a:lightRig rig="threePt" dir="t"/>
+    </dgm:scene3d>
+    <dgm:sp3d/>
+    <dgm:txPr/>
+    <dgm:style>
+      <a:lnRef idx="2">
+        <a:scrgbClr r="0" g="0" b="0"/>
+      </a:lnRef>
+      <a:fillRef idx="1">
+        <a:scrgbClr r="0" g="0" b="0"/>
+      </a:fillRef>
+      <a:effectRef idx="0">
+        <a:scrgbClr r="0" g="0" b="0"/>
+      </a:effectRef>
+      <a:fontRef idx="minor"/>
+    </dgm:style>
+  </dgm:styleLbl>
+  <dgm:styleLbl name="trAlignAcc1">
+    <dgm:scene3d>
+      <a:camera prst="orthographicFront"/>
+      <a:lightRig rig="threePt" dir="t"/>
+    </dgm:scene3d>
+    <dgm:sp3d/>
+    <dgm:txPr/>
+    <dgm:style>
+      <a:lnRef idx="1">
+        <a:scrgbClr r="0" g="0" b="0"/>
+      </a:lnRef>
+      <a:fillRef idx="1">
+        <a:scrgbClr r="0" g="0" b="0"/>
+      </a:fillRef>
+      <a:effectRef idx="0">
+        <a:scrgbClr r="0" g="0" b="0"/>
+      </a:effectRef>
+      <a:fontRef idx="minor"/>
+    </dgm:style>
+  </dgm:styleLbl>
+  <dgm:styleLbl name="bgAcc1">
+    <dgm:scene3d>
+      <a:camera prst="orthographicFront"/>
+      <a:lightRig rig="threePt" dir="t"/>
+    </dgm:scene3d>
+    <dgm:sp3d/>
+    <dgm:txPr/>
+    <dgm:style>
+      <a:lnRef idx="2">
+        <a:scrgbClr r="0" g="0" b="0"/>
+      </a:lnRef>
+      <a:fillRef idx="1">
+        <a:scrgbClr r="0" g="0" b="0"/>
+      </a:fillRef>
+      <a:effectRef idx="0">
+        <a:scrgbClr r="0" g="0" b="0"/>
+      </a:effectRef>
+      <a:fontRef idx="minor"/>
+    </dgm:style>
+  </dgm:styleLbl>
+  <dgm:styleLbl name="solidFgAcc1">
+    <dgm:scene3d>
+      <a:camera prst="orthographicFront"/>
+      <a:lightRig rig="threePt" dir="t"/>
+    </dgm:scene3d>
+    <dgm:sp3d/>
+    <dgm:txPr/>
+    <dgm:style>
+      <a:lnRef idx="2">
+        <a:scrgbClr r="0" g="0" b="0"/>
+      </a:lnRef>
+      <a:fillRef idx="1">
+        <a:scrgbClr r="0" g="0" b="0"/>
+      </a:fillRef>
+      <a:effectRef idx="0">
+        <a:scrgbClr r="0" g="0" b="0"/>
+      </a:effectRef>
+      <a:fontRef idx="minor"/>
+    </dgm:style>
+  </dgm:styleLbl>
+  <dgm:styleLbl name="solidAlignAcc1">
+    <dgm:scene3d>
+      <a:camera prst="orthographicFront"/>
+      <a:lightRig rig="threePt" dir="t"/>
+    </dgm:scene3d>
+    <dgm:sp3d/>
+    <dgm:txPr/>
+    <dgm:style>
+      <a:lnRef idx="2">
+        <a:scrgbClr r="0" g="0" b="0"/>
+      </a:lnRef>
+      <a:fillRef idx="1">
+        <a:scrgbClr r="0" g="0" b="0"/>
+      </a:fillRef>
+      <a:effectRef idx="0">
+        <a:scrgbClr r="0" g="0" b="0"/>
+      </a:effectRef>
+      <a:fontRef idx="minor"/>
+    </dgm:style>
+  </dgm:styleLbl>
+  <dgm:styleLbl name="solidBgAcc1">
+    <dgm:scene3d>
+      <a:camera prst="orthographicFront"/>
+      <a:lightRig rig="threePt" dir="t"/>
+    </dgm:scene3d>
+    <dgm:sp3d/>
+    <dgm:txPr/>
+    <dgm:style>
+      <a:lnRef idx="2">
+        <a:scrgbClr r="0" g="0" b="0"/>
+      </a:lnRef>
+      <a:fillRef idx="1">
+        <a:scrgbClr r="0" g="0" b="0"/>
+      </a:fillRef>
+      <a:effectRef idx="0">
+        <a:scrgbClr r="0" g="0" b="0"/>
+      </a:effectRef>
+      <a:fontRef idx="minor"/>
+    </dgm:style>
+  </dgm:styleLbl>
+  <dgm:styleLbl name="fgAccFollowNode1">
+    <dgm:scene3d>
+      <a:camera prst="orthographicFront"/>
+      <a:lightRig rig="threePt" dir="t"/>
+    </dgm:scene3d>
+    <dgm:sp3d/>
+    <dgm:txPr/>
+    <dgm:style>
+      <a:lnRef idx="2">
+        <a:scrgbClr r="0" g="0" b="0"/>
+      </a:lnRef>
+      <a:fillRef idx="1">
+        <a:scrgbClr r="0" g="0" b="0"/>
+      </a:fillRef>
+      <a:effectRef idx="0">
+        <a:scrgbClr r="0" g="0" b="0"/>
+      </a:effectRef>
+      <a:fontRef idx="minor"/>
+    </dgm:style>
+  </dgm:styleLbl>
+  <dgm:styleLbl name="alignAccFollowNode1">
+    <dgm:scene3d>
+      <a:camera prst="orthographicFront"/>
+      <a:lightRig rig="threePt" dir="t"/>
+    </dgm:scene3d>
+    <dgm:sp3d/>
+    <dgm:txPr/>
+    <dgm:style>
+      <a:lnRef idx="2">
+        <a:scrgbClr r="0" g="0" b="0"/>
+      </a:lnRef>
+      <a:fillRef idx="1">
+        <a:scrgbClr r="0" g="0" b="0"/>
+      </a:fillRef>
+      <a:effectRef idx="0">
+        <a:scrgbClr r="0" g="0" b="0"/>
+      </a:effectRef>
+      <a:fontRef idx="minor"/>
+    </dgm:style>
+  </dgm:styleLbl>
+  <dgm:styleLbl name="bgAccFollowNode1">
+    <dgm:scene3d>
+      <a:camera prst="orthographicFront"/>
+      <a:lightRig rig="threePt" dir="t"/>
+    </dgm:scene3d>
+    <dgm:sp3d/>
+    <dgm:txPr/>
+    <dgm:style>
+      <a:lnRef idx="2">
+        <a:scrgbClr r="0" g="0" b="0"/>
+      </a:lnRef>
+      <a:fillRef idx="1">
+        <a:scrgbClr r="0" g="0" b="0"/>
+      </a:fillRef>
+      <a:effectRef idx="0">
+        <a:scrgbClr r="0" g="0" b="0"/>
+      </a:effectRef>
+      <a:fontRef idx="minor"/>
+    </dgm:style>
+  </dgm:styleLbl>
+  <dgm:styleLbl name="fgAcc0">
+    <dgm:scene3d>
+      <a:camera prst="orthographicFront"/>
+      <a:lightRig rig="threePt" dir="t"/>
+    </dgm:scene3d>
+    <dgm:sp3d/>
+    <dgm:txPr/>
+    <dgm:style>
+      <a:lnRef idx="2">
+        <a:scrgbClr r="0" g="0" b="0"/>
+      </a:lnRef>
+      <a:fillRef idx="1">
+        <a:scrgbClr r="0" g="0" b="0"/>
+      </a:fillRef>
+      <a:effectRef idx="0">
+        <a:scrgbClr r="0" g="0" b="0"/>
+      </a:effectRef>
+      <a:fontRef idx="minor"/>
+    </dgm:style>
+  </dgm:styleLbl>
+  <dgm:styleLbl name="fgAcc2">
+    <dgm:scene3d>
+      <a:camera prst="orthographicFront"/>
+      <a:lightRig rig="threePt" dir="t"/>
+    </dgm:scene3d>
+    <dgm:sp3d/>
+    <dgm:txPr/>
+    <dgm:style>
+      <a:lnRef idx="2">
+        <a:scrgbClr r="0" g="0" b="0"/>
+      </a:lnRef>
+      <a:fillRef idx="1">
+        <a:scrgbClr r="0" g="0" b="0"/>
+      </a:fillRef>
+      <a:effectRef idx="0">
+        <a:scrgbClr r="0" g="0" b="0"/>
+      </a:effectRef>
+      <a:fontRef idx="minor"/>
+    </dgm:style>
+  </dgm:styleLbl>
+  <dgm:styleLbl name="fgAcc3">
+    <dgm:scene3d>
+      <a:camera prst="orthographicFront"/>
+      <a:lightRig rig="threePt" dir="t"/>
+    </dgm:scene3d>
+    <dgm:sp3d/>
+    <dgm:txPr/>
+    <dgm:style>
+      <a:lnRef idx="2">
+        <a:scrgbClr r="0" g="0" b="0"/>
+      </a:lnRef>
+      <a:fillRef idx="1">
+        <a:scrgbClr r="0" g="0" b="0"/>
+      </a:fillRef>
+      <a:effectRef idx="0">
+        <a:scrgbClr r="0" g="0" b="0"/>
+      </a:effectRef>
+      <a:fontRef idx="minor"/>
+    </dgm:style>
+  </dgm:styleLbl>
+  <dgm:styleLbl name="fgAcc4">
+    <dgm:scene3d>
+      <a:camera prst="orthographicFront"/>
+      <a:lightRig rig="threePt" dir="t"/>
+    </dgm:scene3d>
+    <dgm:sp3d/>
+    <dgm:txPr/>
+    <dgm:style>
+      <a:lnRef idx="2">
+        <a:scrgbClr r="0" g="0" b="0"/>
+      </a:lnRef>
+      <a:fillRef idx="1">
+        <a:scrgbClr r="0" g="0" b="0"/>
+      </a:fillRef>
+      <a:effectRef idx="0">
+        <a:scrgbClr r="0" g="0" b="0"/>
+      </a:effectRef>
+      <a:fontRef idx="minor"/>
+    </dgm:style>
+  </dgm:styleLbl>
+  <dgm:styleLbl name="bgShp">
+    <dgm:scene3d>
+      <a:camera prst="orthographicFront"/>
+      <a:lightRig rig="threePt" dir="t"/>
+    </dgm:scene3d>
+    <dgm:sp3d/>
+    <dgm:txPr/>
+    <dgm:style>
+      <a:lnRef idx="0">
+        <a:scrgbClr r="0" g="0" b="0"/>
+      </a:lnRef>
+      <a:fillRef idx="1">
+        <a:scrgbClr r="0" g="0" b="0"/>
+      </a:fillRef>
+      <a:effectRef idx="0">
+        <a:scrgbClr r="0" g="0" b="0"/>
+      </a:effectRef>
+      <a:fontRef idx="minor"/>
+    </dgm:style>
+  </dgm:styleLbl>
+  <dgm:styleLbl name="dkBgShp">
+    <dgm:scene3d>
+      <a:camera prst="orthographicFront"/>
+      <a:lightRig rig="threePt" dir="t"/>
+    </dgm:scene3d>
+    <dgm:sp3d/>
+    <dgm:txPr/>
+    <dgm:style>
+      <a:lnRef idx="0">
+        <a:scrgbClr r="0" g="0" b="0"/>
+      </a:lnRef>
+      <a:fillRef idx="1">
+        <a:scrgbClr r="0" g="0" b="0"/>
+      </a:fillRef>
+      <a:effectRef idx="0">
+        <a:scrgbClr r="0" g="0" b="0"/>
+      </a:effectRef>
+      <a:fontRef idx="minor"/>
+    </dgm:style>
+  </dgm:styleLbl>
+  <dgm:styleLbl name="trBgShp">
+    <dgm:scene3d>
+      <a:camera prst="orthographicFront"/>
+      <a:lightRig rig="threePt" dir="t"/>
+    </dgm:scene3d>
+    <dgm:sp3d/>
+    <dgm:txPr/>
+    <dgm:style>
+      <a:lnRef idx="0">
+        <a:scrgbClr r="0" g="0" b="0"/>
+      </a:lnRef>
+      <a:fillRef idx="1">
+        <a:scrgbClr r="0" g="0" b="0"/>
+      </a:fillRef>
+      <a:effectRef idx="0">
+        <a:scrgbClr r="0" g="0" b="0"/>
+      </a:effectRef>
+      <a:fontRef idx="minor"/>
+    </dgm:style>
+  </dgm:styleLbl>
+  <dgm:styleLbl name="fgShp">
+    <dgm:scene3d>
+      <a:camera prst="orthographicFront"/>
+      <a:lightRig rig="threePt" dir="t"/>
+    </dgm:scene3d>
+    <dgm:sp3d/>
+    <dgm:txPr/>
+    <dgm:style>
+      <a:lnRef idx="2">
+        <a:scrgbClr r="0" g="0" b="0"/>
+      </a:lnRef>
+      <a:fillRef idx="1">
+        <a:scrgbClr r="0" g="0" b="0"/>
+      </a:fillRef>
+      <a:effectRef idx="0">
+        <a:scrgbClr r="0" g="0" b="0"/>
+      </a:effectRef>
+      <a:fontRef idx="minor"/>
+    </dgm:style>
+  </dgm:styleLbl>
+  <dgm:styleLbl name="revTx">
+    <dgm:scene3d>
+      <a:camera prst="orthographicFront"/>
+      <a:lightRig rig="threePt" dir="t"/>
+    </dgm:scene3d>
+    <dgm:sp3d/>
+    <dgm:txPr/>
+    <dgm:style>
+      <a:lnRef idx="0">
+        <a:scrgbClr r="0" g="0" b="0"/>
+      </a:lnRef>
+      <a:fillRef idx="0">
+        <a:scrgbClr r="0" g="0" b="0"/>
+      </a:fillRef>
+      <a:effectRef idx="0">
+        <a:scrgbClr r="0" g="0" b="0"/>
+      </a:effectRef>
+      <a:fontRef idx="minor"/>
+    </dgm:style>
+  </dgm:styleLbl>
+</dgm:styleDef>
 </file>
 
 <file path=ppt/slideLayouts/slideLayout1.xml><?xml version="1.0" encoding="utf-8"?>
@@ -4776,6 +7536,49 @@
           </a:p>
         </p:txBody>
       </p:sp>
+      <p:cxnSp>
+        <p:nvCxnSpPr>
+          <p:cNvPr id="6" name="直線コネクタ 5">
+            <a:extLst>
+              <a:ext uri="{FF2B5EF4-FFF2-40B4-BE49-F238E27FC236}">
+                <a16:creationId xmlns:a16="http://schemas.microsoft.com/office/drawing/2014/main" id="{0DE493EF-39D7-43DE-BFBE-3EF0AF846B22}"/>
+              </a:ext>
+            </a:extLst>
+          </p:cNvPr>
+          <p:cNvCxnSpPr>
+            <a:cxnSpLocks/>
+          </p:cNvCxnSpPr>
+          <p:nvPr userDrawn="1"/>
+        </p:nvCxnSpPr>
+        <p:spPr>
+          <a:xfrm>
+            <a:off x="0" y="875211"/>
+            <a:ext cx="12192000" cy="0"/>
+          </a:xfrm>
+          <a:prstGeom prst="line">
+            <a:avLst/>
+          </a:prstGeom>
+          <a:ln w="76200">
+            <a:solidFill>
+              <a:schemeClr val="tx1"/>
+            </a:solidFill>
+          </a:ln>
+        </p:spPr>
+        <p:style>
+          <a:lnRef idx="1">
+            <a:schemeClr val="accent1"/>
+          </a:lnRef>
+          <a:fillRef idx="0">
+            <a:schemeClr val="accent1"/>
+          </a:fillRef>
+          <a:effectRef idx="0">
+            <a:schemeClr val="accent1"/>
+          </a:effectRef>
+          <a:fontRef idx="minor">
+            <a:schemeClr val="tx1"/>
+          </a:fontRef>
+        </p:style>
+      </p:cxnSp>
     </p:spTree>
   </p:cSld>
   <p:clrMapOvr>
@@ -6259,11 +9062,13 @@
         </p:nvSpPr>
         <p:spPr/>
         <p:txBody>
-          <a:bodyPr/>
+          <a:bodyPr>
+            <a:normAutofit/>
+          </a:bodyPr>
           <a:lstStyle/>
           <a:p>
             <a:r>
-              <a:rPr kumimoji="1" lang="ja-JP" altLang="en-US" dirty="0"/>
+              <a:rPr kumimoji="1" lang="ja-JP" altLang="en-US" sz="6600" dirty="0"/>
               <a:t>一人に一台食券機の時代</a:t>
             </a:r>
           </a:p>
@@ -6285,25 +9090,34 @@
             <p:ph type="subTitle" idx="1"/>
           </p:nvPr>
         </p:nvSpPr>
-        <p:spPr/>
+        <p:spPr>
+          <a:xfrm>
+            <a:off x="3544049" y="3770617"/>
+            <a:ext cx="8647951" cy="1049867"/>
+          </a:xfrm>
+        </p:spPr>
         <p:txBody>
           <a:bodyPr/>
           <a:lstStyle/>
           <a:p>
             <a:r>
-              <a:rPr kumimoji="1" lang="ja-JP" altLang="en-US" dirty="0"/>
+              <a:rPr kumimoji="1" lang="ja-JP" altLang="en-US" sz="3200" dirty="0"/>
               <a:t>付加価値</a:t>
             </a:r>
-            <a:endParaRPr kumimoji="1" lang="en-US" altLang="ja-JP" dirty="0"/>
+            <a:endParaRPr kumimoji="1" lang="en-US" altLang="ja-JP" sz="3200" dirty="0"/>
           </a:p>
           <a:p>
             <a:r>
               <a:rPr lang="ja-JP" altLang="en-US" dirty="0"/>
-              <a:t>船引けいすけ、はやかわゆうき、</a:t>
+              <a:t>船引敬佑、早川友基、</a:t>
             </a:r>
             <a:r>
               <a:rPr lang="en-US" altLang="ja-JP" dirty="0"/>
-              <a:t>Adrian Rio</a:t>
+              <a:t>Adrian </a:t>
+            </a:r>
+            <a:r>
+              <a:rPr lang="en-US" altLang="ja-JP" dirty="0" err="1"/>
+              <a:t>rio</a:t>
             </a:r>
             <a:r>
               <a:rPr lang="ja-JP" altLang="en-US" dirty="0" err="1"/>
@@ -6311,17 +9125,9 @@
             </a:r>
             <a:r>
               <a:rPr lang="ja-JP" altLang="en-US" dirty="0"/>
-              <a:t>船は</a:t>
-            </a:r>
-            <a:r>
-              <a:rPr lang="en-US" altLang="ja-JP" dirty="0" err="1"/>
-              <a:t>sh</a:t>
-            </a:r>
-            <a:r>
-              <a:rPr lang="ja-JP" altLang="en-US" dirty="0"/>
-              <a:t>ｙ　ゆう</a:t>
-            </a:r>
-            <a:endParaRPr kumimoji="1" lang="ja-JP" altLang="en-US" dirty="0"/>
+              <a:t>舟橋優</a:t>
+            </a:r>
+            <a:endParaRPr kumimoji="1" lang="en-US" altLang="ja-JP" dirty="0"/>
           </a:p>
         </p:txBody>
       </p:sp>
@@ -6341,26 +9147,6 @@
 <file path=ppt/slides/slide2.xml><?xml version="1.0" encoding="utf-8"?>
 <p:sld xmlns:a="http://schemas.openxmlformats.org/drawingml/2006/main" xmlns:r="http://schemas.openxmlformats.org/officeDocument/2006/relationships" xmlns:p="http://schemas.openxmlformats.org/presentationml/2006/main">
   <p:cSld>
-    <p:bg>
-      <p:bgPr>
-        <a:blipFill rotWithShape="1">
-          <a:blip r:embed="rId2">
-            <a:duotone>
-              <a:schemeClr val="bg2">
-                <a:shade val="80000"/>
-                <a:lumMod val="80000"/>
-              </a:schemeClr>
-              <a:schemeClr val="bg2">
-                <a:tint val="98000"/>
-              </a:schemeClr>
-            </a:duotone>
-            <a:extLst/>
-          </a:blip>
-          <a:stretch/>
-        </a:blipFill>
-        <a:effectLst/>
-      </p:bgPr>
-    </p:bg>
     <p:spTree>
       <p:nvGrpSpPr>
         <p:cNvPr id="1" name=""/>
@@ -6377,374 +9163,67 @@
       </p:grpSpPr>
       <p:pic>
         <p:nvPicPr>
-          <p:cNvPr id="7" name="コンテンツ プレースホルダー 3">
+          <p:cNvPr id="7" name="Picture 2" descr="https://2.bp.blogspot.com/-9BulXVe7Rmw/UxbLZqq7rZI/AAAAAAAAd9c/XKk2sQt_YWs/s800/gyouretsu.png">
             <a:extLst>
               <a:ext uri="{FF2B5EF4-FFF2-40B4-BE49-F238E27FC236}">
-                <a16:creationId xmlns:a16="http://schemas.microsoft.com/office/drawing/2014/main" id="{478D3533-2C19-4E06-B270-6BD943849C1C}"/>
+                <a16:creationId xmlns:a16="http://schemas.microsoft.com/office/drawing/2014/main" id="{1D4238A6-3968-4370-8975-73B420BA5986}"/>
               </a:ext>
             </a:extLst>
           </p:cNvPr>
           <p:cNvPicPr>
-            <a:picLocks noChangeAspect="1"/>
+            <a:picLocks noChangeAspect="1" noChangeArrowheads="1"/>
           </p:cNvPicPr>
           <p:nvPr/>
         </p:nvPicPr>
-        <p:blipFill rotWithShape="1">
-          <a:blip r:embed="rId3"/>
-          <a:srcRect t="8889" b="5352"/>
-          <a:stretch/>
+        <p:blipFill>
+          <a:blip r:embed="rId2">
+            <a:clrChange>
+              <a:clrFrom>
+                <a:srgbClr val="1F2221"/>
+              </a:clrFrom>
+              <a:clrTo>
+                <a:srgbClr val="1F2221">
+                  <a:alpha val="0"/>
+                </a:srgbClr>
+              </a:clrTo>
+            </a:clrChange>
+            <a:extLst>
+              <a:ext uri="{28A0092B-C50C-407E-A947-70E740481C1C}">
+                <a14:useLocalDpi xmlns:a14="http://schemas.microsoft.com/office/drawing/2010/main" val="0"/>
+              </a:ext>
+            </a:extLst>
+          </a:blip>
+          <a:srcRect/>
+          <a:stretch>
+            <a:fillRect/>
+          </a:stretch>
         </p:blipFill>
-        <p:spPr>
+        <p:spPr bwMode="auto">
           <a:xfrm>
-            <a:off x="0" y="609600"/>
-            <a:ext cx="12192000" cy="5881352"/>
+            <a:off x="762000" y="327991"/>
+            <a:ext cx="10667999" cy="6353175"/>
           </a:xfrm>
           <a:prstGeom prst="rect">
             <a:avLst/>
           </a:prstGeom>
-        </p:spPr>
-      </p:pic>
-      <p:sp useBgFill="1">
-        <p:nvSpPr>
-          <p:cNvPr id="12" name="Freeform 5">
-            <a:extLst>
-              <a:ext uri="{FF2B5EF4-FFF2-40B4-BE49-F238E27FC236}">
-                <a16:creationId xmlns:a16="http://schemas.microsoft.com/office/drawing/2014/main" id="{37D54B6C-87D0-4C03-8335-3955179D2B5B}"/>
-              </a:ext>
-              <a:ext uri="{C183D7F6-B498-43B3-948B-1728B52AA6E4}">
-                <adec:decorative xmlns:adec="http://schemas.microsoft.com/office/drawing/2017/decorative" val="1"/>
-              </a:ext>
-            </a:extLst>
-          </p:cNvPr>
-          <p:cNvSpPr>
-            <a:spLocks noGrp="1" noRot="1" noChangeAspect="1" noMove="1" noResize="1" noEditPoints="1" noAdjustHandles="1" noChangeArrowheads="1" noChangeShapeType="1" noTextEdit="1"/>
-          </p:cNvSpPr>
-          <p:nvPr>
-            <p:extLst>
-              <p:ext uri="{386F3935-93C4-4BCD-93E2-E3B085C9AB24}">
-                <p16:designElem xmlns:p16="http://schemas.microsoft.com/office/powerpoint/2015/main" val="1"/>
-              </p:ext>
-            </p:extLst>
-          </p:nvPr>
-        </p:nvSpPr>
-        <p:spPr bwMode="auto">
-          <a:xfrm rot="5400000">
-            <a:off x="-118536" y="1371603"/>
-            <a:ext cx="5624423" cy="4100418"/>
-          </a:xfrm>
-          <a:custGeom>
-            <a:avLst/>
-            <a:gdLst>
-              <a:gd name="T0" fmla="*/ 1577 w 1601"/>
-              <a:gd name="T1" fmla="*/ 0 h 696"/>
-              <a:gd name="T2" fmla="*/ 833 w 1601"/>
-              <a:gd name="T3" fmla="*/ 0 h 696"/>
-              <a:gd name="T4" fmla="*/ 768 w 1601"/>
-              <a:gd name="T5" fmla="*/ 0 h 696"/>
-              <a:gd name="T6" fmla="*/ 24 w 1601"/>
-              <a:gd name="T7" fmla="*/ 0 h 696"/>
-              <a:gd name="T8" fmla="*/ 0 w 1601"/>
-              <a:gd name="T9" fmla="*/ 27 h 696"/>
-              <a:gd name="T10" fmla="*/ 0 w 1601"/>
-              <a:gd name="T11" fmla="*/ 669 h 696"/>
-              <a:gd name="T12" fmla="*/ 24 w 1601"/>
-              <a:gd name="T13" fmla="*/ 696 h 696"/>
-              <a:gd name="T14" fmla="*/ 768 w 1601"/>
-              <a:gd name="T15" fmla="*/ 696 h 696"/>
-              <a:gd name="T16" fmla="*/ 833 w 1601"/>
-              <a:gd name="T17" fmla="*/ 696 h 696"/>
-              <a:gd name="T18" fmla="*/ 1577 w 1601"/>
-              <a:gd name="T19" fmla="*/ 696 h 696"/>
-              <a:gd name="T20" fmla="*/ 1601 w 1601"/>
-              <a:gd name="T21" fmla="*/ 669 h 696"/>
-              <a:gd name="T22" fmla="*/ 1601 w 1601"/>
-              <a:gd name="T23" fmla="*/ 27 h 696"/>
-              <a:gd name="T24" fmla="*/ 1577 w 1601"/>
-              <a:gd name="T25" fmla="*/ 0 h 696"/>
-            </a:gdLst>
-            <a:ahLst/>
-            <a:cxnLst>
-              <a:cxn ang="0">
-                <a:pos x="T0" y="T1"/>
-              </a:cxn>
-              <a:cxn ang="0">
-                <a:pos x="T2" y="T3"/>
-              </a:cxn>
-              <a:cxn ang="0">
-                <a:pos x="T4" y="T5"/>
-              </a:cxn>
-              <a:cxn ang="0">
-                <a:pos x="T6" y="T7"/>
-              </a:cxn>
-              <a:cxn ang="0">
-                <a:pos x="T8" y="T9"/>
-              </a:cxn>
-              <a:cxn ang="0">
-                <a:pos x="T10" y="T11"/>
-              </a:cxn>
-              <a:cxn ang="0">
-                <a:pos x="T12" y="T13"/>
-              </a:cxn>
-              <a:cxn ang="0">
-                <a:pos x="T14" y="T15"/>
-              </a:cxn>
-              <a:cxn ang="0">
-                <a:pos x="T16" y="T17"/>
-              </a:cxn>
-              <a:cxn ang="0">
-                <a:pos x="T18" y="T19"/>
-              </a:cxn>
-              <a:cxn ang="0">
-                <a:pos x="T20" y="T21"/>
-              </a:cxn>
-              <a:cxn ang="0">
-                <a:pos x="T22" y="T23"/>
-              </a:cxn>
-              <a:cxn ang="0">
-                <a:pos x="T24" y="T25"/>
-              </a:cxn>
-            </a:cxnLst>
-            <a:rect l="0" t="0" r="r" b="b"/>
-            <a:pathLst>
-              <a:path w="1601" h="696">
-                <a:moveTo>
-                  <a:pt x="1577" y="0"/>
-                </a:moveTo>
-                <a:cubicBezTo>
-                  <a:pt x="833" y="0"/>
-                  <a:pt x="833" y="0"/>
-                  <a:pt x="833" y="0"/>
-                </a:cubicBezTo>
-                <a:cubicBezTo>
-                  <a:pt x="768" y="0"/>
-                  <a:pt x="768" y="0"/>
-                  <a:pt x="768" y="0"/>
-                </a:cubicBezTo>
-                <a:cubicBezTo>
-                  <a:pt x="24" y="0"/>
-                  <a:pt x="24" y="0"/>
-                  <a:pt x="24" y="0"/>
-                </a:cubicBezTo>
-                <a:cubicBezTo>
-                  <a:pt x="11" y="0"/>
-                  <a:pt x="0" y="12"/>
-                  <a:pt x="0" y="27"/>
-                </a:cubicBezTo>
-                <a:cubicBezTo>
-                  <a:pt x="0" y="669"/>
-                  <a:pt x="0" y="669"/>
-                  <a:pt x="0" y="669"/>
-                </a:cubicBezTo>
-                <a:cubicBezTo>
-                  <a:pt x="0" y="684"/>
-                  <a:pt x="11" y="696"/>
-                  <a:pt x="24" y="696"/>
-                </a:cubicBezTo>
-                <a:cubicBezTo>
-                  <a:pt x="768" y="696"/>
-                  <a:pt x="768" y="696"/>
-                  <a:pt x="768" y="696"/>
-                </a:cubicBezTo>
-                <a:cubicBezTo>
-                  <a:pt x="833" y="696"/>
-                  <a:pt x="833" y="696"/>
-                  <a:pt x="833" y="696"/>
-                </a:cubicBezTo>
-                <a:cubicBezTo>
-                  <a:pt x="1577" y="696"/>
-                  <a:pt x="1577" y="696"/>
-                  <a:pt x="1577" y="696"/>
-                </a:cubicBezTo>
-                <a:cubicBezTo>
-                  <a:pt x="1590" y="696"/>
-                  <a:pt x="1601" y="684"/>
-                  <a:pt x="1601" y="669"/>
-                </a:cubicBezTo>
-                <a:cubicBezTo>
-                  <a:pt x="1601" y="27"/>
-                  <a:pt x="1601" y="27"/>
-                  <a:pt x="1601" y="27"/>
-                </a:cubicBezTo>
-                <a:cubicBezTo>
-                  <a:pt x="1601" y="12"/>
-                  <a:pt x="1590" y="0"/>
-                  <a:pt x="1577" y="0"/>
-                </a:cubicBezTo>
-                <a:close/>
-              </a:path>
-            </a:pathLst>
-          </a:custGeom>
-          <a:ln>
-            <a:noFill/>
-          </a:ln>
-          <a:effectLst>
-            <a:outerShdw blurRad="50800" dist="38100" dir="5400000" algn="tl" rotWithShape="0">
-              <a:srgbClr val="000000">
-                <a:alpha val="43000"/>
-              </a:srgbClr>
-            </a:outerShdw>
-          </a:effectLst>
+          <a:noFill/>
           <a:extLst>
-            <a:ext uri="{91240B29-F687-4f45-9708-019B960494DF}">
-              <a14:hiddenLine xmlns="" xmlns:a16="http://schemas.microsoft.com/office/drawing/2014/main" xmlns:p14="http://schemas.microsoft.com/office/powerpoint/2010/main" xmlns:a14="http://schemas.microsoft.com/office/drawing/2010/main" w="9525">
+            <a:ext uri="{909E8E84-426E-40DD-AFC4-6F175D3DCCD1}">
+              <a14:hiddenFill xmlns:a14="http://schemas.microsoft.com/office/drawing/2010/main">
                 <a:solidFill>
-                  <a:srgbClr val="000000"/>
+                  <a:srgbClr val="FFFFFF"/>
                 </a:solidFill>
-                <a:round/>
-                <a:headEnd/>
-                <a:tailEnd/>
-              </a14:hiddenLine>
+              </a14:hiddenFill>
             </a:ext>
           </a:extLst>
         </p:spPr>
-        <p:txBody>
-          <a:bodyPr vert="horz" wrap="square" lIns="91440" tIns="45720" rIns="91440" bIns="45720" numCol="1" anchor="t" anchorCtr="0" compatLnSpc="1">
-            <a:prstTxWarp prst="textNoShape">
-              <a:avLst/>
-            </a:prstTxWarp>
-          </a:bodyPr>
-          <a:lstStyle/>
-          <a:p>
-            <a:endParaRPr lang="en-US"/>
-          </a:p>
-        </p:txBody>
-      </p:sp>
-      <p:sp>
-        <p:nvSpPr>
-          <p:cNvPr id="2" name="タイトル 1">
+      </p:pic>
+      <p:sp>
+        <p:nvSpPr>
+          <p:cNvPr id="2" name="正方形/長方形 1">
             <a:extLst>
               <a:ext uri="{FF2B5EF4-FFF2-40B4-BE49-F238E27FC236}">
-                <a16:creationId xmlns:a16="http://schemas.microsoft.com/office/drawing/2014/main" id="{464F18D5-9F2C-4C34-A99B-1D88FEB74B36}"/>
-              </a:ext>
-            </a:extLst>
-          </p:cNvPr>
-          <p:cNvSpPr>
-            <a:spLocks noGrp="1"/>
-          </p:cNvSpPr>
-          <p:nvPr>
-            <p:ph type="title"/>
-          </p:nvPr>
-        </p:nvSpPr>
-        <p:spPr>
-          <a:xfrm>
-            <a:off x="913795" y="845388"/>
-            <a:ext cx="3596420" cy="979016"/>
-          </a:xfrm>
-        </p:spPr>
-        <p:txBody>
-          <a:bodyPr anchor="b">
-            <a:normAutofit/>
-          </a:bodyPr>
-          <a:lstStyle/>
-          <a:p>
-            <a:pPr algn="l"/>
-            <a:r>
-              <a:rPr kumimoji="1" lang="en-US" altLang="ja-JP" sz="2400"/>
-              <a:t>Abstract</a:t>
-            </a:r>
-            <a:endParaRPr kumimoji="1" lang="ja-JP" altLang="en-US" sz="2400"/>
-          </a:p>
-        </p:txBody>
-      </p:sp>
-      <p:sp>
-        <p:nvSpPr>
-          <p:cNvPr id="9" name="Content Placeholder 8">
-            <a:extLst>
-              <a:ext uri="{FF2B5EF4-FFF2-40B4-BE49-F238E27FC236}">
-                <a16:creationId xmlns:a16="http://schemas.microsoft.com/office/drawing/2014/main" id="{6A6A0887-2CE0-4D49-BDAD-C997CCDE062F}"/>
-              </a:ext>
-            </a:extLst>
-          </p:cNvPr>
-          <p:cNvSpPr>
-            <a:spLocks noGrp="1"/>
-          </p:cNvSpPr>
-          <p:nvPr>
-            <p:ph idx="1"/>
-          </p:nvPr>
-        </p:nvSpPr>
-        <p:spPr>
-          <a:xfrm>
-            <a:off x="913795" y="1968237"/>
-            <a:ext cx="3531684" cy="3679189"/>
-          </a:xfrm>
-        </p:spPr>
-        <p:txBody>
-          <a:bodyPr anchor="t">
-            <a:normAutofit/>
-          </a:bodyPr>
-          <a:lstStyle/>
-          <a:p>
-            <a:endParaRPr lang="en-US" altLang="ja-JP" sz="1600" dirty="0"/>
-          </a:p>
-          <a:p>
-            <a:r>
-              <a:rPr lang="ja-JP" altLang="en-US" sz="1600" dirty="0"/>
-              <a:t>価格と参考写真を含めたカテゴライズされたメニューを表示</a:t>
-            </a:r>
-            <a:endParaRPr lang="en-US" altLang="ja-JP" sz="1600" dirty="0"/>
-          </a:p>
-          <a:p>
-            <a:r>
-              <a:rPr lang="ja-JP" altLang="en-US" sz="1600" dirty="0"/>
-              <a:t>決済ができるウェブサービス</a:t>
-            </a:r>
-            <a:endParaRPr lang="en-US" altLang="ja-JP" sz="1600" dirty="0"/>
-          </a:p>
-          <a:p>
-            <a:pPr marL="36900" indent="0">
-              <a:buNone/>
-            </a:pPr>
-            <a:endParaRPr lang="en-US" altLang="ja-JP" sz="1600" dirty="0"/>
-          </a:p>
-          <a:p>
-            <a:endParaRPr lang="en-US" altLang="ja-JP" sz="1600" dirty="0"/>
-          </a:p>
-        </p:txBody>
-      </p:sp>
-    </p:spTree>
-    <p:extLst>
-      <p:ext uri="{BB962C8B-B14F-4D97-AF65-F5344CB8AC3E}">
-        <p14:creationId xmlns:p14="http://schemas.microsoft.com/office/powerpoint/2010/main" val="1061917635"/>
-      </p:ext>
-    </p:extLst>
-  </p:cSld>
-  <p:clrMapOvr>
-    <a:masterClrMapping/>
-  </p:clrMapOvr>
-</p:sld>
-</file>
-
-<file path=ppt/slides/slide3.xml><?xml version="1.0" encoding="utf-8"?>
-<p:sld xmlns:a="http://schemas.openxmlformats.org/drawingml/2006/main" xmlns:r="http://schemas.openxmlformats.org/officeDocument/2006/relationships" xmlns:p="http://schemas.openxmlformats.org/presentationml/2006/main">
-  <p:cSld>
-    <p:bg>
-      <p:bgPr>
-        <a:solidFill>
-          <a:schemeClr val="bg1"/>
-        </a:solidFill>
-        <a:effectLst/>
-      </p:bgPr>
-    </p:bg>
-    <p:spTree>
-      <p:nvGrpSpPr>
-        <p:cNvPr id="1" name=""/>
-        <p:cNvGrpSpPr/>
-        <p:nvPr/>
-      </p:nvGrpSpPr>
-      <p:grpSpPr>
-        <a:xfrm>
-          <a:off x="0" y="0"/>
-          <a:ext cx="0" cy="0"/>
-          <a:chOff x="0" y="0"/>
-          <a:chExt cx="0" cy="0"/>
-        </a:xfrm>
-      </p:grpSpPr>
-      <p:sp>
-        <p:nvSpPr>
-          <p:cNvPr id="6" name="思考の吹き出し: 雲形 5">
-            <a:extLst>
-              <a:ext uri="{FF2B5EF4-FFF2-40B4-BE49-F238E27FC236}">
-                <a16:creationId xmlns:a16="http://schemas.microsoft.com/office/drawing/2014/main" id="{8A00F6A8-26F0-4214-93B7-26E214F390CA}"/>
+                <a16:creationId xmlns:a16="http://schemas.microsoft.com/office/drawing/2014/main" id="{CF88DE89-6A1A-46C9-8AF7-1B12E7ED2AF1}"/>
               </a:ext>
             </a:extLst>
           </p:cNvPr>
@@ -6753,15 +9232,775 @@
         </p:nvSpPr>
         <p:spPr>
           <a:xfrm>
-            <a:off x="-167729" y="745432"/>
-            <a:ext cx="6761409" cy="3610136"/>
+            <a:off x="93644" y="-133674"/>
+            <a:ext cx="2940228" cy="923330"/>
+          </a:xfrm>
+          <a:prstGeom prst="rect">
+            <a:avLst/>
+          </a:prstGeom>
+          <a:noFill/>
+        </p:spPr>
+        <p:txBody>
+          <a:bodyPr wrap="none" lIns="91440" tIns="45720" rIns="91440" bIns="45720">
+            <a:spAutoFit/>
+          </a:bodyPr>
+          <a:lstStyle/>
+          <a:p>
+            <a:pPr algn="ctr"/>
+            <a:r>
+              <a:rPr lang="en-US" altLang="ja-JP" sz="5400" dirty="0">
+                <a:ln w="0"/>
+                <a:effectLst>
+                  <a:outerShdw blurRad="38100" dist="19050" dir="2700000" algn="tl" rotWithShape="0">
+                    <a:schemeClr val="dk1">
+                      <a:alpha val="40000"/>
+                    </a:schemeClr>
+                  </a:outerShdw>
+                </a:effectLst>
+              </a:rPr>
+              <a:t>Problems</a:t>
+            </a:r>
+            <a:endParaRPr lang="ja-JP" altLang="en-US" sz="5400" b="0" cap="none" spc="0" dirty="0">
+              <a:ln w="0"/>
+              <a:solidFill>
+                <a:schemeClr val="tx1"/>
+              </a:solidFill>
+              <a:effectLst>
+                <a:outerShdw blurRad="38100" dist="19050" dir="2700000" algn="tl" rotWithShape="0">
+                  <a:schemeClr val="dk1">
+                    <a:alpha val="40000"/>
+                  </a:schemeClr>
+                </a:outerShdw>
+              </a:effectLst>
+            </a:endParaRPr>
+          </a:p>
+        </p:txBody>
+      </p:sp>
+      <p:sp>
+        <p:nvSpPr>
+          <p:cNvPr id="5" name="思考の吹き出し: 雲形 4">
+            <a:extLst>
+              <a:ext uri="{FF2B5EF4-FFF2-40B4-BE49-F238E27FC236}">
+                <a16:creationId xmlns:a16="http://schemas.microsoft.com/office/drawing/2014/main" id="{C47DB82C-DB40-42AA-92B5-D94B341D6F63}"/>
+              </a:ext>
+            </a:extLst>
+          </p:cNvPr>
+          <p:cNvSpPr/>
+          <p:nvPr/>
+        </p:nvSpPr>
+        <p:spPr>
+          <a:xfrm>
+            <a:off x="2302126" y="4399722"/>
+            <a:ext cx="4731026" cy="2130287"/>
           </a:xfrm>
           <a:prstGeom prst="cloudCallout">
             <a:avLst>
-              <a:gd name="adj1" fmla="val -21785"/>
-              <a:gd name="adj2" fmla="val 77483"/>
+              <a:gd name="adj1" fmla="val 23945"/>
+              <a:gd name="adj2" fmla="val -142071"/>
             </a:avLst>
           </a:prstGeom>
+        </p:spPr>
+        <p:style>
+          <a:lnRef idx="2">
+            <a:schemeClr val="accent6"/>
+          </a:lnRef>
+          <a:fillRef idx="1">
+            <a:schemeClr val="lt1"/>
+          </a:fillRef>
+          <a:effectRef idx="0">
+            <a:schemeClr val="accent6"/>
+          </a:effectRef>
+          <a:fontRef idx="minor">
+            <a:schemeClr val="dk1"/>
+          </a:fontRef>
+        </p:style>
+        <p:txBody>
+          <a:bodyPr rtlCol="0" anchor="ctr"/>
+          <a:lstStyle/>
+          <a:p>
+            <a:pPr algn="ctr"/>
+            <a:r>
+              <a:rPr kumimoji="1" lang="ja-JP" altLang="en-US" sz="2800" b="1" dirty="0"/>
+              <a:t>ぴったりのお金</a:t>
+            </a:r>
+            <a:r>
+              <a:rPr kumimoji="1" lang="ja-JP" altLang="en-US" sz="2800" b="1"/>
+              <a:t>がない</a:t>
+            </a:r>
+            <a:r>
+              <a:rPr kumimoji="1" lang="ja-JP" altLang="en-US" sz="2800" b="1" dirty="0" err="1"/>
+              <a:t>．．．</a:t>
+            </a:r>
+            <a:endParaRPr kumimoji="1" lang="en-US" sz="2800" b="1" dirty="0"/>
+          </a:p>
+        </p:txBody>
+      </p:sp>
+      <p:sp>
+        <p:nvSpPr>
+          <p:cNvPr id="6" name="思考の吹き出し: 雲形 5">
+            <a:extLst>
+              <a:ext uri="{FF2B5EF4-FFF2-40B4-BE49-F238E27FC236}">
+                <a16:creationId xmlns:a16="http://schemas.microsoft.com/office/drawing/2014/main" id="{0141683D-26C1-45F3-A657-82380D2EDE90}"/>
+              </a:ext>
+            </a:extLst>
+          </p:cNvPr>
+          <p:cNvSpPr/>
+          <p:nvPr/>
+        </p:nvSpPr>
+        <p:spPr>
+          <a:xfrm>
+            <a:off x="7367330" y="3710069"/>
+            <a:ext cx="4731025" cy="2332383"/>
+          </a:xfrm>
+          <a:prstGeom prst="cloudCallout">
+            <a:avLst>
+              <a:gd name="adj1" fmla="val -8251"/>
+              <a:gd name="adj2" fmla="val -111363"/>
+            </a:avLst>
+          </a:prstGeom>
+        </p:spPr>
+        <p:style>
+          <a:lnRef idx="2">
+            <a:schemeClr val="accent6"/>
+          </a:lnRef>
+          <a:fillRef idx="1">
+            <a:schemeClr val="lt1"/>
+          </a:fillRef>
+          <a:effectRef idx="0">
+            <a:schemeClr val="accent6"/>
+          </a:effectRef>
+          <a:fontRef idx="minor">
+            <a:schemeClr val="dk1"/>
+          </a:fontRef>
+        </p:style>
+        <p:txBody>
+          <a:bodyPr rtlCol="0" anchor="ctr"/>
+          <a:lstStyle/>
+          <a:p>
+            <a:pPr algn="ctr"/>
+            <a:r>
+              <a:rPr kumimoji="1" lang="ja-JP" altLang="en-US" sz="2800" b="1" dirty="0"/>
+              <a:t>食品サンプルを見たいなぁー</a:t>
+            </a:r>
+            <a:endParaRPr kumimoji="1" lang="en-US" sz="2800" b="1" dirty="0"/>
+          </a:p>
+        </p:txBody>
+      </p:sp>
+      <p:sp>
+        <p:nvSpPr>
+          <p:cNvPr id="4" name="思考の吹き出し: 雲形 3">
+            <a:extLst>
+              <a:ext uri="{FF2B5EF4-FFF2-40B4-BE49-F238E27FC236}">
+                <a16:creationId xmlns:a16="http://schemas.microsoft.com/office/drawing/2014/main" id="{8CC50112-9510-4F4B-A10A-8001F46312C2}"/>
+              </a:ext>
+            </a:extLst>
+          </p:cNvPr>
+          <p:cNvSpPr/>
+          <p:nvPr/>
+        </p:nvSpPr>
+        <p:spPr>
+          <a:xfrm>
+            <a:off x="132523" y="2543878"/>
+            <a:ext cx="3657600" cy="2332383"/>
+          </a:xfrm>
+          <a:prstGeom prst="cloudCallout">
+            <a:avLst>
+              <a:gd name="adj1" fmla="val 50735"/>
+              <a:gd name="adj2" fmla="val -53409"/>
+            </a:avLst>
+          </a:prstGeom>
+        </p:spPr>
+        <p:style>
+          <a:lnRef idx="2">
+            <a:schemeClr val="accent6"/>
+          </a:lnRef>
+          <a:fillRef idx="1">
+            <a:schemeClr val="lt1"/>
+          </a:fillRef>
+          <a:effectRef idx="0">
+            <a:schemeClr val="accent6"/>
+          </a:effectRef>
+          <a:fontRef idx="minor">
+            <a:schemeClr val="dk1"/>
+          </a:fontRef>
+        </p:style>
+        <p:txBody>
+          <a:bodyPr rtlCol="0" anchor="ctr"/>
+          <a:lstStyle/>
+          <a:p>
+            <a:pPr algn="ctr"/>
+            <a:r>
+              <a:rPr kumimoji="1" lang="ja-JP" altLang="en-US" sz="2800" b="1" dirty="0">
+                <a:solidFill>
+                  <a:schemeClr val="bg1"/>
+                </a:solidFill>
+              </a:rPr>
+              <a:t>並ぶのが憂鬱</a:t>
+            </a:r>
+            <a:endParaRPr kumimoji="1" lang="en-US" altLang="ja-JP" sz="2800" b="1" dirty="0">
+              <a:solidFill>
+                <a:schemeClr val="bg1"/>
+              </a:solidFill>
+            </a:endParaRPr>
+          </a:p>
+        </p:txBody>
+      </p:sp>
+      <p:sp>
+        <p:nvSpPr>
+          <p:cNvPr id="8" name="十字形 7">
+            <a:extLst>
+              <a:ext uri="{FF2B5EF4-FFF2-40B4-BE49-F238E27FC236}">
+                <a16:creationId xmlns:a16="http://schemas.microsoft.com/office/drawing/2014/main" id="{7B407C0A-C828-40A5-B18C-23F5A5DE4727}"/>
+              </a:ext>
+            </a:extLst>
+          </p:cNvPr>
+          <p:cNvSpPr/>
+          <p:nvPr/>
+        </p:nvSpPr>
+        <p:spPr>
+          <a:xfrm rot="3383200">
+            <a:off x="2287626" y="-26010"/>
+            <a:ext cx="6337700" cy="7061178"/>
+          </a:xfrm>
+          <a:custGeom>
+            <a:avLst/>
+            <a:gdLst>
+              <a:gd name="connsiteX0" fmla="*/ 0 w 6821360"/>
+              <a:gd name="connsiteY0" fmla="*/ 1705340 h 6842440"/>
+              <a:gd name="connsiteX1" fmla="*/ 1705340 w 6821360"/>
+              <a:gd name="connsiteY1" fmla="*/ 1705340 h 6842440"/>
+              <a:gd name="connsiteX2" fmla="*/ 1705340 w 6821360"/>
+              <a:gd name="connsiteY2" fmla="*/ 0 h 6842440"/>
+              <a:gd name="connsiteX3" fmla="*/ 5116020 w 6821360"/>
+              <a:gd name="connsiteY3" fmla="*/ 0 h 6842440"/>
+              <a:gd name="connsiteX4" fmla="*/ 5116020 w 6821360"/>
+              <a:gd name="connsiteY4" fmla="*/ 1705340 h 6842440"/>
+              <a:gd name="connsiteX5" fmla="*/ 6821360 w 6821360"/>
+              <a:gd name="connsiteY5" fmla="*/ 1705340 h 6842440"/>
+              <a:gd name="connsiteX6" fmla="*/ 6821360 w 6821360"/>
+              <a:gd name="connsiteY6" fmla="*/ 5137100 h 6842440"/>
+              <a:gd name="connsiteX7" fmla="*/ 5116020 w 6821360"/>
+              <a:gd name="connsiteY7" fmla="*/ 5137100 h 6842440"/>
+              <a:gd name="connsiteX8" fmla="*/ 5116020 w 6821360"/>
+              <a:gd name="connsiteY8" fmla="*/ 6842440 h 6842440"/>
+              <a:gd name="connsiteX9" fmla="*/ 1705340 w 6821360"/>
+              <a:gd name="connsiteY9" fmla="*/ 6842440 h 6842440"/>
+              <a:gd name="connsiteX10" fmla="*/ 1705340 w 6821360"/>
+              <a:gd name="connsiteY10" fmla="*/ 5137100 h 6842440"/>
+              <a:gd name="connsiteX11" fmla="*/ 0 w 6821360"/>
+              <a:gd name="connsiteY11" fmla="*/ 5137100 h 6842440"/>
+              <a:gd name="connsiteX12" fmla="*/ 0 w 6821360"/>
+              <a:gd name="connsiteY12" fmla="*/ 1705340 h 6842440"/>
+              <a:gd name="connsiteX0" fmla="*/ 33749 w 6855109"/>
+              <a:gd name="connsiteY0" fmla="*/ 1705340 h 6842440"/>
+              <a:gd name="connsiteX1" fmla="*/ 1739089 w 6855109"/>
+              <a:gd name="connsiteY1" fmla="*/ 1705340 h 6842440"/>
+              <a:gd name="connsiteX2" fmla="*/ 1739089 w 6855109"/>
+              <a:gd name="connsiteY2" fmla="*/ 0 h 6842440"/>
+              <a:gd name="connsiteX3" fmla="*/ 5149769 w 6855109"/>
+              <a:gd name="connsiteY3" fmla="*/ 0 h 6842440"/>
+              <a:gd name="connsiteX4" fmla="*/ 5149769 w 6855109"/>
+              <a:gd name="connsiteY4" fmla="*/ 1705340 h 6842440"/>
+              <a:gd name="connsiteX5" fmla="*/ 6855109 w 6855109"/>
+              <a:gd name="connsiteY5" fmla="*/ 1705340 h 6842440"/>
+              <a:gd name="connsiteX6" fmla="*/ 6855109 w 6855109"/>
+              <a:gd name="connsiteY6" fmla="*/ 5137100 h 6842440"/>
+              <a:gd name="connsiteX7" fmla="*/ 5149769 w 6855109"/>
+              <a:gd name="connsiteY7" fmla="*/ 5137100 h 6842440"/>
+              <a:gd name="connsiteX8" fmla="*/ 5149769 w 6855109"/>
+              <a:gd name="connsiteY8" fmla="*/ 6842440 h 6842440"/>
+              <a:gd name="connsiteX9" fmla="*/ 1739089 w 6855109"/>
+              <a:gd name="connsiteY9" fmla="*/ 6842440 h 6842440"/>
+              <a:gd name="connsiteX10" fmla="*/ 1739089 w 6855109"/>
+              <a:gd name="connsiteY10" fmla="*/ 5137100 h 6842440"/>
+              <a:gd name="connsiteX11" fmla="*/ 0 w 6855109"/>
+              <a:gd name="connsiteY11" fmla="*/ 4637277 h 6842440"/>
+              <a:gd name="connsiteX12" fmla="*/ 33749 w 6855109"/>
+              <a:gd name="connsiteY12" fmla="*/ 1705340 h 6842440"/>
+              <a:gd name="connsiteX0" fmla="*/ 0 w 6860269"/>
+              <a:gd name="connsiteY0" fmla="*/ 2841120 h 6842440"/>
+              <a:gd name="connsiteX1" fmla="*/ 1744249 w 6860269"/>
+              <a:gd name="connsiteY1" fmla="*/ 1705340 h 6842440"/>
+              <a:gd name="connsiteX2" fmla="*/ 1744249 w 6860269"/>
+              <a:gd name="connsiteY2" fmla="*/ 0 h 6842440"/>
+              <a:gd name="connsiteX3" fmla="*/ 5154929 w 6860269"/>
+              <a:gd name="connsiteY3" fmla="*/ 0 h 6842440"/>
+              <a:gd name="connsiteX4" fmla="*/ 5154929 w 6860269"/>
+              <a:gd name="connsiteY4" fmla="*/ 1705340 h 6842440"/>
+              <a:gd name="connsiteX5" fmla="*/ 6860269 w 6860269"/>
+              <a:gd name="connsiteY5" fmla="*/ 1705340 h 6842440"/>
+              <a:gd name="connsiteX6" fmla="*/ 6860269 w 6860269"/>
+              <a:gd name="connsiteY6" fmla="*/ 5137100 h 6842440"/>
+              <a:gd name="connsiteX7" fmla="*/ 5154929 w 6860269"/>
+              <a:gd name="connsiteY7" fmla="*/ 5137100 h 6842440"/>
+              <a:gd name="connsiteX8" fmla="*/ 5154929 w 6860269"/>
+              <a:gd name="connsiteY8" fmla="*/ 6842440 h 6842440"/>
+              <a:gd name="connsiteX9" fmla="*/ 1744249 w 6860269"/>
+              <a:gd name="connsiteY9" fmla="*/ 6842440 h 6842440"/>
+              <a:gd name="connsiteX10" fmla="*/ 1744249 w 6860269"/>
+              <a:gd name="connsiteY10" fmla="*/ 5137100 h 6842440"/>
+              <a:gd name="connsiteX11" fmla="*/ 5160 w 6860269"/>
+              <a:gd name="connsiteY11" fmla="*/ 4637277 h 6842440"/>
+              <a:gd name="connsiteX12" fmla="*/ 0 w 6860269"/>
+              <a:gd name="connsiteY12" fmla="*/ 2841120 h 6842440"/>
+              <a:gd name="connsiteX0" fmla="*/ 0 w 6860269"/>
+              <a:gd name="connsiteY0" fmla="*/ 2841120 h 6842440"/>
+              <a:gd name="connsiteX1" fmla="*/ 1744249 w 6860269"/>
+              <a:gd name="connsiteY1" fmla="*/ 1705340 h 6842440"/>
+              <a:gd name="connsiteX2" fmla="*/ 1744249 w 6860269"/>
+              <a:gd name="connsiteY2" fmla="*/ 0 h 6842440"/>
+              <a:gd name="connsiteX3" fmla="*/ 5154929 w 6860269"/>
+              <a:gd name="connsiteY3" fmla="*/ 0 h 6842440"/>
+              <a:gd name="connsiteX4" fmla="*/ 5154929 w 6860269"/>
+              <a:gd name="connsiteY4" fmla="*/ 1705340 h 6842440"/>
+              <a:gd name="connsiteX5" fmla="*/ 6860269 w 6860269"/>
+              <a:gd name="connsiteY5" fmla="*/ 1705340 h 6842440"/>
+              <a:gd name="connsiteX6" fmla="*/ 6860269 w 6860269"/>
+              <a:gd name="connsiteY6" fmla="*/ 5137100 h 6842440"/>
+              <a:gd name="connsiteX7" fmla="*/ 5154929 w 6860269"/>
+              <a:gd name="connsiteY7" fmla="*/ 5137100 h 6842440"/>
+              <a:gd name="connsiteX8" fmla="*/ 5154929 w 6860269"/>
+              <a:gd name="connsiteY8" fmla="*/ 6842440 h 6842440"/>
+              <a:gd name="connsiteX9" fmla="*/ 1744249 w 6860269"/>
+              <a:gd name="connsiteY9" fmla="*/ 6842440 h 6842440"/>
+              <a:gd name="connsiteX10" fmla="*/ 1692064 w 6860269"/>
+              <a:gd name="connsiteY10" fmla="*/ 4593196 h 6842440"/>
+              <a:gd name="connsiteX11" fmla="*/ 5160 w 6860269"/>
+              <a:gd name="connsiteY11" fmla="*/ 4637277 h 6842440"/>
+              <a:gd name="connsiteX12" fmla="*/ 0 w 6860269"/>
+              <a:gd name="connsiteY12" fmla="*/ 2841120 h 6842440"/>
+              <a:gd name="connsiteX0" fmla="*/ 0 w 6860269"/>
+              <a:gd name="connsiteY0" fmla="*/ 2841120 h 6842440"/>
+              <a:gd name="connsiteX1" fmla="*/ 1642886 w 6860269"/>
+              <a:gd name="connsiteY1" fmla="*/ 2863256 h 6842440"/>
+              <a:gd name="connsiteX2" fmla="*/ 1744249 w 6860269"/>
+              <a:gd name="connsiteY2" fmla="*/ 0 h 6842440"/>
+              <a:gd name="connsiteX3" fmla="*/ 5154929 w 6860269"/>
+              <a:gd name="connsiteY3" fmla="*/ 0 h 6842440"/>
+              <a:gd name="connsiteX4" fmla="*/ 5154929 w 6860269"/>
+              <a:gd name="connsiteY4" fmla="*/ 1705340 h 6842440"/>
+              <a:gd name="connsiteX5" fmla="*/ 6860269 w 6860269"/>
+              <a:gd name="connsiteY5" fmla="*/ 1705340 h 6842440"/>
+              <a:gd name="connsiteX6" fmla="*/ 6860269 w 6860269"/>
+              <a:gd name="connsiteY6" fmla="*/ 5137100 h 6842440"/>
+              <a:gd name="connsiteX7" fmla="*/ 5154929 w 6860269"/>
+              <a:gd name="connsiteY7" fmla="*/ 5137100 h 6842440"/>
+              <a:gd name="connsiteX8" fmla="*/ 5154929 w 6860269"/>
+              <a:gd name="connsiteY8" fmla="*/ 6842440 h 6842440"/>
+              <a:gd name="connsiteX9" fmla="*/ 1744249 w 6860269"/>
+              <a:gd name="connsiteY9" fmla="*/ 6842440 h 6842440"/>
+              <a:gd name="connsiteX10" fmla="*/ 1692064 w 6860269"/>
+              <a:gd name="connsiteY10" fmla="*/ 4593196 h 6842440"/>
+              <a:gd name="connsiteX11" fmla="*/ 5160 w 6860269"/>
+              <a:gd name="connsiteY11" fmla="*/ 4637277 h 6842440"/>
+              <a:gd name="connsiteX12" fmla="*/ 0 w 6860269"/>
+              <a:gd name="connsiteY12" fmla="*/ 2841120 h 6842440"/>
+              <a:gd name="connsiteX0" fmla="*/ 0 w 6860269"/>
+              <a:gd name="connsiteY0" fmla="*/ 2841120 h 6842440"/>
+              <a:gd name="connsiteX1" fmla="*/ 2634938 w 6860269"/>
+              <a:gd name="connsiteY1" fmla="*/ 2615669 h 6842440"/>
+              <a:gd name="connsiteX2" fmla="*/ 1744249 w 6860269"/>
+              <a:gd name="connsiteY2" fmla="*/ 0 h 6842440"/>
+              <a:gd name="connsiteX3" fmla="*/ 5154929 w 6860269"/>
+              <a:gd name="connsiteY3" fmla="*/ 0 h 6842440"/>
+              <a:gd name="connsiteX4" fmla="*/ 5154929 w 6860269"/>
+              <a:gd name="connsiteY4" fmla="*/ 1705340 h 6842440"/>
+              <a:gd name="connsiteX5" fmla="*/ 6860269 w 6860269"/>
+              <a:gd name="connsiteY5" fmla="*/ 1705340 h 6842440"/>
+              <a:gd name="connsiteX6" fmla="*/ 6860269 w 6860269"/>
+              <a:gd name="connsiteY6" fmla="*/ 5137100 h 6842440"/>
+              <a:gd name="connsiteX7" fmla="*/ 5154929 w 6860269"/>
+              <a:gd name="connsiteY7" fmla="*/ 5137100 h 6842440"/>
+              <a:gd name="connsiteX8" fmla="*/ 5154929 w 6860269"/>
+              <a:gd name="connsiteY8" fmla="*/ 6842440 h 6842440"/>
+              <a:gd name="connsiteX9" fmla="*/ 1744249 w 6860269"/>
+              <a:gd name="connsiteY9" fmla="*/ 6842440 h 6842440"/>
+              <a:gd name="connsiteX10" fmla="*/ 1692064 w 6860269"/>
+              <a:gd name="connsiteY10" fmla="*/ 4593196 h 6842440"/>
+              <a:gd name="connsiteX11" fmla="*/ 5160 w 6860269"/>
+              <a:gd name="connsiteY11" fmla="*/ 4637277 h 6842440"/>
+              <a:gd name="connsiteX12" fmla="*/ 0 w 6860269"/>
+              <a:gd name="connsiteY12" fmla="*/ 2841120 h 6842440"/>
+              <a:gd name="connsiteX0" fmla="*/ 0 w 6860269"/>
+              <a:gd name="connsiteY0" fmla="*/ 2841120 h 6842440"/>
+              <a:gd name="connsiteX1" fmla="*/ 2634938 w 6860269"/>
+              <a:gd name="connsiteY1" fmla="*/ 2615669 h 6842440"/>
+              <a:gd name="connsiteX2" fmla="*/ 2766222 w 6860269"/>
+              <a:gd name="connsiteY2" fmla="*/ 138300 h 6842440"/>
+              <a:gd name="connsiteX3" fmla="*/ 5154929 w 6860269"/>
+              <a:gd name="connsiteY3" fmla="*/ 0 h 6842440"/>
+              <a:gd name="connsiteX4" fmla="*/ 5154929 w 6860269"/>
+              <a:gd name="connsiteY4" fmla="*/ 1705340 h 6842440"/>
+              <a:gd name="connsiteX5" fmla="*/ 6860269 w 6860269"/>
+              <a:gd name="connsiteY5" fmla="*/ 1705340 h 6842440"/>
+              <a:gd name="connsiteX6" fmla="*/ 6860269 w 6860269"/>
+              <a:gd name="connsiteY6" fmla="*/ 5137100 h 6842440"/>
+              <a:gd name="connsiteX7" fmla="*/ 5154929 w 6860269"/>
+              <a:gd name="connsiteY7" fmla="*/ 5137100 h 6842440"/>
+              <a:gd name="connsiteX8" fmla="*/ 5154929 w 6860269"/>
+              <a:gd name="connsiteY8" fmla="*/ 6842440 h 6842440"/>
+              <a:gd name="connsiteX9" fmla="*/ 1744249 w 6860269"/>
+              <a:gd name="connsiteY9" fmla="*/ 6842440 h 6842440"/>
+              <a:gd name="connsiteX10" fmla="*/ 1692064 w 6860269"/>
+              <a:gd name="connsiteY10" fmla="*/ 4593196 h 6842440"/>
+              <a:gd name="connsiteX11" fmla="*/ 5160 w 6860269"/>
+              <a:gd name="connsiteY11" fmla="*/ 4637277 h 6842440"/>
+              <a:gd name="connsiteX12" fmla="*/ 0 w 6860269"/>
+              <a:gd name="connsiteY12" fmla="*/ 2841120 h 6842440"/>
+              <a:gd name="connsiteX0" fmla="*/ 0 w 6860269"/>
+              <a:gd name="connsiteY0" fmla="*/ 2841120 h 6842440"/>
+              <a:gd name="connsiteX1" fmla="*/ 2634938 w 6860269"/>
+              <a:gd name="connsiteY1" fmla="*/ 2615669 h 6842440"/>
+              <a:gd name="connsiteX2" fmla="*/ 2766222 w 6860269"/>
+              <a:gd name="connsiteY2" fmla="*/ 138300 h 6842440"/>
+              <a:gd name="connsiteX3" fmla="*/ 5154929 w 6860269"/>
+              <a:gd name="connsiteY3" fmla="*/ 0 h 6842440"/>
+              <a:gd name="connsiteX4" fmla="*/ 4766431 w 6860269"/>
+              <a:gd name="connsiteY4" fmla="*/ 2529171 h 6842440"/>
+              <a:gd name="connsiteX5" fmla="*/ 6860269 w 6860269"/>
+              <a:gd name="connsiteY5" fmla="*/ 1705340 h 6842440"/>
+              <a:gd name="connsiteX6" fmla="*/ 6860269 w 6860269"/>
+              <a:gd name="connsiteY6" fmla="*/ 5137100 h 6842440"/>
+              <a:gd name="connsiteX7" fmla="*/ 5154929 w 6860269"/>
+              <a:gd name="connsiteY7" fmla="*/ 5137100 h 6842440"/>
+              <a:gd name="connsiteX8" fmla="*/ 5154929 w 6860269"/>
+              <a:gd name="connsiteY8" fmla="*/ 6842440 h 6842440"/>
+              <a:gd name="connsiteX9" fmla="*/ 1744249 w 6860269"/>
+              <a:gd name="connsiteY9" fmla="*/ 6842440 h 6842440"/>
+              <a:gd name="connsiteX10" fmla="*/ 1692064 w 6860269"/>
+              <a:gd name="connsiteY10" fmla="*/ 4593196 h 6842440"/>
+              <a:gd name="connsiteX11" fmla="*/ 5160 w 6860269"/>
+              <a:gd name="connsiteY11" fmla="*/ 4637277 h 6842440"/>
+              <a:gd name="connsiteX12" fmla="*/ 0 w 6860269"/>
+              <a:gd name="connsiteY12" fmla="*/ 2841120 h 6842440"/>
+              <a:gd name="connsiteX0" fmla="*/ 0 w 6861485"/>
+              <a:gd name="connsiteY0" fmla="*/ 2841120 h 6842440"/>
+              <a:gd name="connsiteX1" fmla="*/ 2634938 w 6861485"/>
+              <a:gd name="connsiteY1" fmla="*/ 2615669 h 6842440"/>
+              <a:gd name="connsiteX2" fmla="*/ 2766222 w 6861485"/>
+              <a:gd name="connsiteY2" fmla="*/ 138300 h 6842440"/>
+              <a:gd name="connsiteX3" fmla="*/ 5154929 w 6861485"/>
+              <a:gd name="connsiteY3" fmla="*/ 0 h 6842440"/>
+              <a:gd name="connsiteX4" fmla="*/ 4766431 w 6861485"/>
+              <a:gd name="connsiteY4" fmla="*/ 2529171 h 6842440"/>
+              <a:gd name="connsiteX5" fmla="*/ 6861485 w 6861485"/>
+              <a:gd name="connsiteY5" fmla="*/ 2613186 h 6842440"/>
+              <a:gd name="connsiteX6" fmla="*/ 6860269 w 6861485"/>
+              <a:gd name="connsiteY6" fmla="*/ 5137100 h 6842440"/>
+              <a:gd name="connsiteX7" fmla="*/ 5154929 w 6861485"/>
+              <a:gd name="connsiteY7" fmla="*/ 5137100 h 6842440"/>
+              <a:gd name="connsiteX8" fmla="*/ 5154929 w 6861485"/>
+              <a:gd name="connsiteY8" fmla="*/ 6842440 h 6842440"/>
+              <a:gd name="connsiteX9" fmla="*/ 1744249 w 6861485"/>
+              <a:gd name="connsiteY9" fmla="*/ 6842440 h 6842440"/>
+              <a:gd name="connsiteX10" fmla="*/ 1692064 w 6861485"/>
+              <a:gd name="connsiteY10" fmla="*/ 4593196 h 6842440"/>
+              <a:gd name="connsiteX11" fmla="*/ 5160 w 6861485"/>
+              <a:gd name="connsiteY11" fmla="*/ 4637277 h 6842440"/>
+              <a:gd name="connsiteX12" fmla="*/ 0 w 6861485"/>
+              <a:gd name="connsiteY12" fmla="*/ 2841120 h 6842440"/>
+              <a:gd name="connsiteX0" fmla="*/ 0 w 6861485"/>
+              <a:gd name="connsiteY0" fmla="*/ 2841120 h 6842440"/>
+              <a:gd name="connsiteX1" fmla="*/ 2634938 w 6861485"/>
+              <a:gd name="connsiteY1" fmla="*/ 2615669 h 6842440"/>
+              <a:gd name="connsiteX2" fmla="*/ 2766222 w 6861485"/>
+              <a:gd name="connsiteY2" fmla="*/ 138300 h 6842440"/>
+              <a:gd name="connsiteX3" fmla="*/ 5154929 w 6861485"/>
+              <a:gd name="connsiteY3" fmla="*/ 0 h 6842440"/>
+              <a:gd name="connsiteX4" fmla="*/ 4766431 w 6861485"/>
+              <a:gd name="connsiteY4" fmla="*/ 2529171 h 6842440"/>
+              <a:gd name="connsiteX5" fmla="*/ 6861485 w 6861485"/>
+              <a:gd name="connsiteY5" fmla="*/ 2613186 h 6842440"/>
+              <a:gd name="connsiteX6" fmla="*/ 6860269 w 6861485"/>
+              <a:gd name="connsiteY6" fmla="*/ 5137100 h 6842440"/>
+              <a:gd name="connsiteX7" fmla="*/ 5154929 w 6861485"/>
+              <a:gd name="connsiteY7" fmla="*/ 5137100 h 6842440"/>
+              <a:gd name="connsiteX8" fmla="*/ 5154929 w 6861485"/>
+              <a:gd name="connsiteY8" fmla="*/ 6842440 h 6842440"/>
+              <a:gd name="connsiteX9" fmla="*/ 3041682 w 6861485"/>
+              <a:gd name="connsiteY9" fmla="*/ 6829676 h 6842440"/>
+              <a:gd name="connsiteX10" fmla="*/ 1692064 w 6861485"/>
+              <a:gd name="connsiteY10" fmla="*/ 4593196 h 6842440"/>
+              <a:gd name="connsiteX11" fmla="*/ 5160 w 6861485"/>
+              <a:gd name="connsiteY11" fmla="*/ 4637277 h 6842440"/>
+              <a:gd name="connsiteX12" fmla="*/ 0 w 6861485"/>
+              <a:gd name="connsiteY12" fmla="*/ 2841120 h 6842440"/>
+              <a:gd name="connsiteX0" fmla="*/ 0 w 6861485"/>
+              <a:gd name="connsiteY0" fmla="*/ 2841120 h 6842440"/>
+              <a:gd name="connsiteX1" fmla="*/ 2634938 w 6861485"/>
+              <a:gd name="connsiteY1" fmla="*/ 2615669 h 6842440"/>
+              <a:gd name="connsiteX2" fmla="*/ 2766222 w 6861485"/>
+              <a:gd name="connsiteY2" fmla="*/ 138300 h 6842440"/>
+              <a:gd name="connsiteX3" fmla="*/ 5154929 w 6861485"/>
+              <a:gd name="connsiteY3" fmla="*/ 0 h 6842440"/>
+              <a:gd name="connsiteX4" fmla="*/ 4766431 w 6861485"/>
+              <a:gd name="connsiteY4" fmla="*/ 2529171 h 6842440"/>
+              <a:gd name="connsiteX5" fmla="*/ 6861485 w 6861485"/>
+              <a:gd name="connsiteY5" fmla="*/ 2613186 h 6842440"/>
+              <a:gd name="connsiteX6" fmla="*/ 6860269 w 6861485"/>
+              <a:gd name="connsiteY6" fmla="*/ 5137100 h 6842440"/>
+              <a:gd name="connsiteX7" fmla="*/ 5154929 w 6861485"/>
+              <a:gd name="connsiteY7" fmla="*/ 5137100 h 6842440"/>
+              <a:gd name="connsiteX8" fmla="*/ 5154929 w 6861485"/>
+              <a:gd name="connsiteY8" fmla="*/ 6842440 h 6842440"/>
+              <a:gd name="connsiteX9" fmla="*/ 3041682 w 6861485"/>
+              <a:gd name="connsiteY9" fmla="*/ 6829676 h 6842440"/>
+              <a:gd name="connsiteX10" fmla="*/ 3368303 w 6861485"/>
+              <a:gd name="connsiteY10" fmla="*/ 4752673 h 6842440"/>
+              <a:gd name="connsiteX11" fmla="*/ 5160 w 6861485"/>
+              <a:gd name="connsiteY11" fmla="*/ 4637277 h 6842440"/>
+              <a:gd name="connsiteX12" fmla="*/ 0 w 6861485"/>
+              <a:gd name="connsiteY12" fmla="*/ 2841120 h 6842440"/>
+              <a:gd name="connsiteX0" fmla="*/ 0 w 6861485"/>
+              <a:gd name="connsiteY0" fmla="*/ 2841120 h 6842440"/>
+              <a:gd name="connsiteX1" fmla="*/ 2634938 w 6861485"/>
+              <a:gd name="connsiteY1" fmla="*/ 2615669 h 6842440"/>
+              <a:gd name="connsiteX2" fmla="*/ 2766222 w 6861485"/>
+              <a:gd name="connsiteY2" fmla="*/ 138300 h 6842440"/>
+              <a:gd name="connsiteX3" fmla="*/ 5154929 w 6861485"/>
+              <a:gd name="connsiteY3" fmla="*/ 0 h 6842440"/>
+              <a:gd name="connsiteX4" fmla="*/ 4766431 w 6861485"/>
+              <a:gd name="connsiteY4" fmla="*/ 2529171 h 6842440"/>
+              <a:gd name="connsiteX5" fmla="*/ 6861485 w 6861485"/>
+              <a:gd name="connsiteY5" fmla="*/ 2613186 h 6842440"/>
+              <a:gd name="connsiteX6" fmla="*/ 6860269 w 6861485"/>
+              <a:gd name="connsiteY6" fmla="*/ 5137100 h 6842440"/>
+              <a:gd name="connsiteX7" fmla="*/ 5154929 w 6861485"/>
+              <a:gd name="connsiteY7" fmla="*/ 5137100 h 6842440"/>
+              <a:gd name="connsiteX8" fmla="*/ 5154929 w 6861485"/>
+              <a:gd name="connsiteY8" fmla="*/ 6842440 h 6842440"/>
+              <a:gd name="connsiteX9" fmla="*/ 3041682 w 6861485"/>
+              <a:gd name="connsiteY9" fmla="*/ 6829676 h 6842440"/>
+              <a:gd name="connsiteX10" fmla="*/ 2460458 w 6861485"/>
+              <a:gd name="connsiteY10" fmla="*/ 4753888 h 6842440"/>
+              <a:gd name="connsiteX11" fmla="*/ 5160 w 6861485"/>
+              <a:gd name="connsiteY11" fmla="*/ 4637277 h 6842440"/>
+              <a:gd name="connsiteX12" fmla="*/ 0 w 6861485"/>
+              <a:gd name="connsiteY12" fmla="*/ 2841120 h 6842440"/>
+              <a:gd name="connsiteX0" fmla="*/ 0 w 6861485"/>
+              <a:gd name="connsiteY0" fmla="*/ 2841120 h 6842440"/>
+              <a:gd name="connsiteX1" fmla="*/ 2634938 w 6861485"/>
+              <a:gd name="connsiteY1" fmla="*/ 2615669 h 6842440"/>
+              <a:gd name="connsiteX2" fmla="*/ 2766222 w 6861485"/>
+              <a:gd name="connsiteY2" fmla="*/ 138300 h 6842440"/>
+              <a:gd name="connsiteX3" fmla="*/ 5154929 w 6861485"/>
+              <a:gd name="connsiteY3" fmla="*/ 0 h 6842440"/>
+              <a:gd name="connsiteX4" fmla="*/ 4766431 w 6861485"/>
+              <a:gd name="connsiteY4" fmla="*/ 2529171 h 6842440"/>
+              <a:gd name="connsiteX5" fmla="*/ 6861485 w 6861485"/>
+              <a:gd name="connsiteY5" fmla="*/ 2613186 h 6842440"/>
+              <a:gd name="connsiteX6" fmla="*/ 6860269 w 6861485"/>
+              <a:gd name="connsiteY6" fmla="*/ 5137100 h 6842440"/>
+              <a:gd name="connsiteX7" fmla="*/ 5154929 w 6861485"/>
+              <a:gd name="connsiteY7" fmla="*/ 5137100 h 6842440"/>
+              <a:gd name="connsiteX8" fmla="*/ 5154929 w 6861485"/>
+              <a:gd name="connsiteY8" fmla="*/ 6842440 h 6842440"/>
+              <a:gd name="connsiteX9" fmla="*/ 2486678 w 6861485"/>
+              <a:gd name="connsiteY9" fmla="*/ 6826743 h 6842440"/>
+              <a:gd name="connsiteX10" fmla="*/ 2460458 w 6861485"/>
+              <a:gd name="connsiteY10" fmla="*/ 4753888 h 6842440"/>
+              <a:gd name="connsiteX11" fmla="*/ 5160 w 6861485"/>
+              <a:gd name="connsiteY11" fmla="*/ 4637277 h 6842440"/>
+              <a:gd name="connsiteX12" fmla="*/ 0 w 6861485"/>
+              <a:gd name="connsiteY12" fmla="*/ 2841120 h 6842440"/>
+              <a:gd name="connsiteX0" fmla="*/ 0 w 6861485"/>
+              <a:gd name="connsiteY0" fmla="*/ 2841120 h 7676859"/>
+              <a:gd name="connsiteX1" fmla="*/ 2634938 w 6861485"/>
+              <a:gd name="connsiteY1" fmla="*/ 2615669 h 7676859"/>
+              <a:gd name="connsiteX2" fmla="*/ 2766222 w 6861485"/>
+              <a:gd name="connsiteY2" fmla="*/ 138300 h 7676859"/>
+              <a:gd name="connsiteX3" fmla="*/ 5154929 w 6861485"/>
+              <a:gd name="connsiteY3" fmla="*/ 0 h 7676859"/>
+              <a:gd name="connsiteX4" fmla="*/ 4766431 w 6861485"/>
+              <a:gd name="connsiteY4" fmla="*/ 2529171 h 7676859"/>
+              <a:gd name="connsiteX5" fmla="*/ 6861485 w 6861485"/>
+              <a:gd name="connsiteY5" fmla="*/ 2613186 h 7676859"/>
+              <a:gd name="connsiteX6" fmla="*/ 6860269 w 6861485"/>
+              <a:gd name="connsiteY6" fmla="*/ 5137100 h 7676859"/>
+              <a:gd name="connsiteX7" fmla="*/ 5154929 w 6861485"/>
+              <a:gd name="connsiteY7" fmla="*/ 5137100 h 7676859"/>
+              <a:gd name="connsiteX8" fmla="*/ 5093563 w 6861485"/>
+              <a:gd name="connsiteY8" fmla="*/ 7676859 h 7676859"/>
+              <a:gd name="connsiteX9" fmla="*/ 2486678 w 6861485"/>
+              <a:gd name="connsiteY9" fmla="*/ 6826743 h 7676859"/>
+              <a:gd name="connsiteX10" fmla="*/ 2460458 w 6861485"/>
+              <a:gd name="connsiteY10" fmla="*/ 4753888 h 7676859"/>
+              <a:gd name="connsiteX11" fmla="*/ 5160 w 6861485"/>
+              <a:gd name="connsiteY11" fmla="*/ 4637277 h 7676859"/>
+              <a:gd name="connsiteX12" fmla="*/ 0 w 6861485"/>
+              <a:gd name="connsiteY12" fmla="*/ 2841120 h 7676859"/>
+              <a:gd name="connsiteX0" fmla="*/ 0 w 6861485"/>
+              <a:gd name="connsiteY0" fmla="*/ 2841120 h 7760106"/>
+              <a:gd name="connsiteX1" fmla="*/ 2634938 w 6861485"/>
+              <a:gd name="connsiteY1" fmla="*/ 2615669 h 7760106"/>
+              <a:gd name="connsiteX2" fmla="*/ 2766222 w 6861485"/>
+              <a:gd name="connsiteY2" fmla="*/ 138300 h 7760106"/>
+              <a:gd name="connsiteX3" fmla="*/ 5154929 w 6861485"/>
+              <a:gd name="connsiteY3" fmla="*/ 0 h 7760106"/>
+              <a:gd name="connsiteX4" fmla="*/ 4766431 w 6861485"/>
+              <a:gd name="connsiteY4" fmla="*/ 2529171 h 7760106"/>
+              <a:gd name="connsiteX5" fmla="*/ 6861485 w 6861485"/>
+              <a:gd name="connsiteY5" fmla="*/ 2613186 h 7760106"/>
+              <a:gd name="connsiteX6" fmla="*/ 6860269 w 6861485"/>
+              <a:gd name="connsiteY6" fmla="*/ 5137100 h 7760106"/>
+              <a:gd name="connsiteX7" fmla="*/ 5154929 w 6861485"/>
+              <a:gd name="connsiteY7" fmla="*/ 5137100 h 7760106"/>
+              <a:gd name="connsiteX8" fmla="*/ 5093563 w 6861485"/>
+              <a:gd name="connsiteY8" fmla="*/ 7676859 h 7760106"/>
+              <a:gd name="connsiteX9" fmla="*/ 2645975 w 6861485"/>
+              <a:gd name="connsiteY9" fmla="*/ 7760106 h 7760106"/>
+              <a:gd name="connsiteX10" fmla="*/ 2460458 w 6861485"/>
+              <a:gd name="connsiteY10" fmla="*/ 4753888 h 7760106"/>
+              <a:gd name="connsiteX11" fmla="*/ 5160 w 6861485"/>
+              <a:gd name="connsiteY11" fmla="*/ 4637277 h 7760106"/>
+              <a:gd name="connsiteX12" fmla="*/ 0 w 6861485"/>
+              <a:gd name="connsiteY12" fmla="*/ 2841120 h 7760106"/>
+              <a:gd name="connsiteX0" fmla="*/ 0 w 7349119"/>
+              <a:gd name="connsiteY0" fmla="*/ 2841120 h 7760106"/>
+              <a:gd name="connsiteX1" fmla="*/ 2634938 w 7349119"/>
+              <a:gd name="connsiteY1" fmla="*/ 2615669 h 7760106"/>
+              <a:gd name="connsiteX2" fmla="*/ 2766222 w 7349119"/>
+              <a:gd name="connsiteY2" fmla="*/ 138300 h 7760106"/>
+              <a:gd name="connsiteX3" fmla="*/ 5154929 w 7349119"/>
+              <a:gd name="connsiteY3" fmla="*/ 0 h 7760106"/>
+              <a:gd name="connsiteX4" fmla="*/ 4766431 w 7349119"/>
+              <a:gd name="connsiteY4" fmla="*/ 2529171 h 7760106"/>
+              <a:gd name="connsiteX5" fmla="*/ 6861485 w 7349119"/>
+              <a:gd name="connsiteY5" fmla="*/ 2613186 h 7760106"/>
+              <a:gd name="connsiteX6" fmla="*/ 7349119 w 7349119"/>
+              <a:gd name="connsiteY6" fmla="*/ 5143796 h 7760106"/>
+              <a:gd name="connsiteX7" fmla="*/ 5154929 w 7349119"/>
+              <a:gd name="connsiteY7" fmla="*/ 5137100 h 7760106"/>
+              <a:gd name="connsiteX8" fmla="*/ 5093563 w 7349119"/>
+              <a:gd name="connsiteY8" fmla="*/ 7676859 h 7760106"/>
+              <a:gd name="connsiteX9" fmla="*/ 2645975 w 7349119"/>
+              <a:gd name="connsiteY9" fmla="*/ 7760106 h 7760106"/>
+              <a:gd name="connsiteX10" fmla="*/ 2460458 w 7349119"/>
+              <a:gd name="connsiteY10" fmla="*/ 4753888 h 7760106"/>
+              <a:gd name="connsiteX11" fmla="*/ 5160 w 7349119"/>
+              <a:gd name="connsiteY11" fmla="*/ 4637277 h 7760106"/>
+              <a:gd name="connsiteX12" fmla="*/ 0 w 7349119"/>
+              <a:gd name="connsiteY12" fmla="*/ 2841120 h 7760106"/>
+              <a:gd name="connsiteX0" fmla="*/ 0 w 7349127"/>
+              <a:gd name="connsiteY0" fmla="*/ 2841120 h 7760106"/>
+              <a:gd name="connsiteX1" fmla="*/ 2634938 w 7349127"/>
+              <a:gd name="connsiteY1" fmla="*/ 2615669 h 7760106"/>
+              <a:gd name="connsiteX2" fmla="*/ 2766222 w 7349127"/>
+              <a:gd name="connsiteY2" fmla="*/ 138300 h 7760106"/>
+              <a:gd name="connsiteX3" fmla="*/ 5154929 w 7349127"/>
+              <a:gd name="connsiteY3" fmla="*/ 0 h 7760106"/>
+              <a:gd name="connsiteX4" fmla="*/ 4766431 w 7349127"/>
+              <a:gd name="connsiteY4" fmla="*/ 2529171 h 7760106"/>
+              <a:gd name="connsiteX5" fmla="*/ 7335533 w 7349127"/>
+              <a:gd name="connsiteY5" fmla="*/ 2546392 h 7760106"/>
+              <a:gd name="connsiteX6" fmla="*/ 7349119 w 7349127"/>
+              <a:gd name="connsiteY6" fmla="*/ 5143796 h 7760106"/>
+              <a:gd name="connsiteX7" fmla="*/ 5154929 w 7349127"/>
+              <a:gd name="connsiteY7" fmla="*/ 5137100 h 7760106"/>
+              <a:gd name="connsiteX8" fmla="*/ 5093563 w 7349127"/>
+              <a:gd name="connsiteY8" fmla="*/ 7676859 h 7760106"/>
+              <a:gd name="connsiteX9" fmla="*/ 2645975 w 7349127"/>
+              <a:gd name="connsiteY9" fmla="*/ 7760106 h 7760106"/>
+              <a:gd name="connsiteX10" fmla="*/ 2460458 w 7349127"/>
+              <a:gd name="connsiteY10" fmla="*/ 4753888 h 7760106"/>
+              <a:gd name="connsiteX11" fmla="*/ 5160 w 7349127"/>
+              <a:gd name="connsiteY11" fmla="*/ 4637277 h 7760106"/>
+              <a:gd name="connsiteX12" fmla="*/ 0 w 7349127"/>
+              <a:gd name="connsiteY12" fmla="*/ 2841120 h 7760106"/>
+            </a:gdLst>
+            <a:ahLst/>
+            <a:cxnLst>
+              <a:cxn ang="0">
+                <a:pos x="connsiteX0" y="connsiteY0"/>
+              </a:cxn>
+              <a:cxn ang="0">
+                <a:pos x="connsiteX1" y="connsiteY1"/>
+              </a:cxn>
+              <a:cxn ang="0">
+                <a:pos x="connsiteX2" y="connsiteY2"/>
+              </a:cxn>
+              <a:cxn ang="0">
+                <a:pos x="connsiteX3" y="connsiteY3"/>
+              </a:cxn>
+              <a:cxn ang="0">
+                <a:pos x="connsiteX4" y="connsiteY4"/>
+              </a:cxn>
+              <a:cxn ang="0">
+                <a:pos x="connsiteX5" y="connsiteY5"/>
+              </a:cxn>
+              <a:cxn ang="0">
+                <a:pos x="connsiteX6" y="connsiteY6"/>
+              </a:cxn>
+              <a:cxn ang="0">
+                <a:pos x="connsiteX7" y="connsiteY7"/>
+              </a:cxn>
+              <a:cxn ang="0">
+                <a:pos x="connsiteX8" y="connsiteY8"/>
+              </a:cxn>
+              <a:cxn ang="0">
+                <a:pos x="connsiteX9" y="connsiteY9"/>
+              </a:cxn>
+              <a:cxn ang="0">
+                <a:pos x="connsiteX10" y="connsiteY10"/>
+              </a:cxn>
+              <a:cxn ang="0">
+                <a:pos x="connsiteX11" y="connsiteY11"/>
+              </a:cxn>
+              <a:cxn ang="0">
+                <a:pos x="connsiteX12" y="connsiteY12"/>
+              </a:cxn>
+            </a:cxnLst>
+            <a:rect l="l" t="t" r="r" b="b"/>
+            <a:pathLst>
+              <a:path w="7349127" h="7760106">
+                <a:moveTo>
+                  <a:pt x="0" y="2841120"/>
+                </a:moveTo>
+                <a:lnTo>
+                  <a:pt x="2634938" y="2615669"/>
+                </a:lnTo>
+                <a:lnTo>
+                  <a:pt x="2766222" y="138300"/>
+                </a:lnTo>
+                <a:lnTo>
+                  <a:pt x="5154929" y="0"/>
+                </a:lnTo>
+                <a:lnTo>
+                  <a:pt x="4766431" y="2529171"/>
+                </a:lnTo>
+                <a:lnTo>
+                  <a:pt x="7335533" y="2546392"/>
+                </a:lnTo>
+                <a:cubicBezTo>
+                  <a:pt x="7335128" y="3387697"/>
+                  <a:pt x="7349524" y="4302491"/>
+                  <a:pt x="7349119" y="5143796"/>
+                </a:cubicBezTo>
+                <a:lnTo>
+                  <a:pt x="5154929" y="5137100"/>
+                </a:lnTo>
+                <a:lnTo>
+                  <a:pt x="5093563" y="7676859"/>
+                </a:lnTo>
+                <a:lnTo>
+                  <a:pt x="2645975" y="7760106"/>
+                </a:lnTo>
+                <a:lnTo>
+                  <a:pt x="2460458" y="4753888"/>
+                </a:lnTo>
+                <a:lnTo>
+                  <a:pt x="5160" y="4637277"/>
+                </a:lnTo>
+                <a:lnTo>
+                  <a:pt x="0" y="2841120"/>
+                </a:lnTo>
+                <a:close/>
+              </a:path>
+            </a:pathLst>
+          </a:custGeom>
+          <a:solidFill>
+            <a:srgbClr val="FF0000"/>
+          </a:solidFill>
         </p:spPr>
         <p:style>
           <a:lnRef idx="2">
@@ -6784,221 +10023,219 @@
           <a:lstStyle/>
           <a:p>
             <a:pPr algn="ctr"/>
-            <a:endParaRPr kumimoji="1" lang="ja-JP" altLang="en-US"/>
-          </a:p>
-        </p:txBody>
-      </p:sp>
-      <p:pic>
-        <p:nvPicPr>
-          <p:cNvPr id="15" name="コンテンツ プレースホルダー 4">
+            <a:endParaRPr kumimoji="1" lang="en-US"/>
+          </a:p>
+        </p:txBody>
+      </p:sp>
+    </p:spTree>
+    <p:extLst>
+      <p:ext uri="{BB962C8B-B14F-4D97-AF65-F5344CB8AC3E}">
+        <p14:creationId xmlns:p14="http://schemas.microsoft.com/office/powerpoint/2010/main" val="4206328911"/>
+      </p:ext>
+    </p:extLst>
+  </p:cSld>
+  <p:clrMapOvr>
+    <a:masterClrMapping/>
+  </p:clrMapOvr>
+  <p:timing>
+    <p:tnLst>
+      <p:par>
+        <p:cTn id="1" dur="indefinite" restart="never" nodeType="tmRoot">
+          <p:childTnLst>
+            <p:seq concurrent="1" nextAc="seek">
+              <p:cTn id="2" dur="indefinite" nodeType="mainSeq">
+                <p:childTnLst>
+                  <p:par>
+                    <p:cTn id="3" fill="hold">
+                      <p:stCondLst>
+                        <p:cond delay="indefinite"/>
+                      </p:stCondLst>
+                      <p:childTnLst>
+                        <p:par>
+                          <p:cTn id="4" fill="hold">
+                            <p:stCondLst>
+                              <p:cond delay="0"/>
+                            </p:stCondLst>
+                            <p:childTnLst>
+                              <p:par>
+                                <p:cTn id="5" presetID="53" presetClass="entr" presetSubtype="16" fill="hold" grpId="0" nodeType="clickEffect">
+                                  <p:stCondLst>
+                                    <p:cond delay="0"/>
+                                  </p:stCondLst>
+                                  <p:childTnLst>
+                                    <p:set>
+                                      <p:cBhvr>
+                                        <p:cTn id="6" dur="1" fill="hold">
+                                          <p:stCondLst>
+                                            <p:cond delay="0"/>
+                                          </p:stCondLst>
+                                        </p:cTn>
+                                        <p:tgtEl>
+                                          <p:spTgt spid="8"/>
+                                        </p:tgtEl>
+                                        <p:attrNameLst>
+                                          <p:attrName>style.visibility</p:attrName>
+                                        </p:attrNameLst>
+                                      </p:cBhvr>
+                                      <p:to>
+                                        <p:strVal val="visible"/>
+                                      </p:to>
+                                    </p:set>
+                                    <p:anim calcmode="lin" valueType="num">
+                                      <p:cBhvr>
+                                        <p:cTn id="7" dur="500" fill="hold"/>
+                                        <p:tgtEl>
+                                          <p:spTgt spid="8"/>
+                                        </p:tgtEl>
+                                        <p:attrNameLst>
+                                          <p:attrName>ppt_w</p:attrName>
+                                        </p:attrNameLst>
+                                      </p:cBhvr>
+                                      <p:tavLst>
+                                        <p:tav tm="0">
+                                          <p:val>
+                                            <p:fltVal val="0"/>
+                                          </p:val>
+                                        </p:tav>
+                                        <p:tav tm="100000">
+                                          <p:val>
+                                            <p:strVal val="#ppt_w"/>
+                                          </p:val>
+                                        </p:tav>
+                                      </p:tavLst>
+                                    </p:anim>
+                                    <p:anim calcmode="lin" valueType="num">
+                                      <p:cBhvr>
+                                        <p:cTn id="8" dur="500" fill="hold"/>
+                                        <p:tgtEl>
+                                          <p:spTgt spid="8"/>
+                                        </p:tgtEl>
+                                        <p:attrNameLst>
+                                          <p:attrName>ppt_h</p:attrName>
+                                        </p:attrNameLst>
+                                      </p:cBhvr>
+                                      <p:tavLst>
+                                        <p:tav tm="0">
+                                          <p:val>
+                                            <p:fltVal val="0"/>
+                                          </p:val>
+                                        </p:tav>
+                                        <p:tav tm="100000">
+                                          <p:val>
+                                            <p:strVal val="#ppt_h"/>
+                                          </p:val>
+                                        </p:tav>
+                                      </p:tavLst>
+                                    </p:anim>
+                                    <p:animEffect transition="in" filter="fade">
+                                      <p:cBhvr>
+                                        <p:cTn id="9" dur="500"/>
+                                        <p:tgtEl>
+                                          <p:spTgt spid="8"/>
+                                        </p:tgtEl>
+                                      </p:cBhvr>
+                                    </p:animEffect>
+                                  </p:childTnLst>
+                                </p:cTn>
+                              </p:par>
+                            </p:childTnLst>
+                          </p:cTn>
+                        </p:par>
+                      </p:childTnLst>
+                    </p:cTn>
+                  </p:par>
+                </p:childTnLst>
+              </p:cTn>
+              <p:prevCondLst>
+                <p:cond evt="onPrev" delay="0">
+                  <p:tgtEl>
+                    <p:sldTgt/>
+                  </p:tgtEl>
+                </p:cond>
+              </p:prevCondLst>
+              <p:nextCondLst>
+                <p:cond evt="onNext" delay="0">
+                  <p:tgtEl>
+                    <p:sldTgt/>
+                  </p:tgtEl>
+                </p:cond>
+              </p:nextCondLst>
+            </p:seq>
+          </p:childTnLst>
+        </p:cTn>
+      </p:par>
+    </p:tnLst>
+    <p:bldLst>
+      <p:bldP spid="8" grpId="0" animBg="1"/>
+    </p:bldLst>
+  </p:timing>
+</p:sld>
+</file>
+
+<file path=ppt/slides/slide3.xml><?xml version="1.0" encoding="utf-8"?>
+<p:sld xmlns:a="http://schemas.openxmlformats.org/drawingml/2006/main" xmlns:r="http://schemas.openxmlformats.org/officeDocument/2006/relationships" xmlns:p="http://schemas.openxmlformats.org/presentationml/2006/main">
+  <p:cSld>
+    <p:spTree>
+      <p:nvGrpSpPr>
+        <p:cNvPr id="1" name=""/>
+        <p:cNvGrpSpPr/>
+        <p:nvPr/>
+      </p:nvGrpSpPr>
+      <p:grpSpPr>
+        <a:xfrm>
+          <a:off x="0" y="0"/>
+          <a:ext cx="0" cy="0"/>
+          <a:chOff x="0" y="0"/>
+          <a:chExt cx="0" cy="0"/>
+        </a:xfrm>
+      </p:grpSpPr>
+      <p:sp>
+        <p:nvSpPr>
+          <p:cNvPr id="2" name="正方形/長方形 1">
             <a:extLst>
               <a:ext uri="{FF2B5EF4-FFF2-40B4-BE49-F238E27FC236}">
-                <a16:creationId xmlns:a16="http://schemas.microsoft.com/office/drawing/2014/main" id="{13A87D6B-A197-4BA6-A7AA-2BC19AB44353}"/>
+                <a16:creationId xmlns:a16="http://schemas.microsoft.com/office/drawing/2014/main" id="{10BA5B07-12A7-4391-86F8-D51EC2EDC5CC}"/>
               </a:ext>
             </a:extLst>
           </p:cNvPr>
-          <p:cNvPicPr>
-            <a:picLocks noChangeAspect="1"/>
-          </p:cNvPicPr>
+          <p:cNvSpPr/>
           <p:nvPr/>
-        </p:nvPicPr>
-        <p:blipFill rotWithShape="1">
-          <a:blip r:embed="rId2">
-            <a:alphaModFix amt="25000"/>
-          </a:blip>
-          <a:srcRect t="25635" b="7000"/>
-          <a:stretch/>
-        </p:blipFill>
+        </p:nvSpPr>
         <p:spPr>
           <a:xfrm>
-            <a:off x="20" y="10"/>
-            <a:ext cx="12191980" cy="6857990"/>
+            <a:off x="0" y="-106017"/>
+            <a:ext cx="3799438" cy="923330"/>
           </a:xfrm>
           <a:prstGeom prst="rect">
             <a:avLst/>
           </a:prstGeom>
         </p:spPr>
-      </p:pic>
-      <p:sp>
-        <p:nvSpPr>
-          <p:cNvPr id="2" name="タイトル 1">
-            <a:extLst>
-              <a:ext uri="{FF2B5EF4-FFF2-40B4-BE49-F238E27FC236}">
-                <a16:creationId xmlns:a16="http://schemas.microsoft.com/office/drawing/2014/main" id="{9B54A944-DFBA-4832-A75C-22F7D6A5735F}"/>
-              </a:ext>
-            </a:extLst>
-          </p:cNvPr>
-          <p:cNvSpPr>
-            <a:spLocks noGrp="1"/>
-          </p:cNvSpPr>
-          <p:nvPr>
-            <p:ph type="title"/>
-          </p:nvPr>
-        </p:nvSpPr>
-        <p:spPr>
-          <a:xfrm>
-            <a:off x="913795" y="609600"/>
-            <a:ext cx="10353762" cy="970450"/>
-          </a:xfrm>
-        </p:spPr>
-        <p:txBody>
-          <a:bodyPr>
-            <a:normAutofit/>
-          </a:bodyPr>
-          <a:lstStyle/>
-          <a:p>
-            <a:r>
-              <a:rPr kumimoji="1" lang="en-US" altLang="ja-JP" dirty="0"/>
-              <a:t>Introduction</a:t>
-            </a:r>
-            <a:endParaRPr kumimoji="1" lang="ja-JP" altLang="en-US" dirty="0"/>
-          </a:p>
-        </p:txBody>
-      </p:sp>
-      <p:sp>
-        <p:nvSpPr>
-          <p:cNvPr id="16" name="Content Placeholder 9">
-            <a:extLst>
-              <a:ext uri="{FF2B5EF4-FFF2-40B4-BE49-F238E27FC236}">
-                <a16:creationId xmlns:a16="http://schemas.microsoft.com/office/drawing/2014/main" id="{B52EF454-0F00-4DFE-A8F6-31DE92B33B59}"/>
-              </a:ext>
-            </a:extLst>
-          </p:cNvPr>
-          <p:cNvSpPr>
-            <a:spLocks noGrp="1"/>
-          </p:cNvSpPr>
-          <p:nvPr>
-            <p:ph idx="1"/>
-          </p:nvPr>
-        </p:nvSpPr>
-        <p:spPr>
-          <a:xfrm>
-            <a:off x="913795" y="1732451"/>
-            <a:ext cx="4598363" cy="1603178"/>
-          </a:xfrm>
-        </p:spPr>
-        <p:txBody>
-          <a:bodyPr anchor="ctr">
-            <a:normAutofit/>
-          </a:bodyPr>
-          <a:lstStyle/>
-          <a:p>
-            <a:r>
-              <a:rPr lang="ja-JP" altLang="en-US" dirty="0"/>
-              <a:t>長い行列に並ぶのは嫌</a:t>
-            </a:r>
-            <a:endParaRPr lang="en-US" altLang="ja-JP" dirty="0"/>
-          </a:p>
-          <a:p>
-            <a:r>
-              <a:rPr lang="ja-JP" altLang="en-US" dirty="0"/>
-              <a:t>時間がない</a:t>
-            </a:r>
-            <a:endParaRPr lang="en-US" altLang="ja-JP" dirty="0"/>
-          </a:p>
-          <a:p>
-            <a:r>
-              <a:rPr lang="ja-JP" altLang="en-US" dirty="0"/>
-              <a:t>かばんから財布を取り出すのが億劫</a:t>
-            </a:r>
-            <a:endParaRPr lang="en-US" altLang="ja-JP" dirty="0"/>
-          </a:p>
-        </p:txBody>
-      </p:sp>
-      <p:pic>
-        <p:nvPicPr>
-          <p:cNvPr id="9" name="図 8">
-            <a:extLst>
-              <a:ext uri="{FF2B5EF4-FFF2-40B4-BE49-F238E27FC236}">
-                <a16:creationId xmlns:a16="http://schemas.microsoft.com/office/drawing/2014/main" id="{A9969625-CA8B-4E42-81F8-F6B3D9D923B0}"/>
-              </a:ext>
-            </a:extLst>
-          </p:cNvPr>
-          <p:cNvPicPr>
-            <a:picLocks noChangeAspect="1"/>
-          </p:cNvPicPr>
-          <p:nvPr/>
-        </p:nvPicPr>
-        <p:blipFill>
-          <a:blip r:embed="rId3"/>
-          <a:stretch>
-            <a:fillRect/>
-          </a:stretch>
-        </p:blipFill>
-        <p:spPr>
-          <a:xfrm>
-            <a:off x="6593680" y="3429000"/>
-            <a:ext cx="4250331" cy="2424954"/>
-          </a:xfrm>
-          <a:prstGeom prst="rect">
-            <a:avLst/>
-          </a:prstGeom>
-        </p:spPr>
-      </p:pic>
-      <p:sp>
-        <p:nvSpPr>
-          <p:cNvPr id="11" name="正方形/長方形 10">
-            <a:extLst>
-              <a:ext uri="{FF2B5EF4-FFF2-40B4-BE49-F238E27FC236}">
-                <a16:creationId xmlns:a16="http://schemas.microsoft.com/office/drawing/2014/main" id="{F0307287-7951-44F3-BCD1-57530ADF9A4E}"/>
-              </a:ext>
-            </a:extLst>
-          </p:cNvPr>
-          <p:cNvSpPr/>
-          <p:nvPr/>
-        </p:nvSpPr>
-        <p:spPr>
-          <a:xfrm rot="879377">
-            <a:off x="7142773" y="3757360"/>
-            <a:ext cx="3456540" cy="1862048"/>
-          </a:xfrm>
-          <a:prstGeom prst="rect">
-            <a:avLst/>
-          </a:prstGeom>
-          <a:noFill/>
-        </p:spPr>
-        <p:txBody>
-          <a:bodyPr wrap="square" lIns="91440" tIns="45720" rIns="91440" bIns="45720">
+        <p:txBody>
+          <a:bodyPr wrap="none">
             <a:spAutoFit/>
           </a:bodyPr>
           <a:lstStyle/>
           <a:p>
             <a:pPr algn="ctr"/>
             <a:r>
-              <a:rPr lang="ja-JP" altLang="en-US" sz="11500" b="1" cap="none" spc="0" dirty="0">
-                <a:ln w="9525">
-                  <a:solidFill>
-                    <a:schemeClr val="bg1"/>
-                  </a:solidFill>
-                  <a:prstDash val="solid"/>
-                </a:ln>
-                <a:solidFill>
-                  <a:schemeClr val="tx1"/>
-                </a:solidFill>
+              <a:rPr lang="en-US" altLang="ja-JP" sz="5400" dirty="0">
+                <a:ln w="0"/>
                 <a:effectLst>
-                  <a:outerShdw blurRad="12700" dist="38100" dir="2700000" algn="tl" rotWithShape="0">
-                    <a:schemeClr val="bg1">
-                      <a:lumMod val="50000"/>
+                  <a:outerShdw blurRad="38100" dist="19050" dir="2700000" algn="tl" rotWithShape="0">
+                    <a:schemeClr val="dk1">
+                      <a:alpha val="40000"/>
                     </a:schemeClr>
                   </a:outerShdw>
                 </a:effectLst>
               </a:rPr>
-              <a:t>解決</a:t>
-            </a:r>
-            <a:endParaRPr lang="en-US" altLang="ja-JP" sz="11500" b="1" cap="none" spc="0" dirty="0">
-              <a:ln w="9525">
-                <a:solidFill>
-                  <a:schemeClr val="bg1"/>
-                </a:solidFill>
-                <a:prstDash val="solid"/>
-              </a:ln>
-              <a:solidFill>
-                <a:schemeClr val="tx1"/>
-              </a:solidFill>
+              <a:t>Our product</a:t>
+            </a:r>
+            <a:endParaRPr lang="ja-JP" altLang="en-US" sz="5400" dirty="0">
+              <a:ln w="0"/>
               <a:effectLst>
-                <a:outerShdw blurRad="12700" dist="38100" dir="2700000" algn="tl" rotWithShape="0">
-                  <a:schemeClr val="bg1">
-                    <a:lumMod val="50000"/>
+                <a:outerShdw blurRad="38100" dist="19050" dir="2700000" algn="tl" rotWithShape="0">
+                  <a:schemeClr val="dk1">
+                    <a:alpha val="40000"/>
                   </a:schemeClr>
                 </a:outerShdw>
               </a:effectLst>
@@ -7006,10 +10243,38 @@
           </a:p>
         </p:txBody>
       </p:sp>
+      <p:graphicFrame>
+        <p:nvGraphicFramePr>
+          <p:cNvPr id="4" name="図表 3">
+            <a:extLst>
+              <a:ext uri="{FF2B5EF4-FFF2-40B4-BE49-F238E27FC236}">
+                <a16:creationId xmlns:a16="http://schemas.microsoft.com/office/drawing/2014/main" id="{DE5F48FE-9E26-4B75-AAEE-10BD05A57C58}"/>
+              </a:ext>
+            </a:extLst>
+          </p:cNvPr>
+          <p:cNvGraphicFramePr/>
+          <p:nvPr>
+            <p:extLst>
+              <p:ext uri="{D42A27DB-BD31-4B8C-83A1-F6EECF244321}">
+                <p14:modId xmlns:p14="http://schemas.microsoft.com/office/powerpoint/2010/main" val="2102003471"/>
+              </p:ext>
+            </p:extLst>
+          </p:nvPr>
+        </p:nvGraphicFramePr>
+        <p:xfrm>
+          <a:off x="0" y="-452734"/>
+          <a:ext cx="12192000" cy="5846369"/>
+        </p:xfrm>
+        <a:graphic>
+          <a:graphicData uri="http://schemas.openxmlformats.org/drawingml/2006/diagram">
+            <dgm:relIds xmlns:dgm="http://schemas.openxmlformats.org/drawingml/2006/diagram" xmlns:r="http://schemas.openxmlformats.org/officeDocument/2006/relationships" r:dm="rId2" r:lo="rId3" r:qs="rId4" r:cs="rId5"/>
+          </a:graphicData>
+        </a:graphic>
+      </p:graphicFrame>
     </p:spTree>
     <p:extLst>
       <p:ext uri="{BB962C8B-B14F-4D97-AF65-F5344CB8AC3E}">
-        <p14:creationId xmlns:p14="http://schemas.microsoft.com/office/powerpoint/2010/main" val="278929806"/>
+        <p14:creationId xmlns:p14="http://schemas.microsoft.com/office/powerpoint/2010/main" val="2983076464"/>
       </p:ext>
     </p:extLst>
   </p:cSld>
@@ -7036,12 +10301,42 @@
           <a:chExt cx="0" cy="0"/>
         </a:xfrm>
       </p:grpSpPr>
-      <p:sp>
-        <p:nvSpPr>
-          <p:cNvPr id="17" name="四角形: 角を丸くする 16">
+    </p:spTree>
+    <p:extLst>
+      <p:ext uri="{BB962C8B-B14F-4D97-AF65-F5344CB8AC3E}">
+        <p14:creationId xmlns:p14="http://schemas.microsoft.com/office/powerpoint/2010/main" val="2028204797"/>
+      </p:ext>
+    </p:extLst>
+  </p:cSld>
+  <p:clrMapOvr>
+    <a:masterClrMapping/>
+  </p:clrMapOvr>
+</p:sld>
+</file>
+
+<file path=ppt/slides/slide5.xml><?xml version="1.0" encoding="utf-8"?>
+<p:sld xmlns:a="http://schemas.openxmlformats.org/drawingml/2006/main" xmlns:r="http://schemas.openxmlformats.org/officeDocument/2006/relationships" xmlns:p="http://schemas.openxmlformats.org/presentationml/2006/main">
+  <p:cSld>
+    <p:spTree>
+      <p:nvGrpSpPr>
+        <p:cNvPr id="1" name=""/>
+        <p:cNvGrpSpPr/>
+        <p:nvPr/>
+      </p:nvGrpSpPr>
+      <p:grpSpPr>
+        <a:xfrm>
+          <a:off x="0" y="0"/>
+          <a:ext cx="0" cy="0"/>
+          <a:chOff x="0" y="0"/>
+          <a:chExt cx="0" cy="0"/>
+        </a:xfrm>
+      </p:grpSpPr>
+      <p:sp>
+        <p:nvSpPr>
+          <p:cNvPr id="2" name="四角形: 角を丸くする 1">
             <a:extLst>
               <a:ext uri="{FF2B5EF4-FFF2-40B4-BE49-F238E27FC236}">
-                <a16:creationId xmlns:a16="http://schemas.microsoft.com/office/drawing/2014/main" id="{1CE5F5C6-720F-444F-9F22-4269C3250E7D}"/>
+                <a16:creationId xmlns:a16="http://schemas.microsoft.com/office/drawing/2014/main" id="{6BCE99BC-8AAE-45A0-94F8-5F9E224D1695}"/>
               </a:ext>
             </a:extLst>
           </p:cNvPr>
@@ -7050,7 +10345,7 @@
         </p:nvSpPr>
         <p:spPr>
           <a:xfrm>
-            <a:off x="759853" y="4031087"/>
+            <a:off x="547818" y="3951574"/>
             <a:ext cx="7532683" cy="2582347"/>
           </a:xfrm>
           <a:prstGeom prst="roundRect">
@@ -7093,10 +10388,10 @@
       </p:sp>
       <p:sp>
         <p:nvSpPr>
-          <p:cNvPr id="15" name="四角形: 角を丸くする 14">
+          <p:cNvPr id="3" name="四角形: 角を丸くする 2">
             <a:extLst>
               <a:ext uri="{FF2B5EF4-FFF2-40B4-BE49-F238E27FC236}">
-                <a16:creationId xmlns:a16="http://schemas.microsoft.com/office/drawing/2014/main" id="{1352DE62-5FFA-4D2A-9373-132BB3A6C344}"/>
+                <a16:creationId xmlns:a16="http://schemas.microsoft.com/office/drawing/2014/main" id="{FA6529AD-1DED-4124-B7C1-721301F52869}"/>
               </a:ext>
             </a:extLst>
           </p:cNvPr>
@@ -7105,8 +10400,8 @@
         </p:nvSpPr>
         <p:spPr>
           <a:xfrm>
-            <a:off x="9015211" y="1580050"/>
-            <a:ext cx="2975020" cy="5033384"/>
+            <a:off x="8629804" y="1500537"/>
+            <a:ext cx="2842441" cy="5220186"/>
           </a:xfrm>
           <a:prstGeom prst="roundRect">
             <a:avLst/>
@@ -7139,74 +10434,16 @@
           <a:lstStyle/>
           <a:p>
             <a:pPr algn="ctr"/>
-            <a:endParaRPr kumimoji="1" lang="ja-JP" altLang="en-US"/>
-          </a:p>
-        </p:txBody>
-      </p:sp>
-      <p:sp>
-        <p:nvSpPr>
-          <p:cNvPr id="2" name="タイトル 1">
+            <a:endParaRPr kumimoji="1" lang="ja-JP" altLang="en-US" dirty="0"/>
+          </a:p>
+        </p:txBody>
+      </p:sp>
+      <p:sp>
+        <p:nvSpPr>
+          <p:cNvPr id="6" name="四角形: 角を丸くする 5">
             <a:extLst>
               <a:ext uri="{FF2B5EF4-FFF2-40B4-BE49-F238E27FC236}">
-                <a16:creationId xmlns:a16="http://schemas.microsoft.com/office/drawing/2014/main" id="{6C041AFF-708E-4950-B64E-157BFA31B04E}"/>
-              </a:ext>
-            </a:extLst>
-          </p:cNvPr>
-          <p:cNvSpPr>
-            <a:spLocks noGrp="1"/>
-          </p:cNvSpPr>
-          <p:nvPr>
-            <p:ph type="title"/>
-          </p:nvPr>
-        </p:nvSpPr>
-        <p:spPr/>
-        <p:txBody>
-          <a:bodyPr/>
-          <a:lstStyle/>
-          <a:p>
-            <a:r>
-              <a:rPr kumimoji="1" lang="en-US" altLang="ja-JP" dirty="0"/>
-              <a:t>Method</a:t>
-            </a:r>
-            <a:endParaRPr kumimoji="1" lang="ja-JP" altLang="en-US" dirty="0"/>
-          </a:p>
-        </p:txBody>
-      </p:sp>
-      <p:pic>
-        <p:nvPicPr>
-          <p:cNvPr id="6" name="コンテンツ プレースホルダー 5">
-            <a:extLst>
-              <a:ext uri="{FF2B5EF4-FFF2-40B4-BE49-F238E27FC236}">
-                <a16:creationId xmlns:a16="http://schemas.microsoft.com/office/drawing/2014/main" id="{900D2D40-205D-437E-8257-3B1971677CB9}"/>
-              </a:ext>
-            </a:extLst>
-          </p:cNvPr>
-          <p:cNvPicPr>
-            <a:picLocks noGrp="1" noChangeAspect="1"/>
-          </p:cNvPicPr>
-          <p:nvPr>
-            <p:ph idx="1"/>
-          </p:nvPr>
-        </p:nvPicPr>
-        <p:blipFill>
-          <a:blip r:embed="rId2"/>
-          <a:stretch>
-            <a:fillRect/>
-          </a:stretch>
-        </p:blipFill>
-        <p:spPr>
-          <a:xfrm>
-            <a:off x="2593491" y="4544938"/>
-            <a:ext cx="1926583" cy="1926583"/>
-          </a:xfrm>
-        </p:spPr>
-      </p:pic>
-      <p:sp>
-        <p:nvSpPr>
-          <p:cNvPr id="4" name="四角形: 角を丸くする 3">
-            <a:extLst>
-              <a:ext uri="{FF2B5EF4-FFF2-40B4-BE49-F238E27FC236}">
-                <a16:creationId xmlns:a16="http://schemas.microsoft.com/office/drawing/2014/main" id="{0D992997-557A-4262-BFC1-87F8DF9C7B3F}"/>
+                <a16:creationId xmlns:a16="http://schemas.microsoft.com/office/drawing/2014/main" id="{EEEED901-2446-4375-9EA6-5EABBDB5B939}"/>
               </a:ext>
             </a:extLst>
           </p:cNvPr>
@@ -7215,7 +10452,7 @@
         </p:nvSpPr>
         <p:spPr>
           <a:xfrm>
-            <a:off x="759853" y="1580050"/>
+            <a:off x="547818" y="1500537"/>
             <a:ext cx="7532683" cy="1592216"/>
           </a:xfrm>
           <a:prstGeom prst="roundRect">
@@ -7262,10 +10499,40 @@
       </p:sp>
       <p:pic>
         <p:nvPicPr>
+          <p:cNvPr id="7" name="図 6">
+            <a:extLst>
+              <a:ext uri="{FF2B5EF4-FFF2-40B4-BE49-F238E27FC236}">
+                <a16:creationId xmlns:a16="http://schemas.microsoft.com/office/drawing/2014/main" id="{D61B665D-7BDF-4459-9772-DE2233301967}"/>
+              </a:ext>
+            </a:extLst>
+          </p:cNvPr>
+          <p:cNvPicPr>
+            <a:picLocks noChangeAspect="1"/>
+          </p:cNvPicPr>
+          <p:nvPr/>
+        </p:nvPicPr>
+        <p:blipFill>
+          <a:blip r:embed="rId2"/>
+          <a:stretch>
+            <a:fillRect/>
+          </a:stretch>
+        </p:blipFill>
+        <p:spPr>
+          <a:xfrm>
+            <a:off x="9090157" y="3284856"/>
+            <a:ext cx="595786" cy="595786"/>
+          </a:xfrm>
+          <a:prstGeom prst="rect">
+            <a:avLst/>
+          </a:prstGeom>
+        </p:spPr>
+      </p:pic>
+      <p:pic>
+        <p:nvPicPr>
           <p:cNvPr id="8" name="図 7">
             <a:extLst>
               <a:ext uri="{FF2B5EF4-FFF2-40B4-BE49-F238E27FC236}">
-                <a16:creationId xmlns:a16="http://schemas.microsoft.com/office/drawing/2014/main" id="{26980408-251C-49C9-90BB-BC57381CB54C}"/>
+                <a16:creationId xmlns:a16="http://schemas.microsoft.com/office/drawing/2014/main" id="{678DAAEF-C45C-4FCC-879E-5153B9A82762}"/>
               </a:ext>
             </a:extLst>
           </p:cNvPr>
@@ -7282,8 +10549,8 @@
         </p:blipFill>
         <p:spPr>
           <a:xfrm>
-            <a:off x="9302192" y="3364369"/>
-            <a:ext cx="595786" cy="595786"/>
+            <a:off x="719755" y="4571652"/>
+            <a:ext cx="1662929" cy="1814173"/>
           </a:xfrm>
           <a:prstGeom prst="rect">
             <a:avLst/>
@@ -7292,10 +10559,10 @@
       </p:pic>
       <p:pic>
         <p:nvPicPr>
-          <p:cNvPr id="10" name="図 9">
+          <p:cNvPr id="9" name="図 8">
             <a:extLst>
               <a:ext uri="{FF2B5EF4-FFF2-40B4-BE49-F238E27FC236}">
-                <a16:creationId xmlns:a16="http://schemas.microsoft.com/office/drawing/2014/main" id="{6C9D248D-A1F1-4A74-8A4C-A3A393429A50}"/>
+                <a16:creationId xmlns:a16="http://schemas.microsoft.com/office/drawing/2014/main" id="{3E8ECE61-AB05-4D24-A44A-82C1488C38EC}"/>
               </a:ext>
             </a:extLst>
           </p:cNvPr>
@@ -7312,37 +10579,7 @@
         </p:blipFill>
         <p:spPr>
           <a:xfrm>
-            <a:off x="1070021" y="4789396"/>
-            <a:ext cx="1524698" cy="1524698"/>
-          </a:xfrm>
-          <a:prstGeom prst="rect">
-            <a:avLst/>
-          </a:prstGeom>
-        </p:spPr>
-      </p:pic>
-      <p:pic>
-        <p:nvPicPr>
-          <p:cNvPr id="14" name="図 13">
-            <a:extLst>
-              <a:ext uri="{FF2B5EF4-FFF2-40B4-BE49-F238E27FC236}">
-                <a16:creationId xmlns:a16="http://schemas.microsoft.com/office/drawing/2014/main" id="{71E493BF-3AE7-45D2-87F9-5400EAEA463C}"/>
-              </a:ext>
-            </a:extLst>
-          </p:cNvPr>
-          <p:cNvPicPr>
-            <a:picLocks noChangeAspect="1"/>
-          </p:cNvPicPr>
-          <p:nvPr/>
-        </p:nvPicPr>
-        <p:blipFill>
-          <a:blip r:embed="rId5"/>
-          <a:stretch>
-            <a:fillRect/>
-          </a:stretch>
-        </p:blipFill>
-        <p:spPr>
-          <a:xfrm>
-            <a:off x="9302192" y="2553783"/>
+            <a:off x="9090157" y="2474270"/>
             <a:ext cx="655365" cy="618483"/>
           </a:xfrm>
           <a:prstGeom prst="rect">
@@ -7352,10 +10589,10 @@
       </p:pic>
       <p:sp>
         <p:nvSpPr>
-          <p:cNvPr id="16" name="正方形/長方形 15">
+          <p:cNvPr id="37" name="正方形/長方形 36">
             <a:extLst>
               <a:ext uri="{FF2B5EF4-FFF2-40B4-BE49-F238E27FC236}">
-                <a16:creationId xmlns:a16="http://schemas.microsoft.com/office/drawing/2014/main" id="{334CD8AA-4B76-43D4-ACA8-78C366406351}"/>
+                <a16:creationId xmlns:a16="http://schemas.microsoft.com/office/drawing/2014/main" id="{FB5D9BFC-3BA9-48A4-9B30-20F09CB83772}"/>
               </a:ext>
             </a:extLst>
           </p:cNvPr>
@@ -7364,7 +10601,56 @@
         </p:nvSpPr>
         <p:spPr>
           <a:xfrm>
-            <a:off x="9219209" y="1961570"/>
+            <a:off x="2525183" y="4571652"/>
+            <a:ext cx="1735209" cy="1814173"/>
+          </a:xfrm>
+          <a:prstGeom prst="rect">
+            <a:avLst/>
+          </a:prstGeom>
+          <a:solidFill>
+            <a:schemeClr val="tx1"/>
+          </a:solidFill>
+        </p:spPr>
+        <p:style>
+          <a:lnRef idx="2">
+            <a:schemeClr val="accent1">
+              <a:shade val="50000"/>
+            </a:schemeClr>
+          </a:lnRef>
+          <a:fillRef idx="1">
+            <a:schemeClr val="accent1"/>
+          </a:fillRef>
+          <a:effectRef idx="0">
+            <a:schemeClr val="accent1"/>
+          </a:effectRef>
+          <a:fontRef idx="minor">
+            <a:schemeClr val="lt1"/>
+          </a:fontRef>
+        </p:style>
+        <p:txBody>
+          <a:bodyPr rtlCol="0" anchor="ctr"/>
+          <a:lstStyle/>
+          <a:p>
+            <a:pPr algn="ctr"/>
+            <a:endParaRPr kumimoji="1" lang="en-US"/>
+          </a:p>
+        </p:txBody>
+      </p:sp>
+      <p:sp>
+        <p:nvSpPr>
+          <p:cNvPr id="10" name="正方形/長方形 9">
+            <a:extLst>
+              <a:ext uri="{FF2B5EF4-FFF2-40B4-BE49-F238E27FC236}">
+                <a16:creationId xmlns:a16="http://schemas.microsoft.com/office/drawing/2014/main" id="{C8533E65-886D-49F0-87C0-D2510117A827}"/>
+              </a:ext>
+            </a:extLst>
+          </p:cNvPr>
+          <p:cNvSpPr/>
+          <p:nvPr/>
+        </p:nvSpPr>
+        <p:spPr>
+          <a:xfrm>
+            <a:off x="9007174" y="1882057"/>
             <a:ext cx="1483740" cy="400110"/>
           </a:xfrm>
           <a:prstGeom prst="rect">
@@ -7405,10 +10691,10 @@
       </p:sp>
       <p:sp>
         <p:nvSpPr>
-          <p:cNvPr id="18" name="正方形/長方形 17">
+          <p:cNvPr id="11" name="正方形/長方形 10">
             <a:extLst>
               <a:ext uri="{FF2B5EF4-FFF2-40B4-BE49-F238E27FC236}">
-                <a16:creationId xmlns:a16="http://schemas.microsoft.com/office/drawing/2014/main" id="{A04B3907-8403-40BE-8F2A-925B73A6F9E6}"/>
+                <a16:creationId xmlns:a16="http://schemas.microsoft.com/office/drawing/2014/main" id="{9AE72D03-3ED6-4A28-89FC-C243F3381842}"/>
               </a:ext>
             </a:extLst>
           </p:cNvPr>
@@ -7417,7 +10703,7 @@
         </p:nvSpPr>
         <p:spPr>
           <a:xfrm>
-            <a:off x="790783" y="1683660"/>
+            <a:off x="578748" y="1604147"/>
             <a:ext cx="1396536" cy="461665"/>
           </a:xfrm>
           <a:prstGeom prst="rect">
@@ -7458,10 +10744,10 @@
       </p:sp>
       <p:sp>
         <p:nvSpPr>
-          <p:cNvPr id="19" name="正方形/長方形 18">
+          <p:cNvPr id="12" name="正方形/長方形 11">
             <a:extLst>
               <a:ext uri="{FF2B5EF4-FFF2-40B4-BE49-F238E27FC236}">
-                <a16:creationId xmlns:a16="http://schemas.microsoft.com/office/drawing/2014/main" id="{2367F4DE-F680-4081-93AA-522011933F61}"/>
+                <a16:creationId xmlns:a16="http://schemas.microsoft.com/office/drawing/2014/main" id="{BB7D578C-916C-4054-9602-54132A004E8C}"/>
               </a:ext>
             </a:extLst>
           </p:cNvPr>
@@ -7470,7 +10756,7 @@
         </p:nvSpPr>
         <p:spPr>
           <a:xfrm>
-            <a:off x="851903" y="4142716"/>
+            <a:off x="639868" y="4063203"/>
             <a:ext cx="1383713" cy="461665"/>
           </a:xfrm>
           <a:prstGeom prst="rect">
@@ -7511,10 +10797,10 @@
       </p:sp>
       <p:sp>
         <p:nvSpPr>
-          <p:cNvPr id="20" name="矢印: 下 19">
+          <p:cNvPr id="13" name="矢印: 下 12">
             <a:extLst>
               <a:ext uri="{FF2B5EF4-FFF2-40B4-BE49-F238E27FC236}">
-                <a16:creationId xmlns:a16="http://schemas.microsoft.com/office/drawing/2014/main" id="{806F8D56-6932-4C26-8D5C-5AE799548F75}"/>
+                <a16:creationId xmlns:a16="http://schemas.microsoft.com/office/drawing/2014/main" id="{2DD0A548-3EE6-4E9F-B19A-342DD48D037B}"/>
               </a:ext>
             </a:extLst>
           </p:cNvPr>
@@ -7523,12 +10809,23 @@
         </p:nvSpPr>
         <p:spPr>
           <a:xfrm>
-            <a:off x="4172585" y="3043476"/>
-            <a:ext cx="669871" cy="1592216"/>
+            <a:off x="3739488" y="3021435"/>
+            <a:ext cx="669871" cy="1301139"/>
           </a:xfrm>
           <a:prstGeom prst="downArrow">
-            <a:avLst/>
+            <a:avLst>
+              <a:gd name="adj1" fmla="val 50000"/>
+              <a:gd name="adj2" fmla="val 107371"/>
+            </a:avLst>
           </a:prstGeom>
+          <a:solidFill>
+            <a:srgbClr val="00B0F0"/>
+          </a:solidFill>
+          <a:ln>
+            <a:solidFill>
+              <a:schemeClr val="tx1"/>
+            </a:solidFill>
+          </a:ln>
         </p:spPr>
         <p:style>
           <a:lnRef idx="2">
@@ -7557,10 +10854,40 @@
       </p:sp>
       <p:pic>
         <p:nvPicPr>
-          <p:cNvPr id="22" name="図 21">
+          <p:cNvPr id="14" name="図 13">
             <a:extLst>
               <a:ext uri="{FF2B5EF4-FFF2-40B4-BE49-F238E27FC236}">
-                <a16:creationId xmlns:a16="http://schemas.microsoft.com/office/drawing/2014/main" id="{4F7CF100-3EFB-4B76-8CF7-13F1239C4B80}"/>
+                <a16:creationId xmlns:a16="http://schemas.microsoft.com/office/drawing/2014/main" id="{FF7D90EB-F699-40A2-80B0-4C1BA8F7056B}"/>
+              </a:ext>
+            </a:extLst>
+          </p:cNvPr>
+          <p:cNvPicPr>
+            <a:picLocks noChangeAspect="1"/>
+          </p:cNvPicPr>
+          <p:nvPr/>
+        </p:nvPicPr>
+        <p:blipFill>
+          <a:blip r:embed="rId5"/>
+          <a:stretch>
+            <a:fillRect/>
+          </a:stretch>
+        </p:blipFill>
+        <p:spPr>
+          <a:xfrm>
+            <a:off x="6135632" y="4664960"/>
+            <a:ext cx="1937925" cy="1627555"/>
+          </a:xfrm>
+          <a:prstGeom prst="rect">
+            <a:avLst/>
+          </a:prstGeom>
+        </p:spPr>
+      </p:pic>
+      <p:pic>
+        <p:nvPicPr>
+          <p:cNvPr id="15" name="図 14">
+            <a:extLst>
+              <a:ext uri="{FF2B5EF4-FFF2-40B4-BE49-F238E27FC236}">
+                <a16:creationId xmlns:a16="http://schemas.microsoft.com/office/drawing/2014/main" id="{948ECD50-D82C-4AD0-97CC-05B33E528AB9}"/>
               </a:ext>
             </a:extLst>
           </p:cNvPr>
@@ -7577,8 +10904,8 @@
         </p:blipFill>
         <p:spPr>
           <a:xfrm>
-            <a:off x="6088866" y="4855132"/>
-            <a:ext cx="1937925" cy="1627555"/>
+            <a:off x="8987125" y="4063203"/>
+            <a:ext cx="770862" cy="770862"/>
           </a:xfrm>
           <a:prstGeom prst="rect">
             <a:avLst/>
@@ -7587,10 +10914,10 @@
       </p:pic>
       <p:pic>
         <p:nvPicPr>
-          <p:cNvPr id="24" name="図 23">
+          <p:cNvPr id="16" name="図 15">
             <a:extLst>
               <a:ext uri="{FF2B5EF4-FFF2-40B4-BE49-F238E27FC236}">
-                <a16:creationId xmlns:a16="http://schemas.microsoft.com/office/drawing/2014/main" id="{E5324A33-53E5-431F-A8C4-7EAF32DC9198}"/>
+                <a16:creationId xmlns:a16="http://schemas.microsoft.com/office/drawing/2014/main" id="{0BE43796-8603-4148-A870-7B615F885649}"/>
               </a:ext>
             </a:extLst>
           </p:cNvPr>
@@ -7607,8 +10934,8 @@
         </p:blipFill>
         <p:spPr>
           <a:xfrm>
-            <a:off x="9199160" y="4142716"/>
-            <a:ext cx="770862" cy="770862"/>
+            <a:off x="2135669" y="1791765"/>
+            <a:ext cx="1163252" cy="1163252"/>
           </a:xfrm>
           <a:prstGeom prst="rect">
             <a:avLst/>
@@ -7617,10 +10944,10 @@
       </p:pic>
       <p:pic>
         <p:nvPicPr>
-          <p:cNvPr id="26" name="図 25">
+          <p:cNvPr id="18" name="図 17">
             <a:extLst>
               <a:ext uri="{FF2B5EF4-FFF2-40B4-BE49-F238E27FC236}">
-                <a16:creationId xmlns:a16="http://schemas.microsoft.com/office/drawing/2014/main" id="{01D2F56E-32D3-448D-926B-E4D2ED9D93B4}"/>
+                <a16:creationId xmlns:a16="http://schemas.microsoft.com/office/drawing/2014/main" id="{41932FA2-EEAC-4DF5-BAA3-1367C52767FC}"/>
               </a:ext>
             </a:extLst>
           </p:cNvPr>
@@ -7637,20 +10964,74 @@
         </p:blipFill>
         <p:spPr>
           <a:xfrm>
-            <a:off x="2533784" y="2015947"/>
-            <a:ext cx="1020785" cy="1020785"/>
+            <a:off x="4458009" y="4556179"/>
+            <a:ext cx="1637991" cy="1814173"/>
           </a:xfrm>
           <a:prstGeom prst="rect">
             <a:avLst/>
           </a:prstGeom>
         </p:spPr>
       </p:pic>
+      <p:sp>
+        <p:nvSpPr>
+          <p:cNvPr id="36" name="正方形/長方形 35">
+            <a:extLst>
+              <a:ext uri="{FF2B5EF4-FFF2-40B4-BE49-F238E27FC236}">
+                <a16:creationId xmlns:a16="http://schemas.microsoft.com/office/drawing/2014/main" id="{5F8D9330-CBD1-4D19-8577-87018C1ED5F4}"/>
+              </a:ext>
+            </a:extLst>
+          </p:cNvPr>
+          <p:cNvSpPr/>
+          <p:nvPr/>
+        </p:nvSpPr>
+        <p:spPr>
+          <a:xfrm>
+            <a:off x="328982" y="0"/>
+            <a:ext cx="1782669" cy="923330"/>
+          </a:xfrm>
+          <a:prstGeom prst="rect">
+            <a:avLst/>
+          </a:prstGeom>
+        </p:spPr>
+        <p:txBody>
+          <a:bodyPr wrap="none">
+            <a:spAutoFit/>
+          </a:bodyPr>
+          <a:lstStyle/>
+          <a:p>
+            <a:pPr algn="ctr"/>
+            <a:r>
+              <a:rPr lang="en-US" altLang="ja-JP" sz="5400" dirty="0">
+                <a:ln w="0"/>
+                <a:effectLst>
+                  <a:outerShdw blurRad="38100" dist="19050" dir="2700000" algn="tl" rotWithShape="0">
+                    <a:schemeClr val="dk1">
+                      <a:alpha val="40000"/>
+                    </a:schemeClr>
+                  </a:outerShdw>
+                </a:effectLst>
+              </a:rPr>
+              <a:t>Tools</a:t>
+            </a:r>
+            <a:endParaRPr lang="ja-JP" altLang="en-US" sz="5400" dirty="0">
+              <a:ln w="0"/>
+              <a:effectLst>
+                <a:outerShdw blurRad="38100" dist="19050" dir="2700000" algn="tl" rotWithShape="0">
+                  <a:schemeClr val="dk1">
+                    <a:alpha val="40000"/>
+                  </a:schemeClr>
+                </a:outerShdw>
+              </a:effectLst>
+            </a:endParaRPr>
+          </a:p>
+        </p:txBody>
+      </p:sp>
       <p:pic>
         <p:nvPicPr>
-          <p:cNvPr id="28" name="図 27">
+          <p:cNvPr id="5" name="コンテンツ プレースホルダー 5">
             <a:extLst>
               <a:ext uri="{FF2B5EF4-FFF2-40B4-BE49-F238E27FC236}">
-                <a16:creationId xmlns:a16="http://schemas.microsoft.com/office/drawing/2014/main" id="{F36FED54-0E09-4AED-A081-688BCC0A683F}"/>
+                <a16:creationId xmlns:a16="http://schemas.microsoft.com/office/drawing/2014/main" id="{5A4E9F49-FE19-42C0-9FD9-1A4CE83ED2E1}"/>
               </a:ext>
             </a:extLst>
           </p:cNvPr>
@@ -7667,20 +11048,69 @@
         </p:blipFill>
         <p:spPr>
           <a:xfrm>
-            <a:off x="3988801" y="2058393"/>
-            <a:ext cx="1408386" cy="952261"/>
+            <a:off x="2429497" y="4571652"/>
+            <a:ext cx="1926583" cy="1926583"/>
           </a:xfrm>
           <a:prstGeom prst="rect">
             <a:avLst/>
           </a:prstGeom>
         </p:spPr>
       </p:pic>
+      <p:sp>
+        <p:nvSpPr>
+          <p:cNvPr id="38" name="正方形/長方形 37">
+            <a:extLst>
+              <a:ext uri="{FF2B5EF4-FFF2-40B4-BE49-F238E27FC236}">
+                <a16:creationId xmlns:a16="http://schemas.microsoft.com/office/drawing/2014/main" id="{CAED5267-CF88-4258-9603-BACC22B9C5F2}"/>
+              </a:ext>
+            </a:extLst>
+          </p:cNvPr>
+          <p:cNvSpPr/>
+          <p:nvPr/>
+        </p:nvSpPr>
+        <p:spPr>
+          <a:xfrm>
+            <a:off x="3609020" y="1791765"/>
+            <a:ext cx="1697978" cy="1081906"/>
+          </a:xfrm>
+          <a:prstGeom prst="rect">
+            <a:avLst/>
+          </a:prstGeom>
+          <a:solidFill>
+            <a:schemeClr val="tx1"/>
+          </a:solidFill>
+        </p:spPr>
+        <p:style>
+          <a:lnRef idx="2">
+            <a:schemeClr val="accent1">
+              <a:shade val="50000"/>
+            </a:schemeClr>
+          </a:lnRef>
+          <a:fillRef idx="1">
+            <a:schemeClr val="accent1"/>
+          </a:fillRef>
+          <a:effectRef idx="0">
+            <a:schemeClr val="accent1"/>
+          </a:effectRef>
+          <a:fontRef idx="minor">
+            <a:schemeClr val="lt1"/>
+          </a:fontRef>
+        </p:style>
+        <p:txBody>
+          <a:bodyPr rtlCol="0" anchor="ctr"/>
+          <a:lstStyle/>
+          <a:p>
+            <a:pPr algn="ctr"/>
+            <a:endParaRPr kumimoji="1" lang="en-US"/>
+          </a:p>
+        </p:txBody>
+      </p:sp>
       <p:pic>
         <p:nvPicPr>
-          <p:cNvPr id="32" name="図 31">
+          <p:cNvPr id="17" name="図 16">
             <a:extLst>
               <a:ext uri="{FF2B5EF4-FFF2-40B4-BE49-F238E27FC236}">
-                <a16:creationId xmlns:a16="http://schemas.microsoft.com/office/drawing/2014/main" id="{3EC7F53C-D9E2-4C6F-AF28-7F73A40BEDBB}"/>
+                <a16:creationId xmlns:a16="http://schemas.microsoft.com/office/drawing/2014/main" id="{614971BF-E92A-4266-A9C5-A1248C723231}"/>
               </a:ext>
             </a:extLst>
           </p:cNvPr>
@@ -7697,184 +11127,161 @@
         </p:blipFill>
         <p:spPr>
           <a:xfrm>
-            <a:off x="4605147" y="4934376"/>
-            <a:ext cx="1139244" cy="1367092"/>
+            <a:off x="3633566" y="1882058"/>
+            <a:ext cx="1551586" cy="1049084"/>
           </a:xfrm>
           <a:prstGeom prst="rect">
             <a:avLst/>
           </a:prstGeom>
         </p:spPr>
       </p:pic>
+      <p:sp>
+        <p:nvSpPr>
+          <p:cNvPr id="39" name="正方形/長方形 38">
+            <a:extLst>
+              <a:ext uri="{FF2B5EF4-FFF2-40B4-BE49-F238E27FC236}">
+                <a16:creationId xmlns:a16="http://schemas.microsoft.com/office/drawing/2014/main" id="{17E75634-CCBC-4DD0-83FE-0DCF3A9288CD}"/>
+              </a:ext>
+            </a:extLst>
+          </p:cNvPr>
+          <p:cNvSpPr/>
+          <p:nvPr/>
+        </p:nvSpPr>
+        <p:spPr>
+          <a:xfrm>
+            <a:off x="9007175" y="4967703"/>
+            <a:ext cx="772874" cy="770862"/>
+          </a:xfrm>
+          <a:prstGeom prst="rect">
+            <a:avLst/>
+          </a:prstGeom>
+          <a:solidFill>
+            <a:schemeClr val="tx1"/>
+          </a:solidFill>
+        </p:spPr>
+        <p:style>
+          <a:lnRef idx="2">
+            <a:schemeClr val="accent1">
+              <a:shade val="50000"/>
+            </a:schemeClr>
+          </a:lnRef>
+          <a:fillRef idx="1">
+            <a:schemeClr val="accent1"/>
+          </a:fillRef>
+          <a:effectRef idx="0">
+            <a:schemeClr val="accent1"/>
+          </a:effectRef>
+          <a:fontRef idx="minor">
+            <a:schemeClr val="lt1"/>
+          </a:fontRef>
+        </p:style>
+        <p:txBody>
+          <a:bodyPr rtlCol="0" anchor="ctr"/>
+          <a:lstStyle/>
+          <a:p>
+            <a:pPr algn="ctr"/>
+            <a:endParaRPr kumimoji="1" lang="en-US"/>
+          </a:p>
+        </p:txBody>
+      </p:sp>
+      <p:pic>
+        <p:nvPicPr>
+          <p:cNvPr id="2050" name="Picture 2" descr="ãgit ã­ã´ãã®ç»åæ¤ç´¢çµæ">
+            <a:extLst>
+              <a:ext uri="{FF2B5EF4-FFF2-40B4-BE49-F238E27FC236}">
+                <a16:creationId xmlns:a16="http://schemas.microsoft.com/office/drawing/2014/main" id="{72DBF3AF-722C-4559-9D12-167D277BACBC}"/>
+              </a:ext>
+            </a:extLst>
+          </p:cNvPr>
+          <p:cNvPicPr>
+            <a:picLocks noChangeAspect="1" noChangeArrowheads="1"/>
+          </p:cNvPicPr>
+          <p:nvPr/>
+        </p:nvPicPr>
+        <p:blipFill>
+          <a:blip r:embed="rId11">
+            <a:extLst>
+              <a:ext uri="{28A0092B-C50C-407E-A947-70E740481C1C}">
+                <a14:useLocalDpi xmlns:a14="http://schemas.microsoft.com/office/drawing/2010/main" val="0"/>
+              </a:ext>
+            </a:extLst>
+          </a:blip>
+          <a:srcRect/>
+          <a:stretch>
+            <a:fillRect/>
+          </a:stretch>
+        </p:blipFill>
+        <p:spPr bwMode="auto">
+          <a:xfrm>
+            <a:off x="9026970" y="5016626"/>
+            <a:ext cx="731017" cy="721939"/>
+          </a:xfrm>
+          <a:prstGeom prst="rect">
+            <a:avLst/>
+          </a:prstGeom>
+          <a:noFill/>
+          <a:extLst>
+            <a:ext uri="{909E8E84-426E-40DD-AFC4-6F175D3DCCD1}">
+              <a14:hiddenFill xmlns:a14="http://schemas.microsoft.com/office/drawing/2010/main">
+                <a:solidFill>
+                  <a:srgbClr val="FFFFFF"/>
+                </a:solidFill>
+              </a14:hiddenFill>
+            </a:ext>
+          </a:extLst>
+        </p:spPr>
+      </p:pic>
+      <p:pic>
+        <p:nvPicPr>
+          <p:cNvPr id="2052" name="Picture 4" descr="Winã®ã¡ã¢å¸³.png">
+            <a:extLst>
+              <a:ext uri="{FF2B5EF4-FFF2-40B4-BE49-F238E27FC236}">
+                <a16:creationId xmlns:a16="http://schemas.microsoft.com/office/drawing/2014/main" id="{69DED4A7-57CA-42A8-9508-D8DE7A264635}"/>
+              </a:ext>
+            </a:extLst>
+          </p:cNvPr>
+          <p:cNvPicPr>
+            <a:picLocks noChangeAspect="1" noChangeArrowheads="1"/>
+          </p:cNvPicPr>
+          <p:nvPr/>
+        </p:nvPicPr>
+        <p:blipFill>
+          <a:blip r:embed="rId12">
+            <a:extLst>
+              <a:ext uri="{28A0092B-C50C-407E-A947-70E740481C1C}">
+                <a14:useLocalDpi xmlns:a14="http://schemas.microsoft.com/office/drawing/2010/main" val="0"/>
+              </a:ext>
+            </a:extLst>
+          </a:blip>
+          <a:srcRect/>
+          <a:stretch>
+            <a:fillRect/>
+          </a:stretch>
+        </p:blipFill>
+        <p:spPr bwMode="auto">
+          <a:xfrm>
+            <a:off x="10223452" y="2801117"/>
+            <a:ext cx="770862" cy="823818"/>
+          </a:xfrm>
+          <a:prstGeom prst="rect">
+            <a:avLst/>
+          </a:prstGeom>
+          <a:noFill/>
+          <a:extLst>
+            <a:ext uri="{909E8E84-426E-40DD-AFC4-6F175D3DCCD1}">
+              <a14:hiddenFill xmlns:a14="http://schemas.microsoft.com/office/drawing/2010/main">
+                <a:solidFill>
+                  <a:srgbClr val="FFFFFF"/>
+                </a:solidFill>
+              </a14:hiddenFill>
+            </a:ext>
+          </a:extLst>
+        </p:spPr>
+      </p:pic>
     </p:spTree>
     <p:extLst>
       <p:ext uri="{BB962C8B-B14F-4D97-AF65-F5344CB8AC3E}">
-        <p14:creationId xmlns:p14="http://schemas.microsoft.com/office/powerpoint/2010/main" val="3441958337"/>
-      </p:ext>
-    </p:extLst>
-  </p:cSld>
-  <p:clrMapOvr>
-    <a:masterClrMapping/>
-  </p:clrMapOvr>
-</p:sld>
-</file>
-
-<file path=ppt/slides/slide5.xml><?xml version="1.0" encoding="utf-8"?>
-<p:sld xmlns:a="http://schemas.openxmlformats.org/drawingml/2006/main" xmlns:r="http://schemas.openxmlformats.org/officeDocument/2006/relationships" xmlns:p="http://schemas.openxmlformats.org/presentationml/2006/main">
-  <p:cSld>
-    <p:spTree>
-      <p:nvGrpSpPr>
-        <p:cNvPr id="1" name=""/>
-        <p:cNvGrpSpPr/>
-        <p:nvPr/>
-      </p:nvGrpSpPr>
-      <p:grpSpPr>
-        <a:xfrm>
-          <a:off x="0" y="0"/>
-          <a:ext cx="0" cy="0"/>
-          <a:chOff x="0" y="0"/>
-          <a:chExt cx="0" cy="0"/>
-        </a:xfrm>
-      </p:grpSpPr>
-      <p:sp>
-        <p:nvSpPr>
-          <p:cNvPr id="2" name="タイトル 1">
-            <a:extLst>
-              <a:ext uri="{FF2B5EF4-FFF2-40B4-BE49-F238E27FC236}">
-                <a16:creationId xmlns:a16="http://schemas.microsoft.com/office/drawing/2014/main" id="{47FF6D4F-E1D7-48E0-89AF-67BE22F556DF}"/>
-              </a:ext>
-            </a:extLst>
-          </p:cNvPr>
-          <p:cNvSpPr>
-            <a:spLocks noGrp="1"/>
-          </p:cNvSpPr>
-          <p:nvPr>
-            <p:ph type="title"/>
-          </p:nvPr>
-        </p:nvSpPr>
-        <p:spPr/>
-        <p:txBody>
-          <a:bodyPr/>
-          <a:lstStyle/>
-          <a:p>
-            <a:r>
-              <a:rPr kumimoji="1" lang="ja-JP" altLang="en-US" dirty="0"/>
-              <a:t>議論</a:t>
-            </a:r>
-          </a:p>
-        </p:txBody>
-      </p:sp>
-      <p:sp>
-        <p:nvSpPr>
-          <p:cNvPr id="3" name="コンテンツ プレースホルダー 2">
-            <a:extLst>
-              <a:ext uri="{FF2B5EF4-FFF2-40B4-BE49-F238E27FC236}">
-                <a16:creationId xmlns:a16="http://schemas.microsoft.com/office/drawing/2014/main" id="{F328860E-62B3-4099-A538-F9F93C1DB0C7}"/>
-              </a:ext>
-            </a:extLst>
-          </p:cNvPr>
-          <p:cNvSpPr>
-            <a:spLocks noGrp="1"/>
-          </p:cNvSpPr>
-          <p:nvPr>
-            <p:ph idx="1"/>
-          </p:nvPr>
-        </p:nvSpPr>
-        <p:spPr/>
-        <p:txBody>
-          <a:bodyPr/>
-          <a:lstStyle/>
-          <a:p>
-            <a:endParaRPr kumimoji="1" lang="ja-JP" altLang="en-US"/>
-          </a:p>
-        </p:txBody>
-      </p:sp>
-    </p:spTree>
-    <p:extLst>
-      <p:ext uri="{BB962C8B-B14F-4D97-AF65-F5344CB8AC3E}">
-        <p14:creationId xmlns:p14="http://schemas.microsoft.com/office/powerpoint/2010/main" val="3633638236"/>
-      </p:ext>
-    </p:extLst>
-  </p:cSld>
-  <p:clrMapOvr>
-    <a:masterClrMapping/>
-  </p:clrMapOvr>
-</p:sld>
-</file>
-
-<file path=ppt/slides/slide6.xml><?xml version="1.0" encoding="utf-8"?>
-<p:sld xmlns:a="http://schemas.openxmlformats.org/drawingml/2006/main" xmlns:r="http://schemas.openxmlformats.org/officeDocument/2006/relationships" xmlns:p="http://schemas.openxmlformats.org/presentationml/2006/main">
-  <p:cSld>
-    <p:spTree>
-      <p:nvGrpSpPr>
-        <p:cNvPr id="1" name=""/>
-        <p:cNvGrpSpPr/>
-        <p:nvPr/>
-      </p:nvGrpSpPr>
-      <p:grpSpPr>
-        <a:xfrm>
-          <a:off x="0" y="0"/>
-          <a:ext cx="0" cy="0"/>
-          <a:chOff x="0" y="0"/>
-          <a:chExt cx="0" cy="0"/>
-        </a:xfrm>
-      </p:grpSpPr>
-      <p:sp>
-        <p:nvSpPr>
-          <p:cNvPr id="2" name="タイトル 1">
-            <a:extLst>
-              <a:ext uri="{FF2B5EF4-FFF2-40B4-BE49-F238E27FC236}">
-                <a16:creationId xmlns:a16="http://schemas.microsoft.com/office/drawing/2014/main" id="{2059C243-63BE-4081-8567-12391BB65C2B}"/>
-              </a:ext>
-            </a:extLst>
-          </p:cNvPr>
-          <p:cNvSpPr>
-            <a:spLocks noGrp="1"/>
-          </p:cNvSpPr>
-          <p:nvPr>
-            <p:ph type="title"/>
-          </p:nvPr>
-        </p:nvSpPr>
-        <p:spPr/>
-        <p:txBody>
-          <a:bodyPr/>
-          <a:lstStyle/>
-          <a:p>
-            <a:r>
-              <a:rPr kumimoji="1" lang="ja-JP" altLang="en-US" dirty="0"/>
-              <a:t>結論</a:t>
-            </a:r>
-          </a:p>
-        </p:txBody>
-      </p:sp>
-      <p:sp>
-        <p:nvSpPr>
-          <p:cNvPr id="3" name="コンテンツ プレースホルダー 2">
-            <a:extLst>
-              <a:ext uri="{FF2B5EF4-FFF2-40B4-BE49-F238E27FC236}">
-                <a16:creationId xmlns:a16="http://schemas.microsoft.com/office/drawing/2014/main" id="{A5E9DD7C-DB52-429C-B67B-BE6B0F2E10A7}"/>
-              </a:ext>
-            </a:extLst>
-          </p:cNvPr>
-          <p:cNvSpPr>
-            <a:spLocks noGrp="1"/>
-          </p:cNvSpPr>
-          <p:nvPr>
-            <p:ph idx="1"/>
-          </p:nvPr>
-        </p:nvSpPr>
-        <p:spPr/>
-        <p:txBody>
-          <a:bodyPr/>
-          <a:lstStyle/>
-          <a:p>
-            <a:endParaRPr kumimoji="1" lang="ja-JP" altLang="en-US"/>
-          </a:p>
-        </p:txBody>
-      </p:sp>
-    </p:spTree>
-    <p:extLst>
-      <p:ext uri="{BB962C8B-B14F-4D97-AF65-F5344CB8AC3E}">
-        <p14:creationId xmlns:p14="http://schemas.microsoft.com/office/powerpoint/2010/main" val="356955267"/>
+        <p14:creationId xmlns:p14="http://schemas.microsoft.com/office/powerpoint/2010/main" val="1414966946"/>
       </p:ext>
     </p:extLst>
   </p:cSld>

--- a/powerpoint/一人に一台食券機の時代.pptx
+++ b/powerpoint/一人に一台食券機の時代.pptx
@@ -114,2762 +114,6 @@
     </p:ext>
   </p:extLst>
 </p:presentation>
-</file>
-
-<file path=ppt/diagrams/colors1.xml><?xml version="1.0" encoding="utf-8"?>
-<dgm:colorsDef xmlns:dgm="http://schemas.openxmlformats.org/drawingml/2006/diagram" xmlns:a="http://schemas.openxmlformats.org/drawingml/2006/main" uniqueId="urn:microsoft.com/office/officeart/2005/8/colors/accent1_2">
-  <dgm:title val=""/>
-  <dgm:desc val=""/>
-  <dgm:catLst>
-    <dgm:cat type="accent1" pri="11200"/>
-  </dgm:catLst>
-  <dgm:styleLbl name="node0">
-    <dgm:fillClrLst meth="repeat">
-      <a:schemeClr val="accent1"/>
-    </dgm:fillClrLst>
-    <dgm:linClrLst meth="repeat">
-      <a:schemeClr val="lt1"/>
-    </dgm:linClrLst>
-    <dgm:effectClrLst/>
-    <dgm:txLinClrLst/>
-    <dgm:txFillClrLst/>
-    <dgm:txEffectClrLst/>
-  </dgm:styleLbl>
-  <dgm:styleLbl name="alignNode1">
-    <dgm:fillClrLst meth="repeat">
-      <a:schemeClr val="accent1"/>
-    </dgm:fillClrLst>
-    <dgm:linClrLst meth="repeat">
-      <a:schemeClr val="accent1"/>
-    </dgm:linClrLst>
-    <dgm:effectClrLst/>
-    <dgm:txLinClrLst/>
-    <dgm:txFillClrLst/>
-    <dgm:txEffectClrLst/>
-  </dgm:styleLbl>
-  <dgm:styleLbl name="node1">
-    <dgm:fillClrLst meth="repeat">
-      <a:schemeClr val="accent1"/>
-    </dgm:fillClrLst>
-    <dgm:linClrLst meth="repeat">
-      <a:schemeClr val="lt1"/>
-    </dgm:linClrLst>
-    <dgm:effectClrLst/>
-    <dgm:txLinClrLst/>
-    <dgm:txFillClrLst/>
-    <dgm:txEffectClrLst/>
-  </dgm:styleLbl>
-  <dgm:styleLbl name="lnNode1">
-    <dgm:fillClrLst meth="repeat">
-      <a:schemeClr val="accent1"/>
-    </dgm:fillClrLst>
-    <dgm:linClrLst meth="repeat">
-      <a:schemeClr val="lt1"/>
-    </dgm:linClrLst>
-    <dgm:effectClrLst/>
-    <dgm:txLinClrLst/>
-    <dgm:txFillClrLst/>
-    <dgm:txEffectClrLst/>
-  </dgm:styleLbl>
-  <dgm:styleLbl name="vennNode1">
-    <dgm:fillClrLst meth="repeat">
-      <a:schemeClr val="accent1">
-        <a:alpha val="50000"/>
-      </a:schemeClr>
-    </dgm:fillClrLst>
-    <dgm:linClrLst meth="repeat">
-      <a:schemeClr val="lt1"/>
-    </dgm:linClrLst>
-    <dgm:effectClrLst/>
-    <dgm:txLinClrLst/>
-    <dgm:txFillClrLst/>
-    <dgm:txEffectClrLst/>
-  </dgm:styleLbl>
-  <dgm:styleLbl name="node2">
-    <dgm:fillClrLst meth="repeat">
-      <a:schemeClr val="accent1"/>
-    </dgm:fillClrLst>
-    <dgm:linClrLst meth="repeat">
-      <a:schemeClr val="lt1"/>
-    </dgm:linClrLst>
-    <dgm:effectClrLst/>
-    <dgm:txLinClrLst/>
-    <dgm:txFillClrLst/>
-    <dgm:txEffectClrLst/>
-  </dgm:styleLbl>
-  <dgm:styleLbl name="node3">
-    <dgm:fillClrLst meth="repeat">
-      <a:schemeClr val="accent1"/>
-    </dgm:fillClrLst>
-    <dgm:linClrLst meth="repeat">
-      <a:schemeClr val="lt1"/>
-    </dgm:linClrLst>
-    <dgm:effectClrLst/>
-    <dgm:txLinClrLst/>
-    <dgm:txFillClrLst/>
-    <dgm:txEffectClrLst/>
-  </dgm:styleLbl>
-  <dgm:styleLbl name="node4">
-    <dgm:fillClrLst meth="repeat">
-      <a:schemeClr val="accent1"/>
-    </dgm:fillClrLst>
-    <dgm:linClrLst meth="repeat">
-      <a:schemeClr val="lt1"/>
-    </dgm:linClrLst>
-    <dgm:effectClrLst/>
-    <dgm:txLinClrLst/>
-    <dgm:txFillClrLst/>
-    <dgm:txEffectClrLst/>
-  </dgm:styleLbl>
-  <dgm:styleLbl name="fgImgPlace1">
-    <dgm:fillClrLst meth="repeat">
-      <a:schemeClr val="accent1">
-        <a:tint val="50000"/>
-      </a:schemeClr>
-    </dgm:fillClrLst>
-    <dgm:linClrLst meth="repeat">
-      <a:schemeClr val="lt1"/>
-    </dgm:linClrLst>
-    <dgm:effectClrLst/>
-    <dgm:txLinClrLst/>
-    <dgm:txFillClrLst meth="repeat">
-      <a:schemeClr val="lt1"/>
-    </dgm:txFillClrLst>
-    <dgm:txEffectClrLst/>
-  </dgm:styleLbl>
-  <dgm:styleLbl name="alignImgPlace1">
-    <dgm:fillClrLst meth="repeat">
-      <a:schemeClr val="accent1">
-        <a:tint val="50000"/>
-      </a:schemeClr>
-    </dgm:fillClrLst>
-    <dgm:linClrLst meth="repeat">
-      <a:schemeClr val="lt1"/>
-    </dgm:linClrLst>
-    <dgm:effectClrLst/>
-    <dgm:txLinClrLst/>
-    <dgm:txFillClrLst meth="repeat">
-      <a:schemeClr val="lt1"/>
-    </dgm:txFillClrLst>
-    <dgm:txEffectClrLst/>
-  </dgm:styleLbl>
-  <dgm:styleLbl name="bgImgPlace1">
-    <dgm:fillClrLst meth="repeat">
-      <a:schemeClr val="accent1">
-        <a:tint val="50000"/>
-      </a:schemeClr>
-    </dgm:fillClrLst>
-    <dgm:linClrLst meth="repeat">
-      <a:schemeClr val="lt1"/>
-    </dgm:linClrLst>
-    <dgm:effectClrLst/>
-    <dgm:txLinClrLst/>
-    <dgm:txFillClrLst meth="repeat">
-      <a:schemeClr val="lt1"/>
-    </dgm:txFillClrLst>
-    <dgm:txEffectClrLst/>
-  </dgm:styleLbl>
-  <dgm:styleLbl name="sibTrans2D1">
-    <dgm:fillClrLst meth="repeat">
-      <a:schemeClr val="accent1">
-        <a:tint val="60000"/>
-      </a:schemeClr>
-    </dgm:fillClrLst>
-    <dgm:linClrLst meth="repeat">
-      <a:schemeClr val="accent1">
-        <a:tint val="60000"/>
-      </a:schemeClr>
-    </dgm:linClrLst>
-    <dgm:effectClrLst/>
-    <dgm:txLinClrLst/>
-    <dgm:txFillClrLst/>
-    <dgm:txEffectClrLst/>
-  </dgm:styleLbl>
-  <dgm:styleLbl name="fgSibTrans2D1">
-    <dgm:fillClrLst meth="repeat">
-      <a:schemeClr val="accent1">
-        <a:tint val="60000"/>
-      </a:schemeClr>
-    </dgm:fillClrLst>
-    <dgm:linClrLst meth="repeat">
-      <a:schemeClr val="accent1">
-        <a:tint val="60000"/>
-      </a:schemeClr>
-    </dgm:linClrLst>
-    <dgm:effectClrLst/>
-    <dgm:txLinClrLst/>
-    <dgm:txFillClrLst/>
-    <dgm:txEffectClrLst/>
-  </dgm:styleLbl>
-  <dgm:styleLbl name="bgSibTrans2D1">
-    <dgm:fillClrLst meth="repeat">
-      <a:schemeClr val="accent1">
-        <a:tint val="60000"/>
-      </a:schemeClr>
-    </dgm:fillClrLst>
-    <dgm:linClrLst meth="repeat">
-      <a:schemeClr val="accent1">
-        <a:tint val="60000"/>
-      </a:schemeClr>
-    </dgm:linClrLst>
-    <dgm:effectClrLst/>
-    <dgm:txLinClrLst/>
-    <dgm:txFillClrLst/>
-    <dgm:txEffectClrLst/>
-  </dgm:styleLbl>
-  <dgm:styleLbl name="sibTrans1D1">
-    <dgm:fillClrLst meth="repeat">
-      <a:schemeClr val="accent1"/>
-    </dgm:fillClrLst>
-    <dgm:linClrLst meth="repeat">
-      <a:schemeClr val="accent1"/>
-    </dgm:linClrLst>
-    <dgm:effectClrLst/>
-    <dgm:txLinClrLst/>
-    <dgm:txFillClrLst meth="repeat">
-      <a:schemeClr val="tx1"/>
-    </dgm:txFillClrLst>
-    <dgm:txEffectClrLst/>
-  </dgm:styleLbl>
-  <dgm:styleLbl name="callout">
-    <dgm:fillClrLst meth="repeat">
-      <a:schemeClr val="accent1"/>
-    </dgm:fillClrLst>
-    <dgm:linClrLst meth="repeat">
-      <a:schemeClr val="accent1">
-        <a:tint val="50000"/>
-      </a:schemeClr>
-    </dgm:linClrLst>
-    <dgm:effectClrLst/>
-    <dgm:txLinClrLst/>
-    <dgm:txFillClrLst meth="repeat">
-      <a:schemeClr val="tx1"/>
-    </dgm:txFillClrLst>
-    <dgm:txEffectClrLst/>
-  </dgm:styleLbl>
-  <dgm:styleLbl name="asst0">
-    <dgm:fillClrLst meth="repeat">
-      <a:schemeClr val="accent1"/>
-    </dgm:fillClrLst>
-    <dgm:linClrLst meth="repeat">
-      <a:schemeClr val="lt1"/>
-    </dgm:linClrLst>
-    <dgm:effectClrLst/>
-    <dgm:txLinClrLst/>
-    <dgm:txFillClrLst/>
-    <dgm:txEffectClrLst/>
-  </dgm:styleLbl>
-  <dgm:styleLbl name="asst1">
-    <dgm:fillClrLst meth="repeat">
-      <a:schemeClr val="accent1"/>
-    </dgm:fillClrLst>
-    <dgm:linClrLst meth="repeat">
-      <a:schemeClr val="lt1"/>
-    </dgm:linClrLst>
-    <dgm:effectClrLst/>
-    <dgm:txLinClrLst/>
-    <dgm:txFillClrLst/>
-    <dgm:txEffectClrLst/>
-  </dgm:styleLbl>
-  <dgm:styleLbl name="asst2">
-    <dgm:fillClrLst meth="repeat">
-      <a:schemeClr val="accent1"/>
-    </dgm:fillClrLst>
-    <dgm:linClrLst meth="repeat">
-      <a:schemeClr val="lt1"/>
-    </dgm:linClrLst>
-    <dgm:effectClrLst/>
-    <dgm:txLinClrLst/>
-    <dgm:txFillClrLst/>
-    <dgm:txEffectClrLst/>
-  </dgm:styleLbl>
-  <dgm:styleLbl name="asst3">
-    <dgm:fillClrLst meth="repeat">
-      <a:schemeClr val="accent1"/>
-    </dgm:fillClrLst>
-    <dgm:linClrLst meth="repeat">
-      <a:schemeClr val="lt1"/>
-    </dgm:linClrLst>
-    <dgm:effectClrLst/>
-    <dgm:txLinClrLst/>
-    <dgm:txFillClrLst/>
-    <dgm:txEffectClrLst/>
-  </dgm:styleLbl>
-  <dgm:styleLbl name="asst4">
-    <dgm:fillClrLst meth="repeat">
-      <a:schemeClr val="accent1"/>
-    </dgm:fillClrLst>
-    <dgm:linClrLst meth="repeat">
-      <a:schemeClr val="lt1"/>
-    </dgm:linClrLst>
-    <dgm:effectClrLst/>
-    <dgm:txLinClrLst/>
-    <dgm:txFillClrLst/>
-    <dgm:txEffectClrLst/>
-  </dgm:styleLbl>
-  <dgm:styleLbl name="parChTrans2D1">
-    <dgm:fillClrLst meth="repeat">
-      <a:schemeClr val="accent1">
-        <a:tint val="60000"/>
-      </a:schemeClr>
-    </dgm:fillClrLst>
-    <dgm:linClrLst meth="repeat">
-      <a:schemeClr val="accent1">
-        <a:tint val="60000"/>
-      </a:schemeClr>
-    </dgm:linClrLst>
-    <dgm:effectClrLst/>
-    <dgm:txLinClrLst/>
-    <dgm:txFillClrLst meth="repeat">
-      <a:schemeClr val="lt1"/>
-    </dgm:txFillClrLst>
-    <dgm:txEffectClrLst/>
-  </dgm:styleLbl>
-  <dgm:styleLbl name="parChTrans2D2">
-    <dgm:fillClrLst meth="repeat">
-      <a:schemeClr val="accent1"/>
-    </dgm:fillClrLst>
-    <dgm:linClrLst meth="repeat">
-      <a:schemeClr val="accent1"/>
-    </dgm:linClrLst>
-    <dgm:effectClrLst/>
-    <dgm:txLinClrLst/>
-    <dgm:txFillClrLst meth="repeat">
-      <a:schemeClr val="lt1"/>
-    </dgm:txFillClrLst>
-    <dgm:txEffectClrLst/>
-  </dgm:styleLbl>
-  <dgm:styleLbl name="parChTrans2D3">
-    <dgm:fillClrLst meth="repeat">
-      <a:schemeClr val="accent1"/>
-    </dgm:fillClrLst>
-    <dgm:linClrLst meth="repeat">
-      <a:schemeClr val="accent1"/>
-    </dgm:linClrLst>
-    <dgm:effectClrLst/>
-    <dgm:txLinClrLst/>
-    <dgm:txFillClrLst meth="repeat">
-      <a:schemeClr val="lt1"/>
-    </dgm:txFillClrLst>
-    <dgm:txEffectClrLst/>
-  </dgm:styleLbl>
-  <dgm:styleLbl name="parChTrans2D4">
-    <dgm:fillClrLst meth="repeat">
-      <a:schemeClr val="accent1"/>
-    </dgm:fillClrLst>
-    <dgm:linClrLst meth="repeat">
-      <a:schemeClr val="accent1"/>
-    </dgm:linClrLst>
-    <dgm:effectClrLst/>
-    <dgm:txLinClrLst/>
-    <dgm:txFillClrLst meth="repeat">
-      <a:schemeClr val="lt1"/>
-    </dgm:txFillClrLst>
-    <dgm:txEffectClrLst/>
-  </dgm:styleLbl>
-  <dgm:styleLbl name="parChTrans1D1">
-    <dgm:fillClrLst meth="repeat">
-      <a:schemeClr val="accent1"/>
-    </dgm:fillClrLst>
-    <dgm:linClrLst meth="repeat">
-      <a:schemeClr val="accent1">
-        <a:shade val="60000"/>
-      </a:schemeClr>
-    </dgm:linClrLst>
-    <dgm:effectClrLst/>
-    <dgm:txLinClrLst/>
-    <dgm:txFillClrLst meth="repeat">
-      <a:schemeClr val="tx1"/>
-    </dgm:txFillClrLst>
-    <dgm:txEffectClrLst/>
-  </dgm:styleLbl>
-  <dgm:styleLbl name="parChTrans1D2">
-    <dgm:fillClrLst meth="repeat">
-      <a:schemeClr val="accent1"/>
-    </dgm:fillClrLst>
-    <dgm:linClrLst meth="repeat">
-      <a:schemeClr val="accent1">
-        <a:shade val="60000"/>
-      </a:schemeClr>
-    </dgm:linClrLst>
-    <dgm:effectClrLst/>
-    <dgm:txLinClrLst/>
-    <dgm:txFillClrLst meth="repeat">
-      <a:schemeClr val="tx1"/>
-    </dgm:txFillClrLst>
-    <dgm:txEffectClrLst/>
-  </dgm:styleLbl>
-  <dgm:styleLbl name="parChTrans1D3">
-    <dgm:fillClrLst meth="repeat">
-      <a:schemeClr val="accent1"/>
-    </dgm:fillClrLst>
-    <dgm:linClrLst meth="repeat">
-      <a:schemeClr val="accent1">
-        <a:shade val="80000"/>
-      </a:schemeClr>
-    </dgm:linClrLst>
-    <dgm:effectClrLst/>
-    <dgm:txLinClrLst/>
-    <dgm:txFillClrLst meth="repeat">
-      <a:schemeClr val="tx1"/>
-    </dgm:txFillClrLst>
-    <dgm:txEffectClrLst/>
-  </dgm:styleLbl>
-  <dgm:styleLbl name="parChTrans1D4">
-    <dgm:fillClrLst meth="repeat">
-      <a:schemeClr val="accent1"/>
-    </dgm:fillClrLst>
-    <dgm:linClrLst meth="repeat">
-      <a:schemeClr val="accent1">
-        <a:shade val="80000"/>
-      </a:schemeClr>
-    </dgm:linClrLst>
-    <dgm:effectClrLst/>
-    <dgm:txLinClrLst/>
-    <dgm:txFillClrLst meth="repeat">
-      <a:schemeClr val="tx1"/>
-    </dgm:txFillClrLst>
-    <dgm:txEffectClrLst/>
-  </dgm:styleLbl>
-  <dgm:styleLbl name="fgAcc1">
-    <dgm:fillClrLst meth="repeat">
-      <a:schemeClr val="lt1">
-        <a:alpha val="90000"/>
-      </a:schemeClr>
-    </dgm:fillClrLst>
-    <dgm:linClrLst meth="repeat">
-      <a:schemeClr val="accent1"/>
-    </dgm:linClrLst>
-    <dgm:effectClrLst/>
-    <dgm:txLinClrLst/>
-    <dgm:txFillClrLst meth="repeat">
-      <a:schemeClr val="dk1"/>
-    </dgm:txFillClrLst>
-    <dgm:txEffectClrLst/>
-  </dgm:styleLbl>
-  <dgm:styleLbl name="conFgAcc1">
-    <dgm:fillClrLst meth="repeat">
-      <a:schemeClr val="lt1">
-        <a:alpha val="90000"/>
-      </a:schemeClr>
-    </dgm:fillClrLst>
-    <dgm:linClrLst meth="repeat">
-      <a:schemeClr val="accent1"/>
-    </dgm:linClrLst>
-    <dgm:effectClrLst/>
-    <dgm:txLinClrLst/>
-    <dgm:txFillClrLst meth="repeat">
-      <a:schemeClr val="dk1"/>
-    </dgm:txFillClrLst>
-    <dgm:txEffectClrLst/>
-  </dgm:styleLbl>
-  <dgm:styleLbl name="alignAcc1">
-    <dgm:fillClrLst meth="repeat">
-      <a:schemeClr val="lt1">
-        <a:alpha val="90000"/>
-      </a:schemeClr>
-    </dgm:fillClrLst>
-    <dgm:linClrLst meth="repeat">
-      <a:schemeClr val="accent1"/>
-    </dgm:linClrLst>
-    <dgm:effectClrLst/>
-    <dgm:txLinClrLst/>
-    <dgm:txFillClrLst meth="repeat">
-      <a:schemeClr val="dk1"/>
-    </dgm:txFillClrLst>
-    <dgm:txEffectClrLst/>
-  </dgm:styleLbl>
-  <dgm:styleLbl name="trAlignAcc1">
-    <dgm:fillClrLst meth="repeat">
-      <a:schemeClr val="lt1">
-        <a:alpha val="40000"/>
-      </a:schemeClr>
-    </dgm:fillClrLst>
-    <dgm:linClrLst meth="repeat">
-      <a:schemeClr val="accent1"/>
-    </dgm:linClrLst>
-    <dgm:effectClrLst/>
-    <dgm:txLinClrLst/>
-    <dgm:txFillClrLst meth="repeat">
-      <a:schemeClr val="dk1"/>
-    </dgm:txFillClrLst>
-    <dgm:txEffectClrLst/>
-  </dgm:styleLbl>
-  <dgm:styleLbl name="bgAcc1">
-    <dgm:fillClrLst meth="repeat">
-      <a:schemeClr val="lt1">
-        <a:alpha val="90000"/>
-      </a:schemeClr>
-    </dgm:fillClrLst>
-    <dgm:linClrLst meth="repeat">
-      <a:schemeClr val="accent1"/>
-    </dgm:linClrLst>
-    <dgm:effectClrLst/>
-    <dgm:txLinClrLst/>
-    <dgm:txFillClrLst meth="repeat">
-      <a:schemeClr val="dk1"/>
-    </dgm:txFillClrLst>
-    <dgm:txEffectClrLst/>
-  </dgm:styleLbl>
-  <dgm:styleLbl name="solidFgAcc1">
-    <dgm:fillClrLst meth="repeat">
-      <a:schemeClr val="lt1"/>
-    </dgm:fillClrLst>
-    <dgm:linClrLst meth="repeat">
-      <a:schemeClr val="accent1"/>
-    </dgm:linClrLst>
-    <dgm:effectClrLst/>
-    <dgm:txLinClrLst/>
-    <dgm:txFillClrLst meth="repeat">
-      <a:schemeClr val="dk1"/>
-    </dgm:txFillClrLst>
-    <dgm:txEffectClrLst/>
-  </dgm:styleLbl>
-  <dgm:styleLbl name="solidAlignAcc1">
-    <dgm:fillClrLst meth="repeat">
-      <a:schemeClr val="lt1"/>
-    </dgm:fillClrLst>
-    <dgm:linClrLst meth="repeat">
-      <a:schemeClr val="accent1"/>
-    </dgm:linClrLst>
-    <dgm:effectClrLst/>
-    <dgm:txLinClrLst/>
-    <dgm:txFillClrLst meth="repeat">
-      <a:schemeClr val="dk1"/>
-    </dgm:txFillClrLst>
-    <dgm:txEffectClrLst/>
-  </dgm:styleLbl>
-  <dgm:styleLbl name="solidBgAcc1">
-    <dgm:fillClrLst meth="repeat">
-      <a:schemeClr val="lt1"/>
-    </dgm:fillClrLst>
-    <dgm:linClrLst meth="repeat">
-      <a:schemeClr val="accent1"/>
-    </dgm:linClrLst>
-    <dgm:effectClrLst/>
-    <dgm:txLinClrLst/>
-    <dgm:txFillClrLst meth="repeat">
-      <a:schemeClr val="dk1"/>
-    </dgm:txFillClrLst>
-    <dgm:txEffectClrLst/>
-  </dgm:styleLbl>
-  <dgm:styleLbl name="fgAccFollowNode1">
-    <dgm:fillClrLst meth="repeat">
-      <a:schemeClr val="accent1">
-        <a:alpha val="90000"/>
-        <a:tint val="40000"/>
-      </a:schemeClr>
-    </dgm:fillClrLst>
-    <dgm:linClrLst meth="repeat">
-      <a:schemeClr val="accent1">
-        <a:alpha val="90000"/>
-        <a:tint val="40000"/>
-      </a:schemeClr>
-    </dgm:linClrLst>
-    <dgm:effectClrLst/>
-    <dgm:txLinClrLst/>
-    <dgm:txFillClrLst meth="repeat">
-      <a:schemeClr val="dk1"/>
-    </dgm:txFillClrLst>
-    <dgm:txEffectClrLst/>
-  </dgm:styleLbl>
-  <dgm:styleLbl name="alignAccFollowNode1">
-    <dgm:fillClrLst meth="repeat">
-      <a:schemeClr val="accent1">
-        <a:alpha val="90000"/>
-        <a:tint val="40000"/>
-      </a:schemeClr>
-    </dgm:fillClrLst>
-    <dgm:linClrLst meth="repeat">
-      <a:schemeClr val="accent1">
-        <a:alpha val="90000"/>
-        <a:tint val="40000"/>
-      </a:schemeClr>
-    </dgm:linClrLst>
-    <dgm:effectClrLst/>
-    <dgm:txLinClrLst/>
-    <dgm:txFillClrLst meth="repeat">
-      <a:schemeClr val="dk1"/>
-    </dgm:txFillClrLst>
-    <dgm:txEffectClrLst/>
-  </dgm:styleLbl>
-  <dgm:styleLbl name="bgAccFollowNode1">
-    <dgm:fillClrLst meth="repeat">
-      <a:schemeClr val="accent1">
-        <a:alpha val="90000"/>
-        <a:tint val="40000"/>
-      </a:schemeClr>
-    </dgm:fillClrLst>
-    <dgm:linClrLst meth="repeat">
-      <a:schemeClr val="accent1">
-        <a:alpha val="90000"/>
-        <a:tint val="40000"/>
-      </a:schemeClr>
-    </dgm:linClrLst>
-    <dgm:effectClrLst/>
-    <dgm:txLinClrLst/>
-    <dgm:txFillClrLst meth="repeat">
-      <a:schemeClr val="dk1"/>
-    </dgm:txFillClrLst>
-    <dgm:txEffectClrLst/>
-  </dgm:styleLbl>
-  <dgm:styleLbl name="fgAcc0">
-    <dgm:fillClrLst meth="repeat">
-      <a:schemeClr val="lt1">
-        <a:alpha val="90000"/>
-      </a:schemeClr>
-    </dgm:fillClrLst>
-    <dgm:linClrLst meth="repeat">
-      <a:schemeClr val="accent1"/>
-    </dgm:linClrLst>
-    <dgm:effectClrLst/>
-    <dgm:txLinClrLst/>
-    <dgm:txFillClrLst meth="repeat">
-      <a:schemeClr val="dk1"/>
-    </dgm:txFillClrLst>
-    <dgm:txEffectClrLst/>
-  </dgm:styleLbl>
-  <dgm:styleLbl name="fgAcc2">
-    <dgm:fillClrLst meth="repeat">
-      <a:schemeClr val="lt1">
-        <a:alpha val="90000"/>
-      </a:schemeClr>
-    </dgm:fillClrLst>
-    <dgm:linClrLst meth="repeat">
-      <a:schemeClr val="accent1"/>
-    </dgm:linClrLst>
-    <dgm:effectClrLst/>
-    <dgm:txLinClrLst/>
-    <dgm:txFillClrLst meth="repeat">
-      <a:schemeClr val="dk1"/>
-    </dgm:txFillClrLst>
-    <dgm:txEffectClrLst/>
-  </dgm:styleLbl>
-  <dgm:styleLbl name="fgAcc3">
-    <dgm:fillClrLst meth="repeat">
-      <a:schemeClr val="lt1">
-        <a:alpha val="90000"/>
-      </a:schemeClr>
-    </dgm:fillClrLst>
-    <dgm:linClrLst meth="repeat">
-      <a:schemeClr val="accent1"/>
-    </dgm:linClrLst>
-    <dgm:effectClrLst/>
-    <dgm:txLinClrLst/>
-    <dgm:txFillClrLst meth="repeat">
-      <a:schemeClr val="dk1"/>
-    </dgm:txFillClrLst>
-    <dgm:txEffectClrLst/>
-  </dgm:styleLbl>
-  <dgm:styleLbl name="fgAcc4">
-    <dgm:fillClrLst meth="repeat">
-      <a:schemeClr val="lt1">
-        <a:alpha val="90000"/>
-      </a:schemeClr>
-    </dgm:fillClrLst>
-    <dgm:linClrLst meth="repeat">
-      <a:schemeClr val="accent1"/>
-    </dgm:linClrLst>
-    <dgm:effectClrLst/>
-    <dgm:txLinClrLst/>
-    <dgm:txFillClrLst meth="repeat">
-      <a:schemeClr val="dk1"/>
-    </dgm:txFillClrLst>
-    <dgm:txEffectClrLst/>
-  </dgm:styleLbl>
-  <dgm:styleLbl name="bgShp">
-    <dgm:fillClrLst meth="repeat">
-      <a:schemeClr val="accent1">
-        <a:tint val="40000"/>
-      </a:schemeClr>
-    </dgm:fillClrLst>
-    <dgm:linClrLst meth="repeat">
-      <a:schemeClr val="accent1"/>
-    </dgm:linClrLst>
-    <dgm:effectClrLst/>
-    <dgm:txLinClrLst/>
-    <dgm:txFillClrLst meth="repeat">
-      <a:schemeClr val="dk1"/>
-    </dgm:txFillClrLst>
-    <dgm:txEffectClrLst/>
-  </dgm:styleLbl>
-  <dgm:styleLbl name="dkBgShp">
-    <dgm:fillClrLst meth="repeat">
-      <a:schemeClr val="accent1">
-        <a:shade val="80000"/>
-      </a:schemeClr>
-    </dgm:fillClrLst>
-    <dgm:linClrLst meth="repeat">
-      <a:schemeClr val="accent1"/>
-    </dgm:linClrLst>
-    <dgm:effectClrLst/>
-    <dgm:txLinClrLst/>
-    <dgm:txFillClrLst meth="repeat">
-      <a:schemeClr val="lt1"/>
-    </dgm:txFillClrLst>
-    <dgm:txEffectClrLst/>
-  </dgm:styleLbl>
-  <dgm:styleLbl name="trBgShp">
-    <dgm:fillClrLst meth="repeat">
-      <a:schemeClr val="accent1">
-        <a:tint val="50000"/>
-        <a:alpha val="40000"/>
-      </a:schemeClr>
-    </dgm:fillClrLst>
-    <dgm:linClrLst meth="repeat">
-      <a:schemeClr val="accent1"/>
-    </dgm:linClrLst>
-    <dgm:effectClrLst/>
-    <dgm:txLinClrLst/>
-    <dgm:txFillClrLst meth="repeat">
-      <a:schemeClr val="lt1"/>
-    </dgm:txFillClrLst>
-    <dgm:txEffectClrLst/>
-  </dgm:styleLbl>
-  <dgm:styleLbl name="fgShp">
-    <dgm:fillClrLst meth="repeat">
-      <a:schemeClr val="accent1">
-        <a:tint val="60000"/>
-      </a:schemeClr>
-    </dgm:fillClrLst>
-    <dgm:linClrLst meth="repeat">
-      <a:schemeClr val="lt1"/>
-    </dgm:linClrLst>
-    <dgm:effectClrLst/>
-    <dgm:txLinClrLst/>
-    <dgm:txFillClrLst meth="repeat">
-      <a:schemeClr val="dk1"/>
-    </dgm:txFillClrLst>
-    <dgm:txEffectClrLst/>
-  </dgm:styleLbl>
-  <dgm:styleLbl name="revTx">
-    <dgm:fillClrLst meth="repeat">
-      <a:schemeClr val="lt1">
-        <a:alpha val="0"/>
-      </a:schemeClr>
-    </dgm:fillClrLst>
-    <dgm:linClrLst meth="repeat">
-      <a:schemeClr val="dk1">
-        <a:alpha val="0"/>
-      </a:schemeClr>
-    </dgm:linClrLst>
-    <dgm:effectClrLst/>
-    <dgm:txLinClrLst/>
-    <dgm:txFillClrLst meth="repeat">
-      <a:schemeClr val="tx1"/>
-    </dgm:txFillClrLst>
-    <dgm:txEffectClrLst/>
-  </dgm:styleLbl>
-</dgm:colorsDef>
-</file>
-
-<file path=ppt/diagrams/data1.xml><?xml version="1.0" encoding="utf-8"?>
-<dgm:dataModel xmlns:dgm="http://schemas.openxmlformats.org/drawingml/2006/diagram" xmlns:a="http://schemas.openxmlformats.org/drawingml/2006/main">
-  <dgm:ptLst>
-    <dgm:pt modelId="{8A63285A-BF62-4364-9C4C-FB0A4AF4A3E3}" type="doc">
-      <dgm:prSet loTypeId="urn:microsoft.com/office/officeart/2008/layout/BendingPictureCaptionList" loCatId="picture" qsTypeId="urn:microsoft.com/office/officeart/2005/8/quickstyle/simple1" qsCatId="simple" csTypeId="urn:microsoft.com/office/officeart/2005/8/colors/accent1_2" csCatId="accent1" phldr="1"/>
-      <dgm:spPr/>
-      <dgm:t>
-        <a:bodyPr/>
-        <a:lstStyle/>
-        <a:p>
-          <a:endParaRPr lang="en-US"/>
-        </a:p>
-      </dgm:t>
-    </dgm:pt>
-    <dgm:pt modelId="{FF3EE480-0436-417A-BFFF-CCC82935B69A}">
-      <dgm:prSet phldrT="[テキスト]" phldr="1"/>
-      <dgm:spPr/>
-      <dgm:t>
-        <a:bodyPr/>
-        <a:lstStyle/>
-        <a:p>
-          <a:endParaRPr lang="en-US"/>
-        </a:p>
-      </dgm:t>
-    </dgm:pt>
-    <dgm:pt modelId="{15897C37-AE06-4D15-88DF-E899D8A84FBB}" type="parTrans" cxnId="{638726AD-48C2-4823-8166-131BE9431E0F}">
-      <dgm:prSet/>
-      <dgm:spPr/>
-      <dgm:t>
-        <a:bodyPr/>
-        <a:lstStyle/>
-        <a:p>
-          <a:endParaRPr lang="en-US"/>
-        </a:p>
-      </dgm:t>
-    </dgm:pt>
-    <dgm:pt modelId="{F63C5A67-A206-4B1A-906D-7AD387804C6A}" type="sibTrans" cxnId="{638726AD-48C2-4823-8166-131BE9431E0F}">
-      <dgm:prSet/>
-      <dgm:spPr/>
-      <dgm:t>
-        <a:bodyPr/>
-        <a:lstStyle/>
-        <a:p>
-          <a:endParaRPr lang="en-US"/>
-        </a:p>
-      </dgm:t>
-    </dgm:pt>
-    <dgm:pt modelId="{22A118CB-C24F-46D7-A811-42C99F1C5CE4}">
-      <dgm:prSet phldrT="[テキスト]" phldr="1"/>
-      <dgm:spPr/>
-      <dgm:t>
-        <a:bodyPr/>
-        <a:lstStyle/>
-        <a:p>
-          <a:endParaRPr lang="en-US" dirty="0"/>
-        </a:p>
-      </dgm:t>
-    </dgm:pt>
-    <dgm:pt modelId="{784C1843-B3A7-494A-8DFA-551373FA3EAC}" type="parTrans" cxnId="{CD1D0F56-0349-4919-822E-B4AB54BDB14F}">
-      <dgm:prSet/>
-      <dgm:spPr/>
-      <dgm:t>
-        <a:bodyPr/>
-        <a:lstStyle/>
-        <a:p>
-          <a:endParaRPr lang="en-US"/>
-        </a:p>
-      </dgm:t>
-    </dgm:pt>
-    <dgm:pt modelId="{59102780-6AD9-42D6-8028-F39EB13D6637}" type="sibTrans" cxnId="{CD1D0F56-0349-4919-822E-B4AB54BDB14F}">
-      <dgm:prSet/>
-      <dgm:spPr/>
-      <dgm:t>
-        <a:bodyPr/>
-        <a:lstStyle/>
-        <a:p>
-          <a:endParaRPr lang="en-US"/>
-        </a:p>
-      </dgm:t>
-    </dgm:pt>
-    <dgm:pt modelId="{DACF93AB-D7E6-47A4-8375-1F6B5A7F661B}">
-      <dgm:prSet phldrT="[テキスト]" phldr="1"/>
-      <dgm:spPr/>
-      <dgm:t>
-        <a:bodyPr/>
-        <a:lstStyle/>
-        <a:p>
-          <a:endParaRPr lang="en-US" dirty="0"/>
-        </a:p>
-      </dgm:t>
-    </dgm:pt>
-    <dgm:pt modelId="{386EF8DC-F73E-42D6-9AF5-4E2085547E5B}" type="parTrans" cxnId="{548AA761-F3CB-48D4-801D-A1444BE86767}">
-      <dgm:prSet/>
-      <dgm:spPr/>
-      <dgm:t>
-        <a:bodyPr/>
-        <a:lstStyle/>
-        <a:p>
-          <a:endParaRPr lang="en-US"/>
-        </a:p>
-      </dgm:t>
-    </dgm:pt>
-    <dgm:pt modelId="{6381DAA3-97BB-4BFE-B95C-4FBB68A90629}" type="sibTrans" cxnId="{548AA761-F3CB-48D4-801D-A1444BE86767}">
-      <dgm:prSet/>
-      <dgm:spPr/>
-      <dgm:t>
-        <a:bodyPr/>
-        <a:lstStyle/>
-        <a:p>
-          <a:endParaRPr lang="en-US"/>
-        </a:p>
-      </dgm:t>
-    </dgm:pt>
-    <dgm:pt modelId="{A72C02CC-DE0D-4D5D-8DAC-CCB9F517411A}">
-      <dgm:prSet phldrT="[テキスト]"/>
-      <dgm:spPr/>
-      <dgm:t>
-        <a:bodyPr/>
-        <a:lstStyle/>
-        <a:p>
-          <a:endParaRPr lang="en-US" dirty="0"/>
-        </a:p>
-      </dgm:t>
-    </dgm:pt>
-    <dgm:pt modelId="{B18FA0E1-19CE-4968-94DE-1ADF004F9FBD}" type="parTrans" cxnId="{E1B8D468-6DA3-477E-B90C-B8A8FFF4F75D}">
-      <dgm:prSet/>
-      <dgm:spPr/>
-      <dgm:t>
-        <a:bodyPr/>
-        <a:lstStyle/>
-        <a:p>
-          <a:endParaRPr lang="en-US"/>
-        </a:p>
-      </dgm:t>
-    </dgm:pt>
-    <dgm:pt modelId="{50641702-8FCB-4BF1-8EC3-17CC0B7C1AA7}" type="sibTrans" cxnId="{E1B8D468-6DA3-477E-B90C-B8A8FFF4F75D}">
-      <dgm:prSet/>
-      <dgm:spPr/>
-      <dgm:t>
-        <a:bodyPr/>
-        <a:lstStyle/>
-        <a:p>
-          <a:endParaRPr lang="en-US"/>
-        </a:p>
-      </dgm:t>
-    </dgm:pt>
-    <dgm:pt modelId="{E43B8EF6-9A91-4187-81C8-600BC72FECD8}" type="pres">
-      <dgm:prSet presAssocID="{8A63285A-BF62-4364-9C4C-FB0A4AF4A3E3}" presName="Name0" presStyleCnt="0">
-        <dgm:presLayoutVars>
-          <dgm:dir/>
-          <dgm:resizeHandles val="exact"/>
-        </dgm:presLayoutVars>
-      </dgm:prSet>
-      <dgm:spPr/>
-    </dgm:pt>
-    <dgm:pt modelId="{3FCD748A-2DAA-4D9E-A614-FDD78ED66C75}" type="pres">
-      <dgm:prSet presAssocID="{FF3EE480-0436-417A-BFFF-CCC82935B69A}" presName="composite" presStyleCnt="0"/>
-      <dgm:spPr/>
-    </dgm:pt>
-    <dgm:pt modelId="{3AECC125-6CF3-4337-BA3E-36A095235CF3}" type="pres">
-      <dgm:prSet presAssocID="{FF3EE480-0436-417A-BFFF-CCC82935B69A}" presName="rect1" presStyleLbl="bgImgPlace1" presStyleIdx="0" presStyleCnt="4"/>
-      <dgm:spPr/>
-    </dgm:pt>
-    <dgm:pt modelId="{7513831F-9CDA-4770-B148-0647BDF53280}" type="pres">
-      <dgm:prSet presAssocID="{FF3EE480-0436-417A-BFFF-CCC82935B69A}" presName="wedgeRectCallout1" presStyleLbl="node1" presStyleIdx="0" presStyleCnt="4">
-        <dgm:presLayoutVars>
-          <dgm:bulletEnabled val="1"/>
-        </dgm:presLayoutVars>
-      </dgm:prSet>
-      <dgm:spPr/>
-    </dgm:pt>
-    <dgm:pt modelId="{0EF04246-FE1B-4106-839E-7CF0E6BC730E}" type="pres">
-      <dgm:prSet presAssocID="{F63C5A67-A206-4B1A-906D-7AD387804C6A}" presName="sibTrans" presStyleCnt="0"/>
-      <dgm:spPr/>
-    </dgm:pt>
-    <dgm:pt modelId="{AE5885CE-EA2D-4325-B5BC-89360D0A9ED3}" type="pres">
-      <dgm:prSet presAssocID="{22A118CB-C24F-46D7-A811-42C99F1C5CE4}" presName="composite" presStyleCnt="0"/>
-      <dgm:spPr/>
-    </dgm:pt>
-    <dgm:pt modelId="{3EB2F182-58AC-4C43-A723-769ECFB21B6E}" type="pres">
-      <dgm:prSet presAssocID="{22A118CB-C24F-46D7-A811-42C99F1C5CE4}" presName="rect1" presStyleLbl="bgImgPlace1" presStyleIdx="1" presStyleCnt="4"/>
-      <dgm:spPr/>
-    </dgm:pt>
-    <dgm:pt modelId="{E4EDD396-E1FC-41B7-8E2F-169C2AD0F26D}" type="pres">
-      <dgm:prSet presAssocID="{22A118CB-C24F-46D7-A811-42C99F1C5CE4}" presName="wedgeRectCallout1" presStyleLbl="node1" presStyleIdx="1" presStyleCnt="4">
-        <dgm:presLayoutVars>
-          <dgm:bulletEnabled val="1"/>
-        </dgm:presLayoutVars>
-      </dgm:prSet>
-      <dgm:spPr/>
-    </dgm:pt>
-    <dgm:pt modelId="{E4F9382D-E94C-4ACA-B657-14B0B0FCB012}" type="pres">
-      <dgm:prSet presAssocID="{59102780-6AD9-42D6-8028-F39EB13D6637}" presName="sibTrans" presStyleCnt="0"/>
-      <dgm:spPr/>
-    </dgm:pt>
-    <dgm:pt modelId="{B474FD84-BCB2-4C7B-AF55-299D0F313BDF}" type="pres">
-      <dgm:prSet presAssocID="{DACF93AB-D7E6-47A4-8375-1F6B5A7F661B}" presName="composite" presStyleCnt="0"/>
-      <dgm:spPr/>
-    </dgm:pt>
-    <dgm:pt modelId="{02A576A9-0482-4F26-B7EE-EF04312E599E}" type="pres">
-      <dgm:prSet presAssocID="{DACF93AB-D7E6-47A4-8375-1F6B5A7F661B}" presName="rect1" presStyleLbl="bgImgPlace1" presStyleIdx="2" presStyleCnt="4" custLinFactNeighborX="939" custLinFactNeighborY="-900"/>
-      <dgm:spPr/>
-    </dgm:pt>
-    <dgm:pt modelId="{6068DEC3-7E96-4D2E-95E5-2A15E19E8DE3}" type="pres">
-      <dgm:prSet presAssocID="{DACF93AB-D7E6-47A4-8375-1F6B5A7F661B}" presName="wedgeRectCallout1" presStyleLbl="node1" presStyleIdx="2" presStyleCnt="4">
-        <dgm:presLayoutVars>
-          <dgm:bulletEnabled val="1"/>
-        </dgm:presLayoutVars>
-      </dgm:prSet>
-      <dgm:spPr/>
-    </dgm:pt>
-    <dgm:pt modelId="{6B57E8AA-21FC-41A0-ABF1-179C35CF1A22}" type="pres">
-      <dgm:prSet presAssocID="{6381DAA3-97BB-4BFE-B95C-4FBB68A90629}" presName="sibTrans" presStyleCnt="0"/>
-      <dgm:spPr/>
-    </dgm:pt>
-    <dgm:pt modelId="{017971C8-B602-41D2-83B1-0AAE6FE158E1}" type="pres">
-      <dgm:prSet presAssocID="{A72C02CC-DE0D-4D5D-8DAC-CCB9F517411A}" presName="composite" presStyleCnt="0"/>
-      <dgm:spPr/>
-    </dgm:pt>
-    <dgm:pt modelId="{FA8D90E4-904C-4B14-ACB7-26B5E9ACD148}" type="pres">
-      <dgm:prSet presAssocID="{A72C02CC-DE0D-4D5D-8DAC-CCB9F517411A}" presName="rect1" presStyleLbl="bgImgPlace1" presStyleIdx="3" presStyleCnt="4"/>
-      <dgm:spPr/>
-    </dgm:pt>
-    <dgm:pt modelId="{7A12A243-8F1D-4F44-9B58-3D980FA4EDEE}" type="pres">
-      <dgm:prSet presAssocID="{A72C02CC-DE0D-4D5D-8DAC-CCB9F517411A}" presName="wedgeRectCallout1" presStyleLbl="node1" presStyleIdx="3" presStyleCnt="4">
-        <dgm:presLayoutVars>
-          <dgm:bulletEnabled val="1"/>
-        </dgm:presLayoutVars>
-      </dgm:prSet>
-      <dgm:spPr/>
-    </dgm:pt>
-  </dgm:ptLst>
-  <dgm:cxnLst>
-    <dgm:cxn modelId="{548AA761-F3CB-48D4-801D-A1444BE86767}" srcId="{8A63285A-BF62-4364-9C4C-FB0A4AF4A3E3}" destId="{DACF93AB-D7E6-47A4-8375-1F6B5A7F661B}" srcOrd="2" destOrd="0" parTransId="{386EF8DC-F73E-42D6-9AF5-4E2085547E5B}" sibTransId="{6381DAA3-97BB-4BFE-B95C-4FBB68A90629}"/>
-    <dgm:cxn modelId="{E1B8D468-6DA3-477E-B90C-B8A8FFF4F75D}" srcId="{8A63285A-BF62-4364-9C4C-FB0A4AF4A3E3}" destId="{A72C02CC-DE0D-4D5D-8DAC-CCB9F517411A}" srcOrd="3" destOrd="0" parTransId="{B18FA0E1-19CE-4968-94DE-1ADF004F9FBD}" sibTransId="{50641702-8FCB-4BF1-8EC3-17CC0B7C1AA7}"/>
-    <dgm:cxn modelId="{BC2DFE48-A781-4056-9444-60D91626281A}" type="presOf" srcId="{22A118CB-C24F-46D7-A811-42C99F1C5CE4}" destId="{E4EDD396-E1FC-41B7-8E2F-169C2AD0F26D}" srcOrd="0" destOrd="0" presId="urn:microsoft.com/office/officeart/2008/layout/BendingPictureCaptionList"/>
-    <dgm:cxn modelId="{CD1D0F56-0349-4919-822E-B4AB54BDB14F}" srcId="{8A63285A-BF62-4364-9C4C-FB0A4AF4A3E3}" destId="{22A118CB-C24F-46D7-A811-42C99F1C5CE4}" srcOrd="1" destOrd="0" parTransId="{784C1843-B3A7-494A-8DFA-551373FA3EAC}" sibTransId="{59102780-6AD9-42D6-8028-F39EB13D6637}"/>
-    <dgm:cxn modelId="{87B19984-90E5-4D18-83DE-E740AC8A01AF}" type="presOf" srcId="{8A63285A-BF62-4364-9C4C-FB0A4AF4A3E3}" destId="{E43B8EF6-9A91-4187-81C8-600BC72FECD8}" srcOrd="0" destOrd="0" presId="urn:microsoft.com/office/officeart/2008/layout/BendingPictureCaptionList"/>
-    <dgm:cxn modelId="{931C2295-360E-4FB4-B5F7-E15BD43F5976}" type="presOf" srcId="{A72C02CC-DE0D-4D5D-8DAC-CCB9F517411A}" destId="{7A12A243-8F1D-4F44-9B58-3D980FA4EDEE}" srcOrd="0" destOrd="0" presId="urn:microsoft.com/office/officeart/2008/layout/BendingPictureCaptionList"/>
-    <dgm:cxn modelId="{638726AD-48C2-4823-8166-131BE9431E0F}" srcId="{8A63285A-BF62-4364-9C4C-FB0A4AF4A3E3}" destId="{FF3EE480-0436-417A-BFFF-CCC82935B69A}" srcOrd="0" destOrd="0" parTransId="{15897C37-AE06-4D15-88DF-E899D8A84FBB}" sibTransId="{F63C5A67-A206-4B1A-906D-7AD387804C6A}"/>
-    <dgm:cxn modelId="{92023DF0-5090-4EB1-B3DF-D1168C5877A5}" type="presOf" srcId="{FF3EE480-0436-417A-BFFF-CCC82935B69A}" destId="{7513831F-9CDA-4770-B148-0647BDF53280}" srcOrd="0" destOrd="0" presId="urn:microsoft.com/office/officeart/2008/layout/BendingPictureCaptionList"/>
-    <dgm:cxn modelId="{10909FFA-77F2-4E60-AE8F-1690687497C3}" type="presOf" srcId="{DACF93AB-D7E6-47A4-8375-1F6B5A7F661B}" destId="{6068DEC3-7E96-4D2E-95E5-2A15E19E8DE3}" srcOrd="0" destOrd="0" presId="urn:microsoft.com/office/officeart/2008/layout/BendingPictureCaptionList"/>
-    <dgm:cxn modelId="{BAA85C3B-6F92-4B75-9A33-6C51F43DA939}" type="presParOf" srcId="{E43B8EF6-9A91-4187-81C8-600BC72FECD8}" destId="{3FCD748A-2DAA-4D9E-A614-FDD78ED66C75}" srcOrd="0" destOrd="0" presId="urn:microsoft.com/office/officeart/2008/layout/BendingPictureCaptionList"/>
-    <dgm:cxn modelId="{0E74793A-B05D-4C16-82EC-485D1A9A14F0}" type="presParOf" srcId="{3FCD748A-2DAA-4D9E-A614-FDD78ED66C75}" destId="{3AECC125-6CF3-4337-BA3E-36A095235CF3}" srcOrd="0" destOrd="0" presId="urn:microsoft.com/office/officeart/2008/layout/BendingPictureCaptionList"/>
-    <dgm:cxn modelId="{80ED2480-51B2-46A2-BC91-FF7826A29099}" type="presParOf" srcId="{3FCD748A-2DAA-4D9E-A614-FDD78ED66C75}" destId="{7513831F-9CDA-4770-B148-0647BDF53280}" srcOrd="1" destOrd="0" presId="urn:microsoft.com/office/officeart/2008/layout/BendingPictureCaptionList"/>
-    <dgm:cxn modelId="{A1F5140D-8BDC-4B38-A016-707D6C5968BE}" type="presParOf" srcId="{E43B8EF6-9A91-4187-81C8-600BC72FECD8}" destId="{0EF04246-FE1B-4106-839E-7CF0E6BC730E}" srcOrd="1" destOrd="0" presId="urn:microsoft.com/office/officeart/2008/layout/BendingPictureCaptionList"/>
-    <dgm:cxn modelId="{8159932C-9C8E-4883-8D5D-8A9FA43D4580}" type="presParOf" srcId="{E43B8EF6-9A91-4187-81C8-600BC72FECD8}" destId="{AE5885CE-EA2D-4325-B5BC-89360D0A9ED3}" srcOrd="2" destOrd="0" presId="urn:microsoft.com/office/officeart/2008/layout/BendingPictureCaptionList"/>
-    <dgm:cxn modelId="{3B44BE03-E800-44B1-8A58-8E6FB34661E1}" type="presParOf" srcId="{AE5885CE-EA2D-4325-B5BC-89360D0A9ED3}" destId="{3EB2F182-58AC-4C43-A723-769ECFB21B6E}" srcOrd="0" destOrd="0" presId="urn:microsoft.com/office/officeart/2008/layout/BendingPictureCaptionList"/>
-    <dgm:cxn modelId="{A84830BA-EEF7-46DB-A826-5427D3958B99}" type="presParOf" srcId="{AE5885CE-EA2D-4325-B5BC-89360D0A9ED3}" destId="{E4EDD396-E1FC-41B7-8E2F-169C2AD0F26D}" srcOrd="1" destOrd="0" presId="urn:microsoft.com/office/officeart/2008/layout/BendingPictureCaptionList"/>
-    <dgm:cxn modelId="{FF89D8EB-B6E4-458B-B81F-6A2E0C5AF9CE}" type="presParOf" srcId="{E43B8EF6-9A91-4187-81C8-600BC72FECD8}" destId="{E4F9382D-E94C-4ACA-B657-14B0B0FCB012}" srcOrd="3" destOrd="0" presId="urn:microsoft.com/office/officeart/2008/layout/BendingPictureCaptionList"/>
-    <dgm:cxn modelId="{90456B0E-3A50-4140-8C51-ED2F1CEE1758}" type="presParOf" srcId="{E43B8EF6-9A91-4187-81C8-600BC72FECD8}" destId="{B474FD84-BCB2-4C7B-AF55-299D0F313BDF}" srcOrd="4" destOrd="0" presId="urn:microsoft.com/office/officeart/2008/layout/BendingPictureCaptionList"/>
-    <dgm:cxn modelId="{68F80ED2-1080-4400-8CAE-33EDEE7AB809}" type="presParOf" srcId="{B474FD84-BCB2-4C7B-AF55-299D0F313BDF}" destId="{02A576A9-0482-4F26-B7EE-EF04312E599E}" srcOrd="0" destOrd="0" presId="urn:microsoft.com/office/officeart/2008/layout/BendingPictureCaptionList"/>
-    <dgm:cxn modelId="{5E7106B1-E1DD-47D4-9243-7A60136E8A0B}" type="presParOf" srcId="{B474FD84-BCB2-4C7B-AF55-299D0F313BDF}" destId="{6068DEC3-7E96-4D2E-95E5-2A15E19E8DE3}" srcOrd="1" destOrd="0" presId="urn:microsoft.com/office/officeart/2008/layout/BendingPictureCaptionList"/>
-    <dgm:cxn modelId="{E0143138-A1A4-409C-A0BD-805C20BD8148}" type="presParOf" srcId="{E43B8EF6-9A91-4187-81C8-600BC72FECD8}" destId="{6B57E8AA-21FC-41A0-ABF1-179C35CF1A22}" srcOrd="5" destOrd="0" presId="urn:microsoft.com/office/officeart/2008/layout/BendingPictureCaptionList"/>
-    <dgm:cxn modelId="{E6C148D4-66B3-47BE-830A-C2F3DFC9B4E4}" type="presParOf" srcId="{E43B8EF6-9A91-4187-81C8-600BC72FECD8}" destId="{017971C8-B602-41D2-83B1-0AAE6FE158E1}" srcOrd="6" destOrd="0" presId="urn:microsoft.com/office/officeart/2008/layout/BendingPictureCaptionList"/>
-    <dgm:cxn modelId="{6955B8DD-3E80-4837-9586-50F372078E37}" type="presParOf" srcId="{017971C8-B602-41D2-83B1-0AAE6FE158E1}" destId="{FA8D90E4-904C-4B14-ACB7-26B5E9ACD148}" srcOrd="0" destOrd="0" presId="urn:microsoft.com/office/officeart/2008/layout/BendingPictureCaptionList"/>
-    <dgm:cxn modelId="{5CECD0F1-EC01-4144-9ECB-347DA97E0C7A}" type="presParOf" srcId="{017971C8-B602-41D2-83B1-0AAE6FE158E1}" destId="{7A12A243-8F1D-4F44-9B58-3D980FA4EDEE}" srcOrd="1" destOrd="0" presId="urn:microsoft.com/office/officeart/2008/layout/BendingPictureCaptionList"/>
-  </dgm:cxnLst>
-  <dgm:bg/>
-  <dgm:whole/>
-  <dgm:extLst>
-    <a:ext uri="http://schemas.microsoft.com/office/drawing/2008/diagram">
-      <dsp:dataModelExt xmlns:dsp="http://schemas.microsoft.com/office/drawing/2008/diagram" relId="rId6" minVer="http://schemas.openxmlformats.org/drawingml/2006/diagram"/>
-    </a:ext>
-  </dgm:extLst>
-</dgm:dataModel>
-</file>
-
-<file path=ppt/diagrams/drawing1.xml><?xml version="1.0" encoding="utf-8"?>
-<dsp:drawing xmlns:dgm="http://schemas.openxmlformats.org/drawingml/2006/diagram" xmlns:dsp="http://schemas.microsoft.com/office/drawing/2008/diagram" xmlns:a="http://schemas.openxmlformats.org/drawingml/2006/main">
-  <dsp:spTree>
-    <dsp:nvGrpSpPr>
-      <dsp:cNvPr id="0" name=""/>
-      <dsp:cNvGrpSpPr/>
-    </dsp:nvGrpSpPr>
-    <dsp:grpSpPr/>
-    <dsp:sp modelId="{3AECC125-6CF3-4337-BA3E-36A095235CF3}">
-      <dsp:nvSpPr>
-        <dsp:cNvPr id="0" name=""/>
-        <dsp:cNvSpPr/>
-      </dsp:nvSpPr>
-      <dsp:spPr>
-        <a:xfrm>
-          <a:off x="3571" y="1506340"/>
-          <a:ext cx="2833687" cy="2266949"/>
-        </a:xfrm>
-        <a:prstGeom prst="rect">
-          <a:avLst/>
-        </a:prstGeom>
-        <a:solidFill>
-          <a:schemeClr val="accent1">
-            <a:tint val="50000"/>
-            <a:hueOff val="0"/>
-            <a:satOff val="0"/>
-            <a:lumOff val="0"/>
-            <a:alphaOff val="0"/>
-          </a:schemeClr>
-        </a:solidFill>
-        <a:ln w="15875" cap="rnd" cmpd="sng" algn="ctr">
-          <a:solidFill>
-            <a:schemeClr val="lt1">
-              <a:hueOff val="0"/>
-              <a:satOff val="0"/>
-              <a:lumOff val="0"/>
-              <a:alphaOff val="0"/>
-            </a:schemeClr>
-          </a:solidFill>
-          <a:prstDash val="solid"/>
-        </a:ln>
-        <a:effectLst/>
-      </dsp:spPr>
-      <dsp:style>
-        <a:lnRef idx="2">
-          <a:scrgbClr r="0" g="0" b="0"/>
-        </a:lnRef>
-        <a:fillRef idx="1">
-          <a:scrgbClr r="0" g="0" b="0"/>
-        </a:fillRef>
-        <a:effectRef idx="0">
-          <a:scrgbClr r="0" g="0" b="0"/>
-        </a:effectRef>
-        <a:fontRef idx="minor"/>
-      </dsp:style>
-    </dsp:sp>
-    <dsp:sp modelId="{7513831F-9CDA-4770-B148-0647BDF53280}">
-      <dsp:nvSpPr>
-        <dsp:cNvPr id="0" name=""/>
-        <dsp:cNvSpPr/>
-      </dsp:nvSpPr>
-      <dsp:spPr>
-        <a:xfrm>
-          <a:off x="258603" y="3546595"/>
-          <a:ext cx="2521981" cy="793432"/>
-        </a:xfrm>
-        <a:prstGeom prst="wedgeRectCallout">
-          <a:avLst>
-            <a:gd name="adj1" fmla="val 20250"/>
-            <a:gd name="adj2" fmla="val -60700"/>
-          </a:avLst>
-        </a:prstGeom>
-        <a:solidFill>
-          <a:schemeClr val="accent1">
-            <a:hueOff val="0"/>
-            <a:satOff val="0"/>
-            <a:lumOff val="0"/>
-            <a:alphaOff val="0"/>
-          </a:schemeClr>
-        </a:solidFill>
-        <a:ln w="15875" cap="rnd" cmpd="sng" algn="ctr">
-          <a:solidFill>
-            <a:schemeClr val="lt1">
-              <a:hueOff val="0"/>
-              <a:satOff val="0"/>
-              <a:lumOff val="0"/>
-              <a:alphaOff val="0"/>
-            </a:schemeClr>
-          </a:solidFill>
-          <a:prstDash val="solid"/>
-        </a:ln>
-        <a:effectLst/>
-      </dsp:spPr>
-      <dsp:style>
-        <a:lnRef idx="2">
-          <a:scrgbClr r="0" g="0" b="0"/>
-        </a:lnRef>
-        <a:fillRef idx="1">
-          <a:scrgbClr r="0" g="0" b="0"/>
-        </a:fillRef>
-        <a:effectRef idx="0">
-          <a:scrgbClr r="0" g="0" b="0"/>
-        </a:effectRef>
-        <a:fontRef idx="minor">
-          <a:schemeClr val="lt1"/>
-        </a:fontRef>
-      </dsp:style>
-      <dsp:txBody>
-        <a:bodyPr spcFirstLastPara="0" vert="horz" wrap="square" lIns="133350" tIns="133350" rIns="133350" bIns="133350" numCol="1" spcCol="1270" anchor="ctr" anchorCtr="0">
-          <a:noAutofit/>
-        </a:bodyPr>
-        <a:lstStyle/>
-        <a:p>
-          <a:pPr marL="0" lvl="0" indent="0" algn="ctr" defTabSz="1555750">
-            <a:lnSpc>
-              <a:spcPct val="90000"/>
-            </a:lnSpc>
-            <a:spcBef>
-              <a:spcPct val="0"/>
-            </a:spcBef>
-            <a:spcAft>
-              <a:spcPct val="35000"/>
-            </a:spcAft>
-            <a:buNone/>
-          </a:pPr>
-          <a:endParaRPr lang="en-US" sz="3500" kern="1200"/>
-        </a:p>
-      </dsp:txBody>
-      <dsp:txXfrm>
-        <a:off x="258603" y="3546595"/>
-        <a:ext cx="2521981" cy="793432"/>
-      </dsp:txXfrm>
-    </dsp:sp>
-    <dsp:sp modelId="{3EB2F182-58AC-4C43-A723-769ECFB21B6E}">
-      <dsp:nvSpPr>
-        <dsp:cNvPr id="0" name=""/>
-        <dsp:cNvSpPr/>
-      </dsp:nvSpPr>
-      <dsp:spPr>
-        <a:xfrm>
-          <a:off x="3120628" y="1506340"/>
-          <a:ext cx="2833687" cy="2266949"/>
-        </a:xfrm>
-        <a:prstGeom prst="rect">
-          <a:avLst/>
-        </a:prstGeom>
-        <a:solidFill>
-          <a:schemeClr val="accent1">
-            <a:tint val="50000"/>
-            <a:hueOff val="0"/>
-            <a:satOff val="0"/>
-            <a:lumOff val="0"/>
-            <a:alphaOff val="0"/>
-          </a:schemeClr>
-        </a:solidFill>
-        <a:ln w="15875" cap="rnd" cmpd="sng" algn="ctr">
-          <a:solidFill>
-            <a:schemeClr val="lt1">
-              <a:hueOff val="0"/>
-              <a:satOff val="0"/>
-              <a:lumOff val="0"/>
-              <a:alphaOff val="0"/>
-            </a:schemeClr>
-          </a:solidFill>
-          <a:prstDash val="solid"/>
-        </a:ln>
-        <a:effectLst/>
-      </dsp:spPr>
-      <dsp:style>
-        <a:lnRef idx="2">
-          <a:scrgbClr r="0" g="0" b="0"/>
-        </a:lnRef>
-        <a:fillRef idx="1">
-          <a:scrgbClr r="0" g="0" b="0"/>
-        </a:fillRef>
-        <a:effectRef idx="0">
-          <a:scrgbClr r="0" g="0" b="0"/>
-        </a:effectRef>
-        <a:fontRef idx="minor"/>
-      </dsp:style>
-    </dsp:sp>
-    <dsp:sp modelId="{E4EDD396-E1FC-41B7-8E2F-169C2AD0F26D}">
-      <dsp:nvSpPr>
-        <dsp:cNvPr id="0" name=""/>
-        <dsp:cNvSpPr/>
-      </dsp:nvSpPr>
-      <dsp:spPr>
-        <a:xfrm>
-          <a:off x="3375659" y="3546595"/>
-          <a:ext cx="2521981" cy="793432"/>
-        </a:xfrm>
-        <a:prstGeom prst="wedgeRectCallout">
-          <a:avLst>
-            <a:gd name="adj1" fmla="val 20250"/>
-            <a:gd name="adj2" fmla="val -60700"/>
-          </a:avLst>
-        </a:prstGeom>
-        <a:solidFill>
-          <a:schemeClr val="accent1">
-            <a:hueOff val="0"/>
-            <a:satOff val="0"/>
-            <a:lumOff val="0"/>
-            <a:alphaOff val="0"/>
-          </a:schemeClr>
-        </a:solidFill>
-        <a:ln w="15875" cap="rnd" cmpd="sng" algn="ctr">
-          <a:solidFill>
-            <a:schemeClr val="lt1">
-              <a:hueOff val="0"/>
-              <a:satOff val="0"/>
-              <a:lumOff val="0"/>
-              <a:alphaOff val="0"/>
-            </a:schemeClr>
-          </a:solidFill>
-          <a:prstDash val="solid"/>
-        </a:ln>
-        <a:effectLst/>
-      </dsp:spPr>
-      <dsp:style>
-        <a:lnRef idx="2">
-          <a:scrgbClr r="0" g="0" b="0"/>
-        </a:lnRef>
-        <a:fillRef idx="1">
-          <a:scrgbClr r="0" g="0" b="0"/>
-        </a:fillRef>
-        <a:effectRef idx="0">
-          <a:scrgbClr r="0" g="0" b="0"/>
-        </a:effectRef>
-        <a:fontRef idx="minor">
-          <a:schemeClr val="lt1"/>
-        </a:fontRef>
-      </dsp:style>
-      <dsp:txBody>
-        <a:bodyPr spcFirstLastPara="0" vert="horz" wrap="square" lIns="133350" tIns="133350" rIns="133350" bIns="133350" numCol="1" spcCol="1270" anchor="ctr" anchorCtr="0">
-          <a:noAutofit/>
-        </a:bodyPr>
-        <a:lstStyle/>
-        <a:p>
-          <a:pPr marL="0" lvl="0" indent="0" algn="ctr" defTabSz="1555750">
-            <a:lnSpc>
-              <a:spcPct val="90000"/>
-            </a:lnSpc>
-            <a:spcBef>
-              <a:spcPct val="0"/>
-            </a:spcBef>
-            <a:spcAft>
-              <a:spcPct val="35000"/>
-            </a:spcAft>
-            <a:buNone/>
-          </a:pPr>
-          <a:endParaRPr lang="en-US" sz="3500" kern="1200" dirty="0"/>
-        </a:p>
-      </dsp:txBody>
-      <dsp:txXfrm>
-        <a:off x="3375659" y="3546595"/>
-        <a:ext cx="2521981" cy="793432"/>
-      </dsp:txXfrm>
-    </dsp:sp>
-    <dsp:sp modelId="{02A576A9-0482-4F26-B7EE-EF04312E599E}">
-      <dsp:nvSpPr>
-        <dsp:cNvPr id="0" name=""/>
-        <dsp:cNvSpPr/>
-      </dsp:nvSpPr>
-      <dsp:spPr>
-        <a:xfrm>
-          <a:off x="6264292" y="1485938"/>
-          <a:ext cx="2833687" cy="2266949"/>
-        </a:xfrm>
-        <a:prstGeom prst="rect">
-          <a:avLst/>
-        </a:prstGeom>
-        <a:solidFill>
-          <a:schemeClr val="accent1">
-            <a:tint val="50000"/>
-            <a:hueOff val="0"/>
-            <a:satOff val="0"/>
-            <a:lumOff val="0"/>
-            <a:alphaOff val="0"/>
-          </a:schemeClr>
-        </a:solidFill>
-        <a:ln w="15875" cap="rnd" cmpd="sng" algn="ctr">
-          <a:solidFill>
-            <a:schemeClr val="lt1">
-              <a:hueOff val="0"/>
-              <a:satOff val="0"/>
-              <a:lumOff val="0"/>
-              <a:alphaOff val="0"/>
-            </a:schemeClr>
-          </a:solidFill>
-          <a:prstDash val="solid"/>
-        </a:ln>
-        <a:effectLst/>
-      </dsp:spPr>
-      <dsp:style>
-        <a:lnRef idx="2">
-          <a:scrgbClr r="0" g="0" b="0"/>
-        </a:lnRef>
-        <a:fillRef idx="1">
-          <a:scrgbClr r="0" g="0" b="0"/>
-        </a:fillRef>
-        <a:effectRef idx="0">
-          <a:scrgbClr r="0" g="0" b="0"/>
-        </a:effectRef>
-        <a:fontRef idx="minor"/>
-      </dsp:style>
-    </dsp:sp>
-    <dsp:sp modelId="{6068DEC3-7E96-4D2E-95E5-2A15E19E8DE3}">
-      <dsp:nvSpPr>
-        <dsp:cNvPr id="0" name=""/>
-        <dsp:cNvSpPr/>
-      </dsp:nvSpPr>
-      <dsp:spPr>
-        <a:xfrm>
-          <a:off x="6492716" y="3546595"/>
-          <a:ext cx="2521981" cy="793432"/>
-        </a:xfrm>
-        <a:prstGeom prst="wedgeRectCallout">
-          <a:avLst>
-            <a:gd name="adj1" fmla="val 20250"/>
-            <a:gd name="adj2" fmla="val -60700"/>
-          </a:avLst>
-        </a:prstGeom>
-        <a:solidFill>
-          <a:schemeClr val="accent1">
-            <a:hueOff val="0"/>
-            <a:satOff val="0"/>
-            <a:lumOff val="0"/>
-            <a:alphaOff val="0"/>
-          </a:schemeClr>
-        </a:solidFill>
-        <a:ln w="15875" cap="rnd" cmpd="sng" algn="ctr">
-          <a:solidFill>
-            <a:schemeClr val="lt1">
-              <a:hueOff val="0"/>
-              <a:satOff val="0"/>
-              <a:lumOff val="0"/>
-              <a:alphaOff val="0"/>
-            </a:schemeClr>
-          </a:solidFill>
-          <a:prstDash val="solid"/>
-        </a:ln>
-        <a:effectLst/>
-      </dsp:spPr>
-      <dsp:style>
-        <a:lnRef idx="2">
-          <a:scrgbClr r="0" g="0" b="0"/>
-        </a:lnRef>
-        <a:fillRef idx="1">
-          <a:scrgbClr r="0" g="0" b="0"/>
-        </a:fillRef>
-        <a:effectRef idx="0">
-          <a:scrgbClr r="0" g="0" b="0"/>
-        </a:effectRef>
-        <a:fontRef idx="minor">
-          <a:schemeClr val="lt1"/>
-        </a:fontRef>
-      </dsp:style>
-      <dsp:txBody>
-        <a:bodyPr spcFirstLastPara="0" vert="horz" wrap="square" lIns="133350" tIns="133350" rIns="133350" bIns="133350" numCol="1" spcCol="1270" anchor="ctr" anchorCtr="0">
-          <a:noAutofit/>
-        </a:bodyPr>
-        <a:lstStyle/>
-        <a:p>
-          <a:pPr marL="0" lvl="0" indent="0" algn="ctr" defTabSz="1555750">
-            <a:lnSpc>
-              <a:spcPct val="90000"/>
-            </a:lnSpc>
-            <a:spcBef>
-              <a:spcPct val="0"/>
-            </a:spcBef>
-            <a:spcAft>
-              <a:spcPct val="35000"/>
-            </a:spcAft>
-            <a:buNone/>
-          </a:pPr>
-          <a:endParaRPr lang="en-US" sz="3500" kern="1200" dirty="0"/>
-        </a:p>
-      </dsp:txBody>
-      <dsp:txXfrm>
-        <a:off x="6492716" y="3546595"/>
-        <a:ext cx="2521981" cy="793432"/>
-      </dsp:txXfrm>
-    </dsp:sp>
-    <dsp:sp modelId="{FA8D90E4-904C-4B14-ACB7-26B5E9ACD148}">
-      <dsp:nvSpPr>
-        <dsp:cNvPr id="0" name=""/>
-        <dsp:cNvSpPr/>
-      </dsp:nvSpPr>
-      <dsp:spPr>
-        <a:xfrm>
-          <a:off x="9354740" y="1506340"/>
-          <a:ext cx="2833687" cy="2266949"/>
-        </a:xfrm>
-        <a:prstGeom prst="rect">
-          <a:avLst/>
-        </a:prstGeom>
-        <a:solidFill>
-          <a:schemeClr val="accent1">
-            <a:tint val="50000"/>
-            <a:hueOff val="0"/>
-            <a:satOff val="0"/>
-            <a:lumOff val="0"/>
-            <a:alphaOff val="0"/>
-          </a:schemeClr>
-        </a:solidFill>
-        <a:ln w="15875" cap="rnd" cmpd="sng" algn="ctr">
-          <a:solidFill>
-            <a:schemeClr val="lt1">
-              <a:hueOff val="0"/>
-              <a:satOff val="0"/>
-              <a:lumOff val="0"/>
-              <a:alphaOff val="0"/>
-            </a:schemeClr>
-          </a:solidFill>
-          <a:prstDash val="solid"/>
-        </a:ln>
-        <a:effectLst/>
-      </dsp:spPr>
-      <dsp:style>
-        <a:lnRef idx="2">
-          <a:scrgbClr r="0" g="0" b="0"/>
-        </a:lnRef>
-        <a:fillRef idx="1">
-          <a:scrgbClr r="0" g="0" b="0"/>
-        </a:fillRef>
-        <a:effectRef idx="0">
-          <a:scrgbClr r="0" g="0" b="0"/>
-        </a:effectRef>
-        <a:fontRef idx="minor"/>
-      </dsp:style>
-    </dsp:sp>
-    <dsp:sp modelId="{7A12A243-8F1D-4F44-9B58-3D980FA4EDEE}">
-      <dsp:nvSpPr>
-        <dsp:cNvPr id="0" name=""/>
-        <dsp:cNvSpPr/>
-      </dsp:nvSpPr>
-      <dsp:spPr>
-        <a:xfrm>
-          <a:off x="9609772" y="3546595"/>
-          <a:ext cx="2521981" cy="793432"/>
-        </a:xfrm>
-        <a:prstGeom prst="wedgeRectCallout">
-          <a:avLst>
-            <a:gd name="adj1" fmla="val 20250"/>
-            <a:gd name="adj2" fmla="val -60700"/>
-          </a:avLst>
-        </a:prstGeom>
-        <a:solidFill>
-          <a:schemeClr val="accent1">
-            <a:hueOff val="0"/>
-            <a:satOff val="0"/>
-            <a:lumOff val="0"/>
-            <a:alphaOff val="0"/>
-          </a:schemeClr>
-        </a:solidFill>
-        <a:ln w="15875" cap="rnd" cmpd="sng" algn="ctr">
-          <a:solidFill>
-            <a:schemeClr val="lt1">
-              <a:hueOff val="0"/>
-              <a:satOff val="0"/>
-              <a:lumOff val="0"/>
-              <a:alphaOff val="0"/>
-            </a:schemeClr>
-          </a:solidFill>
-          <a:prstDash val="solid"/>
-        </a:ln>
-        <a:effectLst/>
-      </dsp:spPr>
-      <dsp:style>
-        <a:lnRef idx="2">
-          <a:scrgbClr r="0" g="0" b="0"/>
-        </a:lnRef>
-        <a:fillRef idx="1">
-          <a:scrgbClr r="0" g="0" b="0"/>
-        </a:fillRef>
-        <a:effectRef idx="0">
-          <a:scrgbClr r="0" g="0" b="0"/>
-        </a:effectRef>
-        <a:fontRef idx="minor">
-          <a:schemeClr val="lt1"/>
-        </a:fontRef>
-      </dsp:style>
-      <dsp:txBody>
-        <a:bodyPr spcFirstLastPara="0" vert="horz" wrap="square" lIns="144780" tIns="144780" rIns="144780" bIns="144780" numCol="1" spcCol="1270" anchor="ctr" anchorCtr="0">
-          <a:noAutofit/>
-        </a:bodyPr>
-        <a:lstStyle/>
-        <a:p>
-          <a:pPr marL="0" lvl="0" indent="0" algn="ctr" defTabSz="1689100">
-            <a:lnSpc>
-              <a:spcPct val="90000"/>
-            </a:lnSpc>
-            <a:spcBef>
-              <a:spcPct val="0"/>
-            </a:spcBef>
-            <a:spcAft>
-              <a:spcPct val="35000"/>
-            </a:spcAft>
-            <a:buNone/>
-          </a:pPr>
-          <a:endParaRPr lang="en-US" sz="3800" kern="1200" dirty="0"/>
-        </a:p>
-      </dsp:txBody>
-      <dsp:txXfrm>
-        <a:off x="9609772" y="3546595"/>
-        <a:ext cx="2521981" cy="793432"/>
-      </dsp:txXfrm>
-    </dsp:sp>
-  </dsp:spTree>
-</dsp:drawing>
-</file>
-
-<file path=ppt/diagrams/layout1.xml><?xml version="1.0" encoding="utf-8"?>
-<dgm:layoutDef xmlns:dgm="http://schemas.openxmlformats.org/drawingml/2006/diagram" xmlns:a="http://schemas.openxmlformats.org/drawingml/2006/main" uniqueId="urn:microsoft.com/office/officeart/2008/layout/BendingPictureCaptionList">
-  <dgm:title val=""/>
-  <dgm:desc val=""/>
-  <dgm:catLst>
-    <dgm:cat type="picture" pri="9000"/>
-    <dgm:cat type="pictureconvert" pri="9000"/>
-  </dgm:catLst>
-  <dgm:sampData>
-    <dgm:dataModel>
-      <dgm:ptLst>
-        <dgm:pt modelId="0" type="doc"/>
-        <dgm:pt modelId="10">
-          <dgm:prSet phldr="1"/>
-        </dgm:pt>
-        <dgm:pt modelId="20">
-          <dgm:prSet phldr="1"/>
-        </dgm:pt>
-        <dgm:pt modelId="30">
-          <dgm:prSet phldr="1"/>
-        </dgm:pt>
-      </dgm:ptLst>
-      <dgm:cxnLst>
-        <dgm:cxn modelId="60" srcId="0" destId="10" srcOrd="0" destOrd="0"/>
-        <dgm:cxn modelId="70" srcId="0" destId="20" srcOrd="1" destOrd="0"/>
-        <dgm:cxn modelId="80" srcId="0" destId="30" srcOrd="2" destOrd="0"/>
-      </dgm:cxnLst>
-      <dgm:bg/>
-      <dgm:whole/>
-    </dgm:dataModel>
-  </dgm:sampData>
-  <dgm:styleData>
-    <dgm:dataModel>
-      <dgm:ptLst>
-        <dgm:pt modelId="0" type="doc"/>
-        <dgm:pt modelId="10">
-          <dgm:prSet phldr="1"/>
-        </dgm:pt>
-        <dgm:pt modelId="20">
-          <dgm:prSet phldr="1"/>
-        </dgm:pt>
-      </dgm:ptLst>
-      <dgm:cxnLst>
-        <dgm:cxn modelId="60" srcId="0" destId="10" srcOrd="0" destOrd="0"/>
-        <dgm:cxn modelId="70" srcId="0" destId="20" srcOrd="1" destOrd="0"/>
-      </dgm:cxnLst>
-      <dgm:bg/>
-      <dgm:whole/>
-    </dgm:dataModel>
-  </dgm:styleData>
-  <dgm:clrData>
-    <dgm:dataModel>
-      <dgm:ptLst>
-        <dgm:pt modelId="0" type="doc"/>
-        <dgm:pt modelId="10">
-          <dgm:prSet phldr="1"/>
-        </dgm:pt>
-        <dgm:pt modelId="20">
-          <dgm:prSet phldr="1"/>
-        </dgm:pt>
-        <dgm:pt modelId="30">
-          <dgm:prSet phldr="1"/>
-        </dgm:pt>
-        <dgm:pt modelId="40">
-          <dgm:prSet phldr="1"/>
-        </dgm:pt>
-      </dgm:ptLst>
-      <dgm:cxnLst>
-        <dgm:cxn modelId="60" srcId="0" destId="10" srcOrd="0" destOrd="0"/>
-        <dgm:cxn modelId="70" srcId="0" destId="20" srcOrd="1" destOrd="0"/>
-        <dgm:cxn modelId="80" srcId="0" destId="30" srcOrd="2" destOrd="0"/>
-        <dgm:cxn modelId="90" srcId="0" destId="40" srcOrd="3" destOrd="0"/>
-      </dgm:cxnLst>
-      <dgm:bg/>
-      <dgm:whole/>
-    </dgm:dataModel>
-  </dgm:clrData>
-  <dgm:layoutNode name="Name0">
-    <dgm:varLst>
-      <dgm:dir/>
-      <dgm:resizeHandles val="exact"/>
-    </dgm:varLst>
-    <dgm:choose name="Name1">
-      <dgm:if name="Name2" func="var" arg="dir" op="equ" val="norm">
-        <dgm:alg type="snake">
-          <dgm:param type="off" val="ctr"/>
-        </dgm:alg>
-      </dgm:if>
-      <dgm:else name="Name3">
-        <dgm:alg type="snake">
-          <dgm:param type="off" val="ctr"/>
-          <dgm:param type="grDir" val="tR"/>
-        </dgm:alg>
-      </dgm:else>
-    </dgm:choose>
-    <dgm:shape xmlns:r="http://schemas.openxmlformats.org/officeDocument/2006/relationships" r:blip="">
-      <dgm:adjLst/>
-    </dgm:shape>
-    <dgm:constrLst>
-      <dgm:constr type="primFontSz" for="des" ptType="node" op="equ" val="65"/>
-      <dgm:constr type="w" for="ch" forName="composite" refType="w"/>
-      <dgm:constr type="h" for="ch" forName="composite" refType="w" fact="1.11"/>
-      <dgm:constr type="sp" refType="w" refFor="ch" refForName="composite" op="equ" fact="0.1"/>
-      <dgm:constr type="w" for="ch" forName="sibTrans" refType="w" refFor="ch" refForName="composite" op="equ" fact="0.1"/>
-      <dgm:constr type="h" for="ch" forName="sibTrans" refType="w" refFor="ch" refForName="sibTrans" op="equ"/>
-    </dgm:constrLst>
-    <dgm:forEach name="nodesForEach" axis="ch" ptType="node">
-      <dgm:layoutNode name="composite">
-        <dgm:alg type="composite">
-          <dgm:param type="ar" val="1"/>
-        </dgm:alg>
-        <dgm:shape xmlns:r="http://schemas.openxmlformats.org/officeDocument/2006/relationships" r:blip="">
-          <dgm:adjLst/>
-        </dgm:shape>
-        <dgm:choose name="Name4">
-          <dgm:if name="Name5" func="var" arg="dir" op="equ" val="norm">
-            <dgm:constrLst>
-              <dgm:constr type="l" for="ch" forName="rect1" refType="w" fact="0"/>
-              <dgm:constr type="t" for="ch" forName="rect1" refType="h" fact="0"/>
-              <dgm:constr type="w" for="ch" forName="rect1" refType="w"/>
-              <dgm:constr type="h" for="ch" forName="rect1" refType="h" fact="0.8"/>
-              <dgm:constr type="l" for="ch" forName="wedgeRectCallout1" refType="w" fact="0.09"/>
-              <dgm:constr type="t" for="ch" forName="wedgeRectCallout1" refType="h" fact="0.72"/>
-              <dgm:constr type="w" for="ch" forName="wedgeRectCallout1" refType="w" fact="0.89"/>
-              <dgm:constr type="h" for="ch" forName="wedgeRectCallout1" refType="h" fact="0.28"/>
-            </dgm:constrLst>
-          </dgm:if>
-          <dgm:else name="Name6">
-            <dgm:constrLst>
-              <dgm:constr type="l" for="ch" forName="rect1" refType="w" fact="0"/>
-              <dgm:constr type="t" for="ch" forName="rect1" refType="h" fact="0"/>
-              <dgm:constr type="w" for="ch" forName="rect1" refType="w"/>
-              <dgm:constr type="h" for="ch" forName="rect1" refType="h" fact="0.8"/>
-              <dgm:constr type="l" for="ch" forName="wedgeRectCallout1" refType="w" fact="0.02"/>
-              <dgm:constr type="t" for="ch" forName="wedgeRectCallout1" refType="h" fact="0.72"/>
-              <dgm:constr type="w" for="ch" forName="wedgeRectCallout1" refType="w" fact="0.89"/>
-              <dgm:constr type="h" for="ch" forName="wedgeRectCallout1" refType="h" fact="0.28"/>
-            </dgm:constrLst>
-          </dgm:else>
-        </dgm:choose>
-        <dgm:layoutNode name="rect1" styleLbl="bgImgPlace1">
-          <dgm:alg type="sp"/>
-          <dgm:shape xmlns:r="http://schemas.openxmlformats.org/officeDocument/2006/relationships" type="rect" r:blip="" blipPhldr="1">
-            <dgm:adjLst/>
-          </dgm:shape>
-          <dgm:presOf/>
-        </dgm:layoutNode>
-        <dgm:layoutNode name="wedgeRectCallout1" styleLbl="node1">
-          <dgm:varLst>
-            <dgm:bulletEnabled val="1"/>
-          </dgm:varLst>
-          <dgm:alg type="tx"/>
-          <dgm:choose name="Name7">
-            <dgm:if name="Name8" func="var" arg="dir" op="equ" val="norm">
-              <dgm:shape xmlns:r="http://schemas.openxmlformats.org/officeDocument/2006/relationships" type="wedgeRectCallout" r:blip="">
-                <dgm:adjLst>
-                  <dgm:adj idx="1" val="0.2025"/>
-                  <dgm:adj idx="2" val="-0.607"/>
-                </dgm:adjLst>
-              </dgm:shape>
-            </dgm:if>
-            <dgm:else name="Name9">
-              <dgm:shape xmlns:r="http://schemas.openxmlformats.org/officeDocument/2006/relationships" type="wedgeRectCallout" r:blip="">
-                <dgm:adjLst>
-                  <dgm:adj idx="1" val="-0.2025"/>
-                  <dgm:adj idx="2" val="-0.607"/>
-                </dgm:adjLst>
-              </dgm:shape>
-            </dgm:else>
-          </dgm:choose>
-          <dgm:presOf axis="desOrSelf" ptType="node"/>
-          <dgm:constrLst>
-            <dgm:constr type="lMarg" refType="primFontSz" fact="0.3"/>
-            <dgm:constr type="rMarg" refType="primFontSz" fact="0.3"/>
-            <dgm:constr type="tMarg" refType="primFontSz" fact="0.3"/>
-            <dgm:constr type="bMarg" refType="primFontSz" fact="0.3"/>
-          </dgm:constrLst>
-          <dgm:ruleLst>
-            <dgm:rule type="primFontSz" val="5" fact="NaN" max="NaN"/>
-          </dgm:ruleLst>
-        </dgm:layoutNode>
-      </dgm:layoutNode>
-      <dgm:forEach name="sibTransForEach" axis="followSib" ptType="sibTrans" cnt="1">
-        <dgm:layoutNode name="sibTrans">
-          <dgm:alg type="sp"/>
-          <dgm:shape xmlns:r="http://schemas.openxmlformats.org/officeDocument/2006/relationships" r:blip="">
-            <dgm:adjLst/>
-          </dgm:shape>
-        </dgm:layoutNode>
-      </dgm:forEach>
-    </dgm:forEach>
-  </dgm:layoutNode>
-</dgm:layoutDef>
-</file>
-
-<file path=ppt/diagrams/quickStyle1.xml><?xml version="1.0" encoding="utf-8"?>
-<dgm:styleDef xmlns:dgm="http://schemas.openxmlformats.org/drawingml/2006/diagram" xmlns:a="http://schemas.openxmlformats.org/drawingml/2006/main" uniqueId="urn:microsoft.com/office/officeart/2005/8/quickstyle/simple1">
-  <dgm:title val=""/>
-  <dgm:desc val=""/>
-  <dgm:catLst>
-    <dgm:cat type="simple" pri="10100"/>
-  </dgm:catLst>
-  <dgm:scene3d>
-    <a:camera prst="orthographicFront"/>
-    <a:lightRig rig="threePt" dir="t"/>
-  </dgm:scene3d>
-  <dgm:styleLbl name="node0">
-    <dgm:scene3d>
-      <a:camera prst="orthographicFront"/>
-      <a:lightRig rig="threePt" dir="t"/>
-    </dgm:scene3d>
-    <dgm:sp3d/>
-    <dgm:txPr/>
-    <dgm:style>
-      <a:lnRef idx="2">
-        <a:scrgbClr r="0" g="0" b="0"/>
-      </a:lnRef>
-      <a:fillRef idx="1">
-        <a:scrgbClr r="0" g="0" b="0"/>
-      </a:fillRef>
-      <a:effectRef idx="0">
-        <a:scrgbClr r="0" g="0" b="0"/>
-      </a:effectRef>
-      <a:fontRef idx="minor">
-        <a:schemeClr val="lt1"/>
-      </a:fontRef>
-    </dgm:style>
-  </dgm:styleLbl>
-  <dgm:styleLbl name="lnNode1">
-    <dgm:scene3d>
-      <a:camera prst="orthographicFront"/>
-      <a:lightRig rig="threePt" dir="t"/>
-    </dgm:scene3d>
-    <dgm:sp3d/>
-    <dgm:txPr/>
-    <dgm:style>
-      <a:lnRef idx="2">
-        <a:scrgbClr r="0" g="0" b="0"/>
-      </a:lnRef>
-      <a:fillRef idx="1">
-        <a:scrgbClr r="0" g="0" b="0"/>
-      </a:fillRef>
-      <a:effectRef idx="0">
-        <a:scrgbClr r="0" g="0" b="0"/>
-      </a:effectRef>
-      <a:fontRef idx="minor">
-        <a:schemeClr val="lt1"/>
-      </a:fontRef>
-    </dgm:style>
-  </dgm:styleLbl>
-  <dgm:styleLbl name="vennNode1">
-    <dgm:scene3d>
-      <a:camera prst="orthographicFront"/>
-      <a:lightRig rig="threePt" dir="t"/>
-    </dgm:scene3d>
-    <dgm:sp3d/>
-    <dgm:txPr/>
-    <dgm:style>
-      <a:lnRef idx="2">
-        <a:scrgbClr r="0" g="0" b="0"/>
-      </a:lnRef>
-      <a:fillRef idx="1">
-        <a:scrgbClr r="0" g="0" b="0"/>
-      </a:fillRef>
-      <a:effectRef idx="0">
-        <a:scrgbClr r="0" g="0" b="0"/>
-      </a:effectRef>
-      <a:fontRef idx="minor">
-        <a:schemeClr val="tx1"/>
-      </a:fontRef>
-    </dgm:style>
-  </dgm:styleLbl>
-  <dgm:styleLbl name="alignNode1">
-    <dgm:scene3d>
-      <a:camera prst="orthographicFront"/>
-      <a:lightRig rig="threePt" dir="t"/>
-    </dgm:scene3d>
-    <dgm:sp3d/>
-    <dgm:txPr/>
-    <dgm:style>
-      <a:lnRef idx="2">
-        <a:scrgbClr r="0" g="0" b="0"/>
-      </a:lnRef>
-      <a:fillRef idx="1">
-        <a:scrgbClr r="0" g="0" b="0"/>
-      </a:fillRef>
-      <a:effectRef idx="0">
-        <a:scrgbClr r="0" g="0" b="0"/>
-      </a:effectRef>
-      <a:fontRef idx="minor">
-        <a:schemeClr val="lt1"/>
-      </a:fontRef>
-    </dgm:style>
-  </dgm:styleLbl>
-  <dgm:styleLbl name="node1">
-    <dgm:scene3d>
-      <a:camera prst="orthographicFront"/>
-      <a:lightRig rig="threePt" dir="t"/>
-    </dgm:scene3d>
-    <dgm:sp3d/>
-    <dgm:txPr/>
-    <dgm:style>
-      <a:lnRef idx="2">
-        <a:scrgbClr r="0" g="0" b="0"/>
-      </a:lnRef>
-      <a:fillRef idx="1">
-        <a:scrgbClr r="0" g="0" b="0"/>
-      </a:fillRef>
-      <a:effectRef idx="0">
-        <a:scrgbClr r="0" g="0" b="0"/>
-      </a:effectRef>
-      <a:fontRef idx="minor">
-        <a:schemeClr val="lt1"/>
-      </a:fontRef>
-    </dgm:style>
-  </dgm:styleLbl>
-  <dgm:styleLbl name="node2">
-    <dgm:scene3d>
-      <a:camera prst="orthographicFront"/>
-      <a:lightRig rig="threePt" dir="t"/>
-    </dgm:scene3d>
-    <dgm:sp3d/>
-    <dgm:txPr/>
-    <dgm:style>
-      <a:lnRef idx="2">
-        <a:scrgbClr r="0" g="0" b="0"/>
-      </a:lnRef>
-      <a:fillRef idx="1">
-        <a:scrgbClr r="0" g="0" b="0"/>
-      </a:fillRef>
-      <a:effectRef idx="0">
-        <a:scrgbClr r="0" g="0" b="0"/>
-      </a:effectRef>
-      <a:fontRef idx="minor">
-        <a:schemeClr val="lt1"/>
-      </a:fontRef>
-    </dgm:style>
-  </dgm:styleLbl>
-  <dgm:styleLbl name="node3">
-    <dgm:scene3d>
-      <a:camera prst="orthographicFront"/>
-      <a:lightRig rig="threePt" dir="t"/>
-    </dgm:scene3d>
-    <dgm:sp3d/>
-    <dgm:txPr/>
-    <dgm:style>
-      <a:lnRef idx="2">
-        <a:scrgbClr r="0" g="0" b="0"/>
-      </a:lnRef>
-      <a:fillRef idx="1">
-        <a:scrgbClr r="0" g="0" b="0"/>
-      </a:fillRef>
-      <a:effectRef idx="0">
-        <a:scrgbClr r="0" g="0" b="0"/>
-      </a:effectRef>
-      <a:fontRef idx="minor">
-        <a:schemeClr val="lt1"/>
-      </a:fontRef>
-    </dgm:style>
-  </dgm:styleLbl>
-  <dgm:styleLbl name="node4">
-    <dgm:scene3d>
-      <a:camera prst="orthographicFront"/>
-      <a:lightRig rig="threePt" dir="t"/>
-    </dgm:scene3d>
-    <dgm:sp3d/>
-    <dgm:txPr/>
-    <dgm:style>
-      <a:lnRef idx="2">
-        <a:scrgbClr r="0" g="0" b="0"/>
-      </a:lnRef>
-      <a:fillRef idx="1">
-        <a:scrgbClr r="0" g="0" b="0"/>
-      </a:fillRef>
-      <a:effectRef idx="0">
-        <a:scrgbClr r="0" g="0" b="0"/>
-      </a:effectRef>
-      <a:fontRef idx="minor">
-        <a:schemeClr val="lt1"/>
-      </a:fontRef>
-    </dgm:style>
-  </dgm:styleLbl>
-  <dgm:styleLbl name="fgImgPlace1">
-    <dgm:scene3d>
-      <a:camera prst="orthographicFront"/>
-      <a:lightRig rig="threePt" dir="t"/>
-    </dgm:scene3d>
-    <dgm:sp3d/>
-    <dgm:txPr/>
-    <dgm:style>
-      <a:lnRef idx="2">
-        <a:scrgbClr r="0" g="0" b="0"/>
-      </a:lnRef>
-      <a:fillRef idx="1">
-        <a:scrgbClr r="0" g="0" b="0"/>
-      </a:fillRef>
-      <a:effectRef idx="0">
-        <a:scrgbClr r="0" g="0" b="0"/>
-      </a:effectRef>
-      <a:fontRef idx="minor"/>
-    </dgm:style>
-  </dgm:styleLbl>
-  <dgm:styleLbl name="alignImgPlace1">
-    <dgm:scene3d>
-      <a:camera prst="orthographicFront"/>
-      <a:lightRig rig="threePt" dir="t"/>
-    </dgm:scene3d>
-    <dgm:sp3d/>
-    <dgm:txPr/>
-    <dgm:style>
-      <a:lnRef idx="2">
-        <a:scrgbClr r="0" g="0" b="0"/>
-      </a:lnRef>
-      <a:fillRef idx="1">
-        <a:scrgbClr r="0" g="0" b="0"/>
-      </a:fillRef>
-      <a:effectRef idx="0">
-        <a:scrgbClr r="0" g="0" b="0"/>
-      </a:effectRef>
-      <a:fontRef idx="minor"/>
-    </dgm:style>
-  </dgm:styleLbl>
-  <dgm:styleLbl name="bgImgPlace1">
-    <dgm:scene3d>
-      <a:camera prst="orthographicFront"/>
-      <a:lightRig rig="threePt" dir="t"/>
-    </dgm:scene3d>
-    <dgm:sp3d/>
-    <dgm:txPr/>
-    <dgm:style>
-      <a:lnRef idx="2">
-        <a:scrgbClr r="0" g="0" b="0"/>
-      </a:lnRef>
-      <a:fillRef idx="1">
-        <a:scrgbClr r="0" g="0" b="0"/>
-      </a:fillRef>
-      <a:effectRef idx="0">
-        <a:scrgbClr r="0" g="0" b="0"/>
-      </a:effectRef>
-      <a:fontRef idx="minor"/>
-    </dgm:style>
-  </dgm:styleLbl>
-  <dgm:styleLbl name="sibTrans2D1">
-    <dgm:scene3d>
-      <a:camera prst="orthographicFront"/>
-      <a:lightRig rig="threePt" dir="t"/>
-    </dgm:scene3d>
-    <dgm:sp3d/>
-    <dgm:txPr/>
-    <dgm:style>
-      <a:lnRef idx="0">
-        <a:scrgbClr r="0" g="0" b="0"/>
-      </a:lnRef>
-      <a:fillRef idx="1">
-        <a:scrgbClr r="0" g="0" b="0"/>
-      </a:fillRef>
-      <a:effectRef idx="0">
-        <a:scrgbClr r="0" g="0" b="0"/>
-      </a:effectRef>
-      <a:fontRef idx="minor">
-        <a:schemeClr val="lt1"/>
-      </a:fontRef>
-    </dgm:style>
-  </dgm:styleLbl>
-  <dgm:styleLbl name="fgSibTrans2D1">
-    <dgm:scene3d>
-      <a:camera prst="orthographicFront"/>
-      <a:lightRig rig="threePt" dir="t"/>
-    </dgm:scene3d>
-    <dgm:sp3d/>
-    <dgm:txPr/>
-    <dgm:style>
-      <a:lnRef idx="0">
-        <a:scrgbClr r="0" g="0" b="0"/>
-      </a:lnRef>
-      <a:fillRef idx="1">
-        <a:scrgbClr r="0" g="0" b="0"/>
-      </a:fillRef>
-      <a:effectRef idx="0">
-        <a:scrgbClr r="0" g="0" b="0"/>
-      </a:effectRef>
-      <a:fontRef idx="minor">
-        <a:schemeClr val="lt1"/>
-      </a:fontRef>
-    </dgm:style>
-  </dgm:styleLbl>
-  <dgm:styleLbl name="bgSibTrans2D1">
-    <dgm:scene3d>
-      <a:camera prst="orthographicFront"/>
-      <a:lightRig rig="threePt" dir="t"/>
-    </dgm:scene3d>
-    <dgm:sp3d/>
-    <dgm:txPr/>
-    <dgm:style>
-      <a:lnRef idx="0">
-        <a:scrgbClr r="0" g="0" b="0"/>
-      </a:lnRef>
-      <a:fillRef idx="1">
-        <a:scrgbClr r="0" g="0" b="0"/>
-      </a:fillRef>
-      <a:effectRef idx="0">
-        <a:scrgbClr r="0" g="0" b="0"/>
-      </a:effectRef>
-      <a:fontRef idx="minor">
-        <a:schemeClr val="lt1"/>
-      </a:fontRef>
-    </dgm:style>
-  </dgm:styleLbl>
-  <dgm:styleLbl name="sibTrans1D1">
-    <dgm:scene3d>
-      <a:camera prst="orthographicFront"/>
-      <a:lightRig rig="threePt" dir="t"/>
-    </dgm:scene3d>
-    <dgm:sp3d/>
-    <dgm:txPr/>
-    <dgm:style>
-      <a:lnRef idx="1">
-        <a:scrgbClr r="0" g="0" b="0"/>
-      </a:lnRef>
-      <a:fillRef idx="0">
-        <a:scrgbClr r="0" g="0" b="0"/>
-      </a:fillRef>
-      <a:effectRef idx="0">
-        <a:scrgbClr r="0" g="0" b="0"/>
-      </a:effectRef>
-      <a:fontRef idx="minor"/>
-    </dgm:style>
-  </dgm:styleLbl>
-  <dgm:styleLbl name="callout">
-    <dgm:scene3d>
-      <a:camera prst="orthographicFront"/>
-      <a:lightRig rig="threePt" dir="t"/>
-    </dgm:scene3d>
-    <dgm:sp3d/>
-    <dgm:txPr/>
-    <dgm:style>
-      <a:lnRef idx="2">
-        <a:scrgbClr r="0" g="0" b="0"/>
-      </a:lnRef>
-      <a:fillRef idx="1">
-        <a:scrgbClr r="0" g="0" b="0"/>
-      </a:fillRef>
-      <a:effectRef idx="0">
-        <a:scrgbClr r="0" g="0" b="0"/>
-      </a:effectRef>
-      <a:fontRef idx="minor"/>
-    </dgm:style>
-  </dgm:styleLbl>
-  <dgm:styleLbl name="asst0">
-    <dgm:scene3d>
-      <a:camera prst="orthographicFront"/>
-      <a:lightRig rig="threePt" dir="t"/>
-    </dgm:scene3d>
-    <dgm:sp3d/>
-    <dgm:txPr/>
-    <dgm:style>
-      <a:lnRef idx="2">
-        <a:scrgbClr r="0" g="0" b="0"/>
-      </a:lnRef>
-      <a:fillRef idx="1">
-        <a:scrgbClr r="0" g="0" b="0"/>
-      </a:fillRef>
-      <a:effectRef idx="0">
-        <a:scrgbClr r="0" g="0" b="0"/>
-      </a:effectRef>
-      <a:fontRef idx="minor">
-        <a:schemeClr val="lt1"/>
-      </a:fontRef>
-    </dgm:style>
-  </dgm:styleLbl>
-  <dgm:styleLbl name="asst1">
-    <dgm:scene3d>
-      <a:camera prst="orthographicFront"/>
-      <a:lightRig rig="threePt" dir="t"/>
-    </dgm:scene3d>
-    <dgm:sp3d/>
-    <dgm:txPr/>
-    <dgm:style>
-      <a:lnRef idx="2">
-        <a:scrgbClr r="0" g="0" b="0"/>
-      </a:lnRef>
-      <a:fillRef idx="1">
-        <a:scrgbClr r="0" g="0" b="0"/>
-      </a:fillRef>
-      <a:effectRef idx="0">
-        <a:scrgbClr r="0" g="0" b="0"/>
-      </a:effectRef>
-      <a:fontRef idx="minor">
-        <a:schemeClr val="lt1"/>
-      </a:fontRef>
-    </dgm:style>
-  </dgm:styleLbl>
-  <dgm:styleLbl name="asst2">
-    <dgm:scene3d>
-      <a:camera prst="orthographicFront"/>
-      <a:lightRig rig="threePt" dir="t"/>
-    </dgm:scene3d>
-    <dgm:sp3d/>
-    <dgm:txPr/>
-    <dgm:style>
-      <a:lnRef idx="2">
-        <a:scrgbClr r="0" g="0" b="0"/>
-      </a:lnRef>
-      <a:fillRef idx="1">
-        <a:scrgbClr r="0" g="0" b="0"/>
-      </a:fillRef>
-      <a:effectRef idx="0">
-        <a:scrgbClr r="0" g="0" b="0"/>
-      </a:effectRef>
-      <a:fontRef idx="minor">
-        <a:schemeClr val="lt1"/>
-      </a:fontRef>
-    </dgm:style>
-  </dgm:styleLbl>
-  <dgm:styleLbl name="asst3">
-    <dgm:scene3d>
-      <a:camera prst="orthographicFront"/>
-      <a:lightRig rig="threePt" dir="t"/>
-    </dgm:scene3d>
-    <dgm:sp3d/>
-    <dgm:txPr/>
-    <dgm:style>
-      <a:lnRef idx="2">
-        <a:scrgbClr r="0" g="0" b="0"/>
-      </a:lnRef>
-      <a:fillRef idx="1">
-        <a:scrgbClr r="0" g="0" b="0"/>
-      </a:fillRef>
-      <a:effectRef idx="0">
-        <a:scrgbClr r="0" g="0" b="0"/>
-      </a:effectRef>
-      <a:fontRef idx="minor">
-        <a:schemeClr val="lt1"/>
-      </a:fontRef>
-    </dgm:style>
-  </dgm:styleLbl>
-  <dgm:styleLbl name="asst4">
-    <dgm:scene3d>
-      <a:camera prst="orthographicFront"/>
-      <a:lightRig rig="threePt" dir="t"/>
-    </dgm:scene3d>
-    <dgm:sp3d/>
-    <dgm:txPr/>
-    <dgm:style>
-      <a:lnRef idx="2">
-        <a:scrgbClr r="0" g="0" b="0"/>
-      </a:lnRef>
-      <a:fillRef idx="1">
-        <a:scrgbClr r="0" g="0" b="0"/>
-      </a:fillRef>
-      <a:effectRef idx="0">
-        <a:scrgbClr r="0" g="0" b="0"/>
-      </a:effectRef>
-      <a:fontRef idx="minor">
-        <a:schemeClr val="lt1"/>
-      </a:fontRef>
-    </dgm:style>
-  </dgm:styleLbl>
-  <dgm:styleLbl name="parChTrans2D1">
-    <dgm:scene3d>
-      <a:camera prst="orthographicFront"/>
-      <a:lightRig rig="threePt" dir="t"/>
-    </dgm:scene3d>
-    <dgm:sp3d/>
-    <dgm:txPr/>
-    <dgm:style>
-      <a:lnRef idx="2">
-        <a:scrgbClr r="0" g="0" b="0"/>
-      </a:lnRef>
-      <a:fillRef idx="1">
-        <a:scrgbClr r="0" g="0" b="0"/>
-      </a:fillRef>
-      <a:effectRef idx="0">
-        <a:scrgbClr r="0" g="0" b="0"/>
-      </a:effectRef>
-      <a:fontRef idx="minor">
-        <a:schemeClr val="lt1"/>
-      </a:fontRef>
-    </dgm:style>
-  </dgm:styleLbl>
-  <dgm:styleLbl name="parChTrans2D2">
-    <dgm:scene3d>
-      <a:camera prst="orthographicFront"/>
-      <a:lightRig rig="threePt" dir="t"/>
-    </dgm:scene3d>
-    <dgm:sp3d/>
-    <dgm:txPr/>
-    <dgm:style>
-      <a:lnRef idx="2">
-        <a:scrgbClr r="0" g="0" b="0"/>
-      </a:lnRef>
-      <a:fillRef idx="1">
-        <a:scrgbClr r="0" g="0" b="0"/>
-      </a:fillRef>
-      <a:effectRef idx="0">
-        <a:scrgbClr r="0" g="0" b="0"/>
-      </a:effectRef>
-      <a:fontRef idx="minor">
-        <a:schemeClr val="lt1"/>
-      </a:fontRef>
-    </dgm:style>
-  </dgm:styleLbl>
-  <dgm:styleLbl name="parChTrans2D3">
-    <dgm:scene3d>
-      <a:camera prst="orthographicFront"/>
-      <a:lightRig rig="threePt" dir="t"/>
-    </dgm:scene3d>
-    <dgm:sp3d/>
-    <dgm:txPr/>
-    <dgm:style>
-      <a:lnRef idx="2">
-        <a:scrgbClr r="0" g="0" b="0"/>
-      </a:lnRef>
-      <a:fillRef idx="1">
-        <a:scrgbClr r="0" g="0" b="0"/>
-      </a:fillRef>
-      <a:effectRef idx="0">
-        <a:scrgbClr r="0" g="0" b="0"/>
-      </a:effectRef>
-      <a:fontRef idx="minor">
-        <a:schemeClr val="lt1"/>
-      </a:fontRef>
-    </dgm:style>
-  </dgm:styleLbl>
-  <dgm:styleLbl name="parChTrans2D4">
-    <dgm:scene3d>
-      <a:camera prst="orthographicFront"/>
-      <a:lightRig rig="threePt" dir="t"/>
-    </dgm:scene3d>
-    <dgm:sp3d/>
-    <dgm:txPr/>
-    <dgm:style>
-      <a:lnRef idx="2">
-        <a:scrgbClr r="0" g="0" b="0"/>
-      </a:lnRef>
-      <a:fillRef idx="1">
-        <a:scrgbClr r="0" g="0" b="0"/>
-      </a:fillRef>
-      <a:effectRef idx="0">
-        <a:scrgbClr r="0" g="0" b="0"/>
-      </a:effectRef>
-      <a:fontRef idx="minor">
-        <a:schemeClr val="lt1"/>
-      </a:fontRef>
-    </dgm:style>
-  </dgm:styleLbl>
-  <dgm:styleLbl name="parChTrans1D1">
-    <dgm:scene3d>
-      <a:camera prst="orthographicFront"/>
-      <a:lightRig rig="threePt" dir="t"/>
-    </dgm:scene3d>
-    <dgm:sp3d/>
-    <dgm:txPr/>
-    <dgm:style>
-      <a:lnRef idx="2">
-        <a:scrgbClr r="0" g="0" b="0"/>
-      </a:lnRef>
-      <a:fillRef idx="0">
-        <a:scrgbClr r="0" g="0" b="0"/>
-      </a:fillRef>
-      <a:effectRef idx="0">
-        <a:scrgbClr r="0" g="0" b="0"/>
-      </a:effectRef>
-      <a:fontRef idx="minor"/>
-    </dgm:style>
-  </dgm:styleLbl>
-  <dgm:styleLbl name="parChTrans1D2">
-    <dgm:scene3d>
-      <a:camera prst="orthographicFront"/>
-      <a:lightRig rig="threePt" dir="t"/>
-    </dgm:scene3d>
-    <dgm:sp3d/>
-    <dgm:txPr/>
-    <dgm:style>
-      <a:lnRef idx="2">
-        <a:scrgbClr r="0" g="0" b="0"/>
-      </a:lnRef>
-      <a:fillRef idx="0">
-        <a:scrgbClr r="0" g="0" b="0"/>
-      </a:fillRef>
-      <a:effectRef idx="0">
-        <a:scrgbClr r="0" g="0" b="0"/>
-      </a:effectRef>
-      <a:fontRef idx="minor"/>
-    </dgm:style>
-  </dgm:styleLbl>
-  <dgm:styleLbl name="parChTrans1D3">
-    <dgm:scene3d>
-      <a:camera prst="orthographicFront"/>
-      <a:lightRig rig="threePt" dir="t"/>
-    </dgm:scene3d>
-    <dgm:sp3d/>
-    <dgm:txPr/>
-    <dgm:style>
-      <a:lnRef idx="2">
-        <a:scrgbClr r="0" g="0" b="0"/>
-      </a:lnRef>
-      <a:fillRef idx="0">
-        <a:scrgbClr r="0" g="0" b="0"/>
-      </a:fillRef>
-      <a:effectRef idx="0">
-        <a:scrgbClr r="0" g="0" b="0"/>
-      </a:effectRef>
-      <a:fontRef idx="minor"/>
-    </dgm:style>
-  </dgm:styleLbl>
-  <dgm:styleLbl name="parChTrans1D4">
-    <dgm:scene3d>
-      <a:camera prst="orthographicFront"/>
-      <a:lightRig rig="threePt" dir="t"/>
-    </dgm:scene3d>
-    <dgm:sp3d/>
-    <dgm:txPr/>
-    <dgm:style>
-      <a:lnRef idx="2">
-        <a:scrgbClr r="0" g="0" b="0"/>
-      </a:lnRef>
-      <a:fillRef idx="0">
-        <a:scrgbClr r="0" g="0" b="0"/>
-      </a:fillRef>
-      <a:effectRef idx="0">
-        <a:scrgbClr r="0" g="0" b="0"/>
-      </a:effectRef>
-      <a:fontRef idx="minor"/>
-    </dgm:style>
-  </dgm:styleLbl>
-  <dgm:styleLbl name="fgAcc1">
-    <dgm:scene3d>
-      <a:camera prst="orthographicFront"/>
-      <a:lightRig rig="threePt" dir="t"/>
-    </dgm:scene3d>
-    <dgm:sp3d/>
-    <dgm:txPr/>
-    <dgm:style>
-      <a:lnRef idx="2">
-        <a:scrgbClr r="0" g="0" b="0"/>
-      </a:lnRef>
-      <a:fillRef idx="1">
-        <a:scrgbClr r="0" g="0" b="0"/>
-      </a:fillRef>
-      <a:effectRef idx="0">
-        <a:scrgbClr r="0" g="0" b="0"/>
-      </a:effectRef>
-      <a:fontRef idx="minor"/>
-    </dgm:style>
-  </dgm:styleLbl>
-  <dgm:styleLbl name="conFgAcc1">
-    <dgm:scene3d>
-      <a:camera prst="orthographicFront"/>
-      <a:lightRig rig="threePt" dir="t"/>
-    </dgm:scene3d>
-    <dgm:sp3d/>
-    <dgm:txPr/>
-    <dgm:style>
-      <a:lnRef idx="2">
-        <a:scrgbClr r="0" g="0" b="0"/>
-      </a:lnRef>
-      <a:fillRef idx="1">
-        <a:scrgbClr r="0" g="0" b="0"/>
-      </a:fillRef>
-      <a:effectRef idx="0">
-        <a:scrgbClr r="0" g="0" b="0"/>
-      </a:effectRef>
-      <a:fontRef idx="minor"/>
-    </dgm:style>
-  </dgm:styleLbl>
-  <dgm:styleLbl name="alignAcc1">
-    <dgm:scene3d>
-      <a:camera prst="orthographicFront"/>
-      <a:lightRig rig="threePt" dir="t"/>
-    </dgm:scene3d>
-    <dgm:sp3d/>
-    <dgm:txPr/>
-    <dgm:style>
-      <a:lnRef idx="2">
-        <a:scrgbClr r="0" g="0" b="0"/>
-      </a:lnRef>
-      <a:fillRef idx="1">
-        <a:scrgbClr r="0" g="0" b="0"/>
-      </a:fillRef>
-      <a:effectRef idx="0">
-        <a:scrgbClr r="0" g="0" b="0"/>
-      </a:effectRef>
-      <a:fontRef idx="minor"/>
-    </dgm:style>
-  </dgm:styleLbl>
-  <dgm:styleLbl name="trAlignAcc1">
-    <dgm:scene3d>
-      <a:camera prst="orthographicFront"/>
-      <a:lightRig rig="threePt" dir="t"/>
-    </dgm:scene3d>
-    <dgm:sp3d/>
-    <dgm:txPr/>
-    <dgm:style>
-      <a:lnRef idx="1">
-        <a:scrgbClr r="0" g="0" b="0"/>
-      </a:lnRef>
-      <a:fillRef idx="1">
-        <a:scrgbClr r="0" g="0" b="0"/>
-      </a:fillRef>
-      <a:effectRef idx="0">
-        <a:scrgbClr r="0" g="0" b="0"/>
-      </a:effectRef>
-      <a:fontRef idx="minor"/>
-    </dgm:style>
-  </dgm:styleLbl>
-  <dgm:styleLbl name="bgAcc1">
-    <dgm:scene3d>
-      <a:camera prst="orthographicFront"/>
-      <a:lightRig rig="threePt" dir="t"/>
-    </dgm:scene3d>
-    <dgm:sp3d/>
-    <dgm:txPr/>
-    <dgm:style>
-      <a:lnRef idx="2">
-        <a:scrgbClr r="0" g="0" b="0"/>
-      </a:lnRef>
-      <a:fillRef idx="1">
-        <a:scrgbClr r="0" g="0" b="0"/>
-      </a:fillRef>
-      <a:effectRef idx="0">
-        <a:scrgbClr r="0" g="0" b="0"/>
-      </a:effectRef>
-      <a:fontRef idx="minor"/>
-    </dgm:style>
-  </dgm:styleLbl>
-  <dgm:styleLbl name="solidFgAcc1">
-    <dgm:scene3d>
-      <a:camera prst="orthographicFront"/>
-      <a:lightRig rig="threePt" dir="t"/>
-    </dgm:scene3d>
-    <dgm:sp3d/>
-    <dgm:txPr/>
-    <dgm:style>
-      <a:lnRef idx="2">
-        <a:scrgbClr r="0" g="0" b="0"/>
-      </a:lnRef>
-      <a:fillRef idx="1">
-        <a:scrgbClr r="0" g="0" b="0"/>
-      </a:fillRef>
-      <a:effectRef idx="0">
-        <a:scrgbClr r="0" g="0" b="0"/>
-      </a:effectRef>
-      <a:fontRef idx="minor"/>
-    </dgm:style>
-  </dgm:styleLbl>
-  <dgm:styleLbl name="solidAlignAcc1">
-    <dgm:scene3d>
-      <a:camera prst="orthographicFront"/>
-      <a:lightRig rig="threePt" dir="t"/>
-    </dgm:scene3d>
-    <dgm:sp3d/>
-    <dgm:txPr/>
-    <dgm:style>
-      <a:lnRef idx="2">
-        <a:scrgbClr r="0" g="0" b="0"/>
-      </a:lnRef>
-      <a:fillRef idx="1">
-        <a:scrgbClr r="0" g="0" b="0"/>
-      </a:fillRef>
-      <a:effectRef idx="0">
-        <a:scrgbClr r="0" g="0" b="0"/>
-      </a:effectRef>
-      <a:fontRef idx="minor"/>
-    </dgm:style>
-  </dgm:styleLbl>
-  <dgm:styleLbl name="solidBgAcc1">
-    <dgm:scene3d>
-      <a:camera prst="orthographicFront"/>
-      <a:lightRig rig="threePt" dir="t"/>
-    </dgm:scene3d>
-    <dgm:sp3d/>
-    <dgm:txPr/>
-    <dgm:style>
-      <a:lnRef idx="2">
-        <a:scrgbClr r="0" g="0" b="0"/>
-      </a:lnRef>
-      <a:fillRef idx="1">
-        <a:scrgbClr r="0" g="0" b="0"/>
-      </a:fillRef>
-      <a:effectRef idx="0">
-        <a:scrgbClr r="0" g="0" b="0"/>
-      </a:effectRef>
-      <a:fontRef idx="minor"/>
-    </dgm:style>
-  </dgm:styleLbl>
-  <dgm:styleLbl name="fgAccFollowNode1">
-    <dgm:scene3d>
-      <a:camera prst="orthographicFront"/>
-      <a:lightRig rig="threePt" dir="t"/>
-    </dgm:scene3d>
-    <dgm:sp3d/>
-    <dgm:txPr/>
-    <dgm:style>
-      <a:lnRef idx="2">
-        <a:scrgbClr r="0" g="0" b="0"/>
-      </a:lnRef>
-      <a:fillRef idx="1">
-        <a:scrgbClr r="0" g="0" b="0"/>
-      </a:fillRef>
-      <a:effectRef idx="0">
-        <a:scrgbClr r="0" g="0" b="0"/>
-      </a:effectRef>
-      <a:fontRef idx="minor"/>
-    </dgm:style>
-  </dgm:styleLbl>
-  <dgm:styleLbl name="alignAccFollowNode1">
-    <dgm:scene3d>
-      <a:camera prst="orthographicFront"/>
-      <a:lightRig rig="threePt" dir="t"/>
-    </dgm:scene3d>
-    <dgm:sp3d/>
-    <dgm:txPr/>
-    <dgm:style>
-      <a:lnRef idx="2">
-        <a:scrgbClr r="0" g="0" b="0"/>
-      </a:lnRef>
-      <a:fillRef idx="1">
-        <a:scrgbClr r="0" g="0" b="0"/>
-      </a:fillRef>
-      <a:effectRef idx="0">
-        <a:scrgbClr r="0" g="0" b="0"/>
-      </a:effectRef>
-      <a:fontRef idx="minor"/>
-    </dgm:style>
-  </dgm:styleLbl>
-  <dgm:styleLbl name="bgAccFollowNode1">
-    <dgm:scene3d>
-      <a:camera prst="orthographicFront"/>
-      <a:lightRig rig="threePt" dir="t"/>
-    </dgm:scene3d>
-    <dgm:sp3d/>
-    <dgm:txPr/>
-    <dgm:style>
-      <a:lnRef idx="2">
-        <a:scrgbClr r="0" g="0" b="0"/>
-      </a:lnRef>
-      <a:fillRef idx="1">
-        <a:scrgbClr r="0" g="0" b="0"/>
-      </a:fillRef>
-      <a:effectRef idx="0">
-        <a:scrgbClr r="0" g="0" b="0"/>
-      </a:effectRef>
-      <a:fontRef idx="minor"/>
-    </dgm:style>
-  </dgm:styleLbl>
-  <dgm:styleLbl name="fgAcc0">
-    <dgm:scene3d>
-      <a:camera prst="orthographicFront"/>
-      <a:lightRig rig="threePt" dir="t"/>
-    </dgm:scene3d>
-    <dgm:sp3d/>
-    <dgm:txPr/>
-    <dgm:style>
-      <a:lnRef idx="2">
-        <a:scrgbClr r="0" g="0" b="0"/>
-      </a:lnRef>
-      <a:fillRef idx="1">
-        <a:scrgbClr r="0" g="0" b="0"/>
-      </a:fillRef>
-      <a:effectRef idx="0">
-        <a:scrgbClr r="0" g="0" b="0"/>
-      </a:effectRef>
-      <a:fontRef idx="minor"/>
-    </dgm:style>
-  </dgm:styleLbl>
-  <dgm:styleLbl name="fgAcc2">
-    <dgm:scene3d>
-      <a:camera prst="orthographicFront"/>
-      <a:lightRig rig="threePt" dir="t"/>
-    </dgm:scene3d>
-    <dgm:sp3d/>
-    <dgm:txPr/>
-    <dgm:style>
-      <a:lnRef idx="2">
-        <a:scrgbClr r="0" g="0" b="0"/>
-      </a:lnRef>
-      <a:fillRef idx="1">
-        <a:scrgbClr r="0" g="0" b="0"/>
-      </a:fillRef>
-      <a:effectRef idx="0">
-        <a:scrgbClr r="0" g="0" b="0"/>
-      </a:effectRef>
-      <a:fontRef idx="minor"/>
-    </dgm:style>
-  </dgm:styleLbl>
-  <dgm:styleLbl name="fgAcc3">
-    <dgm:scene3d>
-      <a:camera prst="orthographicFront"/>
-      <a:lightRig rig="threePt" dir="t"/>
-    </dgm:scene3d>
-    <dgm:sp3d/>
-    <dgm:txPr/>
-    <dgm:style>
-      <a:lnRef idx="2">
-        <a:scrgbClr r="0" g="0" b="0"/>
-      </a:lnRef>
-      <a:fillRef idx="1">
-        <a:scrgbClr r="0" g="0" b="0"/>
-      </a:fillRef>
-      <a:effectRef idx="0">
-        <a:scrgbClr r="0" g="0" b="0"/>
-      </a:effectRef>
-      <a:fontRef idx="minor"/>
-    </dgm:style>
-  </dgm:styleLbl>
-  <dgm:styleLbl name="fgAcc4">
-    <dgm:scene3d>
-      <a:camera prst="orthographicFront"/>
-      <a:lightRig rig="threePt" dir="t"/>
-    </dgm:scene3d>
-    <dgm:sp3d/>
-    <dgm:txPr/>
-    <dgm:style>
-      <a:lnRef idx="2">
-        <a:scrgbClr r="0" g="0" b="0"/>
-      </a:lnRef>
-      <a:fillRef idx="1">
-        <a:scrgbClr r="0" g="0" b="0"/>
-      </a:fillRef>
-      <a:effectRef idx="0">
-        <a:scrgbClr r="0" g="0" b="0"/>
-      </a:effectRef>
-      <a:fontRef idx="minor"/>
-    </dgm:style>
-  </dgm:styleLbl>
-  <dgm:styleLbl name="bgShp">
-    <dgm:scene3d>
-      <a:camera prst="orthographicFront"/>
-      <a:lightRig rig="threePt" dir="t"/>
-    </dgm:scene3d>
-    <dgm:sp3d/>
-    <dgm:txPr/>
-    <dgm:style>
-      <a:lnRef idx="0">
-        <a:scrgbClr r="0" g="0" b="0"/>
-      </a:lnRef>
-      <a:fillRef idx="1">
-        <a:scrgbClr r="0" g="0" b="0"/>
-      </a:fillRef>
-      <a:effectRef idx="0">
-        <a:scrgbClr r="0" g="0" b="0"/>
-      </a:effectRef>
-      <a:fontRef idx="minor"/>
-    </dgm:style>
-  </dgm:styleLbl>
-  <dgm:styleLbl name="dkBgShp">
-    <dgm:scene3d>
-      <a:camera prst="orthographicFront"/>
-      <a:lightRig rig="threePt" dir="t"/>
-    </dgm:scene3d>
-    <dgm:sp3d/>
-    <dgm:txPr/>
-    <dgm:style>
-      <a:lnRef idx="0">
-        <a:scrgbClr r="0" g="0" b="0"/>
-      </a:lnRef>
-      <a:fillRef idx="1">
-        <a:scrgbClr r="0" g="0" b="0"/>
-      </a:fillRef>
-      <a:effectRef idx="0">
-        <a:scrgbClr r="0" g="0" b="0"/>
-      </a:effectRef>
-      <a:fontRef idx="minor"/>
-    </dgm:style>
-  </dgm:styleLbl>
-  <dgm:styleLbl name="trBgShp">
-    <dgm:scene3d>
-      <a:camera prst="orthographicFront"/>
-      <a:lightRig rig="threePt" dir="t"/>
-    </dgm:scene3d>
-    <dgm:sp3d/>
-    <dgm:txPr/>
-    <dgm:style>
-      <a:lnRef idx="0">
-        <a:scrgbClr r="0" g="0" b="0"/>
-      </a:lnRef>
-      <a:fillRef idx="1">
-        <a:scrgbClr r="0" g="0" b="0"/>
-      </a:fillRef>
-      <a:effectRef idx="0">
-        <a:scrgbClr r="0" g="0" b="0"/>
-      </a:effectRef>
-      <a:fontRef idx="minor"/>
-    </dgm:style>
-  </dgm:styleLbl>
-  <dgm:styleLbl name="fgShp">
-    <dgm:scene3d>
-      <a:camera prst="orthographicFront"/>
-      <a:lightRig rig="threePt" dir="t"/>
-    </dgm:scene3d>
-    <dgm:sp3d/>
-    <dgm:txPr/>
-    <dgm:style>
-      <a:lnRef idx="2">
-        <a:scrgbClr r="0" g="0" b="0"/>
-      </a:lnRef>
-      <a:fillRef idx="1">
-        <a:scrgbClr r="0" g="0" b="0"/>
-      </a:fillRef>
-      <a:effectRef idx="0">
-        <a:scrgbClr r="0" g="0" b="0"/>
-      </a:effectRef>
-      <a:fontRef idx="minor"/>
-    </dgm:style>
-  </dgm:styleLbl>
-  <dgm:styleLbl name="revTx">
-    <dgm:scene3d>
-      <a:camera prst="orthographicFront"/>
-      <a:lightRig rig="threePt" dir="t"/>
-    </dgm:scene3d>
-    <dgm:sp3d/>
-    <dgm:txPr/>
-    <dgm:style>
-      <a:lnRef idx="0">
-        <a:scrgbClr r="0" g="0" b="0"/>
-      </a:lnRef>
-      <a:fillRef idx="0">
-        <a:scrgbClr r="0" g="0" b="0"/>
-      </a:fillRef>
-      <a:effectRef idx="0">
-        <a:scrgbClr r="0" g="0" b="0"/>
-      </a:effectRef>
-      <a:fontRef idx="minor"/>
-    </dgm:style>
-  </dgm:styleLbl>
-</dgm:styleDef>
 </file>
 
 <file path=ppt/slideLayouts/slideLayout1.xml><?xml version="1.0" encoding="utf-8"?>
@@ -10243,34 +7487,246 @@
           </a:p>
         </p:txBody>
       </p:sp>
-      <p:graphicFrame>
-        <p:nvGraphicFramePr>
-          <p:cNvPr id="4" name="図表 3">
+      <p:pic>
+        <p:nvPicPr>
+          <p:cNvPr id="7" name="図 6">
             <a:extLst>
               <a:ext uri="{FF2B5EF4-FFF2-40B4-BE49-F238E27FC236}">
-                <a16:creationId xmlns:a16="http://schemas.microsoft.com/office/drawing/2014/main" id="{DE5F48FE-9E26-4B75-AAEE-10BD05A57C58}"/>
+                <a16:creationId xmlns:a16="http://schemas.microsoft.com/office/drawing/2014/main" id="{FC50A345-C11B-4840-93E6-4490DDACC8BE}"/>
               </a:ext>
             </a:extLst>
           </p:cNvPr>
-          <p:cNvGraphicFramePr/>
-          <p:nvPr>
-            <p:extLst>
-              <p:ext uri="{D42A27DB-BD31-4B8C-83A1-F6EECF244321}">
-                <p14:modId xmlns:p14="http://schemas.microsoft.com/office/powerpoint/2010/main" val="2102003471"/>
-              </p:ext>
-            </p:extLst>
-          </p:nvPr>
-        </p:nvGraphicFramePr>
-        <p:xfrm>
-          <a:off x="0" y="-452734"/>
-          <a:ext cx="12192000" cy="5846369"/>
-        </p:xfrm>
-        <a:graphic>
-          <a:graphicData uri="http://schemas.openxmlformats.org/drawingml/2006/diagram">
-            <dgm:relIds xmlns:dgm="http://schemas.openxmlformats.org/drawingml/2006/diagram" xmlns:r="http://schemas.openxmlformats.org/officeDocument/2006/relationships" r:dm="rId2" r:lo="rId3" r:qs="rId4" r:cs="rId5"/>
-          </a:graphicData>
-        </a:graphic>
-      </p:graphicFrame>
+          <p:cNvPicPr>
+            <a:picLocks noChangeAspect="1"/>
+          </p:cNvPicPr>
+          <p:nvPr/>
+        </p:nvPicPr>
+        <p:blipFill>
+          <a:blip r:embed="rId2"/>
+          <a:stretch>
+            <a:fillRect/>
+          </a:stretch>
+        </p:blipFill>
+        <p:spPr>
+          <a:xfrm>
+            <a:off x="8501133" y="1069635"/>
+            <a:ext cx="3330987" cy="4718730"/>
+          </a:xfrm>
+          <a:prstGeom prst="rect">
+            <a:avLst/>
+          </a:prstGeom>
+        </p:spPr>
+      </p:pic>
+      <p:pic>
+        <p:nvPicPr>
+          <p:cNvPr id="9" name="図 8">
+            <a:extLst>
+              <a:ext uri="{FF2B5EF4-FFF2-40B4-BE49-F238E27FC236}">
+                <a16:creationId xmlns:a16="http://schemas.microsoft.com/office/drawing/2014/main" id="{051F29BA-591D-4069-BB53-697170F23540}"/>
+              </a:ext>
+            </a:extLst>
+          </p:cNvPr>
+          <p:cNvPicPr>
+            <a:picLocks noChangeAspect="1"/>
+          </p:cNvPicPr>
+          <p:nvPr/>
+        </p:nvPicPr>
+        <p:blipFill>
+          <a:blip r:embed="rId3"/>
+          <a:stretch>
+            <a:fillRect/>
+          </a:stretch>
+        </p:blipFill>
+        <p:spPr>
+          <a:xfrm>
+            <a:off x="4430506" y="1069635"/>
+            <a:ext cx="3330987" cy="4718730"/>
+          </a:xfrm>
+          <a:prstGeom prst="rect">
+            <a:avLst/>
+          </a:prstGeom>
+        </p:spPr>
+      </p:pic>
+      <p:pic>
+        <p:nvPicPr>
+          <p:cNvPr id="15" name="図 14">
+            <a:extLst>
+              <a:ext uri="{FF2B5EF4-FFF2-40B4-BE49-F238E27FC236}">
+                <a16:creationId xmlns:a16="http://schemas.microsoft.com/office/drawing/2014/main" id="{A6028CEF-FB44-4477-9964-1B53F12C7C86}"/>
+              </a:ext>
+            </a:extLst>
+          </p:cNvPr>
+          <p:cNvPicPr>
+            <a:picLocks noChangeAspect="1"/>
+          </p:cNvPicPr>
+          <p:nvPr/>
+        </p:nvPicPr>
+        <p:blipFill>
+          <a:blip r:embed="rId4"/>
+          <a:stretch>
+            <a:fillRect/>
+          </a:stretch>
+        </p:blipFill>
+        <p:spPr>
+          <a:xfrm>
+            <a:off x="359880" y="1069635"/>
+            <a:ext cx="3330986" cy="4718730"/>
+          </a:xfrm>
+          <a:prstGeom prst="rect">
+            <a:avLst/>
+          </a:prstGeom>
+        </p:spPr>
+      </p:pic>
+      <p:sp>
+        <p:nvSpPr>
+          <p:cNvPr id="18" name="正方形/長方形 17">
+            <a:extLst>
+              <a:ext uri="{FF2B5EF4-FFF2-40B4-BE49-F238E27FC236}">
+                <a16:creationId xmlns:a16="http://schemas.microsoft.com/office/drawing/2014/main" id="{334457D3-5FF4-4EF5-910C-FE798F70F4FD}"/>
+              </a:ext>
+            </a:extLst>
+          </p:cNvPr>
+          <p:cNvSpPr/>
+          <p:nvPr/>
+        </p:nvSpPr>
+        <p:spPr>
+          <a:xfrm>
+            <a:off x="359880" y="5526157"/>
+            <a:ext cx="3330986" cy="1139686"/>
+          </a:xfrm>
+          <a:prstGeom prst="rect">
+            <a:avLst/>
+          </a:prstGeom>
+        </p:spPr>
+        <p:style>
+          <a:lnRef idx="2">
+            <a:schemeClr val="accent1">
+              <a:shade val="50000"/>
+            </a:schemeClr>
+          </a:lnRef>
+          <a:fillRef idx="1">
+            <a:schemeClr val="accent1"/>
+          </a:fillRef>
+          <a:effectRef idx="0">
+            <a:schemeClr val="accent1"/>
+          </a:effectRef>
+          <a:fontRef idx="minor">
+            <a:schemeClr val="lt1"/>
+          </a:fontRef>
+        </p:style>
+        <p:txBody>
+          <a:bodyPr rtlCol="0" anchor="ctr"/>
+          <a:lstStyle/>
+          <a:p>
+            <a:pPr algn="ctr"/>
+            <a:r>
+              <a:rPr kumimoji="1" lang="ja-JP" altLang="en-US" sz="2800" dirty="0"/>
+              <a:t>ログイン画面</a:t>
+            </a:r>
+            <a:endParaRPr kumimoji="1" lang="en-US" sz="2800" dirty="0"/>
+          </a:p>
+        </p:txBody>
+      </p:sp>
+      <p:sp>
+        <p:nvSpPr>
+          <p:cNvPr id="19" name="正方形/長方形 18">
+            <a:extLst>
+              <a:ext uri="{FF2B5EF4-FFF2-40B4-BE49-F238E27FC236}">
+                <a16:creationId xmlns:a16="http://schemas.microsoft.com/office/drawing/2014/main" id="{797EC486-7AE0-4E3B-BE92-EB0662D58BC9}"/>
+              </a:ext>
+            </a:extLst>
+          </p:cNvPr>
+          <p:cNvSpPr/>
+          <p:nvPr/>
+        </p:nvSpPr>
+        <p:spPr>
+          <a:xfrm>
+            <a:off x="8501134" y="5526157"/>
+            <a:ext cx="3330986" cy="1139686"/>
+          </a:xfrm>
+          <a:prstGeom prst="rect">
+            <a:avLst/>
+          </a:prstGeom>
+        </p:spPr>
+        <p:style>
+          <a:lnRef idx="2">
+            <a:schemeClr val="accent1">
+              <a:shade val="50000"/>
+            </a:schemeClr>
+          </a:lnRef>
+          <a:fillRef idx="1">
+            <a:schemeClr val="accent1"/>
+          </a:fillRef>
+          <a:effectRef idx="0">
+            <a:schemeClr val="accent1"/>
+          </a:effectRef>
+          <a:fontRef idx="minor">
+            <a:schemeClr val="lt1"/>
+          </a:fontRef>
+        </p:style>
+        <p:txBody>
+          <a:bodyPr rtlCol="0" anchor="ctr"/>
+          <a:lstStyle/>
+          <a:p>
+            <a:pPr algn="ctr"/>
+            <a:r>
+              <a:rPr kumimoji="1" lang="ja-JP" altLang="en-US" sz="2800" dirty="0"/>
+              <a:t>メニューの画面</a:t>
+            </a:r>
+            <a:endParaRPr kumimoji="1" lang="en-US" sz="2800" dirty="0"/>
+          </a:p>
+        </p:txBody>
+      </p:sp>
+      <p:sp>
+        <p:nvSpPr>
+          <p:cNvPr id="20" name="正方形/長方形 19">
+            <a:extLst>
+              <a:ext uri="{FF2B5EF4-FFF2-40B4-BE49-F238E27FC236}">
+                <a16:creationId xmlns:a16="http://schemas.microsoft.com/office/drawing/2014/main" id="{11110A32-E890-4713-A105-0C1F6276192E}"/>
+              </a:ext>
+            </a:extLst>
+          </p:cNvPr>
+          <p:cNvSpPr/>
+          <p:nvPr/>
+        </p:nvSpPr>
+        <p:spPr>
+          <a:xfrm>
+            <a:off x="4430507" y="5525448"/>
+            <a:ext cx="3330986" cy="1139686"/>
+          </a:xfrm>
+          <a:prstGeom prst="rect">
+            <a:avLst/>
+          </a:prstGeom>
+        </p:spPr>
+        <p:style>
+          <a:lnRef idx="2">
+            <a:schemeClr val="accent1">
+              <a:shade val="50000"/>
+            </a:schemeClr>
+          </a:lnRef>
+          <a:fillRef idx="1">
+            <a:schemeClr val="accent1"/>
+          </a:fillRef>
+          <a:effectRef idx="0">
+            <a:schemeClr val="accent1"/>
+          </a:effectRef>
+          <a:fontRef idx="minor">
+            <a:schemeClr val="lt1"/>
+          </a:fontRef>
+        </p:style>
+        <p:txBody>
+          <a:bodyPr rtlCol="0" anchor="ctr"/>
+          <a:lstStyle/>
+          <a:p>
+            <a:pPr algn="ctr"/>
+            <a:r>
+              <a:rPr lang="ja-JP" altLang="en-US" sz="2800" dirty="0"/>
+              <a:t>ホーム画面</a:t>
+            </a:r>
+            <a:endParaRPr lang="en-US" sz="2800" dirty="0"/>
+          </a:p>
+        </p:txBody>
+      </p:sp>
     </p:spTree>
     <p:extLst>
       <p:ext uri="{BB962C8B-B14F-4D97-AF65-F5344CB8AC3E}">
@@ -10301,6 +7757,166 @@
           <a:chExt cx="0" cy="0"/>
         </a:xfrm>
       </p:grpSpPr>
+      <p:pic>
+        <p:nvPicPr>
+          <p:cNvPr id="2" name="図 1">
+            <a:extLst>
+              <a:ext uri="{FF2B5EF4-FFF2-40B4-BE49-F238E27FC236}">
+                <a16:creationId xmlns:a16="http://schemas.microsoft.com/office/drawing/2014/main" id="{AA07EFEA-54FC-427F-816C-82467C8C180F}"/>
+              </a:ext>
+            </a:extLst>
+          </p:cNvPr>
+          <p:cNvPicPr>
+            <a:picLocks noChangeAspect="1"/>
+          </p:cNvPicPr>
+          <p:nvPr/>
+        </p:nvPicPr>
+        <p:blipFill>
+          <a:blip r:embed="rId2"/>
+          <a:stretch>
+            <a:fillRect/>
+          </a:stretch>
+        </p:blipFill>
+        <p:spPr>
+          <a:xfrm>
+            <a:off x="6869640" y="1209820"/>
+            <a:ext cx="3411344" cy="4895557"/>
+          </a:xfrm>
+          <a:prstGeom prst="rect">
+            <a:avLst/>
+          </a:prstGeom>
+        </p:spPr>
+      </p:pic>
+      <p:pic>
+        <p:nvPicPr>
+          <p:cNvPr id="3" name="図 2">
+            <a:extLst>
+              <a:ext uri="{FF2B5EF4-FFF2-40B4-BE49-F238E27FC236}">
+                <a16:creationId xmlns:a16="http://schemas.microsoft.com/office/drawing/2014/main" id="{DB19C1E2-8838-4C5D-A793-2FDDA249898D}"/>
+              </a:ext>
+            </a:extLst>
+          </p:cNvPr>
+          <p:cNvPicPr>
+            <a:picLocks noChangeAspect="1"/>
+          </p:cNvPicPr>
+          <p:nvPr/>
+        </p:nvPicPr>
+        <p:blipFill>
+          <a:blip r:embed="rId3"/>
+          <a:stretch>
+            <a:fillRect/>
+          </a:stretch>
+        </p:blipFill>
+        <p:spPr>
+          <a:xfrm>
+            <a:off x="1094925" y="1209821"/>
+            <a:ext cx="3411344" cy="4895557"/>
+          </a:xfrm>
+          <a:prstGeom prst="rect">
+            <a:avLst/>
+          </a:prstGeom>
+        </p:spPr>
+      </p:pic>
+      <p:sp>
+        <p:nvSpPr>
+          <p:cNvPr id="4" name="正方形/長方形 3">
+            <a:extLst>
+              <a:ext uri="{FF2B5EF4-FFF2-40B4-BE49-F238E27FC236}">
+                <a16:creationId xmlns:a16="http://schemas.microsoft.com/office/drawing/2014/main" id="{0936F9AA-F210-494A-8B5F-4F686262EAB2}"/>
+              </a:ext>
+            </a:extLst>
+          </p:cNvPr>
+          <p:cNvSpPr/>
+          <p:nvPr/>
+        </p:nvSpPr>
+        <p:spPr>
+          <a:xfrm>
+            <a:off x="1135104" y="5648180"/>
+            <a:ext cx="3330986" cy="1139686"/>
+          </a:xfrm>
+          <a:prstGeom prst="rect">
+            <a:avLst/>
+          </a:prstGeom>
+        </p:spPr>
+        <p:style>
+          <a:lnRef idx="2">
+            <a:schemeClr val="accent1">
+              <a:shade val="50000"/>
+            </a:schemeClr>
+          </a:lnRef>
+          <a:fillRef idx="1">
+            <a:schemeClr val="accent1"/>
+          </a:fillRef>
+          <a:effectRef idx="0">
+            <a:schemeClr val="accent1"/>
+          </a:effectRef>
+          <a:fontRef idx="minor">
+            <a:schemeClr val="lt1"/>
+          </a:fontRef>
+        </p:style>
+        <p:txBody>
+          <a:bodyPr rtlCol="0" anchor="ctr"/>
+          <a:lstStyle/>
+          <a:p>
+            <a:pPr algn="ctr"/>
+            <a:r>
+              <a:rPr kumimoji="1" lang="ja-JP" altLang="en-US" sz="2800" dirty="0"/>
+              <a:t>購入済み確認画面</a:t>
+            </a:r>
+            <a:endParaRPr kumimoji="1" lang="en-US" sz="2800" dirty="0"/>
+          </a:p>
+        </p:txBody>
+      </p:sp>
+      <p:sp>
+        <p:nvSpPr>
+          <p:cNvPr id="5" name="正方形/長方形 4">
+            <a:extLst>
+              <a:ext uri="{FF2B5EF4-FFF2-40B4-BE49-F238E27FC236}">
+                <a16:creationId xmlns:a16="http://schemas.microsoft.com/office/drawing/2014/main" id="{012D6EA0-FE46-4486-A3B1-943DD86F0B58}"/>
+              </a:ext>
+            </a:extLst>
+          </p:cNvPr>
+          <p:cNvSpPr/>
+          <p:nvPr/>
+        </p:nvSpPr>
+        <p:spPr>
+          <a:xfrm>
+            <a:off x="6909819" y="5648180"/>
+            <a:ext cx="3330986" cy="1139686"/>
+          </a:xfrm>
+          <a:prstGeom prst="rect">
+            <a:avLst/>
+          </a:prstGeom>
+        </p:spPr>
+        <p:style>
+          <a:lnRef idx="2">
+            <a:schemeClr val="accent1">
+              <a:shade val="50000"/>
+            </a:schemeClr>
+          </a:lnRef>
+          <a:fillRef idx="1">
+            <a:schemeClr val="accent1"/>
+          </a:fillRef>
+          <a:effectRef idx="0">
+            <a:schemeClr val="accent1"/>
+          </a:effectRef>
+          <a:fontRef idx="minor">
+            <a:schemeClr val="lt1"/>
+          </a:fontRef>
+        </p:style>
+        <p:txBody>
+          <a:bodyPr rtlCol="0" anchor="ctr"/>
+          <a:lstStyle/>
+          <a:p>
+            <a:pPr algn="ctr"/>
+            <a:r>
+              <a:rPr kumimoji="1" lang="ja-JP" altLang="en-US" sz="2800"/>
+              <a:t>購入画面</a:t>
+            </a:r>
+            <a:endParaRPr kumimoji="1" lang="en-US" sz="2800" dirty="0"/>
+          </a:p>
+        </p:txBody>
+      </p:sp>
     </p:spTree>
     <p:extLst>
       <p:ext uri="{BB962C8B-B14F-4D97-AF65-F5344CB8AC3E}">

--- a/powerpoint/一人に一台食券機の時代.pptx
+++ b/powerpoint/一人に一台食券機の時代.pptx
@@ -302,7 +302,7 @@
             <a:fld id="{8E36636D-D922-432D-A958-524484B5923D}" type="datetimeFigureOut">
               <a:rPr lang="en-US" dirty="0"/>
               <a:pPr/>
-              <a:t>6/27/2019</a:t>
+              <a:t>6/29/2019</a:t>
             </a:fld>
             <a:endParaRPr lang="en-US" dirty="0"/>
           </a:p>
@@ -596,7 +596,7 @@
           <a:p>
             <a:fld id="{48A87A34-81AB-432B-8DAE-1953F412C126}" type="datetimeFigureOut">
               <a:rPr lang="en-US" dirty="0"/>
-              <a:t>6/27/2019</a:t>
+              <a:t>6/29/2019</a:t>
             </a:fld>
             <a:endParaRPr lang="en-US" dirty="0"/>
           </a:p>
@@ -783,7 +783,7 @@
           <a:p>
             <a:fld id="{48A87A34-81AB-432B-8DAE-1953F412C126}" type="datetimeFigureOut">
               <a:rPr lang="en-US" dirty="0"/>
-              <a:t>6/27/2019</a:t>
+              <a:t>6/29/2019</a:t>
             </a:fld>
             <a:endParaRPr lang="en-US" dirty="0"/>
           </a:p>
@@ -1039,7 +1039,7 @@
           <a:p>
             <a:fld id="{48A87A34-81AB-432B-8DAE-1953F412C126}" type="datetimeFigureOut">
               <a:rPr lang="en-US" dirty="0"/>
-              <a:t>6/27/2019</a:t>
+              <a:t>6/29/2019</a:t>
             </a:fld>
             <a:endParaRPr lang="en-US" dirty="0"/>
           </a:p>
@@ -1458,7 +1458,7 @@
           <a:p>
             <a:fld id="{48A87A34-81AB-432B-8DAE-1953F412C126}" type="datetimeFigureOut">
               <a:rPr lang="en-US" dirty="0"/>
-              <a:t>6/27/2019</a:t>
+              <a:t>6/29/2019</a:t>
             </a:fld>
             <a:endParaRPr lang="en-US" dirty="0"/>
           </a:p>
@@ -1990,7 +1990,7 @@
           <a:p>
             <a:fld id="{48A87A34-81AB-432B-8DAE-1953F412C126}" type="datetimeFigureOut">
               <a:rPr lang="en-US" dirty="0"/>
-              <a:t>6/27/2019</a:t>
+              <a:t>6/29/2019</a:t>
             </a:fld>
             <a:endParaRPr lang="en-US" dirty="0"/>
           </a:p>
@@ -2849,7 +2849,7 @@
           <a:p>
             <a:fld id="{48A87A34-81AB-432B-8DAE-1953F412C126}" type="datetimeFigureOut">
               <a:rPr lang="en-US" dirty="0"/>
-              <a:t>6/27/2019</a:t>
+              <a:t>6/29/2019</a:t>
             </a:fld>
             <a:endParaRPr lang="en-US" dirty="0"/>
           </a:p>
@@ -3047,7 +3047,7 @@
             <a:fld id="{8E36636D-D922-432D-A958-524484B5923D}" type="datetimeFigureOut">
               <a:rPr lang="en-US" dirty="0"/>
               <a:pPr/>
-              <a:t>6/27/2019</a:t>
+              <a:t>6/29/2019</a:t>
             </a:fld>
             <a:endParaRPr lang="en-US" dirty="0"/>
           </a:p>
@@ -3260,7 +3260,7 @@
             <a:fld id="{8E36636D-D922-432D-A958-524484B5923D}" type="datetimeFigureOut">
               <a:rPr lang="en-US" dirty="0"/>
               <a:pPr/>
-              <a:t>6/27/2019</a:t>
+              <a:t>6/29/2019</a:t>
             </a:fld>
             <a:endParaRPr lang="en-US" dirty="0"/>
           </a:p>
@@ -3459,7 +3459,7 @@
             <a:fld id="{8E36636D-D922-432D-A958-524484B5923D}" type="datetimeFigureOut">
               <a:rPr lang="en-US" dirty="0"/>
               <a:pPr/>
-              <a:t>6/27/2019</a:t>
+              <a:t>6/29/2019</a:t>
             </a:fld>
             <a:endParaRPr lang="en-US" dirty="0"/>
           </a:p>
@@ -3700,7 +3700,7 @@
             <a:fld id="{8E36636D-D922-432D-A958-524484B5923D}" type="datetimeFigureOut">
               <a:rPr lang="en-US" dirty="0"/>
               <a:pPr/>
-              <a:t>6/27/2019</a:t>
+              <a:t>6/29/2019</a:t>
             </a:fld>
             <a:endParaRPr lang="en-US" dirty="0"/>
           </a:p>
@@ -3997,7 +3997,7 @@
             <a:fld id="{8E36636D-D922-432D-A958-524484B5923D}" type="datetimeFigureOut">
               <a:rPr lang="en-US" dirty="0"/>
               <a:pPr/>
-              <a:t>6/27/2019</a:t>
+              <a:t>6/29/2019</a:t>
             </a:fld>
             <a:endParaRPr lang="en-US" dirty="0"/>
           </a:p>
@@ -4524,7 +4524,7 @@
             <a:fld id="{8E36636D-D922-432D-A958-524484B5923D}" type="datetimeFigureOut">
               <a:rPr lang="en-US" dirty="0"/>
               <a:pPr/>
-              <a:t>6/27/2019</a:t>
+              <a:t>6/29/2019</a:t>
             </a:fld>
             <a:endParaRPr lang="en-US" dirty="0"/>
           </a:p>
@@ -4639,7 +4639,7 @@
             <a:fld id="{8E36636D-D922-432D-A958-524484B5923D}" type="datetimeFigureOut">
               <a:rPr lang="en-US" dirty="0"/>
               <a:pPr/>
-              <a:t>6/27/2019</a:t>
+              <a:t>6/29/2019</a:t>
             </a:fld>
             <a:endParaRPr lang="en-US" dirty="0"/>
           </a:p>
@@ -4731,7 +4731,7 @@
             <a:fld id="{8E36636D-D922-432D-A958-524484B5923D}" type="datetimeFigureOut">
               <a:rPr lang="en-US" dirty="0"/>
               <a:pPr/>
-              <a:t>6/27/2019</a:t>
+              <a:t>6/29/2019</a:t>
             </a:fld>
             <a:endParaRPr lang="en-US" dirty="0"/>
           </a:p>
@@ -5058,7 +5058,7 @@
             <a:fld id="{8E36636D-D922-432D-A958-524484B5923D}" type="datetimeFigureOut">
               <a:rPr lang="en-US" dirty="0"/>
               <a:pPr/>
-              <a:t>6/27/2019</a:t>
+              <a:t>6/29/2019</a:t>
             </a:fld>
             <a:endParaRPr lang="en-US" dirty="0"/>
           </a:p>
@@ -5355,7 +5355,7 @@
             <a:fld id="{8E36636D-D922-432D-A958-524484B5923D}" type="datetimeFigureOut">
               <a:rPr lang="en-US" dirty="0"/>
               <a:pPr/>
-              <a:t>6/27/2019</a:t>
+              <a:t>6/29/2019</a:t>
             </a:fld>
             <a:endParaRPr lang="en-US" dirty="0"/>
           </a:p>
@@ -5618,7 +5618,7 @@
             <a:fld id="{8E36636D-D922-432D-A958-524484B5923D}" type="datetimeFigureOut">
               <a:rPr lang="en-US" dirty="0"/>
               <a:pPr/>
-              <a:t>6/27/2019</a:t>
+              <a:t>6/29/2019</a:t>
             </a:fld>
             <a:endParaRPr lang="en-US" dirty="0"/>
           </a:p>
@@ -7917,6 +7917,60 @@
           </a:p>
         </p:txBody>
       </p:sp>
+      <p:sp>
+        <p:nvSpPr>
+          <p:cNvPr id="6" name="正方形/長方形 5">
+            <a:extLst>
+              <a:ext uri="{FF2B5EF4-FFF2-40B4-BE49-F238E27FC236}">
+                <a16:creationId xmlns:a16="http://schemas.microsoft.com/office/drawing/2014/main" id="{6DB0973D-B7F6-472D-BDEB-E7A8168E1E27}"/>
+              </a:ext>
+            </a:extLst>
+          </p:cNvPr>
+          <p:cNvSpPr/>
+          <p:nvPr/>
+        </p:nvSpPr>
+        <p:spPr>
+          <a:xfrm>
+            <a:off x="-271207" y="-89886"/>
+            <a:ext cx="4363147" cy="923330"/>
+          </a:xfrm>
+          <a:prstGeom prst="rect">
+            <a:avLst/>
+          </a:prstGeom>
+        </p:spPr>
+        <p:txBody>
+          <a:bodyPr wrap="square">
+            <a:spAutoFit/>
+          </a:bodyPr>
+          <a:lstStyle/>
+          <a:p>
+            <a:pPr algn="ctr"/>
+            <a:r>
+              <a:rPr lang="en-US" altLang="ja-JP" sz="5400" dirty="0">
+                <a:ln w="0"/>
+                <a:effectLst>
+                  <a:outerShdw blurRad="38100" dist="19050" dir="2700000" algn="tl" rotWithShape="0">
+                    <a:schemeClr val="dk1">
+                      <a:alpha val="40000"/>
+                    </a:schemeClr>
+                  </a:outerShdw>
+                </a:effectLst>
+              </a:rPr>
+              <a:t>Our product</a:t>
+            </a:r>
+            <a:endParaRPr lang="ja-JP" altLang="en-US" sz="5400" dirty="0">
+              <a:ln w="0"/>
+              <a:effectLst>
+                <a:outerShdw blurRad="38100" dist="19050" dir="2700000" algn="tl" rotWithShape="0">
+                  <a:schemeClr val="dk1">
+                    <a:alpha val="40000"/>
+                  </a:schemeClr>
+                </a:outerShdw>
+              </a:effectLst>
+            </a:endParaRPr>
+          </a:p>
+        </p:txBody>
+      </p:sp>
     </p:spTree>
     <p:extLst>
       <p:ext uri="{BB962C8B-B14F-4D97-AF65-F5344CB8AC3E}">
